--- a/docs/git-seminar-pt.pptx
+++ b/docs/git-seminar-pt.pptx
@@ -5,7 +5,7 @@
     <p:sldMasterId id="2147483660" r:id="rId1"/>
   </p:sldMasterIdLst>
   <p:notesMasterIdLst>
-    <p:notesMasterId r:id="rId47"/>
+    <p:notesMasterId r:id="rId48"/>
   </p:notesMasterIdLst>
   <p:sldIdLst>
     <p:sldId id="257" r:id="rId2"/>
@@ -23,36 +23,37 @@
     <p:sldId id="274" r:id="rId14"/>
     <p:sldId id="318" r:id="rId15"/>
     <p:sldId id="276" r:id="rId16"/>
-    <p:sldId id="279" r:id="rId17"/>
-    <p:sldId id="298" r:id="rId18"/>
-    <p:sldId id="319" r:id="rId19"/>
+    <p:sldId id="331" r:id="rId17"/>
+    <p:sldId id="319" r:id="rId18"/>
+    <p:sldId id="288" r:id="rId19"/>
     <p:sldId id="277" r:id="rId20"/>
-    <p:sldId id="280" r:id="rId21"/>
-    <p:sldId id="315" r:id="rId22"/>
-    <p:sldId id="284" r:id="rId23"/>
-    <p:sldId id="278" r:id="rId24"/>
-    <p:sldId id="282" r:id="rId25"/>
-    <p:sldId id="288" r:id="rId26"/>
+    <p:sldId id="332" r:id="rId21"/>
+    <p:sldId id="333" r:id="rId22"/>
+    <p:sldId id="334" r:id="rId23"/>
+    <p:sldId id="335" r:id="rId24"/>
+    <p:sldId id="284" r:id="rId25"/>
+    <p:sldId id="282" r:id="rId26"/>
     <p:sldId id="289" r:id="rId27"/>
     <p:sldId id="296" r:id="rId28"/>
     <p:sldId id="295" r:id="rId29"/>
     <p:sldId id="293" r:id="rId30"/>
     <p:sldId id="304" r:id="rId31"/>
     <p:sldId id="297" r:id="rId32"/>
-    <p:sldId id="299" r:id="rId33"/>
-    <p:sldId id="310" r:id="rId34"/>
-    <p:sldId id="308" r:id="rId35"/>
-    <p:sldId id="309" r:id="rId36"/>
-    <p:sldId id="324" r:id="rId37"/>
-    <p:sldId id="305" r:id="rId38"/>
-    <p:sldId id="311" r:id="rId39"/>
-    <p:sldId id="312" r:id="rId40"/>
-    <p:sldId id="317" r:id="rId41"/>
-    <p:sldId id="320" r:id="rId42"/>
-    <p:sldId id="300" r:id="rId43"/>
-    <p:sldId id="321" r:id="rId44"/>
-    <p:sldId id="323" r:id="rId45"/>
-    <p:sldId id="261" r:id="rId46"/>
+    <p:sldId id="278" r:id="rId33"/>
+    <p:sldId id="299" r:id="rId34"/>
+    <p:sldId id="310" r:id="rId35"/>
+    <p:sldId id="308" r:id="rId36"/>
+    <p:sldId id="309" r:id="rId37"/>
+    <p:sldId id="324" r:id="rId38"/>
+    <p:sldId id="305" r:id="rId39"/>
+    <p:sldId id="311" r:id="rId40"/>
+    <p:sldId id="312" r:id="rId41"/>
+    <p:sldId id="317" r:id="rId42"/>
+    <p:sldId id="320" r:id="rId43"/>
+    <p:sldId id="300" r:id="rId44"/>
+    <p:sldId id="321" r:id="rId45"/>
+    <p:sldId id="323" r:id="rId46"/>
+    <p:sldId id="261" r:id="rId47"/>
   </p:sldIdLst>
   <p:sldSz cx="12192000" cy="6858000"/>
   <p:notesSz cx="6858000" cy="9144000"/>
@@ -253,7 +254,7 @@
           <a:p>
             <a:fld id="{795CB595-A5A2-4C51-B665-CEFCF9B3D731}" type="datetimeFigureOut">
               <a:rPr lang="ko-KR" altLang="en-US" smtClean="0"/>
-              <a:t>2020-06-27</a:t>
+              <a:t>2020-06-28</a:t>
             </a:fld>
             <a:endParaRPr lang="ko-KR" altLang="en-US"/>
           </a:p>
@@ -656,7 +657,7 @@
                 </a:solidFill>
               </a:rPr>
               <a:pPr/>
-              <a:t>2020-06-27</a:t>
+              <a:t>2020-06-28</a:t>
             </a:fld>
             <a:endParaRPr lang="ko-KR" altLang="en-US">
               <a:solidFill>
@@ -856,7 +857,7 @@
                 </a:solidFill>
               </a:rPr>
               <a:pPr/>
-              <a:t>2020-06-27</a:t>
+              <a:t>2020-06-28</a:t>
             </a:fld>
             <a:endParaRPr lang="ko-KR" altLang="en-US">
               <a:solidFill>
@@ -1066,7 +1067,7 @@
                 </a:solidFill>
               </a:rPr>
               <a:pPr/>
-              <a:t>2020-06-27</a:t>
+              <a:t>2020-06-28</a:t>
             </a:fld>
             <a:endParaRPr lang="ko-KR" altLang="en-US">
               <a:solidFill>
@@ -1266,7 +1267,7 @@
                 </a:solidFill>
               </a:rPr>
               <a:pPr/>
-              <a:t>2020-06-27</a:t>
+              <a:t>2020-06-28</a:t>
             </a:fld>
             <a:endParaRPr lang="ko-KR" altLang="en-US">
               <a:solidFill>
@@ -1543,7 +1544,7 @@
                 </a:solidFill>
               </a:rPr>
               <a:pPr/>
-              <a:t>2020-06-27</a:t>
+              <a:t>2020-06-28</a:t>
             </a:fld>
             <a:endParaRPr lang="ko-KR" altLang="en-US">
               <a:solidFill>
@@ -1804,7 +1805,7 @@
                 </a:solidFill>
               </a:rPr>
               <a:pPr/>
-              <a:t>2020-06-27</a:t>
+              <a:t>2020-06-28</a:t>
             </a:fld>
             <a:endParaRPr lang="ko-KR" altLang="en-US">
               <a:solidFill>
@@ -2200,7 +2201,7 @@
                 </a:solidFill>
               </a:rPr>
               <a:pPr/>
-              <a:t>2020-06-27</a:t>
+              <a:t>2020-06-28</a:t>
             </a:fld>
             <a:endParaRPr lang="ko-KR" altLang="en-US">
               <a:solidFill>
@@ -2349,7 +2350,7 @@
                 </a:solidFill>
               </a:rPr>
               <a:pPr/>
-              <a:t>2020-06-27</a:t>
+              <a:t>2020-06-28</a:t>
             </a:fld>
             <a:endParaRPr lang="ko-KR" altLang="en-US">
               <a:solidFill>
@@ -2476,7 +2477,7 @@
                 </a:solidFill>
               </a:rPr>
               <a:pPr/>
-              <a:t>2020-06-27</a:t>
+              <a:t>2020-06-28</a:t>
             </a:fld>
             <a:endParaRPr lang="ko-KR" altLang="en-US">
               <a:solidFill>
@@ -2783,7 +2784,7 @@
                 </a:solidFill>
               </a:rPr>
               <a:pPr/>
-              <a:t>2020-06-27</a:t>
+              <a:t>2020-06-28</a:t>
             </a:fld>
             <a:endParaRPr lang="ko-KR" altLang="en-US">
               <a:solidFill>
@@ -3067,7 +3068,7 @@
                 </a:solidFill>
               </a:rPr>
               <a:pPr/>
-              <a:t>2020-06-27</a:t>
+              <a:t>2020-06-28</a:t>
             </a:fld>
             <a:endParaRPr lang="ko-KR" altLang="en-US">
               <a:solidFill>
@@ -3310,7 +3311,7 @@
                 </a:solidFill>
               </a:rPr>
               <a:pPr/>
-              <a:t>2020-06-27</a:t>
+              <a:t>2020-06-28</a:t>
             </a:fld>
             <a:endParaRPr lang="ko-KR" altLang="en-US">
               <a:solidFill>
@@ -16259,38 +16260,49 @@
                 <a:latin typeface="배달의민족 한나체 Air" panose="020B0600000101010101" pitchFamily="50" charset="-127"/>
                 <a:ea typeface="배달의민족 한나체 Air" panose="020B0600000101010101" pitchFamily="50" charset="-127"/>
               </a:rPr>
-              <a:t>Git</a:t>
+              <a:t>Atom</a:t>
             </a:r>
             <a:r>
               <a:rPr lang="ko-KR" altLang="en-US" sz="4800" dirty="0">
                 <a:latin typeface="배달의민족 한나체 Air" panose="020B0600000101010101" pitchFamily="50" charset="-127"/>
                 <a:ea typeface="배달의민족 한나체 Air" panose="020B0600000101010101" pitchFamily="50" charset="-127"/>
               </a:rPr>
-              <a:t> 무작정 </a:t>
-            </a:r>
-            <a:r>
-              <a:rPr lang="en-US" altLang="ko-KR" sz="4800" dirty="0">
-                <a:latin typeface="배달의민족 한나체 Air" panose="020B0600000101010101" pitchFamily="50" charset="-127"/>
-                <a:ea typeface="배달의민족 한나체 Air" panose="020B0600000101010101" pitchFamily="50" charset="-127"/>
-              </a:rPr>
-              <a:t>commit </a:t>
+              <a:t>으로 </a:t>
+            </a:r>
+            <a:r>
+              <a:rPr lang="ko-KR" altLang="en-US" sz="4800" dirty="0" err="1">
+                <a:latin typeface="배달의민족 한나체 Air" panose="020B0600000101010101" pitchFamily="50" charset="-127"/>
+                <a:ea typeface="배달의민족 한나체 Air" panose="020B0600000101010101" pitchFamily="50" charset="-127"/>
+              </a:rPr>
+              <a:t>커밋</a:t>
             </a:r>
             <a:r>
               <a:rPr lang="ko-KR" altLang="en-US" sz="4800" dirty="0">
                 <a:latin typeface="배달의민족 한나체 Air" panose="020B0600000101010101" pitchFamily="50" charset="-127"/>
                 <a:ea typeface="배달의민족 한나체 Air" panose="020B0600000101010101" pitchFamily="50" charset="-127"/>
               </a:rPr>
-              <a:t>해보기</a:t>
-            </a:r>
-          </a:p>
-        </p:txBody>
-      </p:sp>
-      <p:sp>
-        <p:nvSpPr>
-          <p:cNvPr id="14" name="TextBox 13">
+              <a:t> </a:t>
+            </a:r>
+            <a:r>
+              <a:rPr lang="ko-KR" altLang="en-US" sz="4800" dirty="0" err="1">
+                <a:latin typeface="배달의민족 한나체 Air" panose="020B0600000101010101" pitchFamily="50" charset="-127"/>
+                <a:ea typeface="배달의민족 한나체 Air" panose="020B0600000101010101" pitchFamily="50" charset="-127"/>
+              </a:rPr>
+              <a:t>만들어보기</a:t>
+            </a:r>
+            <a:endParaRPr lang="ko-KR" altLang="en-US" sz="4800" dirty="0">
+              <a:latin typeface="배달의민족 한나체 Air" panose="020B0600000101010101" pitchFamily="50" charset="-127"/>
+              <a:ea typeface="배달의민족 한나체 Air" panose="020B0600000101010101" pitchFamily="50" charset="-127"/>
+            </a:endParaRPr>
+          </a:p>
+        </p:txBody>
+      </p:sp>
+      <p:sp>
+        <p:nvSpPr>
+          <p:cNvPr id="15" name="TextBox 14">
             <a:extLst>
               <a:ext uri="{FF2B5EF4-FFF2-40B4-BE49-F238E27FC236}">
-                <a16:creationId xmlns:a16="http://schemas.microsoft.com/office/drawing/2014/main" id="{51493140-04A0-47E7-818D-80C341B34713}"/>
+                <a16:creationId xmlns:a16="http://schemas.microsoft.com/office/drawing/2014/main" id="{D2F6B12E-EAC7-4933-8415-EB8658A65D7C}"/>
               </a:ext>
             </a:extLst>
           </p:cNvPr>
@@ -16299,8 +16311,8 @@
         </p:nvSpPr>
         <p:spPr>
           <a:xfrm>
-            <a:off x="1154722" y="2675610"/>
-            <a:ext cx="10322169" cy="3046988"/>
+            <a:off x="3904052" y="3536294"/>
+            <a:ext cx="4383894" cy="830997"/>
           </a:xfrm>
           <a:prstGeom prst="rect">
             <a:avLst/>
@@ -16314,195 +16326,12 @@
           <a:lstStyle/>
           <a:p>
             <a:r>
-              <a:rPr lang="en-US" altLang="ko-KR" sz="3200" dirty="0">
-                <a:latin typeface="배달의민족 한나체 Air" panose="020B0600000101010101" pitchFamily="50" charset="-127"/>
-                <a:ea typeface="배달의민족 한나체 Air" panose="020B0600000101010101" pitchFamily="50" charset="-127"/>
-              </a:rPr>
-              <a:t>$ touch </a:t>
-            </a:r>
-            <a:r>
-              <a:rPr lang="en-US" altLang="ko-KR" sz="3200" dirty="0" err="1">
-                <a:latin typeface="배달의민족 한나체 Air" panose="020B0600000101010101" pitchFamily="50" charset="-127"/>
-                <a:ea typeface="배달의민족 한나체 Air" panose="020B0600000101010101" pitchFamily="50" charset="-127"/>
-              </a:rPr>
-              <a:t>main.c</a:t>
-            </a:r>
-            <a:endParaRPr lang="en-US" altLang="ko-KR" sz="3200" dirty="0">
-              <a:latin typeface="배달의민족 한나체 Air" panose="020B0600000101010101" pitchFamily="50" charset="-127"/>
-              <a:ea typeface="배달의민족 한나체 Air" panose="020B0600000101010101" pitchFamily="50" charset="-127"/>
-            </a:endParaRPr>
-          </a:p>
-          <a:p>
-            <a:r>
-              <a:rPr lang="en-US" altLang="ko-KR" sz="3200" dirty="0">
-                <a:latin typeface="배달의민족 한나체 Air" panose="020B0600000101010101" pitchFamily="50" charset="-127"/>
-                <a:ea typeface="배달의민족 한나체 Air" panose="020B0600000101010101" pitchFamily="50" charset="-127"/>
-              </a:rPr>
-              <a:t>$ git add </a:t>
-            </a:r>
-            <a:r>
-              <a:rPr lang="en-US" altLang="ko-KR" sz="3200" dirty="0" err="1">
-                <a:latin typeface="배달의민족 한나체 Air" panose="020B0600000101010101" pitchFamily="50" charset="-127"/>
-                <a:ea typeface="배달의민족 한나체 Air" panose="020B0600000101010101" pitchFamily="50" charset="-127"/>
-              </a:rPr>
-              <a:t>main.c</a:t>
-            </a:r>
-            <a:endParaRPr lang="en-US" altLang="ko-KR" sz="3200" dirty="0">
-              <a:latin typeface="배달의민족 한나체 Air" panose="020B0600000101010101" pitchFamily="50" charset="-127"/>
-              <a:ea typeface="배달의민족 한나체 Air" panose="020B0600000101010101" pitchFamily="50" charset="-127"/>
-            </a:endParaRPr>
-          </a:p>
-          <a:p>
-            <a:r>
-              <a:rPr lang="en-US" altLang="ko-KR" sz="3200" dirty="0">
-                <a:latin typeface="배달의민족 한나체 Air" panose="020B0600000101010101" pitchFamily="50" charset="-127"/>
-                <a:ea typeface="배달의민족 한나체 Air" panose="020B0600000101010101" pitchFamily="50" charset="-127"/>
-              </a:rPr>
-              <a:t>$ git config --local </a:t>
-            </a:r>
-            <a:r>
-              <a:rPr lang="en-US" altLang="ko-KR" sz="3200" dirty="0" err="1">
-                <a:latin typeface="배달의민족 한나체 Air" panose="020B0600000101010101" pitchFamily="50" charset="-127"/>
-                <a:ea typeface="배달의민족 한나체 Air" panose="020B0600000101010101" pitchFamily="50" charset="-127"/>
-              </a:rPr>
-              <a:t>user.email</a:t>
-            </a:r>
-            <a:r>
-              <a:rPr lang="en-US" altLang="ko-KR" sz="3200" dirty="0">
-                <a:latin typeface="배달의민족 한나체 Air" panose="020B0600000101010101" pitchFamily="50" charset="-127"/>
-                <a:ea typeface="배달의민족 한나체 Air" panose="020B0600000101010101" pitchFamily="50" charset="-127"/>
-              </a:rPr>
-              <a:t> “</a:t>
-            </a:r>
-            <a:r>
-              <a:rPr lang="ko-KR" altLang="en-US" sz="3200" dirty="0">
-                <a:latin typeface="배달의민족 한나체 Air" panose="020B0600000101010101" pitchFamily="50" charset="-127"/>
-                <a:ea typeface="배달의민족 한나체 Air" panose="020B0600000101010101" pitchFamily="50" charset="-127"/>
-              </a:rPr>
-              <a:t>이메일</a:t>
-            </a:r>
-            <a:r>
-              <a:rPr lang="en-US" altLang="ko-KR" sz="3200" dirty="0">
-                <a:latin typeface="배달의민족 한나체 Air" panose="020B0600000101010101" pitchFamily="50" charset="-127"/>
-                <a:ea typeface="배달의민족 한나체 Air" panose="020B0600000101010101" pitchFamily="50" charset="-127"/>
-              </a:rPr>
-              <a:t>”</a:t>
-            </a:r>
-          </a:p>
-          <a:p>
-            <a:r>
-              <a:rPr lang="en-US" altLang="ko-KR" sz="3200" dirty="0">
-                <a:latin typeface="배달의민족 한나체 Air" panose="020B0600000101010101" pitchFamily="50" charset="-127"/>
-                <a:ea typeface="배달의민족 한나체 Air" panose="020B0600000101010101" pitchFamily="50" charset="-127"/>
-              </a:rPr>
-              <a:t>$ git</a:t>
-            </a:r>
-            <a:r>
-              <a:rPr lang="ko-KR" altLang="en-US" sz="3200" dirty="0">
-                <a:latin typeface="배달의민족 한나체 Air" panose="020B0600000101010101" pitchFamily="50" charset="-127"/>
-                <a:ea typeface="배달의민족 한나체 Air" panose="020B0600000101010101" pitchFamily="50" charset="-127"/>
-              </a:rPr>
-              <a:t> </a:t>
-            </a:r>
-            <a:r>
-              <a:rPr lang="en-US" altLang="ko-KR" sz="3200" dirty="0">
-                <a:latin typeface="배달의민족 한나체 Air" panose="020B0600000101010101" pitchFamily="50" charset="-127"/>
-                <a:ea typeface="배달의민족 한나체 Air" panose="020B0600000101010101" pitchFamily="50" charset="-127"/>
-              </a:rPr>
-              <a:t>config</a:t>
-            </a:r>
-            <a:r>
-              <a:rPr lang="ko-KR" altLang="en-US" sz="3200" dirty="0">
-                <a:latin typeface="배달의민족 한나체 Air" panose="020B0600000101010101" pitchFamily="50" charset="-127"/>
-                <a:ea typeface="배달의민족 한나체 Air" panose="020B0600000101010101" pitchFamily="50" charset="-127"/>
-              </a:rPr>
-              <a:t> </a:t>
-            </a:r>
-            <a:r>
-              <a:rPr lang="en-US" altLang="ko-KR" sz="3200" dirty="0">
-                <a:latin typeface="배달의민족 한나체 Air" panose="020B0600000101010101" pitchFamily="50" charset="-127"/>
-                <a:ea typeface="배달의민족 한나체 Air" panose="020B0600000101010101" pitchFamily="50" charset="-127"/>
-              </a:rPr>
-              <a:t>--local</a:t>
-            </a:r>
-            <a:r>
-              <a:rPr lang="ko-KR" altLang="en-US" sz="3200" dirty="0">
-                <a:latin typeface="배달의민족 한나체 Air" panose="020B0600000101010101" pitchFamily="50" charset="-127"/>
-                <a:ea typeface="배달의민족 한나체 Air" panose="020B0600000101010101" pitchFamily="50" charset="-127"/>
-              </a:rPr>
-              <a:t> </a:t>
-            </a:r>
-            <a:r>
-              <a:rPr lang="en-US" altLang="ko-KR" sz="3200" dirty="0">
-                <a:latin typeface="배달의민족 한나체 Air" panose="020B0600000101010101" pitchFamily="50" charset="-127"/>
-                <a:ea typeface="배달의민족 한나체 Air" panose="020B0600000101010101" pitchFamily="50" charset="-127"/>
-              </a:rPr>
-              <a:t>user.name</a:t>
-            </a:r>
-            <a:r>
-              <a:rPr lang="ko-KR" altLang="en-US" sz="3200" dirty="0">
-                <a:latin typeface="배달의민족 한나체 Air" panose="020B0600000101010101" pitchFamily="50" charset="-127"/>
-                <a:ea typeface="배달의민족 한나체 Air" panose="020B0600000101010101" pitchFamily="50" charset="-127"/>
-              </a:rPr>
-              <a:t> </a:t>
-            </a:r>
-            <a:r>
-              <a:rPr lang="en-US" altLang="ko-KR" sz="3200" dirty="0">
-                <a:latin typeface="배달의민족 한나체 Air" panose="020B0600000101010101" pitchFamily="50" charset="-127"/>
-                <a:ea typeface="배달의민족 한나체 Air" panose="020B0600000101010101" pitchFamily="50" charset="-127"/>
-              </a:rPr>
-              <a:t>“</a:t>
-            </a:r>
-            <a:r>
-              <a:rPr lang="ko-KR" altLang="en-US" sz="3200" dirty="0">
-                <a:latin typeface="배달의민족 한나체 Air" panose="020B0600000101010101" pitchFamily="50" charset="-127"/>
-                <a:ea typeface="배달의민족 한나체 Air" panose="020B0600000101010101" pitchFamily="50" charset="-127"/>
-              </a:rPr>
-              <a:t>유저</a:t>
-            </a:r>
-            <a:r>
-              <a:rPr lang="en-US" altLang="ko-KR" sz="3200" dirty="0">
-                <a:latin typeface="배달의민족 한나체 Air" panose="020B0600000101010101" pitchFamily="50" charset="-127"/>
-                <a:ea typeface="배달의민족 한나체 Air" panose="020B0600000101010101" pitchFamily="50" charset="-127"/>
-              </a:rPr>
-              <a:t>”</a:t>
-            </a:r>
-          </a:p>
-          <a:p>
-            <a:r>
-              <a:rPr lang="en-US" altLang="ko-KR" sz="3200" dirty="0">
-                <a:latin typeface="배달의민족 한나체 Air" panose="020B0600000101010101" pitchFamily="50" charset="-127"/>
-                <a:ea typeface="배달의민족 한나체 Air" panose="020B0600000101010101" pitchFamily="50" charset="-127"/>
-              </a:rPr>
-              <a:t>$ git commit -m “first commit - add </a:t>
-            </a:r>
-            <a:r>
-              <a:rPr lang="en-US" altLang="ko-KR" sz="3200" dirty="0" err="1">
-                <a:latin typeface="배달의민족 한나체 Air" panose="020B0600000101010101" pitchFamily="50" charset="-127"/>
-                <a:ea typeface="배달의민족 한나체 Air" panose="020B0600000101010101" pitchFamily="50" charset="-127"/>
-              </a:rPr>
-              <a:t>main.c</a:t>
-            </a:r>
-            <a:r>
-              <a:rPr lang="en-US" altLang="ko-KR" sz="3200" dirty="0">
-                <a:latin typeface="배달의민족 한나체 Air" panose="020B0600000101010101" pitchFamily="50" charset="-127"/>
-                <a:ea typeface="배달의민족 한나체 Air" panose="020B0600000101010101" pitchFamily="50" charset="-127"/>
-              </a:rPr>
-              <a:t> file”</a:t>
-            </a:r>
-          </a:p>
-          <a:p>
-            <a:r>
-              <a:rPr lang="en-US" altLang="ko-KR" sz="3200" dirty="0">
-                <a:latin typeface="배달의민족 한나체 Air" panose="020B0600000101010101" pitchFamily="50" charset="-127"/>
-                <a:ea typeface="배달의민족 한나체 Air" panose="020B0600000101010101" pitchFamily="50" charset="-127"/>
-              </a:rPr>
-              <a:t>$ git log --all --graph</a:t>
-            </a:r>
-            <a:endParaRPr lang="ko-KR" altLang="en-US" sz="3200" dirty="0">
-              <a:latin typeface="배달의민족 한나체 Air" panose="020B0600000101010101" pitchFamily="50" charset="-127"/>
-              <a:ea typeface="배달의민족 한나체 Air" panose="020B0600000101010101" pitchFamily="50" charset="-127"/>
-            </a:endParaRPr>
+              <a:rPr lang="ko-KR" altLang="en-US" sz="4800" dirty="0">
+                <a:latin typeface="배달의민족 한나체 Air" panose="020B0600000101010101" pitchFamily="50" charset="-127"/>
+                <a:ea typeface="배달의민족 한나체 Air" panose="020B0600000101010101" pitchFamily="50" charset="-127"/>
+              </a:rPr>
+              <a:t>과정 블로그 참조</a:t>
+            </a:r>
           </a:p>
         </p:txBody>
       </p:sp>
@@ -16544,7 +16373,7 @@
         </p:nvSpPr>
         <p:spPr>
           <a:xfrm>
-            <a:off x="53786" y="-73391"/>
+            <a:off x="0" y="-1"/>
             <a:ext cx="12192000" cy="6830555"/>
           </a:xfrm>
           <a:prstGeom prst="rect">
@@ -16596,7 +16425,7 @@
         </p:nvSpPr>
         <p:spPr>
           <a:xfrm>
-            <a:off x="53786" y="-45884"/>
+            <a:off x="-1" y="0"/>
             <a:ext cx="12192000" cy="653143"/>
           </a:xfrm>
           <a:prstGeom prst="rect">
@@ -16992,7 +16821,7 @@
         </p:nvSpPr>
         <p:spPr>
           <a:xfrm>
-            <a:off x="527539" y="1279487"/>
+            <a:off x="492370" y="1248878"/>
             <a:ext cx="8932984" cy="830997"/>
           </a:xfrm>
           <a:prstGeom prst="rect">
@@ -17011,35 +16840,35 @@
                 <a:latin typeface="배달의민족 한나체 Air" panose="020B0600000101010101" pitchFamily="50" charset="-127"/>
                 <a:ea typeface="배달의민족 한나체 Air" panose="020B0600000101010101" pitchFamily="50" charset="-127"/>
               </a:rPr>
-              <a:t>Q&gt; </a:t>
+              <a:t>Bash</a:t>
             </a:r>
             <a:r>
               <a:rPr lang="ko-KR" altLang="en-US" sz="4800" dirty="0">
                 <a:latin typeface="배달의민족 한나체 Air" panose="020B0600000101010101" pitchFamily="50" charset="-127"/>
                 <a:ea typeface="배달의민족 한나체 Air" panose="020B0600000101010101" pitchFamily="50" charset="-127"/>
               </a:rPr>
-              <a:t>왜 유저</a:t>
-            </a:r>
-            <a:r>
-              <a:rPr lang="en-US" altLang="ko-KR" sz="4800" dirty="0">
-                <a:latin typeface="배달의민족 한나체 Air" panose="020B0600000101010101" pitchFamily="50" charset="-127"/>
-                <a:ea typeface="배달의민족 한나체 Air" panose="020B0600000101010101" pitchFamily="50" charset="-127"/>
-              </a:rPr>
-              <a:t> </a:t>
+              <a:t>로 </a:t>
+            </a:r>
+            <a:r>
+              <a:rPr lang="ko-KR" altLang="en-US" sz="4800" dirty="0" err="1">
+                <a:latin typeface="배달의민족 한나체 Air" panose="020B0600000101010101" pitchFamily="50" charset="-127"/>
+                <a:ea typeface="배달의민족 한나체 Air" panose="020B0600000101010101" pitchFamily="50" charset="-127"/>
+              </a:rPr>
+              <a:t>커밋</a:t>
             </a:r>
             <a:r>
               <a:rPr lang="ko-KR" altLang="en-US" sz="4800" dirty="0">
                 <a:latin typeface="배달의민족 한나체 Air" panose="020B0600000101010101" pitchFamily="50" charset="-127"/>
                 <a:ea typeface="배달의민족 한나체 Air" panose="020B0600000101010101" pitchFamily="50" charset="-127"/>
               </a:rPr>
-              <a:t>정보를 입력하는 건가요</a:t>
-            </a:r>
-            <a:r>
-              <a:rPr lang="en-US" altLang="ko-KR" sz="4800" dirty="0">
-                <a:latin typeface="배달의민족 한나체 Air" panose="020B0600000101010101" pitchFamily="50" charset="-127"/>
-                <a:ea typeface="배달의민족 한나체 Air" panose="020B0600000101010101" pitchFamily="50" charset="-127"/>
-              </a:rPr>
-              <a:t>?</a:t>
+              <a:t> 이어서 </a:t>
+            </a:r>
+            <a:r>
+              <a:rPr lang="ko-KR" altLang="en-US" sz="4800" dirty="0" err="1">
+                <a:latin typeface="배달의민족 한나체 Air" panose="020B0600000101010101" pitchFamily="50" charset="-127"/>
+                <a:ea typeface="배달의민족 한나체 Air" panose="020B0600000101010101" pitchFamily="50" charset="-127"/>
+              </a:rPr>
+              <a:t>만들어보기</a:t>
             </a:r>
             <a:endParaRPr lang="ko-KR" altLang="en-US" sz="4800" dirty="0">
               <a:latin typeface="배달의민족 한나체 Air" panose="020B0600000101010101" pitchFamily="50" charset="-127"/>
@@ -17050,10 +16879,10 @@
       </p:sp>
       <p:sp>
         <p:nvSpPr>
-          <p:cNvPr id="14" name="TextBox 13">
+          <p:cNvPr id="15" name="TextBox 14">
             <a:extLst>
               <a:ext uri="{FF2B5EF4-FFF2-40B4-BE49-F238E27FC236}">
-                <a16:creationId xmlns:a16="http://schemas.microsoft.com/office/drawing/2014/main" id="{51493140-04A0-47E7-818D-80C341B34713}"/>
+                <a16:creationId xmlns:a16="http://schemas.microsoft.com/office/drawing/2014/main" id="{D2F6B12E-EAC7-4933-8415-EB8658A65D7C}"/>
               </a:ext>
             </a:extLst>
           </p:cNvPr>
@@ -17062,8 +16891,8 @@
         </p:nvSpPr>
         <p:spPr>
           <a:xfrm>
-            <a:off x="934914" y="2649287"/>
-            <a:ext cx="10322169" cy="1754326"/>
+            <a:off x="3904052" y="3536294"/>
+            <a:ext cx="4383894" cy="830997"/>
           </a:xfrm>
           <a:prstGeom prst="rect">
             <a:avLst/>
@@ -17076,169 +16905,20 @@
           </a:bodyPr>
           <a:lstStyle/>
           <a:p>
-            <a:pPr marL="742950" indent="-742950">
-              <a:buAutoNum type="arabicPeriod"/>
-            </a:pPr>
-            <a:r>
-              <a:rPr lang="ko-KR" altLang="en-US" sz="3600" dirty="0">
-                <a:latin typeface="배달의민족 한나체 Air" panose="020B0600000101010101" pitchFamily="50" charset="-127"/>
-                <a:ea typeface="배달의민족 한나체 Air" panose="020B0600000101010101" pitchFamily="50" charset="-127"/>
-              </a:rPr>
-              <a:t>누가 </a:t>
-            </a:r>
-            <a:r>
-              <a:rPr lang="ko-KR" altLang="en-US" sz="3600" dirty="0" err="1">
-                <a:latin typeface="배달의민족 한나체 Air" panose="020B0600000101010101" pitchFamily="50" charset="-127"/>
-                <a:ea typeface="배달의민족 한나체 Air" panose="020B0600000101010101" pitchFamily="50" charset="-127"/>
-              </a:rPr>
-              <a:t>커밋을</a:t>
-            </a:r>
-            <a:r>
-              <a:rPr lang="ko-KR" altLang="en-US" sz="3600" dirty="0">
-                <a:latin typeface="배달의민족 한나체 Air" panose="020B0600000101010101" pitchFamily="50" charset="-127"/>
-                <a:ea typeface="배달의민족 한나체 Air" panose="020B0600000101010101" pitchFamily="50" charset="-127"/>
-              </a:rPr>
-              <a:t> 올렸는지 알아야 한다</a:t>
-            </a:r>
-            <a:r>
-              <a:rPr lang="en-US" altLang="ko-KR" sz="3600" dirty="0">
-                <a:latin typeface="배달의민족 한나체 Air" panose="020B0600000101010101" pitchFamily="50" charset="-127"/>
-                <a:ea typeface="배달의민족 한나체 Air" panose="020B0600000101010101" pitchFamily="50" charset="-127"/>
-              </a:rPr>
-              <a:t>. log</a:t>
-            </a:r>
-            <a:r>
-              <a:rPr lang="ko-KR" altLang="en-US" sz="3600" dirty="0">
-                <a:latin typeface="배달의민족 한나체 Air" panose="020B0600000101010101" pitchFamily="50" charset="-127"/>
-                <a:ea typeface="배달의민족 한나체 Air" panose="020B0600000101010101" pitchFamily="50" charset="-127"/>
-              </a:rPr>
-              <a:t>에서 관리된다</a:t>
-            </a:r>
-            <a:endParaRPr lang="en-US" altLang="ko-KR" sz="3600" dirty="0">
-              <a:latin typeface="배달의민족 한나체 Air" panose="020B0600000101010101" pitchFamily="50" charset="-127"/>
-              <a:ea typeface="배달의민족 한나체 Air" panose="020B0600000101010101" pitchFamily="50" charset="-127"/>
-            </a:endParaRPr>
-          </a:p>
-          <a:p>
-            <a:pPr marL="742950" indent="-742950">
-              <a:buAutoNum type="arabicPeriod"/>
-            </a:pPr>
-            <a:r>
-              <a:rPr lang="ko-KR" altLang="en-US" sz="3600" dirty="0">
-                <a:latin typeface="배달의민족 한나체 Air" panose="020B0600000101010101" pitchFamily="50" charset="-127"/>
-                <a:ea typeface="배달의민족 한나체 Air" panose="020B0600000101010101" pitchFamily="50" charset="-127"/>
-              </a:rPr>
-              <a:t>온라인 호스팅 사이트를 이용한다면 원격과 로컬을 연결하는 데 있어 반드시 서버 계정이 필요하다 </a:t>
-            </a:r>
-            <a:endParaRPr lang="ko-KR" altLang="en-US" sz="4000" dirty="0">
-              <a:latin typeface="배달의민족 한나체 Air" panose="020B0600000101010101" pitchFamily="50" charset="-127"/>
-              <a:ea typeface="배달의민족 한나체 Air" panose="020B0600000101010101" pitchFamily="50" charset="-127"/>
-            </a:endParaRPr>
-          </a:p>
-        </p:txBody>
-      </p:sp>
-      <p:sp>
-        <p:nvSpPr>
-          <p:cNvPr id="15" name="TextBox 14">
-            <a:extLst>
-              <a:ext uri="{FF2B5EF4-FFF2-40B4-BE49-F238E27FC236}">
-                <a16:creationId xmlns:a16="http://schemas.microsoft.com/office/drawing/2014/main" id="{CEB53FA8-D135-4F97-A335-D981BF79960F}"/>
-              </a:ext>
-            </a:extLst>
-          </p:cNvPr>
-          <p:cNvSpPr txBox="1"/>
-          <p:nvPr/>
-        </p:nvSpPr>
-        <p:spPr>
-          <a:xfrm>
-            <a:off x="1743767" y="4610892"/>
-            <a:ext cx="10322169" cy="2554545"/>
-          </a:xfrm>
-          <a:prstGeom prst="rect">
-            <a:avLst/>
-          </a:prstGeom>
-          <a:noFill/>
-        </p:spPr>
-        <p:txBody>
-          <a:bodyPr wrap="square" rtlCol="0">
-            <a:spAutoFit/>
-          </a:bodyPr>
-          <a:lstStyle/>
-          <a:p>
-            <a:r>
-              <a:rPr lang="en-US" altLang="ko-KR" sz="4000" dirty="0">
-                <a:latin typeface="배달의민족 한나체 Air" panose="020B0600000101010101" pitchFamily="50" charset="-127"/>
-                <a:ea typeface="배달의민족 한나체 Air" panose="020B0600000101010101" pitchFamily="50" charset="-127"/>
-              </a:rPr>
-              <a:t>$ git</a:t>
-            </a:r>
-            <a:r>
-              <a:rPr lang="ko-KR" altLang="en-US" sz="4000" dirty="0">
-                <a:latin typeface="배달의민족 한나체 Air" panose="020B0600000101010101" pitchFamily="50" charset="-127"/>
-                <a:ea typeface="배달의민족 한나체 Air" panose="020B0600000101010101" pitchFamily="50" charset="-127"/>
-              </a:rPr>
-              <a:t> </a:t>
-            </a:r>
-            <a:r>
-              <a:rPr lang="en-US" altLang="ko-KR" sz="4000" dirty="0">
-                <a:latin typeface="배달의민족 한나체 Air" panose="020B0600000101010101" pitchFamily="50" charset="-127"/>
-                <a:ea typeface="배달의민족 한나체 Air" panose="020B0600000101010101" pitchFamily="50" charset="-127"/>
-              </a:rPr>
-              <a:t>config --list</a:t>
-            </a:r>
-          </a:p>
-          <a:p>
-            <a:r>
-              <a:rPr lang="en-US" altLang="ko-KR" sz="4000" dirty="0">
-                <a:latin typeface="배달의민족 한나체 Air" panose="020B0600000101010101" pitchFamily="50" charset="-127"/>
-                <a:ea typeface="배달의민족 한나체 Air" panose="020B0600000101010101" pitchFamily="50" charset="-127"/>
-              </a:rPr>
-              <a:t>local</a:t>
-            </a:r>
-            <a:r>
-              <a:rPr lang="ko-KR" altLang="en-US" sz="4000" dirty="0">
-                <a:latin typeface="배달의민족 한나체 Air" panose="020B0600000101010101" pitchFamily="50" charset="-127"/>
-                <a:ea typeface="배달의민족 한나체 Air" panose="020B0600000101010101" pitchFamily="50" charset="-127"/>
-              </a:rPr>
-              <a:t>과 </a:t>
-            </a:r>
-            <a:r>
-              <a:rPr lang="en-US" altLang="ko-KR" sz="4000" dirty="0">
-                <a:latin typeface="배달의민족 한나체 Air" panose="020B0600000101010101" pitchFamily="50" charset="-127"/>
-                <a:ea typeface="배달의민족 한나체 Air" panose="020B0600000101010101" pitchFamily="50" charset="-127"/>
-              </a:rPr>
-              <a:t>global </a:t>
-            </a:r>
-            <a:r>
-              <a:rPr lang="ko-KR" altLang="en-US" sz="4000" dirty="0">
-                <a:latin typeface="배달의민족 한나체 Air" panose="020B0600000101010101" pitchFamily="50" charset="-127"/>
-                <a:ea typeface="배달의민족 한나체 Air" panose="020B0600000101010101" pitchFamily="50" charset="-127"/>
-              </a:rPr>
-              <a:t>차이 이해</a:t>
-            </a:r>
-            <a:endParaRPr lang="en-US" altLang="ko-KR" sz="4000" dirty="0">
-              <a:latin typeface="배달의민족 한나체 Air" panose="020B0600000101010101" pitchFamily="50" charset="-127"/>
-              <a:ea typeface="배달의민족 한나체 Air" panose="020B0600000101010101" pitchFamily="50" charset="-127"/>
-            </a:endParaRPr>
-          </a:p>
-          <a:p>
-            <a:endParaRPr lang="en-US" altLang="ko-KR" sz="4000" dirty="0">
-              <a:latin typeface="배달의민족 한나체 Air" panose="020B0600000101010101" pitchFamily="50" charset="-127"/>
-              <a:ea typeface="배달의민족 한나체 Air" panose="020B0600000101010101" pitchFamily="50" charset="-127"/>
-            </a:endParaRPr>
-          </a:p>
-          <a:p>
-            <a:endParaRPr lang="ko-KR" altLang="en-US" sz="4000" dirty="0">
-              <a:latin typeface="배달의민족 한나체 Air" panose="020B0600000101010101" pitchFamily="50" charset="-127"/>
-              <a:ea typeface="배달의민족 한나체 Air" panose="020B0600000101010101" pitchFamily="50" charset="-127"/>
-            </a:endParaRPr>
+            <a:r>
+              <a:rPr lang="ko-KR" altLang="en-US" sz="4800" dirty="0">
+                <a:latin typeface="배달의민족 한나체 Air" panose="020B0600000101010101" pitchFamily="50" charset="-127"/>
+                <a:ea typeface="배달의민족 한나체 Air" panose="020B0600000101010101" pitchFamily="50" charset="-127"/>
+              </a:rPr>
+              <a:t>과정 블로그 참조</a:t>
+            </a:r>
           </a:p>
         </p:txBody>
       </p:sp>
     </p:spTree>
     <p:extLst>
       <p:ext uri="{BB962C8B-B14F-4D97-AF65-F5344CB8AC3E}">
-        <p14:creationId xmlns:p14="http://schemas.microsoft.com/office/powerpoint/2010/main" val="192792854"/>
+        <p14:creationId xmlns:p14="http://schemas.microsoft.com/office/powerpoint/2010/main" val="731091878"/>
       </p:ext>
     </p:extLst>
   </p:cSld>
@@ -17722,7 +17402,7 @@
         <p:spPr>
           <a:xfrm>
             <a:off x="448409" y="1027130"/>
-            <a:ext cx="7190641" cy="707886"/>
+            <a:ext cx="8819159" cy="707886"/>
           </a:xfrm>
           <a:prstGeom prst="rect">
             <a:avLst/>
@@ -17736,170 +17416,63 @@
           <a:lstStyle/>
           <a:p>
             <a:r>
+              <a:rPr lang="ko-KR" altLang="en-US" sz="4000" dirty="0">
+                <a:latin typeface="배달의민족 한나체 Air" panose="020B0600000101010101" pitchFamily="50" charset="-127"/>
+                <a:ea typeface="배달의민족 한나체 Air" panose="020B0600000101010101" pitchFamily="50" charset="-127"/>
+              </a:rPr>
+              <a:t>실제 윈도우 폴더 작업으로 </a:t>
+            </a:r>
+            <a:r>
               <a:rPr lang="en-US" altLang="ko-KR" sz="4000" dirty="0">
                 <a:latin typeface="배달의민족 한나체 Air" panose="020B0600000101010101" pitchFamily="50" charset="-127"/>
                 <a:ea typeface="배달의민족 한나체 Air" panose="020B0600000101010101" pitchFamily="50" charset="-127"/>
               </a:rPr>
-              <a:t>&lt;</a:t>
+              <a:t>commit </a:t>
             </a:r>
             <a:r>
               <a:rPr lang="ko-KR" altLang="en-US" sz="4000" dirty="0">
                 <a:latin typeface="배달의민족 한나체 Air" panose="020B0600000101010101" pitchFamily="50" charset="-127"/>
                 <a:ea typeface="배달의민족 한나체 Air" panose="020B0600000101010101" pitchFamily="50" charset="-127"/>
               </a:rPr>
-              <a:t>추가</a:t>
-            </a:r>
-            <a:r>
-              <a:rPr lang="en-US" altLang="ko-KR" sz="4000" dirty="0">
-                <a:latin typeface="배달의민족 한나체 Air" panose="020B0600000101010101" pitchFamily="50" charset="-127"/>
-                <a:ea typeface="배달의민족 한나체 Air" panose="020B0600000101010101" pitchFamily="50" charset="-127"/>
-              </a:rPr>
-              <a:t>&gt; Git </a:t>
-            </a:r>
-            <a:r>
-              <a:rPr lang="ko-KR" altLang="en-US" sz="4000" dirty="0">
-                <a:latin typeface="배달의민족 한나체 Air" panose="020B0600000101010101" pitchFamily="50" charset="-127"/>
-                <a:ea typeface="배달의민족 한나체 Air" panose="020B0600000101010101" pitchFamily="50" charset="-127"/>
-              </a:rPr>
-              <a:t>에디터 변경</a:t>
-            </a:r>
-          </a:p>
-        </p:txBody>
-      </p:sp>
-      <p:sp>
-        <p:nvSpPr>
-          <p:cNvPr id="12" name="TextBox 11">
+              <a:t>이해하기</a:t>
+            </a:r>
+          </a:p>
+        </p:txBody>
+      </p:sp>
+      <p:pic>
+        <p:nvPicPr>
+          <p:cNvPr id="2" name="그림 1">
             <a:extLst>
               <a:ext uri="{FF2B5EF4-FFF2-40B4-BE49-F238E27FC236}">
-                <a16:creationId xmlns:a16="http://schemas.microsoft.com/office/drawing/2014/main" id="{C15E6283-CA66-48FC-9994-3CC96456AF61}"/>
+                <a16:creationId xmlns:a16="http://schemas.microsoft.com/office/drawing/2014/main" id="{A26F07D0-573B-4B57-A422-6C6DE99B215F}"/>
               </a:ext>
             </a:extLst>
           </p:cNvPr>
-          <p:cNvSpPr txBox="1"/>
-          <p:nvPr/>
-        </p:nvSpPr>
+          <p:cNvPicPr>
+            <a:picLocks noChangeAspect="1"/>
+          </p:cNvPicPr>
+          <p:nvPr/>
+        </p:nvPicPr>
+        <p:blipFill>
+          <a:blip r:embed="rId2"/>
+          <a:stretch>
+            <a:fillRect/>
+          </a:stretch>
+        </p:blipFill>
         <p:spPr>
           <a:xfrm>
-            <a:off x="1220664" y="2284727"/>
-            <a:ext cx="9750669" cy="830997"/>
+            <a:off x="1787830" y="2002903"/>
+            <a:ext cx="8616337" cy="4231473"/>
           </a:xfrm>
           <a:prstGeom prst="rect">
             <a:avLst/>
           </a:prstGeom>
-          <a:noFill/>
-        </p:spPr>
-        <p:txBody>
-          <a:bodyPr wrap="square" rtlCol="0">
-            <a:spAutoFit/>
-          </a:bodyPr>
-          <a:lstStyle/>
-          <a:p>
-            <a:r>
-              <a:rPr lang="en-US" altLang="ko-KR" sz="2400" dirty="0">
-                <a:latin typeface="배달의민족 한나체 Air" panose="020B0600000101010101" pitchFamily="50" charset="-127"/>
-                <a:ea typeface="배달의민족 한나체 Air" panose="020B0600000101010101" pitchFamily="50" charset="-127"/>
-              </a:rPr>
-              <a:t>Git</a:t>
-            </a:r>
-            <a:r>
-              <a:rPr lang="ko-KR" altLang="en-US" sz="2400" dirty="0">
-                <a:latin typeface="배달의민족 한나체 Air" panose="020B0600000101010101" pitchFamily="50" charset="-127"/>
-                <a:ea typeface="배달의민족 한나체 Air" panose="020B0600000101010101" pitchFamily="50" charset="-127"/>
-              </a:rPr>
-              <a:t> 설치 때 기본 에디터를 설정하는 곳이 있다</a:t>
-            </a:r>
-            <a:r>
-              <a:rPr lang="en-US" altLang="ko-KR" sz="2400" dirty="0">
-                <a:latin typeface="배달의민족 한나체 Air" panose="020B0600000101010101" pitchFamily="50" charset="-127"/>
-                <a:ea typeface="배달의민족 한나체 Air" panose="020B0600000101010101" pitchFamily="50" charset="-127"/>
-              </a:rPr>
-              <a:t>. </a:t>
-            </a:r>
-            <a:r>
-              <a:rPr lang="ko-KR" altLang="en-US" sz="2400" dirty="0">
-                <a:latin typeface="배달의민족 한나체 Air" panose="020B0600000101010101" pitchFamily="50" charset="-127"/>
-                <a:ea typeface="배달의민족 한나체 Air" panose="020B0600000101010101" pitchFamily="50" charset="-127"/>
-              </a:rPr>
-              <a:t>만일 </a:t>
-            </a:r>
-            <a:r>
-              <a:rPr lang="en-US" altLang="ko-KR" sz="2400" dirty="0">
-                <a:latin typeface="배달의민족 한나체 Air" panose="020B0600000101010101" pitchFamily="50" charset="-127"/>
-                <a:ea typeface="배달의민족 한나체 Air" panose="020B0600000101010101" pitchFamily="50" charset="-127"/>
-              </a:rPr>
-              <a:t>VIM </a:t>
-            </a:r>
-            <a:r>
-              <a:rPr lang="ko-KR" altLang="en-US" sz="2400" dirty="0">
-                <a:latin typeface="배달의민족 한나체 Air" panose="020B0600000101010101" pitchFamily="50" charset="-127"/>
-                <a:ea typeface="배달의민족 한나체 Air" panose="020B0600000101010101" pitchFamily="50" charset="-127"/>
-              </a:rPr>
-              <a:t>에디터로 기본 설정이 되어 있다면</a:t>
-            </a:r>
-            <a:r>
-              <a:rPr lang="en-US" altLang="ko-KR" sz="2400" dirty="0">
-                <a:latin typeface="배달의민족 한나체 Air" panose="020B0600000101010101" pitchFamily="50" charset="-127"/>
-                <a:ea typeface="배달의민족 한나체 Air" panose="020B0600000101010101" pitchFamily="50" charset="-127"/>
-              </a:rPr>
-              <a:t>, </a:t>
-            </a:r>
-            <a:r>
-              <a:rPr lang="ko-KR" altLang="en-US" sz="2400" dirty="0">
-                <a:latin typeface="배달의민족 한나체 Air" panose="020B0600000101010101" pitchFamily="50" charset="-127"/>
-                <a:ea typeface="배달의민족 한나체 Air" panose="020B0600000101010101" pitchFamily="50" charset="-127"/>
-              </a:rPr>
-              <a:t>명령을 통해서 다른 에디터로 수정할 수 있다 </a:t>
-            </a:r>
-          </a:p>
-        </p:txBody>
-      </p:sp>
-      <p:sp>
-        <p:nvSpPr>
-          <p:cNvPr id="15" name="TextBox 14">
-            <a:extLst>
-              <a:ext uri="{FF2B5EF4-FFF2-40B4-BE49-F238E27FC236}">
-                <a16:creationId xmlns:a16="http://schemas.microsoft.com/office/drawing/2014/main" id="{E0F3F0F0-AEEA-4A84-8170-FD47462AACBC}"/>
-              </a:ext>
-            </a:extLst>
-          </p:cNvPr>
-          <p:cNvSpPr txBox="1"/>
-          <p:nvPr/>
-        </p:nvSpPr>
-        <p:spPr>
-          <a:xfrm>
-            <a:off x="1391563" y="4315360"/>
-            <a:ext cx="9750669" cy="584775"/>
-          </a:xfrm>
-          <a:prstGeom prst="rect">
-            <a:avLst/>
-          </a:prstGeom>
-          <a:noFill/>
-        </p:spPr>
-        <p:txBody>
-          <a:bodyPr wrap="square" rtlCol="0">
-            <a:spAutoFit/>
-          </a:bodyPr>
-          <a:lstStyle/>
-          <a:p>
-            <a:r>
-              <a:rPr lang="en-US" altLang="ko-KR" sz="3200" dirty="0">
-                <a:latin typeface="배달의민족 한나체 Air" panose="020B0600000101010101" pitchFamily="50" charset="-127"/>
-                <a:ea typeface="배달의민족 한나체 Air" panose="020B0600000101010101" pitchFamily="50" charset="-127"/>
-                <a:hlinkClick r:id="rId2"/>
-              </a:rPr>
-              <a:t>http://statkclee.github.io/git-novice/02-setup-kr.html</a:t>
-            </a:r>
-            <a:endParaRPr lang="ko-KR" altLang="en-US" sz="3200" dirty="0">
-              <a:latin typeface="배달의민족 한나체 Air" panose="020B0600000101010101" pitchFamily="50" charset="-127"/>
-              <a:ea typeface="배달의민족 한나체 Air" panose="020B0600000101010101" pitchFamily="50" charset="-127"/>
-            </a:endParaRPr>
-          </a:p>
-        </p:txBody>
-      </p:sp>
+        </p:spPr>
+      </p:pic>
     </p:spTree>
     <p:extLst>
       <p:ext uri="{BB962C8B-B14F-4D97-AF65-F5344CB8AC3E}">
-        <p14:creationId xmlns:p14="http://schemas.microsoft.com/office/powerpoint/2010/main" val="61885092"/>
+        <p14:creationId xmlns:p14="http://schemas.microsoft.com/office/powerpoint/2010/main" val="332113104"/>
       </p:ext>
     </p:extLst>
   </p:cSld>
@@ -18370,10 +17943,10 @@
       </p:sp>
       <p:sp>
         <p:nvSpPr>
-          <p:cNvPr id="14" name="TextBox 13">
+          <p:cNvPr id="22" name="TextBox 21">
             <a:extLst>
               <a:ext uri="{FF2B5EF4-FFF2-40B4-BE49-F238E27FC236}">
-                <a16:creationId xmlns:a16="http://schemas.microsoft.com/office/drawing/2014/main" id="{BADB64DF-3733-4C49-9402-11B683ABC482}"/>
+                <a16:creationId xmlns:a16="http://schemas.microsoft.com/office/drawing/2014/main" id="{0804D097-BC77-40E0-AB2E-0D8562FFF0F7}"/>
               </a:ext>
             </a:extLst>
           </p:cNvPr>
@@ -18382,8 +17955,8 @@
         </p:nvSpPr>
         <p:spPr>
           <a:xfrm>
-            <a:off x="448409" y="1027130"/>
-            <a:ext cx="8819159" cy="707886"/>
+            <a:off x="457200" y="1018050"/>
+            <a:ext cx="8932984" cy="707886"/>
           </a:xfrm>
           <a:prstGeom prst="rect">
             <a:avLst/>
@@ -18397,63 +17970,335 @@
           <a:lstStyle/>
           <a:p>
             <a:r>
+              <a:rPr lang="en-US" altLang="ko-KR" sz="4000" dirty="0">
+                <a:latin typeface="배달의민족 한나체 Air" panose="020B0600000101010101" pitchFamily="50" charset="-127"/>
+                <a:ea typeface="배달의민족 한나체 Air" panose="020B0600000101010101" pitchFamily="50" charset="-127"/>
+              </a:rPr>
+              <a:t>HEAD </a:t>
+            </a:r>
+            <a:r>
               <a:rPr lang="ko-KR" altLang="en-US" sz="4000" dirty="0">
                 <a:latin typeface="배달의민족 한나체 Air" panose="020B0600000101010101" pitchFamily="50" charset="-127"/>
                 <a:ea typeface="배달의민족 한나체 Air" panose="020B0600000101010101" pitchFamily="50" charset="-127"/>
               </a:rPr>
-              <a:t>실제 윈도우 폴더 작업으로 </a:t>
-            </a:r>
-            <a:r>
-              <a:rPr lang="en-US" altLang="ko-KR" sz="4000" dirty="0">
-                <a:latin typeface="배달의민족 한나체 Air" panose="020B0600000101010101" pitchFamily="50" charset="-127"/>
-                <a:ea typeface="배달의민족 한나체 Air" panose="020B0600000101010101" pitchFamily="50" charset="-127"/>
-              </a:rPr>
-              <a:t>commit </a:t>
+              <a:t>포인터로 </a:t>
+            </a:r>
+            <a:r>
+              <a:rPr lang="ko-KR" altLang="en-US" sz="4000" dirty="0" err="1">
+                <a:latin typeface="배달의민족 한나체 Air" panose="020B0600000101010101" pitchFamily="50" charset="-127"/>
+                <a:ea typeface="배달의민족 한나체 Air" panose="020B0600000101010101" pitchFamily="50" charset="-127"/>
+              </a:rPr>
+              <a:t>커밋</a:t>
             </a:r>
             <a:r>
               <a:rPr lang="ko-KR" altLang="en-US" sz="4000" dirty="0">
                 <a:latin typeface="배달의민족 한나체 Air" panose="020B0600000101010101" pitchFamily="50" charset="-127"/>
                 <a:ea typeface="배달의민족 한나체 Air" panose="020B0600000101010101" pitchFamily="50" charset="-127"/>
               </a:rPr>
-              <a:t>이해하기</a:t>
-            </a:r>
-          </a:p>
-        </p:txBody>
-      </p:sp>
-      <p:pic>
-        <p:nvPicPr>
-          <p:cNvPr id="2" name="그림 1">
+              <a:t> 이해하기</a:t>
+            </a:r>
+          </a:p>
+        </p:txBody>
+      </p:sp>
+      <p:sp>
+        <p:nvSpPr>
+          <p:cNvPr id="24" name="TextBox 23">
             <a:extLst>
               <a:ext uri="{FF2B5EF4-FFF2-40B4-BE49-F238E27FC236}">
-                <a16:creationId xmlns:a16="http://schemas.microsoft.com/office/drawing/2014/main" id="{A26F07D0-573B-4B57-A422-6C6DE99B215F}"/>
+                <a16:creationId xmlns:a16="http://schemas.microsoft.com/office/drawing/2014/main" id="{AAD1ABBE-2C99-44FB-A633-62CFE09F1EE4}"/>
               </a:ext>
             </a:extLst>
           </p:cNvPr>
-          <p:cNvPicPr>
-            <a:picLocks noChangeAspect="1"/>
-          </p:cNvPicPr>
-          <p:nvPr/>
-        </p:nvPicPr>
-        <p:blipFill>
-          <a:blip r:embed="rId2"/>
-          <a:stretch>
-            <a:fillRect/>
-          </a:stretch>
-        </p:blipFill>
+          <p:cNvSpPr txBox="1"/>
+          <p:nvPr/>
+        </p:nvSpPr>
         <p:spPr>
           <a:xfrm>
-            <a:off x="2211586" y="1985318"/>
-            <a:ext cx="8616337" cy="4231473"/>
+            <a:off x="1220663" y="2109004"/>
+            <a:ext cx="9750669" cy="1200329"/>
           </a:xfrm>
           <a:prstGeom prst="rect">
             <a:avLst/>
           </a:prstGeom>
-        </p:spPr>
-      </p:pic>
+          <a:noFill/>
+        </p:spPr>
+        <p:txBody>
+          <a:bodyPr wrap="square" rtlCol="0">
+            <a:spAutoFit/>
+          </a:bodyPr>
+          <a:lstStyle/>
+          <a:p>
+            <a:r>
+              <a:rPr lang="en-US" altLang="ko-KR" sz="2400" dirty="0">
+                <a:latin typeface="배달의민족 한나체 Air" panose="020B0600000101010101" pitchFamily="50" charset="-127"/>
+                <a:ea typeface="배달의민족 한나체 Air" panose="020B0600000101010101" pitchFamily="50" charset="-127"/>
+              </a:rPr>
+              <a:t>HEAD</a:t>
+            </a:r>
+            <a:r>
+              <a:rPr lang="ko-KR" altLang="en-US" sz="2400" dirty="0">
+                <a:latin typeface="배달의민족 한나체 Air" panose="020B0600000101010101" pitchFamily="50" charset="-127"/>
+                <a:ea typeface="배달의민족 한나체 Air" panose="020B0600000101010101" pitchFamily="50" charset="-127"/>
+              </a:rPr>
+              <a:t> 포인터는 현재 </a:t>
+            </a:r>
+            <a:r>
+              <a:rPr lang="ko-KR" altLang="en-US" sz="2400" dirty="0" err="1">
+                <a:latin typeface="배달의민족 한나체 Air" panose="020B0600000101010101" pitchFamily="50" charset="-127"/>
+                <a:ea typeface="배달의민족 한나체 Air" panose="020B0600000101010101" pitchFamily="50" charset="-127"/>
+              </a:rPr>
+              <a:t>커밋의</a:t>
+            </a:r>
+            <a:r>
+              <a:rPr lang="ko-KR" altLang="en-US" sz="2400" dirty="0">
+                <a:latin typeface="배달의민족 한나체 Air" panose="020B0600000101010101" pitchFamily="50" charset="-127"/>
+                <a:ea typeface="배달의민족 한나체 Air" panose="020B0600000101010101" pitchFamily="50" charset="-127"/>
+              </a:rPr>
+              <a:t> 위치를 가리키는 중요한 위치다</a:t>
+            </a:r>
+            <a:r>
+              <a:rPr lang="en-US" altLang="ko-KR" sz="2400" dirty="0">
+                <a:latin typeface="배달의민족 한나체 Air" panose="020B0600000101010101" pitchFamily="50" charset="-127"/>
+                <a:ea typeface="배달의민족 한나체 Air" panose="020B0600000101010101" pitchFamily="50" charset="-127"/>
+              </a:rPr>
+              <a:t>. </a:t>
+            </a:r>
+            <a:r>
+              <a:rPr lang="ko-KR" altLang="en-US" sz="2400" dirty="0">
+                <a:latin typeface="배달의민족 한나체 Air" panose="020B0600000101010101" pitchFamily="50" charset="-127"/>
+                <a:ea typeface="배달의민족 한나체 Air" panose="020B0600000101010101" pitchFamily="50" charset="-127"/>
+              </a:rPr>
+              <a:t>그리고 파일은 </a:t>
+            </a:r>
+            <a:r>
+              <a:rPr lang="en-US" altLang="ko-KR" sz="2400" dirty="0">
+                <a:latin typeface="배달의민족 한나체 Air" panose="020B0600000101010101" pitchFamily="50" charset="-127"/>
+                <a:ea typeface="배달의민족 한나체 Air" panose="020B0600000101010101" pitchFamily="50" charset="-127"/>
+              </a:rPr>
+              <a:t>HEAD</a:t>
+            </a:r>
+            <a:r>
+              <a:rPr lang="ko-KR" altLang="en-US" sz="2400" dirty="0">
+                <a:latin typeface="배달의민족 한나체 Air" panose="020B0600000101010101" pitchFamily="50" charset="-127"/>
+                <a:ea typeface="배달의민족 한나체 Air" panose="020B0600000101010101" pitchFamily="50" charset="-127"/>
+              </a:rPr>
+              <a:t>가 가리키는 </a:t>
+            </a:r>
+            <a:r>
+              <a:rPr lang="ko-KR" altLang="en-US" sz="2400" dirty="0" err="1">
+                <a:latin typeface="배달의민족 한나체 Air" panose="020B0600000101010101" pitchFamily="50" charset="-127"/>
+                <a:ea typeface="배달의민족 한나체 Air" panose="020B0600000101010101" pitchFamily="50" charset="-127"/>
+              </a:rPr>
+              <a:t>커밋</a:t>
+            </a:r>
+            <a:r>
+              <a:rPr lang="en-US" altLang="ko-KR" sz="2400" dirty="0">
+                <a:latin typeface="배달의민족 한나체 Air" panose="020B0600000101010101" pitchFamily="50" charset="-127"/>
+                <a:ea typeface="배달의민족 한나체 Air" panose="020B0600000101010101" pitchFamily="50" charset="-127"/>
+              </a:rPr>
+              <a:t>(</a:t>
+            </a:r>
+            <a:r>
+              <a:rPr lang="ko-KR" altLang="en-US" sz="2400" dirty="0">
+                <a:latin typeface="배달의민족 한나체 Air" panose="020B0600000101010101" pitchFamily="50" charset="-127"/>
+                <a:ea typeface="배달의민족 한나체 Air" panose="020B0600000101010101" pitchFamily="50" charset="-127"/>
+              </a:rPr>
+              <a:t>스냅샷</a:t>
+            </a:r>
+            <a:r>
+              <a:rPr lang="en-US" altLang="ko-KR" sz="2400" dirty="0">
+                <a:latin typeface="배달의민족 한나체 Air" panose="020B0600000101010101" pitchFamily="50" charset="-127"/>
+                <a:ea typeface="배달의민족 한나체 Air" panose="020B0600000101010101" pitchFamily="50" charset="-127"/>
+              </a:rPr>
+              <a:t>)</a:t>
+            </a:r>
+            <a:r>
+              <a:rPr lang="ko-KR" altLang="en-US" sz="2400" dirty="0">
+                <a:latin typeface="배달의민족 한나체 Air" panose="020B0600000101010101" pitchFamily="50" charset="-127"/>
+                <a:ea typeface="배달의민족 한나체 Air" panose="020B0600000101010101" pitchFamily="50" charset="-127"/>
+              </a:rPr>
+              <a:t>으로 상태를 유지하고 있다</a:t>
+            </a:r>
+            <a:r>
+              <a:rPr lang="en-US" altLang="ko-KR" sz="2400" dirty="0">
+                <a:latin typeface="배달의민족 한나체 Air" panose="020B0600000101010101" pitchFamily="50" charset="-127"/>
+                <a:ea typeface="배달의민족 한나체 Air" panose="020B0600000101010101" pitchFamily="50" charset="-127"/>
+              </a:rPr>
+              <a:t>. HEAD</a:t>
+            </a:r>
+            <a:r>
+              <a:rPr lang="ko-KR" altLang="en-US" sz="2400" dirty="0">
+                <a:latin typeface="배달의민족 한나체 Air" panose="020B0600000101010101" pitchFamily="50" charset="-127"/>
+                <a:ea typeface="배달의민족 한나체 Air" panose="020B0600000101010101" pitchFamily="50" charset="-127"/>
+              </a:rPr>
+              <a:t>를 옮겨보도록 한다</a:t>
+            </a:r>
+            <a:endParaRPr lang="en-US" altLang="ko-KR" sz="2400" dirty="0">
+              <a:latin typeface="배달의민족 한나체 Air" panose="020B0600000101010101" pitchFamily="50" charset="-127"/>
+              <a:ea typeface="배달의민족 한나체 Air" panose="020B0600000101010101" pitchFamily="50" charset="-127"/>
+            </a:endParaRPr>
+          </a:p>
+          <a:p>
+            <a:r>
+              <a:rPr lang="en-US" altLang="ko-KR" sz="2400" dirty="0">
+                <a:solidFill>
+                  <a:srgbClr val="FF0000"/>
+                </a:solidFill>
+                <a:latin typeface="배달의민족 한나체 Air" panose="020B0600000101010101" pitchFamily="50" charset="-127"/>
+                <a:ea typeface="배달의민족 한나체 Air" panose="020B0600000101010101" pitchFamily="50" charset="-127"/>
+              </a:rPr>
+              <a:t>Git</a:t>
+            </a:r>
+            <a:r>
+              <a:rPr lang="ko-KR" altLang="en-US" sz="2400" dirty="0">
+                <a:solidFill>
+                  <a:srgbClr val="FF0000"/>
+                </a:solidFill>
+                <a:latin typeface="배달의민족 한나체 Air" panose="020B0600000101010101" pitchFamily="50" charset="-127"/>
+                <a:ea typeface="배달의민족 한나체 Air" panose="020B0600000101010101" pitchFamily="50" charset="-127"/>
+              </a:rPr>
+              <a:t>에서 </a:t>
+            </a:r>
+            <a:r>
+              <a:rPr lang="ko-KR" altLang="en-US" sz="2400" dirty="0" err="1">
+                <a:solidFill>
+                  <a:srgbClr val="FF0000"/>
+                </a:solidFill>
+                <a:latin typeface="배달의민족 한나체 Air" panose="020B0600000101010101" pitchFamily="50" charset="-127"/>
+                <a:ea typeface="배달의민족 한나체 Air" panose="020B0600000101010101" pitchFamily="50" charset="-127"/>
+              </a:rPr>
+              <a:t>커밋의</a:t>
+            </a:r>
+            <a:r>
+              <a:rPr lang="ko-KR" altLang="en-US" sz="2400" dirty="0">
+                <a:solidFill>
+                  <a:srgbClr val="FF0000"/>
+                </a:solidFill>
+                <a:latin typeface="배달의민족 한나체 Air" panose="020B0600000101010101" pitchFamily="50" charset="-127"/>
+                <a:ea typeface="배달의민족 한나체 Air" panose="020B0600000101010101" pitchFamily="50" charset="-127"/>
+              </a:rPr>
+              <a:t> 이름은</a:t>
+            </a:r>
+            <a:r>
+              <a:rPr lang="en-US" altLang="ko-KR" sz="2400" dirty="0">
+                <a:solidFill>
+                  <a:srgbClr val="FF0000"/>
+                </a:solidFill>
+                <a:latin typeface="배달의민족 한나체 Air" panose="020B0600000101010101" pitchFamily="50" charset="-127"/>
+                <a:ea typeface="배달의민족 한나체 Air" panose="020B0600000101010101" pitchFamily="50" charset="-127"/>
+              </a:rPr>
+              <a:t> sha-256 </a:t>
+            </a:r>
+            <a:r>
+              <a:rPr lang="ko-KR" altLang="en-US" sz="2400" dirty="0">
+                <a:solidFill>
+                  <a:srgbClr val="FF0000"/>
+                </a:solidFill>
+                <a:latin typeface="배달의민족 한나체 Air" panose="020B0600000101010101" pitchFamily="50" charset="-127"/>
+                <a:ea typeface="배달의민족 한나체 Air" panose="020B0600000101010101" pitchFamily="50" charset="-127"/>
+              </a:rPr>
+              <a:t>알고리즘으로 만들어진 값을 말한다</a:t>
+            </a:r>
+          </a:p>
+        </p:txBody>
+      </p:sp>
+      <p:sp>
+        <p:nvSpPr>
+          <p:cNvPr id="25" name="직사각형 24">
+            <a:extLst>
+              <a:ext uri="{FF2B5EF4-FFF2-40B4-BE49-F238E27FC236}">
+                <a16:creationId xmlns:a16="http://schemas.microsoft.com/office/drawing/2014/main" id="{9A2FA991-661C-46EF-B13D-7D7CDEFAC6DD}"/>
+              </a:ext>
+            </a:extLst>
+          </p:cNvPr>
+          <p:cNvSpPr/>
+          <p:nvPr/>
+        </p:nvSpPr>
+        <p:spPr>
+          <a:xfrm>
+            <a:off x="1220663" y="3692401"/>
+            <a:ext cx="4325815" cy="1569660"/>
+          </a:xfrm>
+          <a:prstGeom prst="rect">
+            <a:avLst/>
+          </a:prstGeom>
+        </p:spPr>
+        <p:txBody>
+          <a:bodyPr wrap="square">
+            <a:spAutoFit/>
+          </a:bodyPr>
+          <a:lstStyle/>
+          <a:p>
+            <a:r>
+              <a:rPr lang="en-US" altLang="ko-KR" sz="2400" dirty="0">
+                <a:latin typeface="배달의민족 한나체 Air" panose="020B0600000101010101" pitchFamily="50" charset="-127"/>
+                <a:ea typeface="배달의민족 한나체 Air" panose="020B0600000101010101" pitchFamily="50" charset="-127"/>
+              </a:rPr>
+              <a:t>$ git checkout &lt;</a:t>
+            </a:r>
+            <a:r>
+              <a:rPr lang="ko-KR" altLang="en-US" sz="2400" dirty="0" err="1">
+                <a:latin typeface="배달의민족 한나체 Air" panose="020B0600000101010101" pitchFamily="50" charset="-127"/>
+                <a:ea typeface="배달의민족 한나체 Air" panose="020B0600000101010101" pitchFamily="50" charset="-127"/>
+              </a:rPr>
+              <a:t>커밋해쉬</a:t>
+            </a:r>
+            <a:r>
+              <a:rPr lang="en-US" altLang="ko-KR" sz="2400" dirty="0">
+                <a:latin typeface="배달의민족 한나체 Air" panose="020B0600000101010101" pitchFamily="50" charset="-127"/>
+                <a:ea typeface="배달의민족 한나체 Air" panose="020B0600000101010101" pitchFamily="50" charset="-127"/>
+              </a:rPr>
+              <a:t>&gt;</a:t>
+            </a:r>
+          </a:p>
+          <a:p>
+            <a:endParaRPr lang="en-US" altLang="ko-KR" sz="2400" dirty="0">
+              <a:latin typeface="배달의민족 한나체 Air" panose="020B0600000101010101" pitchFamily="50" charset="-127"/>
+              <a:ea typeface="배달의민족 한나체 Air" panose="020B0600000101010101" pitchFamily="50" charset="-127"/>
+            </a:endParaRPr>
+          </a:p>
+          <a:p>
+            <a:r>
+              <a:rPr lang="ko-KR" altLang="en-US" sz="2400" dirty="0">
+                <a:latin typeface="배달의민족 한나체 Air" panose="020B0600000101010101" pitchFamily="50" charset="-127"/>
+                <a:ea typeface="배달의민족 한나체 Air" panose="020B0600000101010101" pitchFamily="50" charset="-127"/>
+              </a:rPr>
+              <a:t>확인 후 </a:t>
+            </a:r>
+            <a:r>
+              <a:rPr lang="en-US" altLang="ko-KR" sz="2400" dirty="0">
+                <a:latin typeface="배달의민족 한나체 Air" panose="020B0600000101010101" pitchFamily="50" charset="-127"/>
+                <a:ea typeface="배달의민족 한나체 Air" panose="020B0600000101010101" pitchFamily="50" charset="-127"/>
+              </a:rPr>
+              <a:t>master</a:t>
+            </a:r>
+            <a:r>
+              <a:rPr lang="ko-KR" altLang="en-US" sz="2400" dirty="0">
+                <a:latin typeface="배달의민족 한나체 Air" panose="020B0600000101010101" pitchFamily="50" charset="-127"/>
+                <a:ea typeface="배달의민족 한나체 Air" panose="020B0600000101010101" pitchFamily="50" charset="-127"/>
+              </a:rPr>
+              <a:t>로 돌아오도록 한다</a:t>
+            </a:r>
+            <a:endParaRPr lang="en-US" altLang="ko-KR" sz="2400" dirty="0">
+              <a:latin typeface="배달의민족 한나체 Air" panose="020B0600000101010101" pitchFamily="50" charset="-127"/>
+              <a:ea typeface="배달의민족 한나체 Air" panose="020B0600000101010101" pitchFamily="50" charset="-127"/>
+            </a:endParaRPr>
+          </a:p>
+          <a:p>
+            <a:r>
+              <a:rPr lang="en-US" altLang="ko-KR" sz="2400" dirty="0">
+                <a:latin typeface="배달의민족 한나체 Air" panose="020B0600000101010101" pitchFamily="50" charset="-127"/>
+                <a:ea typeface="배달의민족 한나체 Air" panose="020B0600000101010101" pitchFamily="50" charset="-127"/>
+              </a:rPr>
+              <a:t>$ git checkout master</a:t>
+            </a:r>
+          </a:p>
+        </p:txBody>
+      </p:sp>
     </p:spTree>
     <p:extLst>
       <p:ext uri="{BB962C8B-B14F-4D97-AF65-F5344CB8AC3E}">
-        <p14:creationId xmlns:p14="http://schemas.microsoft.com/office/powerpoint/2010/main" val="332113104"/>
+        <p14:creationId xmlns:p14="http://schemas.microsoft.com/office/powerpoint/2010/main" val="2157288807"/>
       </p:ext>
     </p:extLst>
   </p:cSld>
@@ -21501,7 +21346,7 @@
     </p:spTree>
     <p:extLst>
       <p:ext uri="{BB962C8B-B14F-4D97-AF65-F5344CB8AC3E}">
-        <p14:creationId xmlns:p14="http://schemas.microsoft.com/office/powerpoint/2010/main" val="3601151628"/>
+        <p14:creationId xmlns:p14="http://schemas.microsoft.com/office/powerpoint/2010/main" val="2271836746"/>
       </p:ext>
     </p:extLst>
   </p:cSld>
@@ -21984,7 +21829,7 @@
         </p:nvSpPr>
         <p:spPr>
           <a:xfrm>
-            <a:off x="518747" y="960738"/>
+            <a:off x="492370" y="1248878"/>
             <a:ext cx="8932984" cy="830997"/>
           </a:xfrm>
           <a:prstGeom prst="rect">
@@ -21999,56 +21844,64 @@
           <a:lstStyle/>
           <a:p>
             <a:r>
-              <a:rPr lang="en-US" altLang="ko-KR" sz="4800" dirty="0">
-                <a:latin typeface="배달의민족 한나체 Air" panose="020B0600000101010101" pitchFamily="50" charset="-127"/>
-                <a:ea typeface="배달의민족 한나체 Air" panose="020B0600000101010101" pitchFamily="50" charset="-127"/>
-              </a:rPr>
-              <a:t>Atom </a:t>
+              <a:rPr lang="en-US" altLang="ko-KR" sz="4800" dirty="0" err="1">
+                <a:latin typeface="배달의민족 한나체 Air" panose="020B0600000101010101" pitchFamily="50" charset="-127"/>
+                <a:ea typeface="배달의민족 한나체 Air" panose="020B0600000101010101" pitchFamily="50" charset="-127"/>
+              </a:rPr>
+              <a:t>Github</a:t>
             </a:r>
             <a:r>
               <a:rPr lang="ko-KR" altLang="en-US" sz="4800" dirty="0">
                 <a:latin typeface="배달의민족 한나체 Air" panose="020B0600000101010101" pitchFamily="50" charset="-127"/>
                 <a:ea typeface="배달의민족 한나체 Air" panose="020B0600000101010101" pitchFamily="50" charset="-127"/>
               </a:rPr>
-              <a:t>에디터에서 이해하기</a:t>
-            </a:r>
-          </a:p>
-        </p:txBody>
-      </p:sp>
-      <p:pic>
-        <p:nvPicPr>
-          <p:cNvPr id="2" name="그림 1">
+              <a:t> 원격 서버와 연동</a:t>
+            </a:r>
+          </a:p>
+        </p:txBody>
+      </p:sp>
+      <p:sp>
+        <p:nvSpPr>
+          <p:cNvPr id="15" name="TextBox 14">
             <a:extLst>
               <a:ext uri="{FF2B5EF4-FFF2-40B4-BE49-F238E27FC236}">
-                <a16:creationId xmlns:a16="http://schemas.microsoft.com/office/drawing/2014/main" id="{51F51B5F-F4CF-4680-9CDB-CBEAA6C80DC2}"/>
+                <a16:creationId xmlns:a16="http://schemas.microsoft.com/office/drawing/2014/main" id="{D2F6B12E-EAC7-4933-8415-EB8658A65D7C}"/>
               </a:ext>
             </a:extLst>
           </p:cNvPr>
-          <p:cNvPicPr>
-            <a:picLocks noChangeAspect="1"/>
-          </p:cNvPicPr>
-          <p:nvPr/>
-        </p:nvPicPr>
-        <p:blipFill>
-          <a:blip r:embed="rId2"/>
-          <a:stretch>
-            <a:fillRect/>
-          </a:stretch>
-        </p:blipFill>
+          <p:cNvSpPr txBox="1"/>
+          <p:nvPr/>
+        </p:nvSpPr>
         <p:spPr>
           <a:xfrm>
-            <a:off x="1626577" y="1962675"/>
-            <a:ext cx="8773257" cy="4351912"/>
+            <a:off x="3904052" y="3536294"/>
+            <a:ext cx="4383894" cy="830997"/>
           </a:xfrm>
           <a:prstGeom prst="rect">
             <a:avLst/>
           </a:prstGeom>
-        </p:spPr>
-      </p:pic>
+          <a:noFill/>
+        </p:spPr>
+        <p:txBody>
+          <a:bodyPr wrap="square" rtlCol="0">
+            <a:spAutoFit/>
+          </a:bodyPr>
+          <a:lstStyle/>
+          <a:p>
+            <a:r>
+              <a:rPr lang="ko-KR" altLang="en-US" sz="4800" dirty="0">
+                <a:latin typeface="배달의민족 한나체 Air" panose="020B0600000101010101" pitchFamily="50" charset="-127"/>
+                <a:ea typeface="배달의민족 한나체 Air" panose="020B0600000101010101" pitchFamily="50" charset="-127"/>
+              </a:rPr>
+              <a:t>과정 블로그 참조</a:t>
+            </a:r>
+          </a:p>
+        </p:txBody>
+      </p:sp>
     </p:spTree>
     <p:extLst>
       <p:ext uri="{BB962C8B-B14F-4D97-AF65-F5344CB8AC3E}">
-        <p14:creationId xmlns:p14="http://schemas.microsoft.com/office/powerpoint/2010/main" val="1493342715"/>
+        <p14:creationId xmlns:p14="http://schemas.microsoft.com/office/powerpoint/2010/main" val="4272503375"/>
       </p:ext>
     </p:extLst>
   </p:cSld>
@@ -22531,8 +22384,8 @@
         </p:nvSpPr>
         <p:spPr>
           <a:xfrm>
-            <a:off x="518747" y="960738"/>
-            <a:ext cx="8932984" cy="830997"/>
+            <a:off x="492370" y="1248878"/>
+            <a:ext cx="9566030" cy="646331"/>
           </a:xfrm>
           <a:prstGeom prst="rect">
             <a:avLst/>
@@ -22546,32 +22399,25 @@
           <a:lstStyle/>
           <a:p>
             <a:r>
-              <a:rPr lang="ko-KR" altLang="en-US" sz="4800" dirty="0">
-                <a:latin typeface="배달의민족 한나체 Air" panose="020B0600000101010101" pitchFamily="50" charset="-127"/>
-                <a:ea typeface="배달의민족 한나체 Air" panose="020B0600000101010101" pitchFamily="50" charset="-127"/>
-              </a:rPr>
-              <a:t>추가 </a:t>
-            </a:r>
-            <a:r>
-              <a:rPr lang="ko-KR" altLang="en-US" sz="4800" dirty="0" err="1">
-                <a:latin typeface="배달의민족 한나체 Air" panose="020B0600000101010101" pitchFamily="50" charset="-127"/>
-                <a:ea typeface="배달의민족 한나체 Air" panose="020B0600000101010101" pitchFamily="50" charset="-127"/>
-              </a:rPr>
-              <a:t>커밋</a:t>
-            </a:r>
-            <a:r>
-              <a:rPr lang="ko-KR" altLang="en-US" sz="4800" dirty="0">
-                <a:latin typeface="배달의민족 한나체 Air" panose="020B0600000101010101" pitchFamily="50" charset="-127"/>
-                <a:ea typeface="배달의민족 한나체 Air" panose="020B0600000101010101" pitchFamily="50" charset="-127"/>
-              </a:rPr>
-              <a:t> 생성 </a:t>
-            </a:r>
-            <a:r>
-              <a:rPr lang="en-US" altLang="ko-KR" sz="4800" dirty="0">
-                <a:latin typeface="배달의민족 한나체 Air" panose="020B0600000101010101" pitchFamily="50" charset="-127"/>
-                <a:ea typeface="배달의민족 한나체 Air" panose="020B0600000101010101" pitchFamily="50" charset="-127"/>
-              </a:rPr>
-              <a:t>+ commit -am</a:t>
+              <a:rPr lang="en-US" altLang="ko-KR" sz="3600" dirty="0" err="1">
+                <a:latin typeface="배달의민족 한나체 Air" panose="020B0600000101010101" pitchFamily="50" charset="-127"/>
+                <a:ea typeface="배달의민족 한나체 Air" panose="020B0600000101010101" pitchFamily="50" charset="-127"/>
+              </a:rPr>
+              <a:t>Github</a:t>
+            </a:r>
+            <a:r>
+              <a:rPr lang="ko-KR" altLang="en-US" sz="3600" dirty="0">
+                <a:latin typeface="배달의민족 한나체 Air" panose="020B0600000101010101" pitchFamily="50" charset="-127"/>
+                <a:ea typeface="배달의민족 한나체 Air" panose="020B0600000101010101" pitchFamily="50" charset="-127"/>
+              </a:rPr>
+              <a:t> 프로젝트 협업하기 </a:t>
+            </a:r>
+            <a:r>
+              <a:rPr lang="en-US" altLang="ko-KR" sz="3600" dirty="0">
+                <a:latin typeface="배달의민족 한나체 Air" panose="020B0600000101010101" pitchFamily="50" charset="-127"/>
+                <a:ea typeface="배달의민족 한나체 Air" panose="020B0600000101010101" pitchFamily="50" charset="-127"/>
+              </a:rPr>
+              <a:t>(1) - Fork, Pull Request</a:t>
             </a:r>
             <a:endParaRPr lang="ko-KR" altLang="en-US" sz="4800" dirty="0">
               <a:latin typeface="배달의민족 한나체 Air" panose="020B0600000101010101" pitchFamily="50" charset="-127"/>
@@ -22582,10 +22428,10 @@
       </p:sp>
       <p:sp>
         <p:nvSpPr>
-          <p:cNvPr id="14" name="TextBox 13">
+          <p:cNvPr id="15" name="TextBox 14">
             <a:extLst>
               <a:ext uri="{FF2B5EF4-FFF2-40B4-BE49-F238E27FC236}">
-                <a16:creationId xmlns:a16="http://schemas.microsoft.com/office/drawing/2014/main" id="{A9395512-0018-4984-B163-9FA984ABC0A6}"/>
+                <a16:creationId xmlns:a16="http://schemas.microsoft.com/office/drawing/2014/main" id="{D2F6B12E-EAC7-4933-8415-EB8658A65D7C}"/>
               </a:ext>
             </a:extLst>
           </p:cNvPr>
@@ -22594,8 +22440,8 @@
         </p:nvSpPr>
         <p:spPr>
           <a:xfrm>
-            <a:off x="1220664" y="2772352"/>
-            <a:ext cx="9750669" cy="3046988"/>
+            <a:off x="3904052" y="3536294"/>
+            <a:ext cx="4383894" cy="830997"/>
           </a:xfrm>
           <a:prstGeom prst="rect">
             <a:avLst/>
@@ -22609,270 +22455,19 @@
           <a:lstStyle/>
           <a:p>
             <a:r>
-              <a:rPr lang="ko-KR" altLang="en-US" sz="2400" dirty="0">
-                <a:latin typeface="배달의민족 한나체 Air" panose="020B0600000101010101" pitchFamily="50" charset="-127"/>
-                <a:ea typeface="배달의민족 한나체 Air" panose="020B0600000101010101" pitchFamily="50" charset="-127"/>
-              </a:rPr>
-              <a:t>소스코드를 추가하고</a:t>
-            </a:r>
-            <a:r>
-              <a:rPr lang="en-US" altLang="ko-KR" sz="2400" dirty="0">
-                <a:latin typeface="배달의민족 한나체 Air" panose="020B0600000101010101" pitchFamily="50" charset="-127"/>
-                <a:ea typeface="배달의민족 한나체 Air" panose="020B0600000101010101" pitchFamily="50" charset="-127"/>
-              </a:rPr>
-              <a:t>, </a:t>
-            </a:r>
-            <a:r>
-              <a:rPr lang="ko-KR" altLang="en-US" sz="2400" dirty="0" err="1">
-                <a:latin typeface="배달의민족 한나체 Air" panose="020B0600000101010101" pitchFamily="50" charset="-127"/>
-                <a:ea typeface="배달의민족 한나체 Air" panose="020B0600000101010101" pitchFamily="50" charset="-127"/>
-              </a:rPr>
-              <a:t>커밋을</a:t>
-            </a:r>
-            <a:r>
-              <a:rPr lang="ko-KR" altLang="en-US" sz="2400" dirty="0">
-                <a:latin typeface="배달의민족 한나체 Air" panose="020B0600000101010101" pitchFamily="50" charset="-127"/>
-                <a:ea typeface="배달의민족 한나체 Air" panose="020B0600000101010101" pitchFamily="50" charset="-127"/>
-              </a:rPr>
-              <a:t> 새로 하나 생성하도록 한다</a:t>
-            </a:r>
-            <a:endParaRPr lang="en-US" altLang="ko-KR" sz="2400" dirty="0">
-              <a:latin typeface="배달의민족 한나체 Air" panose="020B0600000101010101" pitchFamily="50" charset="-127"/>
-              <a:ea typeface="배달의민족 한나체 Air" panose="020B0600000101010101" pitchFamily="50" charset="-127"/>
-            </a:endParaRPr>
-          </a:p>
-          <a:p>
-            <a:r>
-              <a:rPr lang="ko-KR" altLang="en-US" sz="2400" dirty="0">
-                <a:solidFill>
-                  <a:srgbClr val="FF0000"/>
-                </a:solidFill>
-                <a:latin typeface="배달의민족 한나체 Air" panose="020B0600000101010101" pitchFamily="50" charset="-127"/>
-                <a:ea typeface="배달의민족 한나체 Air" panose="020B0600000101010101" pitchFamily="50" charset="-127"/>
-              </a:rPr>
-              <a:t>추적된 모든 파일에 대해서는 </a:t>
-            </a:r>
-            <a:r>
-              <a:rPr lang="en-US" altLang="ko-KR" sz="2400" dirty="0">
-                <a:latin typeface="배달의민족 한나체 Air" panose="020B0600000101010101" pitchFamily="50" charset="-127"/>
-                <a:ea typeface="배달의민족 한나체 Air" panose="020B0600000101010101" pitchFamily="50" charset="-127"/>
-              </a:rPr>
-              <a:t>add</a:t>
-            </a:r>
-            <a:r>
-              <a:rPr lang="ko-KR" altLang="en-US" sz="2400" dirty="0">
-                <a:latin typeface="배달의민족 한나체 Air" panose="020B0600000101010101" pitchFamily="50" charset="-127"/>
-                <a:ea typeface="배달의민족 한나체 Air" panose="020B0600000101010101" pitchFamily="50" charset="-127"/>
-              </a:rPr>
-              <a:t>와 </a:t>
-            </a:r>
-            <a:r>
-              <a:rPr lang="en-US" altLang="ko-KR" sz="2400" dirty="0">
-                <a:latin typeface="배달의민족 한나체 Air" panose="020B0600000101010101" pitchFamily="50" charset="-127"/>
-                <a:ea typeface="배달의민족 한나체 Air" panose="020B0600000101010101" pitchFamily="50" charset="-127"/>
-              </a:rPr>
-              <a:t>commit </a:t>
-            </a:r>
-            <a:r>
-              <a:rPr lang="ko-KR" altLang="en-US" sz="2400" dirty="0">
-                <a:latin typeface="배달의민족 한나체 Air" panose="020B0600000101010101" pitchFamily="50" charset="-127"/>
-                <a:ea typeface="배달의민족 한나체 Air" panose="020B0600000101010101" pitchFamily="50" charset="-127"/>
-              </a:rPr>
-              <a:t>명령을 </a:t>
-            </a:r>
-            <a:r>
-              <a:rPr lang="en-US" altLang="ko-KR" sz="2400" dirty="0">
-                <a:latin typeface="배달의민족 한나체 Air" panose="020B0600000101010101" pitchFamily="50" charset="-127"/>
-                <a:ea typeface="배달의민족 한나체 Air" panose="020B0600000101010101" pitchFamily="50" charset="-127"/>
-              </a:rPr>
-              <a:t>am </a:t>
-            </a:r>
-            <a:r>
-              <a:rPr lang="ko-KR" altLang="en-US" sz="2400" dirty="0">
-                <a:latin typeface="배달의민족 한나체 Air" panose="020B0600000101010101" pitchFamily="50" charset="-127"/>
-                <a:ea typeface="배달의민족 한나체 Air" panose="020B0600000101010101" pitchFamily="50" charset="-127"/>
-              </a:rPr>
-              <a:t>옵션을 합할 수 있다</a:t>
-            </a:r>
-            <a:r>
-              <a:rPr lang="en-US" altLang="ko-KR" sz="2400" dirty="0">
-                <a:latin typeface="배달의민족 한나체 Air" panose="020B0600000101010101" pitchFamily="50" charset="-127"/>
-                <a:ea typeface="배달의민족 한나체 Air" panose="020B0600000101010101" pitchFamily="50" charset="-127"/>
-              </a:rPr>
-              <a:t>. </a:t>
-            </a:r>
-          </a:p>
-          <a:p>
-            <a:r>
-              <a:rPr lang="ko-KR" altLang="en-US" sz="2400" dirty="0">
-                <a:latin typeface="배달의민족 한나체 Air" panose="020B0600000101010101" pitchFamily="50" charset="-127"/>
-                <a:ea typeface="배달의민족 한나체 Air" panose="020B0600000101010101" pitchFamily="50" charset="-127"/>
-              </a:rPr>
-              <a:t>반대로 </a:t>
-            </a:r>
-            <a:r>
-              <a:rPr lang="en-US" altLang="ko-KR" sz="2400" dirty="0">
-                <a:solidFill>
-                  <a:srgbClr val="FF0000"/>
-                </a:solidFill>
-                <a:latin typeface="배달의민족 한나체 Air" panose="020B0600000101010101" pitchFamily="50" charset="-127"/>
-                <a:ea typeface="배달의민족 한나체 Air" panose="020B0600000101010101" pitchFamily="50" charset="-127"/>
-              </a:rPr>
-              <a:t>untracked </a:t>
-            </a:r>
-            <a:r>
-              <a:rPr lang="ko-KR" altLang="en-US" sz="2400" dirty="0">
-                <a:solidFill>
-                  <a:srgbClr val="FF0000"/>
-                </a:solidFill>
-                <a:latin typeface="배달의민족 한나체 Air" panose="020B0600000101010101" pitchFamily="50" charset="-127"/>
-                <a:ea typeface="배달의민족 한나체 Air" panose="020B0600000101010101" pitchFamily="50" charset="-127"/>
-              </a:rPr>
-              <a:t>파일은 </a:t>
-            </a:r>
-            <a:r>
-              <a:rPr lang="ko-KR" altLang="en-US" sz="2400" dirty="0">
-                <a:latin typeface="배달의민족 한나체 Air" panose="020B0600000101010101" pitchFamily="50" charset="-127"/>
-                <a:ea typeface="배달의민족 한나체 Air" panose="020B0600000101010101" pitchFamily="50" charset="-127"/>
-              </a:rPr>
-              <a:t>항상 </a:t>
-            </a:r>
-            <a:r>
-              <a:rPr lang="en-US" altLang="ko-KR" sz="2400" dirty="0">
-                <a:latin typeface="배달의민족 한나체 Air" panose="020B0600000101010101" pitchFamily="50" charset="-127"/>
-                <a:ea typeface="배달의민족 한나체 Air" panose="020B0600000101010101" pitchFamily="50" charset="-127"/>
-              </a:rPr>
-              <a:t>add</a:t>
-            </a:r>
-            <a:r>
-              <a:rPr lang="ko-KR" altLang="en-US" sz="2400" dirty="0">
-                <a:latin typeface="배달의민족 한나체 Air" panose="020B0600000101010101" pitchFamily="50" charset="-127"/>
-                <a:ea typeface="배달의민족 한나체 Air" panose="020B0600000101010101" pitchFamily="50" charset="-127"/>
-              </a:rPr>
-              <a:t>를 먼저 한 후 </a:t>
-            </a:r>
-            <a:r>
-              <a:rPr lang="en-US" altLang="ko-KR" sz="2400" dirty="0">
-                <a:latin typeface="배달의민족 한나체 Air" panose="020B0600000101010101" pitchFamily="50" charset="-127"/>
-                <a:ea typeface="배달의민족 한나체 Air" panose="020B0600000101010101" pitchFamily="50" charset="-127"/>
-              </a:rPr>
-              <a:t>commit </a:t>
-            </a:r>
-            <a:r>
-              <a:rPr lang="ko-KR" altLang="en-US" sz="2400" dirty="0">
-                <a:latin typeface="배달의민족 한나체 Air" panose="020B0600000101010101" pitchFamily="50" charset="-127"/>
-                <a:ea typeface="배달의민족 한나체 Air" panose="020B0600000101010101" pitchFamily="50" charset="-127"/>
-              </a:rPr>
-              <a:t>명령을 해야 한다</a:t>
-            </a:r>
-            <a:endParaRPr lang="en-US" altLang="ko-KR" sz="2400" dirty="0">
-              <a:latin typeface="배달의민족 한나체 Air" panose="020B0600000101010101" pitchFamily="50" charset="-127"/>
-              <a:ea typeface="배달의민족 한나체 Air" panose="020B0600000101010101" pitchFamily="50" charset="-127"/>
-            </a:endParaRPr>
-          </a:p>
-          <a:p>
-            <a:endParaRPr lang="en-US" altLang="ko-KR" sz="2400" dirty="0">
-              <a:latin typeface="배달의민족 한나체 Air" panose="020B0600000101010101" pitchFamily="50" charset="-127"/>
-              <a:ea typeface="배달의민족 한나체 Air" panose="020B0600000101010101" pitchFamily="50" charset="-127"/>
-            </a:endParaRPr>
-          </a:p>
-          <a:p>
-            <a:r>
-              <a:rPr lang="en-US" altLang="ko-KR" sz="2400" dirty="0">
-                <a:latin typeface="배달의민족 한나체 Air" panose="020B0600000101010101" pitchFamily="50" charset="-127"/>
-                <a:ea typeface="배달의민족 한나체 Air" panose="020B0600000101010101" pitchFamily="50" charset="-127"/>
-              </a:rPr>
-              <a:t>$ git commit -am “add contents template C file”</a:t>
-            </a:r>
-          </a:p>
-          <a:p>
-            <a:endParaRPr lang="en-US" altLang="ko-KR" sz="2400" dirty="0">
-              <a:latin typeface="배달의민족 한나체 Air" panose="020B0600000101010101" pitchFamily="50" charset="-127"/>
-              <a:ea typeface="배달의민족 한나체 Air" panose="020B0600000101010101" pitchFamily="50" charset="-127"/>
-            </a:endParaRPr>
-          </a:p>
-          <a:p>
-            <a:r>
-              <a:rPr lang="ko-KR" altLang="en-US" sz="2400" dirty="0">
-                <a:latin typeface="배달의민족 한나체 Air" panose="020B0600000101010101" pitchFamily="50" charset="-127"/>
-                <a:ea typeface="배달의민족 한나체 Air" panose="020B0600000101010101" pitchFamily="50" charset="-127"/>
-              </a:rPr>
-              <a:t>주의할 점은 원격에 </a:t>
-            </a:r>
-            <a:r>
-              <a:rPr lang="en-US" altLang="ko-KR" sz="2400" dirty="0">
-                <a:latin typeface="배달의민족 한나체 Air" panose="020B0600000101010101" pitchFamily="50" charset="-127"/>
-                <a:ea typeface="배달의민족 한나체 Air" panose="020B0600000101010101" pitchFamily="50" charset="-127"/>
-              </a:rPr>
-              <a:t>push</a:t>
-            </a:r>
-            <a:r>
-              <a:rPr lang="ko-KR" altLang="en-US" sz="2400" dirty="0">
-                <a:latin typeface="배달의민족 한나체 Air" panose="020B0600000101010101" pitchFamily="50" charset="-127"/>
-                <a:ea typeface="배달의민족 한나체 Air" panose="020B0600000101010101" pitchFamily="50" charset="-127"/>
-              </a:rPr>
-              <a:t>한 이후에는 </a:t>
-            </a:r>
-            <a:r>
-              <a:rPr lang="en-US" altLang="ko-KR" sz="2400" dirty="0">
-                <a:latin typeface="배달의민족 한나체 Air" panose="020B0600000101010101" pitchFamily="50" charset="-127"/>
-                <a:ea typeface="배달의민족 한나체 Air" panose="020B0600000101010101" pitchFamily="50" charset="-127"/>
-              </a:rPr>
-              <a:t>--amend</a:t>
-            </a:r>
-            <a:r>
-              <a:rPr lang="ko-KR" altLang="en-US" sz="2400" dirty="0">
-                <a:latin typeface="배달의민족 한나체 Air" panose="020B0600000101010101" pitchFamily="50" charset="-127"/>
-                <a:ea typeface="배달의민족 한나체 Air" panose="020B0600000101010101" pitchFamily="50" charset="-127"/>
-              </a:rPr>
-              <a:t>를 자제해야 한다</a:t>
-            </a:r>
-            <a:r>
-              <a:rPr lang="en-US" altLang="ko-KR" sz="2400" dirty="0">
-                <a:latin typeface="배달의민족 한나체 Air" panose="020B0600000101010101" pitchFamily="50" charset="-127"/>
-                <a:ea typeface="배달의민족 한나체 Air" panose="020B0600000101010101" pitchFamily="50" charset="-127"/>
-              </a:rPr>
-              <a:t>. </a:t>
-            </a:r>
-            <a:r>
-              <a:rPr lang="ko-KR" altLang="en-US" sz="2400" dirty="0" err="1">
-                <a:latin typeface="배달의민족 한나체 Air" panose="020B0600000101010101" pitchFamily="50" charset="-127"/>
-                <a:ea typeface="배달의민족 한나체 Air" panose="020B0600000101010101" pitchFamily="50" charset="-127"/>
-              </a:rPr>
-              <a:t>커밋이</a:t>
-            </a:r>
-            <a:r>
-              <a:rPr lang="ko-KR" altLang="en-US" sz="2400" dirty="0">
-                <a:latin typeface="배달의민족 한나체 Air" panose="020B0600000101010101" pitchFamily="50" charset="-127"/>
-                <a:ea typeface="배달의민족 한나체 Air" panose="020B0600000101010101" pitchFamily="50" charset="-127"/>
-              </a:rPr>
-              <a:t> 꼬이기 때문에 원격에 </a:t>
-            </a:r>
-            <a:r>
-              <a:rPr lang="en-US" altLang="ko-KR" sz="2400" dirty="0">
-                <a:latin typeface="배달의민족 한나체 Air" panose="020B0600000101010101" pitchFamily="50" charset="-127"/>
-                <a:ea typeface="배달의민족 한나체 Air" panose="020B0600000101010101" pitchFamily="50" charset="-127"/>
-              </a:rPr>
-              <a:t>push --force</a:t>
-            </a:r>
-            <a:r>
-              <a:rPr lang="ko-KR" altLang="en-US" sz="2400">
-                <a:latin typeface="배달의민족 한나체 Air" panose="020B0600000101010101" pitchFamily="50" charset="-127"/>
-                <a:ea typeface="배달의민족 한나체 Air" panose="020B0600000101010101" pitchFamily="50" charset="-127"/>
-              </a:rPr>
-              <a:t>를 해야만 한다</a:t>
-            </a:r>
-            <a:endParaRPr lang="en-US" altLang="ko-KR" sz="2400" dirty="0">
-              <a:latin typeface="배달의민족 한나체 Air" panose="020B0600000101010101" pitchFamily="50" charset="-127"/>
-              <a:ea typeface="배달의민족 한나체 Air" panose="020B0600000101010101" pitchFamily="50" charset="-127"/>
-            </a:endParaRPr>
+              <a:rPr lang="ko-KR" altLang="en-US" sz="4800" dirty="0">
+                <a:latin typeface="배달의민족 한나체 Air" panose="020B0600000101010101" pitchFamily="50" charset="-127"/>
+                <a:ea typeface="배달의민족 한나체 Air" panose="020B0600000101010101" pitchFamily="50" charset="-127"/>
+              </a:rPr>
+              <a:t>과정 블로그 참조</a:t>
+            </a:r>
           </a:p>
         </p:txBody>
       </p:sp>
     </p:spTree>
     <p:extLst>
       <p:ext uri="{BB962C8B-B14F-4D97-AF65-F5344CB8AC3E}">
-        <p14:creationId xmlns:p14="http://schemas.microsoft.com/office/powerpoint/2010/main" val="3491423530"/>
+        <p14:creationId xmlns:p14="http://schemas.microsoft.com/office/powerpoint/2010/main" val="1757737528"/>
       </p:ext>
     </p:extLst>
   </p:cSld>
@@ -23355,8 +22950,8 @@
         </p:nvSpPr>
         <p:spPr>
           <a:xfrm>
-            <a:off x="518747" y="984001"/>
-            <a:ext cx="8932984" cy="830997"/>
+            <a:off x="492370" y="1248878"/>
+            <a:ext cx="8932984" cy="646331"/>
           </a:xfrm>
           <a:prstGeom prst="rect">
             <a:avLst/>
@@ -23370,28 +22965,39 @@
           <a:lstStyle/>
           <a:p>
             <a:r>
-              <a:rPr lang="en-US" altLang="ko-KR" sz="4800" dirty="0">
-                <a:latin typeface="배달의민족 한나체 Air" panose="020B0600000101010101" pitchFamily="50" charset="-127"/>
-                <a:ea typeface="배달의민족 한나체 Air" panose="020B0600000101010101" pitchFamily="50" charset="-127"/>
-              </a:rPr>
-              <a:t>Git </a:t>
-            </a:r>
-            <a:r>
-              <a:rPr lang="ko-KR" altLang="en-US" sz="4800" dirty="0">
-                <a:latin typeface="배달의민족 한나체 Air" panose="020B0600000101010101" pitchFamily="50" charset="-127"/>
-                <a:ea typeface="배달의민족 한나체 Air" panose="020B0600000101010101" pitchFamily="50" charset="-127"/>
-              </a:rPr>
-              <a:t>로그 옵션</a:t>
-            </a:r>
-          </a:p>
-        </p:txBody>
-      </p:sp>
-      <p:sp>
-        <p:nvSpPr>
-          <p:cNvPr id="35" name="TextBox 34">
+              <a:rPr lang="en-US" altLang="ko-KR" sz="3600" dirty="0" err="1">
+                <a:latin typeface="배달의민족 한나체 Air" panose="020B0600000101010101" pitchFamily="50" charset="-127"/>
+                <a:ea typeface="배달의민족 한나체 Air" panose="020B0600000101010101" pitchFamily="50" charset="-127"/>
+              </a:rPr>
+              <a:t>Github</a:t>
+            </a:r>
+            <a:r>
+              <a:rPr lang="ko-KR" altLang="en-US" sz="3600" dirty="0">
+                <a:latin typeface="배달의민족 한나체 Air" panose="020B0600000101010101" pitchFamily="50" charset="-127"/>
+                <a:ea typeface="배달의민족 한나체 Air" panose="020B0600000101010101" pitchFamily="50" charset="-127"/>
+              </a:rPr>
+              <a:t> 프로젝트 협업하기 </a:t>
+            </a:r>
+            <a:r>
+              <a:rPr lang="en-US" altLang="ko-KR" sz="3600" dirty="0">
+                <a:latin typeface="배달의민족 한나체 Air" panose="020B0600000101010101" pitchFamily="50" charset="-127"/>
+                <a:ea typeface="배달의민족 한나체 Air" panose="020B0600000101010101" pitchFamily="50" charset="-127"/>
+              </a:rPr>
+              <a:t>(2) - Collaborator </a:t>
+            </a:r>
+            <a:endParaRPr lang="ko-KR" altLang="en-US" sz="4800" dirty="0">
+              <a:latin typeface="배달의민족 한나체 Air" panose="020B0600000101010101" pitchFamily="50" charset="-127"/>
+              <a:ea typeface="배달의민족 한나체 Air" panose="020B0600000101010101" pitchFamily="50" charset="-127"/>
+            </a:endParaRPr>
+          </a:p>
+        </p:txBody>
+      </p:sp>
+      <p:sp>
+        <p:nvSpPr>
+          <p:cNvPr id="15" name="TextBox 14">
             <a:extLst>
               <a:ext uri="{FF2B5EF4-FFF2-40B4-BE49-F238E27FC236}">
-                <a16:creationId xmlns:a16="http://schemas.microsoft.com/office/drawing/2014/main" id="{803577CE-F293-4AB3-BB28-639418015011}"/>
+                <a16:creationId xmlns:a16="http://schemas.microsoft.com/office/drawing/2014/main" id="{D2F6B12E-EAC7-4933-8415-EB8658A65D7C}"/>
               </a:ext>
             </a:extLst>
           </p:cNvPr>
@@ -23400,8 +23006,8 @@
         </p:nvSpPr>
         <p:spPr>
           <a:xfrm>
-            <a:off x="1530720" y="1871335"/>
-            <a:ext cx="10322169" cy="707886"/>
+            <a:off x="3904052" y="3536294"/>
+            <a:ext cx="4383894" cy="830997"/>
           </a:xfrm>
           <a:prstGeom prst="rect">
             <a:avLst/>
@@ -23415,88 +23021,19 @@
           <a:lstStyle/>
           <a:p>
             <a:r>
-              <a:rPr lang="en-US" altLang="ko-KR" sz="2800" dirty="0">
-                <a:latin typeface="배달의민족 한나체 Air" panose="020B0600000101010101" pitchFamily="50" charset="-127"/>
-                <a:ea typeface="배달의민족 한나체 Air" panose="020B0600000101010101" pitchFamily="50" charset="-127"/>
-              </a:rPr>
-              <a:t>$ git</a:t>
-            </a:r>
-            <a:r>
-              <a:rPr lang="ko-KR" altLang="en-US" sz="2800" dirty="0">
-                <a:latin typeface="배달의민족 한나체 Air" panose="020B0600000101010101" pitchFamily="50" charset="-127"/>
-                <a:ea typeface="배달의민족 한나체 Air" panose="020B0600000101010101" pitchFamily="50" charset="-127"/>
-              </a:rPr>
-              <a:t> </a:t>
-            </a:r>
-            <a:r>
-              <a:rPr lang="en-US" altLang="ko-KR" sz="2800" dirty="0">
-                <a:latin typeface="배달의민족 한나체 Air" panose="020B0600000101010101" pitchFamily="50" charset="-127"/>
-                <a:ea typeface="배달의민족 한나체 Air" panose="020B0600000101010101" pitchFamily="50" charset="-127"/>
-              </a:rPr>
-              <a:t>log --stat --all --</a:t>
-            </a:r>
-            <a:r>
-              <a:rPr lang="en-US" altLang="ko-KR" sz="2800" dirty="0" err="1">
-                <a:latin typeface="배달의민족 한나체 Air" panose="020B0600000101010101" pitchFamily="50" charset="-127"/>
-                <a:ea typeface="배달의민족 한나체 Air" panose="020B0600000101010101" pitchFamily="50" charset="-127"/>
-              </a:rPr>
-              <a:t>oneline</a:t>
-            </a:r>
-            <a:r>
-              <a:rPr lang="en-US" altLang="ko-KR" sz="2800" dirty="0">
-                <a:latin typeface="배달의민족 한나체 Air" panose="020B0600000101010101" pitchFamily="50" charset="-127"/>
-                <a:ea typeface="배달의민족 한나체 Air" panose="020B0600000101010101" pitchFamily="50" charset="-127"/>
-              </a:rPr>
-              <a:t> --graph -p</a:t>
-            </a:r>
-            <a:r>
-              <a:rPr lang="en-US" altLang="ko-KR" sz="4000" dirty="0">
-                <a:latin typeface="배달의민족 한나체 Air" panose="020B0600000101010101" pitchFamily="50" charset="-127"/>
-                <a:ea typeface="배달의민족 한나체 Air" panose="020B0600000101010101" pitchFamily="50" charset="-127"/>
-              </a:rPr>
-              <a:t>	</a:t>
-            </a:r>
-            <a:endParaRPr lang="ko-KR" altLang="en-US" sz="4000" dirty="0">
-              <a:latin typeface="배달의민족 한나체 Air" panose="020B0600000101010101" pitchFamily="50" charset="-127"/>
-              <a:ea typeface="배달의민족 한나체 Air" panose="020B0600000101010101" pitchFamily="50" charset="-127"/>
-            </a:endParaRPr>
-          </a:p>
-        </p:txBody>
-      </p:sp>
-      <p:pic>
-        <p:nvPicPr>
-          <p:cNvPr id="2" name="그림 1">
-            <a:extLst>
-              <a:ext uri="{FF2B5EF4-FFF2-40B4-BE49-F238E27FC236}">
-                <a16:creationId xmlns:a16="http://schemas.microsoft.com/office/drawing/2014/main" id="{6D457026-3EFD-4415-9DDA-4BB94247513F}"/>
-              </a:ext>
-            </a:extLst>
-          </p:cNvPr>
-          <p:cNvPicPr>
-            <a:picLocks noChangeAspect="1"/>
-          </p:cNvPicPr>
-          <p:nvPr/>
-        </p:nvPicPr>
-        <p:blipFill>
-          <a:blip r:embed="rId2"/>
-          <a:stretch>
-            <a:fillRect/>
-          </a:stretch>
-        </p:blipFill>
-        <p:spPr>
-          <a:xfrm>
-            <a:off x="2907322" y="2705690"/>
-            <a:ext cx="6676294" cy="3700692"/>
-          </a:xfrm>
-          <a:prstGeom prst="rect">
-            <a:avLst/>
-          </a:prstGeom>
-        </p:spPr>
-      </p:pic>
+              <a:rPr lang="ko-KR" altLang="en-US" sz="4800" dirty="0">
+                <a:latin typeface="배달의민족 한나체 Air" panose="020B0600000101010101" pitchFamily="50" charset="-127"/>
+                <a:ea typeface="배달의민족 한나체 Air" panose="020B0600000101010101" pitchFamily="50" charset="-127"/>
+              </a:rPr>
+              <a:t>과정 블로그 참조</a:t>
+            </a:r>
+          </a:p>
+        </p:txBody>
+      </p:sp>
     </p:spTree>
     <p:extLst>
       <p:ext uri="{BB962C8B-B14F-4D97-AF65-F5344CB8AC3E}">
-        <p14:creationId xmlns:p14="http://schemas.microsoft.com/office/powerpoint/2010/main" val="3476225679"/>
+        <p14:creationId xmlns:p14="http://schemas.microsoft.com/office/powerpoint/2010/main" val="3577318757"/>
       </p:ext>
     </p:extLst>
   </p:cSld>
@@ -23979,7 +23516,7 @@
         </p:nvSpPr>
         <p:spPr>
           <a:xfrm>
-            <a:off x="492370" y="940730"/>
+            <a:off x="518747" y="960738"/>
             <a:ext cx="8932984" cy="830997"/>
           </a:xfrm>
           <a:prstGeom prst="rect">
@@ -23994,28 +23531,46 @@
           <a:lstStyle/>
           <a:p>
             <a:r>
+              <a:rPr lang="ko-KR" altLang="en-US" sz="4800" dirty="0">
+                <a:latin typeface="배달의민족 한나체 Air" panose="020B0600000101010101" pitchFamily="50" charset="-127"/>
+                <a:ea typeface="배달의민족 한나체 Air" panose="020B0600000101010101" pitchFamily="50" charset="-127"/>
+              </a:rPr>
+              <a:t>추가 </a:t>
+            </a:r>
+            <a:r>
+              <a:rPr lang="ko-KR" altLang="en-US" sz="4800" dirty="0" err="1">
+                <a:latin typeface="배달의민족 한나체 Air" panose="020B0600000101010101" pitchFamily="50" charset="-127"/>
+                <a:ea typeface="배달의민족 한나체 Air" panose="020B0600000101010101" pitchFamily="50" charset="-127"/>
+              </a:rPr>
+              <a:t>커밋</a:t>
+            </a:r>
+            <a:r>
+              <a:rPr lang="ko-KR" altLang="en-US" sz="4800" dirty="0">
+                <a:latin typeface="배달의민족 한나체 Air" panose="020B0600000101010101" pitchFamily="50" charset="-127"/>
+                <a:ea typeface="배달의민족 한나체 Air" panose="020B0600000101010101" pitchFamily="50" charset="-127"/>
+              </a:rPr>
+              <a:t> 생성 </a:t>
+            </a:r>
+            <a:r>
               <a:rPr lang="en-US" altLang="ko-KR" sz="4800" dirty="0">
                 <a:latin typeface="배달의민족 한나체 Air" panose="020B0600000101010101" pitchFamily="50" charset="-127"/>
                 <a:ea typeface="배달의민족 한나체 Air" panose="020B0600000101010101" pitchFamily="50" charset="-127"/>
               </a:rPr>
-              <a:t>Git HEAD</a:t>
-            </a:r>
-            <a:r>
-              <a:rPr lang="ko-KR" altLang="en-US" sz="4800" dirty="0">
-                <a:latin typeface="배달의민족 한나체 Air" panose="020B0600000101010101" pitchFamily="50" charset="-127"/>
-                <a:ea typeface="배달의민족 한나체 Air" panose="020B0600000101010101" pitchFamily="50" charset="-127"/>
-              </a:rPr>
-              <a:t> 이해하기</a:t>
-            </a:r>
-          </a:p>
-        </p:txBody>
-      </p:sp>
-      <p:sp>
-        <p:nvSpPr>
-          <p:cNvPr id="35" name="TextBox 34">
+              <a:t>+ commit -am</a:t>
+            </a:r>
+            <a:endParaRPr lang="ko-KR" altLang="en-US" sz="4800" dirty="0">
+              <a:latin typeface="배달의민족 한나체 Air" panose="020B0600000101010101" pitchFamily="50" charset="-127"/>
+              <a:ea typeface="배달의민족 한나체 Air" panose="020B0600000101010101" pitchFamily="50" charset="-127"/>
+            </a:endParaRPr>
+          </a:p>
+        </p:txBody>
+      </p:sp>
+      <p:sp>
+        <p:nvSpPr>
+          <p:cNvPr id="14" name="TextBox 13">
             <a:extLst>
               <a:ext uri="{FF2B5EF4-FFF2-40B4-BE49-F238E27FC236}">
-                <a16:creationId xmlns:a16="http://schemas.microsoft.com/office/drawing/2014/main" id="{803577CE-F293-4AB3-BB28-639418015011}"/>
+                <a16:creationId xmlns:a16="http://schemas.microsoft.com/office/drawing/2014/main" id="{A9395512-0018-4984-B163-9FA984ABC0A6}"/>
               </a:ext>
             </a:extLst>
           </p:cNvPr>
@@ -24024,8 +23579,8 @@
         </p:nvSpPr>
         <p:spPr>
           <a:xfrm>
-            <a:off x="1170234" y="3139862"/>
-            <a:ext cx="10294934" cy="1261884"/>
+            <a:off x="1220664" y="2772352"/>
+            <a:ext cx="9750669" cy="3046988"/>
           </a:xfrm>
           <a:prstGeom prst="rect">
             <a:avLst/>
@@ -24043,126 +23598,102 @@
                 <a:latin typeface="배달의민족 한나체 Air" panose="020B0600000101010101" pitchFamily="50" charset="-127"/>
                 <a:ea typeface="배달의민족 한나체 Air" panose="020B0600000101010101" pitchFamily="50" charset="-127"/>
               </a:rPr>
-              <a:t>실제 </a:t>
+              <a:t>소스코드를 추가하고</a:t>
             </a:r>
             <a:r>
               <a:rPr lang="en-US" altLang="ko-KR" sz="2400" dirty="0">
                 <a:latin typeface="배달의민족 한나체 Air" panose="020B0600000101010101" pitchFamily="50" charset="-127"/>
                 <a:ea typeface="배달의민족 한나체 Air" panose="020B0600000101010101" pitchFamily="50" charset="-127"/>
               </a:rPr>
-              <a:t>checkout</a:t>
+              <a:t>, </a:t>
+            </a:r>
+            <a:r>
+              <a:rPr lang="ko-KR" altLang="en-US" sz="2400" dirty="0" err="1">
+                <a:latin typeface="배달의민족 한나체 Air" panose="020B0600000101010101" pitchFamily="50" charset="-127"/>
+                <a:ea typeface="배달의민족 한나체 Air" panose="020B0600000101010101" pitchFamily="50" charset="-127"/>
+              </a:rPr>
+              <a:t>커밋을</a:t>
             </a:r>
             <a:r>
               <a:rPr lang="ko-KR" altLang="en-US" sz="2400" dirty="0">
                 <a:latin typeface="배달의민족 한나체 Air" panose="020B0600000101010101" pitchFamily="50" charset="-127"/>
                 <a:ea typeface="배달의민족 한나체 Air" panose="020B0600000101010101" pitchFamily="50" charset="-127"/>
               </a:rPr>
-              <a:t>은 </a:t>
-            </a:r>
-            <a:r>
-              <a:rPr lang="ko-KR" altLang="en-US" sz="2400" dirty="0" err="1">
-                <a:latin typeface="배달의민족 한나체 Air" panose="020B0600000101010101" pitchFamily="50" charset="-127"/>
-                <a:ea typeface="배달의민족 한나체 Air" panose="020B0600000101010101" pitchFamily="50" charset="-127"/>
-              </a:rPr>
-              <a:t>브랜치를</a:t>
-            </a:r>
+              <a:t> 새로 하나 생성하도록 한다</a:t>
+            </a:r>
+            <a:endParaRPr lang="en-US" altLang="ko-KR" sz="2400" dirty="0">
+              <a:latin typeface="배달의민족 한나체 Air" panose="020B0600000101010101" pitchFamily="50" charset="-127"/>
+              <a:ea typeface="배달의민족 한나체 Air" panose="020B0600000101010101" pitchFamily="50" charset="-127"/>
+            </a:endParaRPr>
+          </a:p>
+          <a:p>
             <a:r>
               <a:rPr lang="ko-KR" altLang="en-US" sz="2400" dirty="0">
-                <a:latin typeface="배달의민족 한나체 Air" panose="020B0600000101010101" pitchFamily="50" charset="-127"/>
-                <a:ea typeface="배달의민족 한나체 Air" panose="020B0600000101010101" pitchFamily="50" charset="-127"/>
-              </a:rPr>
-              <a:t> 이동하는 것으로 알고 있지만 실제로는 </a:t>
-            </a:r>
-            <a:r>
-              <a:rPr lang="ko-KR" altLang="en-US" sz="2400" dirty="0" err="1">
-                <a:latin typeface="배달의민족 한나체 Air" panose="020B0600000101010101" pitchFamily="50" charset="-127"/>
-                <a:ea typeface="배달의민족 한나체 Air" panose="020B0600000101010101" pitchFamily="50" charset="-127"/>
-              </a:rPr>
-              <a:t>커밋을</a:t>
+                <a:solidFill>
+                  <a:srgbClr val="FF0000"/>
+                </a:solidFill>
+                <a:latin typeface="배달의민족 한나체 Air" panose="020B0600000101010101" pitchFamily="50" charset="-127"/>
+                <a:ea typeface="배달의민족 한나체 Air" panose="020B0600000101010101" pitchFamily="50" charset="-127"/>
+              </a:rPr>
+              <a:t>추적된 모든 파일에 대해서는 </a:t>
+            </a:r>
+            <a:r>
+              <a:rPr lang="en-US" altLang="ko-KR" sz="2400" dirty="0">
+                <a:latin typeface="배달의민족 한나체 Air" panose="020B0600000101010101" pitchFamily="50" charset="-127"/>
+                <a:ea typeface="배달의민족 한나체 Air" panose="020B0600000101010101" pitchFamily="50" charset="-127"/>
+              </a:rPr>
+              <a:t>add</a:t>
             </a:r>
             <a:r>
               <a:rPr lang="ko-KR" altLang="en-US" sz="2400" dirty="0">
                 <a:latin typeface="배달의민족 한나체 Air" panose="020B0600000101010101" pitchFamily="50" charset="-127"/>
                 <a:ea typeface="배달의민족 한나체 Air" panose="020B0600000101010101" pitchFamily="50" charset="-127"/>
               </a:rPr>
-              <a:t> 가리키는 용도다</a:t>
+              <a:t>와 </a:t>
             </a:r>
             <a:r>
               <a:rPr lang="en-US" altLang="ko-KR" sz="2400" dirty="0">
                 <a:latin typeface="배달의민족 한나체 Air" panose="020B0600000101010101" pitchFamily="50" charset="-127"/>
                 <a:ea typeface="배달의민족 한나체 Air" panose="020B0600000101010101" pitchFamily="50" charset="-127"/>
               </a:rPr>
+              <a:t>commit </a:t>
+            </a:r>
+            <a:r>
+              <a:rPr lang="ko-KR" altLang="en-US" sz="2400" dirty="0">
+                <a:latin typeface="배달의민족 한나체 Air" panose="020B0600000101010101" pitchFamily="50" charset="-127"/>
+                <a:ea typeface="배달의민족 한나체 Air" panose="020B0600000101010101" pitchFamily="50" charset="-127"/>
+              </a:rPr>
+              <a:t>명령을 </a:t>
+            </a:r>
+            <a:r>
+              <a:rPr lang="en-US" altLang="ko-KR" sz="2400" dirty="0">
+                <a:latin typeface="배달의민족 한나체 Air" panose="020B0600000101010101" pitchFamily="50" charset="-127"/>
+                <a:ea typeface="배달의민족 한나체 Air" panose="020B0600000101010101" pitchFamily="50" charset="-127"/>
+              </a:rPr>
+              <a:t>am </a:t>
+            </a:r>
+            <a:r>
+              <a:rPr lang="ko-KR" altLang="en-US" sz="2400" dirty="0">
+                <a:latin typeface="배달의민족 한나체 Air" panose="020B0600000101010101" pitchFamily="50" charset="-127"/>
+                <a:ea typeface="배달의민족 한나체 Air" panose="020B0600000101010101" pitchFamily="50" charset="-127"/>
+              </a:rPr>
+              <a:t>옵션을 합할 수 있다</a:t>
+            </a:r>
+            <a:r>
+              <a:rPr lang="en-US" altLang="ko-KR" sz="2400" dirty="0">
+                <a:latin typeface="배달의민족 한나체 Air" panose="020B0600000101010101" pitchFamily="50" charset="-127"/>
+                <a:ea typeface="배달의민족 한나체 Air" panose="020B0600000101010101" pitchFamily="50" charset="-127"/>
+              </a:rPr>
               <a:t>. </a:t>
             </a:r>
-            <a:r>
-              <a:rPr lang="ko-KR" altLang="en-US" sz="2400" dirty="0" err="1">
-                <a:latin typeface="배달의민족 한나체 Air" panose="020B0600000101010101" pitchFamily="50" charset="-127"/>
-                <a:ea typeface="배달의민족 한나체 Air" panose="020B0600000101010101" pitchFamily="50" charset="-127"/>
-              </a:rPr>
-              <a:t>브랜치는</a:t>
-            </a:r>
+          </a:p>
+          <a:p>
             <a:r>
               <a:rPr lang="ko-KR" altLang="en-US" sz="2400" dirty="0">
                 <a:latin typeface="배달의민족 한나체 Air" panose="020B0600000101010101" pitchFamily="50" charset="-127"/>
                 <a:ea typeface="배달의민족 한나체 Air" panose="020B0600000101010101" pitchFamily="50" charset="-127"/>
               </a:rPr>
-              <a:t> 결국 </a:t>
-            </a:r>
-            <a:r>
-              <a:rPr lang="ko-KR" altLang="en-US" sz="2400" dirty="0" err="1">
-                <a:latin typeface="배달의민족 한나체 Air" panose="020B0600000101010101" pitchFamily="50" charset="-127"/>
-                <a:ea typeface="배달의민족 한나체 Air" panose="020B0600000101010101" pitchFamily="50" charset="-127"/>
-              </a:rPr>
-              <a:t>커밋을</a:t>
-            </a:r>
-            <a:r>
-              <a:rPr lang="ko-KR" altLang="en-US" sz="2400" dirty="0">
-                <a:latin typeface="배달의민족 한나체 Air" panose="020B0600000101010101" pitchFamily="50" charset="-127"/>
-                <a:ea typeface="배달의민족 한나체 Air" panose="020B0600000101010101" pitchFamily="50" charset="-127"/>
-              </a:rPr>
-              <a:t> 가리키기 때문에</a:t>
-            </a:r>
-            <a:r>
-              <a:rPr lang="en-US" altLang="ko-KR" sz="2400" dirty="0">
-                <a:latin typeface="배달의민족 한나체 Air" panose="020B0600000101010101" pitchFamily="50" charset="-127"/>
-                <a:ea typeface="배달의민족 한나체 Air" panose="020B0600000101010101" pitchFamily="50" charset="-127"/>
-              </a:rPr>
-              <a:t>, checkout</a:t>
-            </a:r>
-            <a:r>
-              <a:rPr lang="ko-KR" altLang="en-US" sz="2400" dirty="0">
-                <a:latin typeface="배달의민족 한나체 Air" panose="020B0600000101010101" pitchFamily="50" charset="-127"/>
-                <a:ea typeface="배달의민족 한나체 Air" panose="020B0600000101010101" pitchFamily="50" charset="-127"/>
-              </a:rPr>
-              <a:t>을 통해 직접적으로 </a:t>
-            </a:r>
-            <a:r>
-              <a:rPr lang="ko-KR" altLang="en-US" sz="2400" dirty="0" err="1">
-                <a:latin typeface="배달의민족 한나체 Air" panose="020B0600000101010101" pitchFamily="50" charset="-127"/>
-                <a:ea typeface="배달의민족 한나체 Air" panose="020B0600000101010101" pitchFamily="50" charset="-127"/>
-              </a:rPr>
-              <a:t>커밋을</a:t>
-            </a:r>
-            <a:r>
-              <a:rPr lang="ko-KR" altLang="en-US" sz="2400" dirty="0">
-                <a:latin typeface="배달의민족 한나체 Air" panose="020B0600000101010101" pitchFamily="50" charset="-127"/>
-                <a:ea typeface="배달의민족 한나체 Air" panose="020B0600000101010101" pitchFamily="50" charset="-127"/>
-              </a:rPr>
-              <a:t> 가리킬 수 있다</a:t>
-            </a:r>
-            <a:r>
-              <a:rPr lang="en-US" altLang="ko-KR" sz="2400" dirty="0">
-                <a:latin typeface="배달의민족 한나체 Air" panose="020B0600000101010101" pitchFamily="50" charset="-127"/>
-                <a:ea typeface="배달의민족 한나체 Air" panose="020B0600000101010101" pitchFamily="50" charset="-127"/>
-              </a:rPr>
-              <a:t>. </a:t>
-            </a:r>
-            <a:r>
-              <a:rPr lang="ko-KR" altLang="en-US" sz="2400" dirty="0">
-                <a:latin typeface="배달의민족 한나체 Air" panose="020B0600000101010101" pitchFamily="50" charset="-127"/>
-                <a:ea typeface="배달의민족 한나체 Air" panose="020B0600000101010101" pitchFamily="50" charset="-127"/>
-              </a:rPr>
-              <a:t>그 가리키는 친구가 </a:t>
+              <a:t>반대로 </a:t>
             </a:r>
             <a:r>
               <a:rPr lang="en-US" altLang="ko-KR" sz="2400" dirty="0">
@@ -24172,7 +23703,7 @@
                 <a:latin typeface="배달의민족 한나체 Air" panose="020B0600000101010101" pitchFamily="50" charset="-127"/>
                 <a:ea typeface="배달의민족 한나체 Air" panose="020B0600000101010101" pitchFamily="50" charset="-127"/>
               </a:rPr>
-              <a:t>HEAD </a:t>
+              <a:t>untracked </a:t>
             </a:r>
             <a:r>
               <a:rPr lang="ko-KR" altLang="en-US" sz="2400" dirty="0">
@@ -24182,394 +23713,151 @@
                 <a:latin typeface="배달의민족 한나체 Air" panose="020B0600000101010101" pitchFamily="50" charset="-127"/>
                 <a:ea typeface="배달의민족 한나체 Air" panose="020B0600000101010101" pitchFamily="50" charset="-127"/>
               </a:rPr>
-              <a:t>포인터다 </a:t>
-            </a:r>
-            <a:r>
-              <a:rPr lang="en-US" altLang="ko-KR" sz="2800" dirty="0">
-                <a:latin typeface="배달의민족 한나체 Air" panose="020B0600000101010101" pitchFamily="50" charset="-127"/>
-                <a:ea typeface="배달의민족 한나체 Air" panose="020B0600000101010101" pitchFamily="50" charset="-127"/>
-              </a:rPr>
-              <a:t>	</a:t>
-            </a:r>
-            <a:endParaRPr lang="ko-KR" altLang="en-US" sz="2800" dirty="0">
+              <a:t>파일은 </a:t>
+            </a:r>
+            <a:r>
+              <a:rPr lang="ko-KR" altLang="en-US" sz="2400" dirty="0">
+                <a:latin typeface="배달의민족 한나체 Air" panose="020B0600000101010101" pitchFamily="50" charset="-127"/>
+                <a:ea typeface="배달의민족 한나체 Air" panose="020B0600000101010101" pitchFamily="50" charset="-127"/>
+              </a:rPr>
+              <a:t>항상 </a:t>
+            </a:r>
+            <a:r>
+              <a:rPr lang="en-US" altLang="ko-KR" sz="2400" dirty="0">
+                <a:latin typeface="배달의민족 한나체 Air" panose="020B0600000101010101" pitchFamily="50" charset="-127"/>
+                <a:ea typeface="배달의민족 한나체 Air" panose="020B0600000101010101" pitchFamily="50" charset="-127"/>
+              </a:rPr>
+              <a:t>add</a:t>
+            </a:r>
+            <a:r>
+              <a:rPr lang="ko-KR" altLang="en-US" sz="2400" dirty="0">
+                <a:latin typeface="배달의민족 한나체 Air" panose="020B0600000101010101" pitchFamily="50" charset="-127"/>
+                <a:ea typeface="배달의민족 한나체 Air" panose="020B0600000101010101" pitchFamily="50" charset="-127"/>
+              </a:rPr>
+              <a:t>를 먼저 한 후 </a:t>
+            </a:r>
+            <a:r>
+              <a:rPr lang="en-US" altLang="ko-KR" sz="2400" dirty="0">
+                <a:latin typeface="배달의민족 한나체 Air" panose="020B0600000101010101" pitchFamily="50" charset="-127"/>
+                <a:ea typeface="배달의민족 한나체 Air" panose="020B0600000101010101" pitchFamily="50" charset="-127"/>
+              </a:rPr>
+              <a:t>commit </a:t>
+            </a:r>
+            <a:r>
+              <a:rPr lang="ko-KR" altLang="en-US" sz="2400" dirty="0">
+                <a:latin typeface="배달의민족 한나체 Air" panose="020B0600000101010101" pitchFamily="50" charset="-127"/>
+                <a:ea typeface="배달의민족 한나체 Air" panose="020B0600000101010101" pitchFamily="50" charset="-127"/>
+              </a:rPr>
+              <a:t>명령을 해야 한다</a:t>
+            </a:r>
+            <a:endParaRPr lang="en-US" altLang="ko-KR" sz="2400" dirty="0">
               <a:latin typeface="배달의민족 한나체 Air" panose="020B0600000101010101" pitchFamily="50" charset="-127"/>
               <a:ea typeface="배달의민족 한나체 Air" panose="020B0600000101010101" pitchFamily="50" charset="-127"/>
             </a:endParaRPr>
           </a:p>
-        </p:txBody>
-      </p:sp>
-      <p:sp>
-        <p:nvSpPr>
-          <p:cNvPr id="3" name="타원 2">
-            <a:extLst>
-              <a:ext uri="{FF2B5EF4-FFF2-40B4-BE49-F238E27FC236}">
-                <a16:creationId xmlns:a16="http://schemas.microsoft.com/office/drawing/2014/main" id="{3CC01382-359E-43F9-83C9-4A404CD674F5}"/>
-              </a:ext>
-            </a:extLst>
-          </p:cNvPr>
-          <p:cNvSpPr/>
-          <p:nvPr/>
-        </p:nvSpPr>
-        <p:spPr>
-          <a:xfrm>
-            <a:off x="5345722" y="4835769"/>
-            <a:ext cx="1354015" cy="1397976"/>
-          </a:xfrm>
-          <a:prstGeom prst="ellipse">
-            <a:avLst/>
-          </a:prstGeom>
-          <a:noFill/>
-          <a:ln w="28575">
-            <a:solidFill>
-              <a:schemeClr val="accent1">
-                <a:lumMod val="50000"/>
-              </a:schemeClr>
-            </a:solidFill>
-          </a:ln>
-        </p:spPr>
-        <p:style>
-          <a:lnRef idx="2">
-            <a:schemeClr val="accent1">
-              <a:shade val="50000"/>
-            </a:schemeClr>
-          </a:lnRef>
-          <a:fillRef idx="1">
-            <a:schemeClr val="accent1"/>
-          </a:fillRef>
-          <a:effectRef idx="0">
-            <a:schemeClr val="accent1"/>
-          </a:effectRef>
-          <a:fontRef idx="minor">
-            <a:schemeClr val="lt1"/>
-          </a:fontRef>
-        </p:style>
-        <p:txBody>
-          <a:bodyPr rtlCol="0" anchor="ctr"/>
-          <a:lstStyle/>
-          <a:p>
-            <a:pPr algn="ctr"/>
-            <a:endParaRPr lang="ko-KR" altLang="en-US"/>
-          </a:p>
-        </p:txBody>
-      </p:sp>
-      <p:sp>
-        <p:nvSpPr>
-          <p:cNvPr id="4" name="TextBox 3">
-            <a:extLst>
-              <a:ext uri="{FF2B5EF4-FFF2-40B4-BE49-F238E27FC236}">
-                <a16:creationId xmlns:a16="http://schemas.microsoft.com/office/drawing/2014/main" id="{4D51B587-7255-4BDB-B958-C9F10B406948}"/>
-              </a:ext>
-            </a:extLst>
-          </p:cNvPr>
-          <p:cNvSpPr txBox="1"/>
-          <p:nvPr/>
-        </p:nvSpPr>
-        <p:spPr>
-          <a:xfrm>
-            <a:off x="5600700" y="5303924"/>
-            <a:ext cx="1169375" cy="461665"/>
-          </a:xfrm>
-          <a:prstGeom prst="rect">
-            <a:avLst/>
-          </a:prstGeom>
-          <a:noFill/>
-        </p:spPr>
-        <p:txBody>
-          <a:bodyPr wrap="square" rtlCol="0">
-            <a:spAutoFit/>
-          </a:bodyPr>
-          <a:lstStyle/>
-          <a:p>
-            <a:r>
-              <a:rPr lang="ko-KR" altLang="en-US" sz="2400" dirty="0" err="1">
-                <a:latin typeface="배달의민족 한나체 Air" panose="020B0600000101010101" pitchFamily="50" charset="-127"/>
-                <a:ea typeface="배달의민족 한나체 Air" panose="020B0600000101010101" pitchFamily="50" charset="-127"/>
-              </a:rPr>
-              <a:t>커밋</a:t>
-            </a:r>
-            <a:r>
-              <a:rPr lang="ko-KR" altLang="en-US" sz="2400" dirty="0">
-                <a:latin typeface="배달의민족 한나체 Air" panose="020B0600000101010101" pitchFamily="50" charset="-127"/>
-                <a:ea typeface="배달의민족 한나체 Air" panose="020B0600000101010101" pitchFamily="50" charset="-127"/>
-              </a:rPr>
-              <a:t> </a:t>
-            </a:r>
-            <a:r>
-              <a:rPr lang="en-US" altLang="ko-KR" sz="2400" dirty="0">
-                <a:latin typeface="배달의민족 한나체 Air" panose="020B0600000101010101" pitchFamily="50" charset="-127"/>
-                <a:ea typeface="배달의민족 한나체 Air" panose="020B0600000101010101" pitchFamily="50" charset="-127"/>
-              </a:rPr>
-              <a:t>1</a:t>
-            </a:r>
-            <a:endParaRPr lang="ko-KR" altLang="en-US" sz="2400" dirty="0">
+          <a:p>
+            <a:endParaRPr lang="en-US" altLang="ko-KR" sz="2400" dirty="0">
               <a:latin typeface="배달의민족 한나체 Air" panose="020B0600000101010101" pitchFamily="50" charset="-127"/>
               <a:ea typeface="배달의민족 한나체 Air" panose="020B0600000101010101" pitchFamily="50" charset="-127"/>
             </a:endParaRPr>
           </a:p>
-        </p:txBody>
-      </p:sp>
-      <p:cxnSp>
-        <p:nvCxnSpPr>
-          <p:cNvPr id="15" name="직선 화살표 연결선 14">
-            <a:extLst>
-              <a:ext uri="{FF2B5EF4-FFF2-40B4-BE49-F238E27FC236}">
-                <a16:creationId xmlns:a16="http://schemas.microsoft.com/office/drawing/2014/main" id="{5C1898E0-4F22-457D-B709-08ECFB142A7D}"/>
-              </a:ext>
-            </a:extLst>
-          </p:cNvPr>
-          <p:cNvCxnSpPr>
-            <a:cxnSpLocks/>
-          </p:cNvCxnSpPr>
-          <p:nvPr/>
-        </p:nvCxnSpPr>
-        <p:spPr>
-          <a:xfrm>
-            <a:off x="4914901" y="5188097"/>
-            <a:ext cx="386860" cy="245549"/>
-          </a:xfrm>
-          <a:prstGeom prst="straightConnector1">
-            <a:avLst/>
-          </a:prstGeom>
-          <a:ln>
-            <a:tailEnd type="triangle"/>
-          </a:ln>
-        </p:spPr>
-        <p:style>
-          <a:lnRef idx="1">
-            <a:schemeClr val="accent1"/>
-          </a:lnRef>
-          <a:fillRef idx="0">
-            <a:schemeClr val="accent1"/>
-          </a:fillRef>
-          <a:effectRef idx="0">
-            <a:schemeClr val="accent1"/>
-          </a:effectRef>
-          <a:fontRef idx="minor">
-            <a:schemeClr val="tx1"/>
-          </a:fontRef>
-        </p:style>
-      </p:cxnSp>
-      <p:sp>
-        <p:nvSpPr>
-          <p:cNvPr id="18" name="TextBox 17">
-            <a:extLst>
-              <a:ext uri="{FF2B5EF4-FFF2-40B4-BE49-F238E27FC236}">
-                <a16:creationId xmlns:a16="http://schemas.microsoft.com/office/drawing/2014/main" id="{7448B4FF-79B1-4C18-9615-5E9D5AD0563B}"/>
-              </a:ext>
-            </a:extLst>
-          </p:cNvPr>
-          <p:cNvSpPr txBox="1"/>
-          <p:nvPr/>
-        </p:nvSpPr>
-        <p:spPr>
-          <a:xfrm>
-            <a:off x="3982917" y="5003431"/>
-            <a:ext cx="1169375" cy="369332"/>
-          </a:xfrm>
-          <a:prstGeom prst="rect">
-            <a:avLst/>
-          </a:prstGeom>
-          <a:noFill/>
-        </p:spPr>
-        <p:txBody>
-          <a:bodyPr wrap="square" rtlCol="0">
-            <a:spAutoFit/>
-          </a:bodyPr>
-          <a:lstStyle/>
-          <a:p>
-            <a:r>
-              <a:rPr lang="en-US" altLang="ko-KR" b="1" dirty="0">
-                <a:solidFill>
-                  <a:schemeClr val="accent1">
-                    <a:lumMod val="75000"/>
-                  </a:schemeClr>
-                </a:solidFill>
-                <a:latin typeface="배달의민족 한나체 Air" panose="020B0600000101010101" pitchFamily="50" charset="-127"/>
-                <a:ea typeface="배달의민족 한나체 Air" panose="020B0600000101010101" pitchFamily="50" charset="-127"/>
-              </a:rPr>
-              <a:t>master</a:t>
-            </a:r>
-            <a:endParaRPr lang="ko-KR" altLang="en-US" sz="2400" b="1" dirty="0">
-              <a:solidFill>
-                <a:schemeClr val="accent1">
-                  <a:lumMod val="75000"/>
-                </a:schemeClr>
-              </a:solidFill>
+          <a:p>
+            <a:r>
+              <a:rPr lang="en-US" altLang="ko-KR" sz="2400" dirty="0">
+                <a:latin typeface="배달의민족 한나체 Air" panose="020B0600000101010101" pitchFamily="50" charset="-127"/>
+                <a:ea typeface="배달의민족 한나체 Air" panose="020B0600000101010101" pitchFamily="50" charset="-127"/>
+              </a:rPr>
+              <a:t>$ git commit -am “add contents template C file”</a:t>
+            </a:r>
+          </a:p>
+          <a:p>
+            <a:endParaRPr lang="en-US" altLang="ko-KR" sz="2400" dirty="0">
               <a:latin typeface="배달의민족 한나체 Air" panose="020B0600000101010101" pitchFamily="50" charset="-127"/>
               <a:ea typeface="배달의민족 한나체 Air" panose="020B0600000101010101" pitchFamily="50" charset="-127"/>
             </a:endParaRPr>
           </a:p>
-        </p:txBody>
-      </p:sp>
-      <p:cxnSp>
-        <p:nvCxnSpPr>
-          <p:cNvPr id="20" name="직선 화살표 연결선 19">
-            <a:extLst>
-              <a:ext uri="{FF2B5EF4-FFF2-40B4-BE49-F238E27FC236}">
-                <a16:creationId xmlns:a16="http://schemas.microsoft.com/office/drawing/2014/main" id="{905D81D7-CC53-4C87-B21B-CAF00C6EFFA1}"/>
-              </a:ext>
-            </a:extLst>
-          </p:cNvPr>
-          <p:cNvCxnSpPr/>
-          <p:nvPr/>
-        </p:nvCxnSpPr>
-        <p:spPr>
-          <a:xfrm>
-            <a:off x="2964794" y="5189368"/>
-            <a:ext cx="931984" cy="0"/>
-          </a:xfrm>
-          <a:prstGeom prst="straightConnector1">
-            <a:avLst/>
-          </a:prstGeom>
-          <a:ln>
-            <a:tailEnd type="triangle"/>
-          </a:ln>
-        </p:spPr>
-        <p:style>
-          <a:lnRef idx="1">
-            <a:schemeClr val="accent1"/>
-          </a:lnRef>
-          <a:fillRef idx="0">
-            <a:schemeClr val="accent1"/>
-          </a:fillRef>
-          <a:effectRef idx="0">
-            <a:schemeClr val="accent1"/>
-          </a:effectRef>
-          <a:fontRef idx="minor">
-            <a:schemeClr val="tx1"/>
-          </a:fontRef>
-        </p:style>
-      </p:cxnSp>
-      <p:sp>
-        <p:nvSpPr>
-          <p:cNvPr id="16" name="직사각형 15">
-            <a:extLst>
-              <a:ext uri="{FF2B5EF4-FFF2-40B4-BE49-F238E27FC236}">
-                <a16:creationId xmlns:a16="http://schemas.microsoft.com/office/drawing/2014/main" id="{DE08D789-7764-491E-B9C2-EB8DDA1617C3}"/>
-              </a:ext>
-            </a:extLst>
-          </p:cNvPr>
-          <p:cNvSpPr/>
-          <p:nvPr/>
-        </p:nvSpPr>
-        <p:spPr>
-          <a:xfrm>
-            <a:off x="3996103" y="4972996"/>
-            <a:ext cx="857250" cy="430202"/>
-          </a:xfrm>
-          <a:prstGeom prst="rect">
-            <a:avLst/>
-          </a:prstGeom>
-          <a:noFill/>
-          <a:ln w="19050"/>
-        </p:spPr>
-        <p:style>
-          <a:lnRef idx="2">
-            <a:schemeClr val="accent1">
-              <a:shade val="50000"/>
-            </a:schemeClr>
-          </a:lnRef>
-          <a:fillRef idx="1">
-            <a:schemeClr val="accent1"/>
-          </a:fillRef>
-          <a:effectRef idx="0">
-            <a:schemeClr val="accent1"/>
-          </a:effectRef>
-          <a:fontRef idx="minor">
-            <a:schemeClr val="lt1"/>
-          </a:fontRef>
-        </p:style>
-        <p:txBody>
-          <a:bodyPr rtlCol="0" anchor="ctr"/>
-          <a:lstStyle/>
-          <a:p>
-            <a:pPr algn="ctr"/>
-            <a:endParaRPr lang="ko-KR" altLang="en-US"/>
-          </a:p>
-        </p:txBody>
-      </p:sp>
-      <p:sp>
-        <p:nvSpPr>
-          <p:cNvPr id="23" name="TextBox 22">
-            <a:extLst>
-              <a:ext uri="{FF2B5EF4-FFF2-40B4-BE49-F238E27FC236}">
-                <a16:creationId xmlns:a16="http://schemas.microsoft.com/office/drawing/2014/main" id="{00205D6C-5608-4CB0-AE5B-4603978CEABF}"/>
-              </a:ext>
-            </a:extLst>
-          </p:cNvPr>
-          <p:cNvSpPr txBox="1"/>
-          <p:nvPr/>
-        </p:nvSpPr>
-        <p:spPr>
-          <a:xfrm>
-            <a:off x="1969797" y="4941533"/>
-            <a:ext cx="994997" cy="461665"/>
-          </a:xfrm>
-          <a:prstGeom prst="rect">
-            <a:avLst/>
-          </a:prstGeom>
-          <a:noFill/>
-        </p:spPr>
-        <p:txBody>
-          <a:bodyPr wrap="square" rtlCol="0">
-            <a:spAutoFit/>
-          </a:bodyPr>
-          <a:lstStyle/>
-          <a:p>
-            <a:r>
-              <a:rPr lang="en-US" altLang="ko-KR" sz="2400" b="1" dirty="0">
-                <a:solidFill>
-                  <a:srgbClr val="FF0000"/>
-                </a:solidFill>
-                <a:latin typeface="배달의민족 한나체 Air" panose="020B0600000101010101" pitchFamily="50" charset="-127"/>
-                <a:ea typeface="배달의민족 한나체 Air" panose="020B0600000101010101" pitchFamily="50" charset="-127"/>
-              </a:rPr>
-              <a:t>HEAD</a:t>
-            </a:r>
-            <a:endParaRPr lang="ko-KR" altLang="en-US" sz="2400" b="1" dirty="0">
-              <a:solidFill>
-                <a:srgbClr val="FF0000"/>
-              </a:solidFill>
+          <a:p>
+            <a:r>
+              <a:rPr lang="ko-KR" altLang="en-US" sz="2400" dirty="0">
+                <a:latin typeface="배달의민족 한나체 Air" panose="020B0600000101010101" pitchFamily="50" charset="-127"/>
+                <a:ea typeface="배달의민족 한나체 Air" panose="020B0600000101010101" pitchFamily="50" charset="-127"/>
+              </a:rPr>
+              <a:t>주의할 점은 원격에 </a:t>
+            </a:r>
+            <a:r>
+              <a:rPr lang="en-US" altLang="ko-KR" sz="2400" dirty="0">
+                <a:latin typeface="배달의민족 한나체 Air" panose="020B0600000101010101" pitchFamily="50" charset="-127"/>
+                <a:ea typeface="배달의민족 한나체 Air" panose="020B0600000101010101" pitchFamily="50" charset="-127"/>
+              </a:rPr>
+              <a:t>push</a:t>
+            </a:r>
+            <a:r>
+              <a:rPr lang="ko-KR" altLang="en-US" sz="2400" dirty="0">
+                <a:latin typeface="배달의민족 한나체 Air" panose="020B0600000101010101" pitchFamily="50" charset="-127"/>
+                <a:ea typeface="배달의민족 한나체 Air" panose="020B0600000101010101" pitchFamily="50" charset="-127"/>
+              </a:rPr>
+              <a:t>한 이후에는 </a:t>
+            </a:r>
+            <a:r>
+              <a:rPr lang="en-US" altLang="ko-KR" sz="2400" dirty="0">
+                <a:latin typeface="배달의민족 한나체 Air" panose="020B0600000101010101" pitchFamily="50" charset="-127"/>
+                <a:ea typeface="배달의민족 한나체 Air" panose="020B0600000101010101" pitchFamily="50" charset="-127"/>
+              </a:rPr>
+              <a:t>--amend</a:t>
+            </a:r>
+            <a:r>
+              <a:rPr lang="ko-KR" altLang="en-US" sz="2400" dirty="0">
+                <a:latin typeface="배달의민족 한나체 Air" panose="020B0600000101010101" pitchFamily="50" charset="-127"/>
+                <a:ea typeface="배달의민족 한나체 Air" panose="020B0600000101010101" pitchFamily="50" charset="-127"/>
+              </a:rPr>
+              <a:t>를 자제해야 한다</a:t>
+            </a:r>
+            <a:r>
+              <a:rPr lang="en-US" altLang="ko-KR" sz="2400" dirty="0">
+                <a:latin typeface="배달의민족 한나체 Air" panose="020B0600000101010101" pitchFamily="50" charset="-127"/>
+                <a:ea typeface="배달의민족 한나체 Air" panose="020B0600000101010101" pitchFamily="50" charset="-127"/>
+              </a:rPr>
+              <a:t>. </a:t>
+            </a:r>
+            <a:r>
+              <a:rPr lang="ko-KR" altLang="en-US" sz="2400" dirty="0" err="1">
+                <a:latin typeface="배달의민족 한나체 Air" panose="020B0600000101010101" pitchFamily="50" charset="-127"/>
+                <a:ea typeface="배달의민족 한나체 Air" panose="020B0600000101010101" pitchFamily="50" charset="-127"/>
+              </a:rPr>
+              <a:t>커밋이</a:t>
+            </a:r>
+            <a:r>
+              <a:rPr lang="ko-KR" altLang="en-US" sz="2400" dirty="0">
+                <a:latin typeface="배달의민족 한나체 Air" panose="020B0600000101010101" pitchFamily="50" charset="-127"/>
+                <a:ea typeface="배달의민족 한나체 Air" panose="020B0600000101010101" pitchFamily="50" charset="-127"/>
+              </a:rPr>
+              <a:t> 꼬이기 때문에 원격에 </a:t>
+            </a:r>
+            <a:r>
+              <a:rPr lang="en-US" altLang="ko-KR" sz="2400" dirty="0">
+                <a:latin typeface="배달의민족 한나체 Air" panose="020B0600000101010101" pitchFamily="50" charset="-127"/>
+                <a:ea typeface="배달의민족 한나체 Air" panose="020B0600000101010101" pitchFamily="50" charset="-127"/>
+              </a:rPr>
+              <a:t>push --force</a:t>
+            </a:r>
+            <a:r>
+              <a:rPr lang="ko-KR" altLang="en-US" sz="2400">
+                <a:latin typeface="배달의민족 한나체 Air" panose="020B0600000101010101" pitchFamily="50" charset="-127"/>
+                <a:ea typeface="배달의민족 한나체 Air" panose="020B0600000101010101" pitchFamily="50" charset="-127"/>
+              </a:rPr>
+              <a:t>를 해야만 한다</a:t>
+            </a:r>
+            <a:endParaRPr lang="en-US" altLang="ko-KR" sz="2400" dirty="0">
               <a:latin typeface="배달의민족 한나체 Air" panose="020B0600000101010101" pitchFamily="50" charset="-127"/>
               <a:ea typeface="배달의민족 한나체 Air" panose="020B0600000101010101" pitchFamily="50" charset="-127"/>
             </a:endParaRPr>
           </a:p>
         </p:txBody>
       </p:sp>
-      <p:pic>
-        <p:nvPicPr>
-          <p:cNvPr id="21" name="그림 20">
-            <a:extLst>
-              <a:ext uri="{FF2B5EF4-FFF2-40B4-BE49-F238E27FC236}">
-                <a16:creationId xmlns:a16="http://schemas.microsoft.com/office/drawing/2014/main" id="{1EDF0DD5-D36A-4589-9B2F-890CC5DB5577}"/>
-              </a:ext>
-            </a:extLst>
-          </p:cNvPr>
-          <p:cNvPicPr>
-            <a:picLocks noChangeAspect="1"/>
-          </p:cNvPicPr>
-          <p:nvPr/>
-        </p:nvPicPr>
-        <p:blipFill>
-          <a:blip r:embed="rId2"/>
-          <a:stretch>
-            <a:fillRect/>
-          </a:stretch>
-        </p:blipFill>
-        <p:spPr>
-          <a:xfrm>
-            <a:off x="6258258" y="1130581"/>
-            <a:ext cx="4900246" cy="1879102"/>
-          </a:xfrm>
-          <a:prstGeom prst="rect">
-            <a:avLst/>
-          </a:prstGeom>
-        </p:spPr>
-      </p:pic>
     </p:spTree>
     <p:extLst>
       <p:ext uri="{BB962C8B-B14F-4D97-AF65-F5344CB8AC3E}">
-        <p14:creationId xmlns:p14="http://schemas.microsoft.com/office/powerpoint/2010/main" val="2077046301"/>
+        <p14:creationId xmlns:p14="http://schemas.microsoft.com/office/powerpoint/2010/main" val="3491423530"/>
       </p:ext>
     </p:extLst>
   </p:cSld>
@@ -25040,10 +24328,10 @@
       </p:sp>
       <p:sp>
         <p:nvSpPr>
-          <p:cNvPr id="22" name="TextBox 21">
+          <p:cNvPr id="12" name="TextBox 11">
             <a:extLst>
               <a:ext uri="{FF2B5EF4-FFF2-40B4-BE49-F238E27FC236}">
-                <a16:creationId xmlns:a16="http://schemas.microsoft.com/office/drawing/2014/main" id="{0804D097-BC77-40E0-AB2E-0D8562FFF0F7}"/>
+                <a16:creationId xmlns:a16="http://schemas.microsoft.com/office/drawing/2014/main" id="{F1CC2FEE-5564-4FF7-9C2F-B257FC575F73}"/>
               </a:ext>
             </a:extLst>
           </p:cNvPr>
@@ -25052,8 +24340,8 @@
         </p:nvSpPr>
         <p:spPr>
           <a:xfrm>
-            <a:off x="457200" y="1018050"/>
-            <a:ext cx="8932984" cy="707886"/>
+            <a:off x="492370" y="940730"/>
+            <a:ext cx="8932984" cy="830997"/>
           </a:xfrm>
           <a:prstGeom prst="rect">
             <a:avLst/>
@@ -25067,28 +24355,14 @@
           <a:lstStyle/>
           <a:p>
             <a:r>
-              <a:rPr lang="en-US" altLang="ko-KR" sz="4000" dirty="0">
-                <a:latin typeface="배달의민족 한나체 Air" panose="020B0600000101010101" pitchFamily="50" charset="-127"/>
-                <a:ea typeface="배달의민족 한나체 Air" panose="020B0600000101010101" pitchFamily="50" charset="-127"/>
-              </a:rPr>
-              <a:t>HEAD </a:t>
-            </a:r>
-            <a:r>
-              <a:rPr lang="ko-KR" altLang="en-US" sz="4000" dirty="0">
-                <a:latin typeface="배달의민족 한나체 Air" panose="020B0600000101010101" pitchFamily="50" charset="-127"/>
-                <a:ea typeface="배달의민족 한나체 Air" panose="020B0600000101010101" pitchFamily="50" charset="-127"/>
-              </a:rPr>
-              <a:t>포인터로 </a:t>
-            </a:r>
-            <a:r>
-              <a:rPr lang="ko-KR" altLang="en-US" sz="4000" dirty="0" err="1">
-                <a:latin typeface="배달의민족 한나체 Air" panose="020B0600000101010101" pitchFamily="50" charset="-127"/>
-                <a:ea typeface="배달의민족 한나체 Air" panose="020B0600000101010101" pitchFamily="50" charset="-127"/>
-              </a:rPr>
-              <a:t>커밋</a:t>
-            </a:r>
-            <a:r>
-              <a:rPr lang="ko-KR" altLang="en-US" sz="4000" dirty="0">
+              <a:rPr lang="en-US" altLang="ko-KR" sz="4800" dirty="0">
+                <a:latin typeface="배달의민족 한나체 Air" panose="020B0600000101010101" pitchFamily="50" charset="-127"/>
+                <a:ea typeface="배달의민족 한나체 Air" panose="020B0600000101010101" pitchFamily="50" charset="-127"/>
+              </a:rPr>
+              <a:t>Git HEAD</a:t>
+            </a:r>
+            <a:r>
+              <a:rPr lang="ko-KR" altLang="en-US" sz="4800" dirty="0">
                 <a:latin typeface="배달의민족 한나체 Air" panose="020B0600000101010101" pitchFamily="50" charset="-127"/>
                 <a:ea typeface="배달의민족 한나체 Air" panose="020B0600000101010101" pitchFamily="50" charset="-127"/>
               </a:rPr>
@@ -25099,10 +24373,10 @@
       </p:sp>
       <p:sp>
         <p:nvSpPr>
-          <p:cNvPr id="24" name="TextBox 23">
+          <p:cNvPr id="35" name="TextBox 34">
             <a:extLst>
               <a:ext uri="{FF2B5EF4-FFF2-40B4-BE49-F238E27FC236}">
-                <a16:creationId xmlns:a16="http://schemas.microsoft.com/office/drawing/2014/main" id="{AAD1ABBE-2C99-44FB-A633-62CFE09F1EE4}"/>
+                <a16:creationId xmlns:a16="http://schemas.microsoft.com/office/drawing/2014/main" id="{803577CE-F293-4AB3-BB28-639418015011}"/>
               </a:ext>
             </a:extLst>
           </p:cNvPr>
@@ -25111,8 +24385,8 @@
         </p:nvSpPr>
         <p:spPr>
           <a:xfrm>
-            <a:off x="1220663" y="2109004"/>
-            <a:ext cx="9750669" cy="830997"/>
+            <a:off x="1170234" y="3139862"/>
+            <a:ext cx="10294934" cy="1261884"/>
           </a:xfrm>
           <a:prstGeom prst="rect">
             <a:avLst/>
@@ -25126,32 +24400,53 @@
           <a:lstStyle/>
           <a:p>
             <a:r>
+              <a:rPr lang="ko-KR" altLang="en-US" sz="2400" dirty="0">
+                <a:latin typeface="배달의민족 한나체 Air" panose="020B0600000101010101" pitchFamily="50" charset="-127"/>
+                <a:ea typeface="배달의민족 한나체 Air" panose="020B0600000101010101" pitchFamily="50" charset="-127"/>
+              </a:rPr>
+              <a:t>실제 </a:t>
+            </a:r>
+            <a:r>
               <a:rPr lang="en-US" altLang="ko-KR" sz="2400" dirty="0">
                 <a:latin typeface="배달의민족 한나체 Air" panose="020B0600000101010101" pitchFamily="50" charset="-127"/>
                 <a:ea typeface="배달의민족 한나체 Air" panose="020B0600000101010101" pitchFamily="50" charset="-127"/>
               </a:rPr>
-              <a:t>HEAD</a:t>
+              <a:t>checkout</a:t>
             </a:r>
             <a:r>
               <a:rPr lang="ko-KR" altLang="en-US" sz="2400" dirty="0">
                 <a:latin typeface="배달의민족 한나체 Air" panose="020B0600000101010101" pitchFamily="50" charset="-127"/>
                 <a:ea typeface="배달의민족 한나체 Air" panose="020B0600000101010101" pitchFamily="50" charset="-127"/>
               </a:rPr>
-              <a:t> 포인터는 현재 </a:t>
+              <a:t>은 </a:t>
             </a:r>
             <a:r>
               <a:rPr lang="ko-KR" altLang="en-US" sz="2400" dirty="0" err="1">
                 <a:latin typeface="배달의민족 한나체 Air" panose="020B0600000101010101" pitchFamily="50" charset="-127"/>
                 <a:ea typeface="배달의민족 한나체 Air" panose="020B0600000101010101" pitchFamily="50" charset="-127"/>
               </a:rPr>
-              <a:t>커밋의</a:t>
+              <a:t>브랜치를</a:t>
             </a:r>
             <a:r>
               <a:rPr lang="ko-KR" altLang="en-US" sz="2400" dirty="0">
                 <a:latin typeface="배달의민족 한나체 Air" panose="020B0600000101010101" pitchFamily="50" charset="-127"/>
                 <a:ea typeface="배달의민족 한나체 Air" panose="020B0600000101010101" pitchFamily="50" charset="-127"/>
               </a:rPr>
-              <a:t> 위치를 가리키는 중요한 위치다</a:t>
+              <a:t> 이동하는 것으로 알고 있지만 실제로는 </a:t>
+            </a:r>
+            <a:r>
+              <a:rPr lang="ko-KR" altLang="en-US" sz="2400" dirty="0" err="1">
+                <a:latin typeface="배달의민족 한나체 Air" panose="020B0600000101010101" pitchFamily="50" charset="-127"/>
+                <a:ea typeface="배달의민족 한나체 Air" panose="020B0600000101010101" pitchFamily="50" charset="-127"/>
+              </a:rPr>
+              <a:t>커밋을</a:t>
+            </a:r>
+            <a:r>
+              <a:rPr lang="ko-KR" altLang="en-US" sz="2400" dirty="0">
+                <a:latin typeface="배달의민족 한나체 Air" panose="020B0600000101010101" pitchFamily="50" charset="-127"/>
+                <a:ea typeface="배달의민족 한나체 Air" panose="020B0600000101010101" pitchFamily="50" charset="-127"/>
+              </a:rPr>
+              <a:t> 가리키는 용도다</a:t>
             </a:r>
             <a:r>
               <a:rPr lang="en-US" altLang="ko-KR" sz="2400" dirty="0">
@@ -25161,84 +24456,115 @@
               <a:t>. </a:t>
             </a:r>
             <a:r>
+              <a:rPr lang="ko-KR" altLang="en-US" sz="2400" dirty="0" err="1">
+                <a:latin typeface="배달의민족 한나체 Air" panose="020B0600000101010101" pitchFamily="50" charset="-127"/>
+                <a:ea typeface="배달의민족 한나체 Air" panose="020B0600000101010101" pitchFamily="50" charset="-127"/>
+              </a:rPr>
+              <a:t>브랜치는</a:t>
+            </a:r>
+            <a:r>
               <a:rPr lang="ko-KR" altLang="en-US" sz="2400" dirty="0">
                 <a:latin typeface="배달의민족 한나체 Air" panose="020B0600000101010101" pitchFamily="50" charset="-127"/>
                 <a:ea typeface="배달의민족 한나체 Air" panose="020B0600000101010101" pitchFamily="50" charset="-127"/>
               </a:rPr>
-              <a:t>그리고 파일은 </a:t>
+              <a:t> 결국 </a:t>
+            </a:r>
+            <a:r>
+              <a:rPr lang="ko-KR" altLang="en-US" sz="2400" dirty="0" err="1">
+                <a:latin typeface="배달의민족 한나체 Air" panose="020B0600000101010101" pitchFamily="50" charset="-127"/>
+                <a:ea typeface="배달의민족 한나체 Air" panose="020B0600000101010101" pitchFamily="50" charset="-127"/>
+              </a:rPr>
+              <a:t>커밋을</a:t>
+            </a:r>
+            <a:r>
+              <a:rPr lang="ko-KR" altLang="en-US" sz="2400" dirty="0">
+                <a:latin typeface="배달의민족 한나체 Air" panose="020B0600000101010101" pitchFamily="50" charset="-127"/>
+                <a:ea typeface="배달의민족 한나체 Air" panose="020B0600000101010101" pitchFamily="50" charset="-127"/>
+              </a:rPr>
+              <a:t> 가리키기 때문에</a:t>
             </a:r>
             <a:r>
               <a:rPr lang="en-US" altLang="ko-KR" sz="2400" dirty="0">
                 <a:latin typeface="배달의민족 한나체 Air" panose="020B0600000101010101" pitchFamily="50" charset="-127"/>
                 <a:ea typeface="배달의민족 한나체 Air" panose="020B0600000101010101" pitchFamily="50" charset="-127"/>
               </a:rPr>
-              <a:t>HEAD</a:t>
+              <a:t>, checkout</a:t>
             </a:r>
             <a:r>
               <a:rPr lang="ko-KR" altLang="en-US" sz="2400" dirty="0">
                 <a:latin typeface="배달의민족 한나체 Air" panose="020B0600000101010101" pitchFamily="50" charset="-127"/>
                 <a:ea typeface="배달의민족 한나체 Air" panose="020B0600000101010101" pitchFamily="50" charset="-127"/>
               </a:rPr>
-              <a:t>가 가리키는 </a:t>
+              <a:t>을 통해 직접적으로 </a:t>
             </a:r>
             <a:r>
               <a:rPr lang="ko-KR" altLang="en-US" sz="2400" dirty="0" err="1">
                 <a:latin typeface="배달의민족 한나체 Air" panose="020B0600000101010101" pitchFamily="50" charset="-127"/>
                 <a:ea typeface="배달의민족 한나체 Air" panose="020B0600000101010101" pitchFamily="50" charset="-127"/>
               </a:rPr>
-              <a:t>커밋</a:t>
+              <a:t>커밋을</a:t>
+            </a:r>
+            <a:r>
+              <a:rPr lang="ko-KR" altLang="en-US" sz="2400" dirty="0">
+                <a:latin typeface="배달의민족 한나체 Air" panose="020B0600000101010101" pitchFamily="50" charset="-127"/>
+                <a:ea typeface="배달의민족 한나체 Air" panose="020B0600000101010101" pitchFamily="50" charset="-127"/>
+              </a:rPr>
+              <a:t> 가리킬 수 있다</a:t>
             </a:r>
             <a:r>
               <a:rPr lang="en-US" altLang="ko-KR" sz="2400" dirty="0">
                 <a:latin typeface="배달의민족 한나체 Air" panose="020B0600000101010101" pitchFamily="50" charset="-127"/>
                 <a:ea typeface="배달의민족 한나체 Air" panose="020B0600000101010101" pitchFamily="50" charset="-127"/>
               </a:rPr>
-              <a:t>(</a:t>
+              <a:t>. </a:t>
             </a:r>
             <a:r>
               <a:rPr lang="ko-KR" altLang="en-US" sz="2400" dirty="0">
                 <a:latin typeface="배달의민족 한나체 Air" panose="020B0600000101010101" pitchFamily="50" charset="-127"/>
                 <a:ea typeface="배달의민족 한나체 Air" panose="020B0600000101010101" pitchFamily="50" charset="-127"/>
               </a:rPr>
-              <a:t>스냅샷</a:t>
+              <a:t>그 가리키는 친구가 </a:t>
             </a:r>
             <a:r>
               <a:rPr lang="en-US" altLang="ko-KR" sz="2400" dirty="0">
-                <a:latin typeface="배달의민족 한나체 Air" panose="020B0600000101010101" pitchFamily="50" charset="-127"/>
-                <a:ea typeface="배달의민족 한나체 Air" panose="020B0600000101010101" pitchFamily="50" charset="-127"/>
-              </a:rPr>
-              <a:t>)</a:t>
+                <a:solidFill>
+                  <a:srgbClr val="FF0000"/>
+                </a:solidFill>
+                <a:latin typeface="배달의민족 한나체 Air" panose="020B0600000101010101" pitchFamily="50" charset="-127"/>
+                <a:ea typeface="배달의민족 한나체 Air" panose="020B0600000101010101" pitchFamily="50" charset="-127"/>
+              </a:rPr>
+              <a:t>HEAD </a:t>
             </a:r>
             <a:r>
               <a:rPr lang="ko-KR" altLang="en-US" sz="2400" dirty="0">
-                <a:latin typeface="배달의민족 한나체 Air" panose="020B0600000101010101" pitchFamily="50" charset="-127"/>
-                <a:ea typeface="배달의민족 한나체 Air" panose="020B0600000101010101" pitchFamily="50" charset="-127"/>
-              </a:rPr>
-              <a:t>으로 상태를 유지하고 있다</a:t>
-            </a:r>
-            <a:r>
-              <a:rPr lang="en-US" altLang="ko-KR" sz="2400" dirty="0">
-                <a:latin typeface="배달의민족 한나체 Air" panose="020B0600000101010101" pitchFamily="50" charset="-127"/>
-                <a:ea typeface="배달의민족 한나체 Air" panose="020B0600000101010101" pitchFamily="50" charset="-127"/>
-              </a:rPr>
-              <a:t>. HEAD</a:t>
-            </a:r>
-            <a:r>
-              <a:rPr lang="ko-KR" altLang="en-US" sz="2400" dirty="0">
-                <a:latin typeface="배달의민족 한나체 Air" panose="020B0600000101010101" pitchFamily="50" charset="-127"/>
-                <a:ea typeface="배달의민족 한나체 Air" panose="020B0600000101010101" pitchFamily="50" charset="-127"/>
-              </a:rPr>
-              <a:t>를 옮겨보도록 한다</a:t>
-            </a:r>
-          </a:p>
-        </p:txBody>
-      </p:sp>
-      <p:sp>
-        <p:nvSpPr>
-          <p:cNvPr id="25" name="직사각형 24">
+                <a:solidFill>
+                  <a:srgbClr val="FF0000"/>
+                </a:solidFill>
+                <a:latin typeface="배달의민족 한나체 Air" panose="020B0600000101010101" pitchFamily="50" charset="-127"/>
+                <a:ea typeface="배달의민족 한나체 Air" panose="020B0600000101010101" pitchFamily="50" charset="-127"/>
+              </a:rPr>
+              <a:t>포인터다 </a:t>
+            </a:r>
+            <a:r>
+              <a:rPr lang="en-US" altLang="ko-KR" sz="2800" dirty="0">
+                <a:latin typeface="배달의민족 한나체 Air" panose="020B0600000101010101" pitchFamily="50" charset="-127"/>
+                <a:ea typeface="배달의민족 한나체 Air" panose="020B0600000101010101" pitchFamily="50" charset="-127"/>
+              </a:rPr>
+              <a:t>	</a:t>
+            </a:r>
+            <a:endParaRPr lang="ko-KR" altLang="en-US" sz="2800" dirty="0">
+              <a:latin typeface="배달의민족 한나체 Air" panose="020B0600000101010101" pitchFamily="50" charset="-127"/>
+              <a:ea typeface="배달의민족 한나체 Air" panose="020B0600000101010101" pitchFamily="50" charset="-127"/>
+            </a:endParaRPr>
+          </a:p>
+        </p:txBody>
+      </p:sp>
+      <p:sp>
+        <p:nvSpPr>
+          <p:cNvPr id="3" name="타원 2">
             <a:extLst>
               <a:ext uri="{FF2B5EF4-FFF2-40B4-BE49-F238E27FC236}">
-                <a16:creationId xmlns:a16="http://schemas.microsoft.com/office/drawing/2014/main" id="{9A2FA991-661C-46EF-B13D-7D7CDEFAC6DD}"/>
+                <a16:creationId xmlns:a16="http://schemas.microsoft.com/office/drawing/2014/main" id="{3CC01382-359E-43F9-83C9-4A404CD674F5}"/>
               </a:ext>
             </a:extLst>
           </p:cNvPr>
@@ -25247,109 +24573,364 @@
         </p:nvSpPr>
         <p:spPr>
           <a:xfrm>
-            <a:off x="1220663" y="3323069"/>
-            <a:ext cx="4325815" cy="1938992"/>
+            <a:off x="5345722" y="4835769"/>
+            <a:ext cx="1354015" cy="1397976"/>
+          </a:xfrm>
+          <a:prstGeom prst="ellipse">
+            <a:avLst/>
+          </a:prstGeom>
+          <a:noFill/>
+          <a:ln w="28575">
+            <a:solidFill>
+              <a:schemeClr val="accent1">
+                <a:lumMod val="50000"/>
+              </a:schemeClr>
+            </a:solidFill>
+          </a:ln>
+        </p:spPr>
+        <p:style>
+          <a:lnRef idx="2">
+            <a:schemeClr val="accent1">
+              <a:shade val="50000"/>
+            </a:schemeClr>
+          </a:lnRef>
+          <a:fillRef idx="1">
+            <a:schemeClr val="accent1"/>
+          </a:fillRef>
+          <a:effectRef idx="0">
+            <a:schemeClr val="accent1"/>
+          </a:effectRef>
+          <a:fontRef idx="minor">
+            <a:schemeClr val="lt1"/>
+          </a:fontRef>
+        </p:style>
+        <p:txBody>
+          <a:bodyPr rtlCol="0" anchor="ctr"/>
+          <a:lstStyle/>
+          <a:p>
+            <a:pPr algn="ctr"/>
+            <a:endParaRPr lang="ko-KR" altLang="en-US"/>
+          </a:p>
+        </p:txBody>
+      </p:sp>
+      <p:sp>
+        <p:nvSpPr>
+          <p:cNvPr id="4" name="TextBox 3">
+            <a:extLst>
+              <a:ext uri="{FF2B5EF4-FFF2-40B4-BE49-F238E27FC236}">
+                <a16:creationId xmlns:a16="http://schemas.microsoft.com/office/drawing/2014/main" id="{4D51B587-7255-4BDB-B958-C9F10B406948}"/>
+              </a:ext>
+            </a:extLst>
+          </p:cNvPr>
+          <p:cNvSpPr txBox="1"/>
+          <p:nvPr/>
+        </p:nvSpPr>
+        <p:spPr>
+          <a:xfrm>
+            <a:off x="5600700" y="5303924"/>
+            <a:ext cx="1169375" cy="461665"/>
           </a:xfrm>
           <a:prstGeom prst="rect">
             <a:avLst/>
           </a:prstGeom>
-        </p:spPr>
-        <p:txBody>
-          <a:bodyPr wrap="square">
+          <a:noFill/>
+        </p:spPr>
+        <p:txBody>
+          <a:bodyPr wrap="square" rtlCol="0">
             <a:spAutoFit/>
           </a:bodyPr>
           <a:lstStyle/>
           <a:p>
             <a:r>
+              <a:rPr lang="ko-KR" altLang="en-US" sz="2400" dirty="0" err="1">
+                <a:latin typeface="배달의민족 한나체 Air" panose="020B0600000101010101" pitchFamily="50" charset="-127"/>
+                <a:ea typeface="배달의민족 한나체 Air" panose="020B0600000101010101" pitchFamily="50" charset="-127"/>
+              </a:rPr>
+              <a:t>커밋</a:t>
+            </a:r>
+            <a:r>
+              <a:rPr lang="ko-KR" altLang="en-US" sz="2400" dirty="0">
+                <a:latin typeface="배달의민족 한나체 Air" panose="020B0600000101010101" pitchFamily="50" charset="-127"/>
+                <a:ea typeface="배달의민족 한나체 Air" panose="020B0600000101010101" pitchFamily="50" charset="-127"/>
+              </a:rPr>
+              <a:t> </a:t>
+            </a:r>
+            <a:r>
               <a:rPr lang="en-US" altLang="ko-KR" sz="2400" dirty="0">
                 <a:latin typeface="배달의민족 한나체 Air" panose="020B0600000101010101" pitchFamily="50" charset="-127"/>
                 <a:ea typeface="배달의민족 한나체 Air" panose="020B0600000101010101" pitchFamily="50" charset="-127"/>
               </a:rPr>
-              <a:t>$ git checkout &lt;</a:t>
-            </a:r>
-            <a:r>
-              <a:rPr lang="ko-KR" altLang="en-US" sz="2400" dirty="0" err="1">
-                <a:latin typeface="배달의민족 한나체 Air" panose="020B0600000101010101" pitchFamily="50" charset="-127"/>
-                <a:ea typeface="배달의민족 한나체 Air" panose="020B0600000101010101" pitchFamily="50" charset="-127"/>
-              </a:rPr>
-              <a:t>커밋해쉬</a:t>
-            </a:r>
-            <a:r>
-              <a:rPr lang="en-US" altLang="ko-KR" sz="2400" dirty="0">
-                <a:latin typeface="배달의민족 한나체 Air" panose="020B0600000101010101" pitchFamily="50" charset="-127"/>
-                <a:ea typeface="배달의민족 한나체 Air" panose="020B0600000101010101" pitchFamily="50" charset="-127"/>
-              </a:rPr>
-              <a:t>&gt;</a:t>
-            </a:r>
-          </a:p>
-          <a:p>
-            <a:r>
-              <a:rPr lang="en-US" altLang="ko-KR" sz="2400" dirty="0">
-                <a:latin typeface="배달의민족 한나체 Air" panose="020B0600000101010101" pitchFamily="50" charset="-127"/>
-                <a:ea typeface="배달의민족 한나체 Air" panose="020B0600000101010101" pitchFamily="50" charset="-127"/>
-              </a:rPr>
-              <a:t>$ vim </a:t>
-            </a:r>
-            <a:r>
-              <a:rPr lang="en-US" altLang="ko-KR" sz="2400" dirty="0" err="1">
-                <a:latin typeface="배달의민족 한나체 Air" panose="020B0600000101010101" pitchFamily="50" charset="-127"/>
-                <a:ea typeface="배달의민족 한나체 Air" panose="020B0600000101010101" pitchFamily="50" charset="-127"/>
-              </a:rPr>
-              <a:t>main.c</a:t>
-            </a:r>
-            <a:endParaRPr lang="en-US" altLang="ko-KR" sz="2400" dirty="0">
+              <a:t>1</a:t>
+            </a:r>
+            <a:endParaRPr lang="ko-KR" altLang="en-US" sz="2400" dirty="0">
               <a:latin typeface="배달의민족 한나체 Air" panose="020B0600000101010101" pitchFamily="50" charset="-127"/>
               <a:ea typeface="배달의민족 한나체 Air" panose="020B0600000101010101" pitchFamily="50" charset="-127"/>
             </a:endParaRPr>
           </a:p>
-          <a:p>
-            <a:endParaRPr lang="en-US" altLang="ko-KR" sz="2400" dirty="0">
+        </p:txBody>
+      </p:sp>
+      <p:cxnSp>
+        <p:nvCxnSpPr>
+          <p:cNvPr id="15" name="직선 화살표 연결선 14">
+            <a:extLst>
+              <a:ext uri="{FF2B5EF4-FFF2-40B4-BE49-F238E27FC236}">
+                <a16:creationId xmlns:a16="http://schemas.microsoft.com/office/drawing/2014/main" id="{5C1898E0-4F22-457D-B709-08ECFB142A7D}"/>
+              </a:ext>
+            </a:extLst>
+          </p:cNvPr>
+          <p:cNvCxnSpPr>
+            <a:cxnSpLocks/>
+          </p:cNvCxnSpPr>
+          <p:nvPr/>
+        </p:nvCxnSpPr>
+        <p:spPr>
+          <a:xfrm>
+            <a:off x="4914901" y="5188097"/>
+            <a:ext cx="386860" cy="245549"/>
+          </a:xfrm>
+          <a:prstGeom prst="straightConnector1">
+            <a:avLst/>
+          </a:prstGeom>
+          <a:ln>
+            <a:tailEnd type="triangle"/>
+          </a:ln>
+        </p:spPr>
+        <p:style>
+          <a:lnRef idx="1">
+            <a:schemeClr val="accent1"/>
+          </a:lnRef>
+          <a:fillRef idx="0">
+            <a:schemeClr val="accent1"/>
+          </a:fillRef>
+          <a:effectRef idx="0">
+            <a:schemeClr val="accent1"/>
+          </a:effectRef>
+          <a:fontRef idx="minor">
+            <a:schemeClr val="tx1"/>
+          </a:fontRef>
+        </p:style>
+      </p:cxnSp>
+      <p:sp>
+        <p:nvSpPr>
+          <p:cNvPr id="18" name="TextBox 17">
+            <a:extLst>
+              <a:ext uri="{FF2B5EF4-FFF2-40B4-BE49-F238E27FC236}">
+                <a16:creationId xmlns:a16="http://schemas.microsoft.com/office/drawing/2014/main" id="{7448B4FF-79B1-4C18-9615-5E9D5AD0563B}"/>
+              </a:ext>
+            </a:extLst>
+          </p:cNvPr>
+          <p:cNvSpPr txBox="1"/>
+          <p:nvPr/>
+        </p:nvSpPr>
+        <p:spPr>
+          <a:xfrm>
+            <a:off x="3982917" y="5003431"/>
+            <a:ext cx="1169375" cy="369332"/>
+          </a:xfrm>
+          <a:prstGeom prst="rect">
+            <a:avLst/>
+          </a:prstGeom>
+          <a:noFill/>
+        </p:spPr>
+        <p:txBody>
+          <a:bodyPr wrap="square" rtlCol="0">
+            <a:spAutoFit/>
+          </a:bodyPr>
+          <a:lstStyle/>
+          <a:p>
+            <a:r>
+              <a:rPr lang="en-US" altLang="ko-KR" b="1" dirty="0">
+                <a:solidFill>
+                  <a:schemeClr val="accent1">
+                    <a:lumMod val="75000"/>
+                  </a:schemeClr>
+                </a:solidFill>
+                <a:latin typeface="배달의민족 한나체 Air" panose="020B0600000101010101" pitchFamily="50" charset="-127"/>
+                <a:ea typeface="배달의민족 한나체 Air" panose="020B0600000101010101" pitchFamily="50" charset="-127"/>
+              </a:rPr>
+              <a:t>master</a:t>
+            </a:r>
+            <a:endParaRPr lang="ko-KR" altLang="en-US" sz="2400" b="1" dirty="0">
+              <a:solidFill>
+                <a:schemeClr val="accent1">
+                  <a:lumMod val="75000"/>
+                </a:schemeClr>
+              </a:solidFill>
               <a:latin typeface="배달의민족 한나체 Air" panose="020B0600000101010101" pitchFamily="50" charset="-127"/>
               <a:ea typeface="배달의민족 한나체 Air" panose="020B0600000101010101" pitchFamily="50" charset="-127"/>
             </a:endParaRPr>
           </a:p>
-          <a:p>
-            <a:r>
-              <a:rPr lang="ko-KR" altLang="en-US" sz="2400" dirty="0">
-                <a:latin typeface="배달의민족 한나체 Air" panose="020B0600000101010101" pitchFamily="50" charset="-127"/>
-                <a:ea typeface="배달의민족 한나체 Air" panose="020B0600000101010101" pitchFamily="50" charset="-127"/>
-              </a:rPr>
-              <a:t>확인 후 </a:t>
-            </a:r>
-            <a:r>
-              <a:rPr lang="en-US" altLang="ko-KR" sz="2400" dirty="0">
-                <a:latin typeface="배달의민족 한나체 Air" panose="020B0600000101010101" pitchFamily="50" charset="-127"/>
-                <a:ea typeface="배달의민족 한나체 Air" panose="020B0600000101010101" pitchFamily="50" charset="-127"/>
-              </a:rPr>
-              <a:t>master</a:t>
-            </a:r>
-            <a:r>
-              <a:rPr lang="ko-KR" altLang="en-US" sz="2400" dirty="0">
-                <a:latin typeface="배달의민족 한나체 Air" panose="020B0600000101010101" pitchFamily="50" charset="-127"/>
-                <a:ea typeface="배달의민족 한나체 Air" panose="020B0600000101010101" pitchFamily="50" charset="-127"/>
-              </a:rPr>
-              <a:t>로 돌아오도록 한다</a:t>
-            </a:r>
-            <a:endParaRPr lang="en-US" altLang="ko-KR" sz="2400" dirty="0">
+        </p:txBody>
+      </p:sp>
+      <p:cxnSp>
+        <p:nvCxnSpPr>
+          <p:cNvPr id="20" name="직선 화살표 연결선 19">
+            <a:extLst>
+              <a:ext uri="{FF2B5EF4-FFF2-40B4-BE49-F238E27FC236}">
+                <a16:creationId xmlns:a16="http://schemas.microsoft.com/office/drawing/2014/main" id="{905D81D7-CC53-4C87-B21B-CAF00C6EFFA1}"/>
+              </a:ext>
+            </a:extLst>
+          </p:cNvPr>
+          <p:cNvCxnSpPr/>
+          <p:nvPr/>
+        </p:nvCxnSpPr>
+        <p:spPr>
+          <a:xfrm>
+            <a:off x="2964794" y="5189368"/>
+            <a:ext cx="931984" cy="0"/>
+          </a:xfrm>
+          <a:prstGeom prst="straightConnector1">
+            <a:avLst/>
+          </a:prstGeom>
+          <a:ln>
+            <a:tailEnd type="triangle"/>
+          </a:ln>
+        </p:spPr>
+        <p:style>
+          <a:lnRef idx="1">
+            <a:schemeClr val="accent1"/>
+          </a:lnRef>
+          <a:fillRef idx="0">
+            <a:schemeClr val="accent1"/>
+          </a:fillRef>
+          <a:effectRef idx="0">
+            <a:schemeClr val="accent1"/>
+          </a:effectRef>
+          <a:fontRef idx="minor">
+            <a:schemeClr val="tx1"/>
+          </a:fontRef>
+        </p:style>
+      </p:cxnSp>
+      <p:sp>
+        <p:nvSpPr>
+          <p:cNvPr id="16" name="직사각형 15">
+            <a:extLst>
+              <a:ext uri="{FF2B5EF4-FFF2-40B4-BE49-F238E27FC236}">
+                <a16:creationId xmlns:a16="http://schemas.microsoft.com/office/drawing/2014/main" id="{DE08D789-7764-491E-B9C2-EB8DDA1617C3}"/>
+              </a:ext>
+            </a:extLst>
+          </p:cNvPr>
+          <p:cNvSpPr/>
+          <p:nvPr/>
+        </p:nvSpPr>
+        <p:spPr>
+          <a:xfrm>
+            <a:off x="3996103" y="4972996"/>
+            <a:ext cx="857250" cy="430202"/>
+          </a:xfrm>
+          <a:prstGeom prst="rect">
+            <a:avLst/>
+          </a:prstGeom>
+          <a:noFill/>
+          <a:ln w="19050"/>
+        </p:spPr>
+        <p:style>
+          <a:lnRef idx="2">
+            <a:schemeClr val="accent1">
+              <a:shade val="50000"/>
+            </a:schemeClr>
+          </a:lnRef>
+          <a:fillRef idx="1">
+            <a:schemeClr val="accent1"/>
+          </a:fillRef>
+          <a:effectRef idx="0">
+            <a:schemeClr val="accent1"/>
+          </a:effectRef>
+          <a:fontRef idx="minor">
+            <a:schemeClr val="lt1"/>
+          </a:fontRef>
+        </p:style>
+        <p:txBody>
+          <a:bodyPr rtlCol="0" anchor="ctr"/>
+          <a:lstStyle/>
+          <a:p>
+            <a:pPr algn="ctr"/>
+            <a:endParaRPr lang="ko-KR" altLang="en-US"/>
+          </a:p>
+        </p:txBody>
+      </p:sp>
+      <p:sp>
+        <p:nvSpPr>
+          <p:cNvPr id="23" name="TextBox 22">
+            <a:extLst>
+              <a:ext uri="{FF2B5EF4-FFF2-40B4-BE49-F238E27FC236}">
+                <a16:creationId xmlns:a16="http://schemas.microsoft.com/office/drawing/2014/main" id="{00205D6C-5608-4CB0-AE5B-4603978CEABF}"/>
+              </a:ext>
+            </a:extLst>
+          </p:cNvPr>
+          <p:cNvSpPr txBox="1"/>
+          <p:nvPr/>
+        </p:nvSpPr>
+        <p:spPr>
+          <a:xfrm>
+            <a:off x="1969797" y="4941533"/>
+            <a:ext cx="994997" cy="461665"/>
+          </a:xfrm>
+          <a:prstGeom prst="rect">
+            <a:avLst/>
+          </a:prstGeom>
+          <a:noFill/>
+        </p:spPr>
+        <p:txBody>
+          <a:bodyPr wrap="square" rtlCol="0">
+            <a:spAutoFit/>
+          </a:bodyPr>
+          <a:lstStyle/>
+          <a:p>
+            <a:r>
+              <a:rPr lang="en-US" altLang="ko-KR" sz="2400" b="1" dirty="0">
+                <a:solidFill>
+                  <a:srgbClr val="FF0000"/>
+                </a:solidFill>
+                <a:latin typeface="배달의민족 한나체 Air" panose="020B0600000101010101" pitchFamily="50" charset="-127"/>
+                <a:ea typeface="배달의민족 한나체 Air" panose="020B0600000101010101" pitchFamily="50" charset="-127"/>
+              </a:rPr>
+              <a:t>HEAD</a:t>
+            </a:r>
+            <a:endParaRPr lang="ko-KR" altLang="en-US" sz="2400" b="1" dirty="0">
+              <a:solidFill>
+                <a:srgbClr val="FF0000"/>
+              </a:solidFill>
               <a:latin typeface="배달의민족 한나체 Air" panose="020B0600000101010101" pitchFamily="50" charset="-127"/>
               <a:ea typeface="배달의민족 한나체 Air" panose="020B0600000101010101" pitchFamily="50" charset="-127"/>
             </a:endParaRPr>
           </a:p>
-          <a:p>
-            <a:r>
-              <a:rPr lang="en-US" altLang="ko-KR" sz="2400" dirty="0">
-                <a:latin typeface="배달의민족 한나체 Air" panose="020B0600000101010101" pitchFamily="50" charset="-127"/>
-                <a:ea typeface="배달의민족 한나체 Air" panose="020B0600000101010101" pitchFamily="50" charset="-127"/>
-              </a:rPr>
-              <a:t>$ git checkout master</a:t>
-            </a:r>
-          </a:p>
-        </p:txBody>
-      </p:sp>
+        </p:txBody>
+      </p:sp>
+      <p:pic>
+        <p:nvPicPr>
+          <p:cNvPr id="21" name="그림 20">
+            <a:extLst>
+              <a:ext uri="{FF2B5EF4-FFF2-40B4-BE49-F238E27FC236}">
+                <a16:creationId xmlns:a16="http://schemas.microsoft.com/office/drawing/2014/main" id="{1EDF0DD5-D36A-4589-9B2F-890CC5DB5577}"/>
+              </a:ext>
+            </a:extLst>
+          </p:cNvPr>
+          <p:cNvPicPr>
+            <a:picLocks noChangeAspect="1"/>
+          </p:cNvPicPr>
+          <p:nvPr/>
+        </p:nvPicPr>
+        <p:blipFill>
+          <a:blip r:embed="rId2"/>
+          <a:stretch>
+            <a:fillRect/>
+          </a:stretch>
+        </p:blipFill>
+        <p:spPr>
+          <a:xfrm>
+            <a:off x="6258258" y="1130581"/>
+            <a:ext cx="4900246" cy="1879102"/>
+          </a:xfrm>
+          <a:prstGeom prst="rect">
+            <a:avLst/>
+          </a:prstGeom>
+        </p:spPr>
+      </p:pic>
     </p:spTree>
     <p:extLst>
       <p:ext uri="{BB962C8B-B14F-4D97-AF65-F5344CB8AC3E}">
-        <p14:creationId xmlns:p14="http://schemas.microsoft.com/office/powerpoint/2010/main" val="2157288807"/>
+        <p14:creationId xmlns:p14="http://schemas.microsoft.com/office/powerpoint/2010/main" val="2077046301"/>
       </p:ext>
     </p:extLst>
   </p:cSld>
@@ -30613,7 +30194,7 @@
                 <a:latin typeface="배달의민족 한나체 Air" panose="020B0600000101010101" pitchFamily="50" charset="-127"/>
                 <a:ea typeface="배달의민족 한나체 Air" panose="020B0600000101010101" pitchFamily="50" charset="-127"/>
               </a:rPr>
-              <a:t>더 알아보기</a:t>
+              <a:t>초기실습</a:t>
             </a:r>
           </a:p>
         </p:txBody>
@@ -30891,10 +30472,10 @@
       </p:sp>
       <p:sp>
         <p:nvSpPr>
-          <p:cNvPr id="14" name="TextBox 13">
+          <p:cNvPr id="12" name="TextBox 11">
             <a:extLst>
               <a:ext uri="{FF2B5EF4-FFF2-40B4-BE49-F238E27FC236}">
-                <a16:creationId xmlns:a16="http://schemas.microsoft.com/office/drawing/2014/main" id="{BADB64DF-3733-4C49-9402-11B683ABC482}"/>
+                <a16:creationId xmlns:a16="http://schemas.microsoft.com/office/drawing/2014/main" id="{F1CC2FEE-5564-4FF7-9C2F-B257FC575F73}"/>
               </a:ext>
             </a:extLst>
           </p:cNvPr>
@@ -30903,8 +30484,8 @@
         </p:nvSpPr>
         <p:spPr>
           <a:xfrm>
-            <a:off x="448409" y="1027130"/>
-            <a:ext cx="7190641" cy="707886"/>
+            <a:off x="518747" y="984001"/>
+            <a:ext cx="8932984" cy="830997"/>
           </a:xfrm>
           <a:prstGeom prst="rect">
             <a:avLst/>
@@ -30918,11 +30499,91 @@
           <a:lstStyle/>
           <a:p>
             <a:r>
-              <a:rPr lang="ko-KR" altLang="en-US" sz="4000" dirty="0" err="1">
-                <a:latin typeface="배달의민족 한나체 Air" panose="020B0600000101010101" pitchFamily="50" charset="-127"/>
-                <a:ea typeface="배달의민족 한나체 Air" panose="020B0600000101010101" pitchFamily="50" charset="-127"/>
-              </a:rPr>
-              <a:t>브랜치</a:t>
+              <a:rPr lang="en-US" altLang="ko-KR" sz="4800" dirty="0">
+                <a:latin typeface="배달의민족 한나체 Air" panose="020B0600000101010101" pitchFamily="50" charset="-127"/>
+                <a:ea typeface="배달의민족 한나체 Air" panose="020B0600000101010101" pitchFamily="50" charset="-127"/>
+              </a:rPr>
+              <a:t>Git </a:t>
+            </a:r>
+            <a:r>
+              <a:rPr lang="ko-KR" altLang="en-US" sz="4800" dirty="0">
+                <a:latin typeface="배달의민족 한나체 Air" panose="020B0600000101010101" pitchFamily="50" charset="-127"/>
+                <a:ea typeface="배달의민족 한나체 Air" panose="020B0600000101010101" pitchFamily="50" charset="-127"/>
+              </a:rPr>
+              <a:t>로그 옵션</a:t>
+            </a:r>
+          </a:p>
+        </p:txBody>
+      </p:sp>
+      <p:sp>
+        <p:nvSpPr>
+          <p:cNvPr id="35" name="TextBox 34">
+            <a:extLst>
+              <a:ext uri="{FF2B5EF4-FFF2-40B4-BE49-F238E27FC236}">
+                <a16:creationId xmlns:a16="http://schemas.microsoft.com/office/drawing/2014/main" id="{803577CE-F293-4AB3-BB28-639418015011}"/>
+              </a:ext>
+            </a:extLst>
+          </p:cNvPr>
+          <p:cNvSpPr txBox="1"/>
+          <p:nvPr/>
+        </p:nvSpPr>
+        <p:spPr>
+          <a:xfrm>
+            <a:off x="1530720" y="1871335"/>
+            <a:ext cx="10322169" cy="707886"/>
+          </a:xfrm>
+          <a:prstGeom prst="rect">
+            <a:avLst/>
+          </a:prstGeom>
+          <a:noFill/>
+        </p:spPr>
+        <p:txBody>
+          <a:bodyPr wrap="square" rtlCol="0">
+            <a:spAutoFit/>
+          </a:bodyPr>
+          <a:lstStyle/>
+          <a:p>
+            <a:r>
+              <a:rPr lang="en-US" altLang="ko-KR" sz="2800" dirty="0">
+                <a:latin typeface="배달의민족 한나체 Air" panose="020B0600000101010101" pitchFamily="50" charset="-127"/>
+                <a:ea typeface="배달의민족 한나체 Air" panose="020B0600000101010101" pitchFamily="50" charset="-127"/>
+              </a:rPr>
+              <a:t>$ git</a:t>
+            </a:r>
+            <a:r>
+              <a:rPr lang="ko-KR" altLang="en-US" sz="2800" dirty="0">
+                <a:latin typeface="배달의민족 한나체 Air" panose="020B0600000101010101" pitchFamily="50" charset="-127"/>
+                <a:ea typeface="배달의민족 한나체 Air" panose="020B0600000101010101" pitchFamily="50" charset="-127"/>
+              </a:rPr>
+              <a:t> </a:t>
+            </a:r>
+            <a:r>
+              <a:rPr lang="en-US" altLang="ko-KR" sz="2800" dirty="0">
+                <a:latin typeface="배달의민족 한나체 Air" panose="020B0600000101010101" pitchFamily="50" charset="-127"/>
+                <a:ea typeface="배달의민족 한나체 Air" panose="020B0600000101010101" pitchFamily="50" charset="-127"/>
+              </a:rPr>
+              <a:t>log --stat --all --</a:t>
+            </a:r>
+            <a:r>
+              <a:rPr lang="en-US" altLang="ko-KR" sz="2800" dirty="0" err="1">
+                <a:latin typeface="배달의민족 한나체 Air" panose="020B0600000101010101" pitchFamily="50" charset="-127"/>
+                <a:ea typeface="배달의민족 한나체 Air" panose="020B0600000101010101" pitchFamily="50" charset="-127"/>
+              </a:rPr>
+              <a:t>oneline</a:t>
+            </a:r>
+            <a:r>
+              <a:rPr lang="en-US" altLang="ko-KR" sz="2800" dirty="0">
+                <a:latin typeface="배달의민족 한나체 Air" panose="020B0600000101010101" pitchFamily="50" charset="-127"/>
+                <a:ea typeface="배달의민족 한나체 Air" panose="020B0600000101010101" pitchFamily="50" charset="-127"/>
+              </a:rPr>
+              <a:t> --graph -p</a:t>
+            </a:r>
+            <a:r>
+              <a:rPr lang="en-US" altLang="ko-KR" sz="4000" dirty="0">
+                <a:latin typeface="배달의민족 한나체 Air" panose="020B0600000101010101" pitchFamily="50" charset="-127"/>
+                <a:ea typeface="배달의민족 한나체 Air" panose="020B0600000101010101" pitchFamily="50" charset="-127"/>
+              </a:rPr>
+              <a:t>	</a:t>
             </a:r>
             <a:endParaRPr lang="ko-KR" altLang="en-US" sz="4000" dirty="0">
               <a:latin typeface="배달의민족 한나체 Air" panose="020B0600000101010101" pitchFamily="50" charset="-127"/>
@@ -30931,279 +30592,40 @@
           </a:p>
         </p:txBody>
       </p:sp>
-      <p:sp>
-        <p:nvSpPr>
-          <p:cNvPr id="15" name="TextBox 14">
+      <p:pic>
+        <p:nvPicPr>
+          <p:cNvPr id="2" name="그림 1">
             <a:extLst>
               <a:ext uri="{FF2B5EF4-FFF2-40B4-BE49-F238E27FC236}">
-                <a16:creationId xmlns:a16="http://schemas.microsoft.com/office/drawing/2014/main" id="{04C38CD1-53F4-490D-917F-1D4A5A4E7B9F}"/>
+                <a16:creationId xmlns:a16="http://schemas.microsoft.com/office/drawing/2014/main" id="{6D457026-3EFD-4415-9DDA-4BB94247513F}"/>
               </a:ext>
             </a:extLst>
           </p:cNvPr>
-          <p:cNvSpPr txBox="1"/>
-          <p:nvPr/>
-        </p:nvSpPr>
+          <p:cNvPicPr>
+            <a:picLocks noChangeAspect="1"/>
+          </p:cNvPicPr>
+          <p:nvPr/>
+        </p:nvPicPr>
+        <p:blipFill>
+          <a:blip r:embed="rId2"/>
+          <a:stretch>
+            <a:fillRect/>
+          </a:stretch>
+        </p:blipFill>
         <p:spPr>
           <a:xfrm>
-            <a:off x="1220663" y="2313604"/>
-            <a:ext cx="9750669" cy="830997"/>
+            <a:off x="2907322" y="2705690"/>
+            <a:ext cx="6676294" cy="3700692"/>
           </a:xfrm>
           <a:prstGeom prst="rect">
             <a:avLst/>
           </a:prstGeom>
-          <a:noFill/>
-        </p:spPr>
-        <p:txBody>
-          <a:bodyPr wrap="square" rtlCol="0">
-            <a:spAutoFit/>
-          </a:bodyPr>
-          <a:lstStyle/>
-          <a:p>
-            <a:r>
-              <a:rPr lang="ko-KR" altLang="en-US" sz="2400" dirty="0" err="1">
-                <a:latin typeface="배달의민족 한나체 Air" panose="020B0600000101010101" pitchFamily="50" charset="-127"/>
-                <a:ea typeface="배달의민족 한나체 Air" panose="020B0600000101010101" pitchFamily="50" charset="-127"/>
-              </a:rPr>
-              <a:t>브랜치는</a:t>
-            </a:r>
-            <a:r>
-              <a:rPr lang="ko-KR" altLang="en-US" sz="2400" dirty="0">
-                <a:latin typeface="배달의민족 한나체 Air" panose="020B0600000101010101" pitchFamily="50" charset="-127"/>
-                <a:ea typeface="배달의민족 한나체 Air" panose="020B0600000101010101" pitchFamily="50" charset="-127"/>
-              </a:rPr>
-              <a:t> 특정 </a:t>
-            </a:r>
-            <a:r>
-              <a:rPr lang="ko-KR" altLang="en-US" sz="2400" dirty="0" err="1">
-                <a:latin typeface="배달의민족 한나체 Air" panose="020B0600000101010101" pitchFamily="50" charset="-127"/>
-                <a:ea typeface="배달의민족 한나체 Air" panose="020B0600000101010101" pitchFamily="50" charset="-127"/>
-              </a:rPr>
-              <a:t>커밋을</a:t>
-            </a:r>
-            <a:r>
-              <a:rPr lang="ko-KR" altLang="en-US" sz="2400" dirty="0">
-                <a:latin typeface="배달의민족 한나체 Air" panose="020B0600000101010101" pitchFamily="50" charset="-127"/>
-                <a:ea typeface="배달의민족 한나체 Air" panose="020B0600000101010101" pitchFamily="50" charset="-127"/>
-              </a:rPr>
-              <a:t> 기준으로 줄기를 나누어 작업할 수 있는 기능을 일컫는다</a:t>
-            </a:r>
-            <a:r>
-              <a:rPr lang="en-US" altLang="ko-KR" sz="2400" dirty="0">
-                <a:latin typeface="배달의민족 한나체 Air" panose="020B0600000101010101" pitchFamily="50" charset="-127"/>
-                <a:ea typeface="배달의민족 한나체 Air" panose="020B0600000101010101" pitchFamily="50" charset="-127"/>
-              </a:rPr>
-              <a:t>. </a:t>
-            </a:r>
-            <a:r>
-              <a:rPr lang="ko-KR" altLang="en-US" sz="2400" dirty="0">
-                <a:latin typeface="배달의민족 한나체 Air" panose="020B0600000101010101" pitchFamily="50" charset="-127"/>
-                <a:ea typeface="배달의민족 한나체 Air" panose="020B0600000101010101" pitchFamily="50" charset="-127"/>
-              </a:rPr>
-              <a:t>아래 명령을 통해 현재 </a:t>
-            </a:r>
-            <a:r>
-              <a:rPr lang="ko-KR" altLang="en-US" sz="2400" dirty="0" err="1">
-                <a:latin typeface="배달의민족 한나체 Air" panose="020B0600000101010101" pitchFamily="50" charset="-127"/>
-                <a:ea typeface="배달의민족 한나체 Air" panose="020B0600000101010101" pitchFamily="50" charset="-127"/>
-              </a:rPr>
-              <a:t>커밋에서</a:t>
-            </a:r>
-            <a:r>
-              <a:rPr lang="ko-KR" altLang="en-US" sz="2400" dirty="0">
-                <a:latin typeface="배달의민족 한나체 Air" panose="020B0600000101010101" pitchFamily="50" charset="-127"/>
-                <a:ea typeface="배달의민족 한나체 Air" panose="020B0600000101010101" pitchFamily="50" charset="-127"/>
-              </a:rPr>
-              <a:t> </a:t>
-            </a:r>
-            <a:r>
-              <a:rPr lang="ko-KR" altLang="en-US" sz="2400" dirty="0" err="1">
-                <a:latin typeface="배달의민족 한나체 Air" panose="020B0600000101010101" pitchFamily="50" charset="-127"/>
-                <a:ea typeface="배달의민족 한나체 Air" panose="020B0600000101010101" pitchFamily="50" charset="-127"/>
-              </a:rPr>
-              <a:t>브랜치를</a:t>
-            </a:r>
-            <a:r>
-              <a:rPr lang="ko-KR" altLang="en-US" sz="2400" dirty="0">
-                <a:latin typeface="배달의민족 한나체 Air" panose="020B0600000101010101" pitchFamily="50" charset="-127"/>
-                <a:ea typeface="배달의민족 한나체 Air" panose="020B0600000101010101" pitchFamily="50" charset="-127"/>
-              </a:rPr>
-              <a:t> 생성해보도록 하자</a:t>
-            </a:r>
-          </a:p>
-        </p:txBody>
-      </p:sp>
-      <p:sp>
-        <p:nvSpPr>
-          <p:cNvPr id="16" name="TextBox 15">
-            <a:extLst>
-              <a:ext uri="{FF2B5EF4-FFF2-40B4-BE49-F238E27FC236}">
-                <a16:creationId xmlns:a16="http://schemas.microsoft.com/office/drawing/2014/main" id="{535BDF0B-2B0A-4ACC-9370-B54B61042C62}"/>
-              </a:ext>
-            </a:extLst>
-          </p:cNvPr>
-          <p:cNvSpPr txBox="1"/>
-          <p:nvPr/>
-        </p:nvSpPr>
-        <p:spPr>
-          <a:xfrm>
-            <a:off x="1220663" y="3395023"/>
-            <a:ext cx="9884022" cy="2308324"/>
-          </a:xfrm>
-          <a:prstGeom prst="rect">
-            <a:avLst/>
-          </a:prstGeom>
-          <a:noFill/>
-        </p:spPr>
-        <p:txBody>
-          <a:bodyPr wrap="square" rtlCol="0">
-            <a:spAutoFit/>
-          </a:bodyPr>
-          <a:lstStyle/>
-          <a:p>
-            <a:r>
-              <a:rPr lang="en-US" altLang="ko-KR" sz="2400" dirty="0">
-                <a:latin typeface="배달의민족 한나체 Air" panose="020B0600000101010101" pitchFamily="50" charset="-127"/>
-                <a:ea typeface="배달의민족 한나체 Air" panose="020B0600000101010101" pitchFamily="50" charset="-127"/>
-              </a:rPr>
-              <a:t>1. </a:t>
-            </a:r>
-            <a:r>
-              <a:rPr lang="ko-KR" altLang="en-US" sz="2400" dirty="0" err="1">
-                <a:latin typeface="배달의민족 한나체 Air" panose="020B0600000101010101" pitchFamily="50" charset="-127"/>
-                <a:ea typeface="배달의민족 한나체 Air" panose="020B0600000101010101" pitchFamily="50" charset="-127"/>
-              </a:rPr>
-              <a:t>브랜치</a:t>
-            </a:r>
-            <a:r>
-              <a:rPr lang="ko-KR" altLang="en-US" sz="2400" dirty="0">
-                <a:latin typeface="배달의민족 한나체 Air" panose="020B0600000101010101" pitchFamily="50" charset="-127"/>
-                <a:ea typeface="배달의민족 한나체 Air" panose="020B0600000101010101" pitchFamily="50" charset="-127"/>
-              </a:rPr>
-              <a:t> 생성</a:t>
-            </a:r>
-            <a:endParaRPr lang="en-US" altLang="ko-KR" sz="2400" dirty="0">
-              <a:latin typeface="배달의민족 한나체 Air" panose="020B0600000101010101" pitchFamily="50" charset="-127"/>
-              <a:ea typeface="배달의민족 한나체 Air" panose="020B0600000101010101" pitchFamily="50" charset="-127"/>
-            </a:endParaRPr>
-          </a:p>
-          <a:p>
-            <a:r>
-              <a:rPr lang="en-US" altLang="ko-KR" sz="2400" dirty="0">
-                <a:latin typeface="배달의민족 한나체 Air" panose="020B0600000101010101" pitchFamily="50" charset="-127"/>
-                <a:ea typeface="배달의민족 한나체 Air" panose="020B0600000101010101" pitchFamily="50" charset="-127"/>
-              </a:rPr>
-              <a:t>$ git branch &lt;branch name&gt;</a:t>
-            </a:r>
-          </a:p>
-          <a:p>
-            <a:r>
-              <a:rPr lang="en-US" altLang="ko-KR" sz="2400" dirty="0">
-                <a:latin typeface="배달의민족 한나체 Air" panose="020B0600000101010101" pitchFamily="50" charset="-127"/>
-                <a:ea typeface="배달의민족 한나체 Air" panose="020B0600000101010101" pitchFamily="50" charset="-127"/>
-              </a:rPr>
-              <a:t>2. </a:t>
-            </a:r>
-            <a:r>
-              <a:rPr lang="ko-KR" altLang="en-US" sz="2400" dirty="0" err="1">
-                <a:latin typeface="배달의민족 한나체 Air" panose="020B0600000101010101" pitchFamily="50" charset="-127"/>
-                <a:ea typeface="배달의민족 한나체 Air" panose="020B0600000101010101" pitchFamily="50" charset="-127"/>
-              </a:rPr>
-              <a:t>브랜치</a:t>
-            </a:r>
-            <a:r>
-              <a:rPr lang="ko-KR" altLang="en-US" sz="2400" dirty="0">
-                <a:latin typeface="배달의민족 한나체 Air" panose="020B0600000101010101" pitchFamily="50" charset="-127"/>
-                <a:ea typeface="배달의민족 한나체 Air" panose="020B0600000101010101" pitchFamily="50" charset="-127"/>
-              </a:rPr>
-              <a:t> 생성 후 바로 </a:t>
-            </a:r>
-            <a:r>
-              <a:rPr lang="en-US" altLang="ko-KR" sz="2400" dirty="0">
-                <a:latin typeface="배달의민족 한나체 Air" panose="020B0600000101010101" pitchFamily="50" charset="-127"/>
-                <a:ea typeface="배달의민족 한나체 Air" panose="020B0600000101010101" pitchFamily="50" charset="-127"/>
-              </a:rPr>
-              <a:t>checkout</a:t>
-            </a:r>
-          </a:p>
-          <a:p>
-            <a:r>
-              <a:rPr lang="en-US" altLang="ko-KR" sz="2400" dirty="0">
-                <a:latin typeface="배달의민족 한나체 Air" panose="020B0600000101010101" pitchFamily="50" charset="-127"/>
-                <a:ea typeface="배달의민족 한나체 Air" panose="020B0600000101010101" pitchFamily="50" charset="-127"/>
-              </a:rPr>
-              <a:t>$ git checkout -b &lt;branch name&gt;</a:t>
-            </a:r>
-          </a:p>
-          <a:p>
-            <a:r>
-              <a:rPr lang="en-US" altLang="ko-KR" sz="2400" dirty="0">
-                <a:latin typeface="배달의민족 한나체 Air" panose="020B0600000101010101" pitchFamily="50" charset="-127"/>
-                <a:ea typeface="배달의민족 한나체 Air" panose="020B0600000101010101" pitchFamily="50" charset="-127"/>
-              </a:rPr>
-              <a:t>3. </a:t>
-            </a:r>
-            <a:r>
-              <a:rPr lang="ko-KR" altLang="en-US" sz="2400" dirty="0">
-                <a:latin typeface="배달의민족 한나체 Air" panose="020B0600000101010101" pitchFamily="50" charset="-127"/>
-                <a:ea typeface="배달의민족 한나체 Air" panose="020B0600000101010101" pitchFamily="50" charset="-127"/>
-              </a:rPr>
-              <a:t>모든 </a:t>
-            </a:r>
-            <a:r>
-              <a:rPr lang="ko-KR" altLang="en-US" sz="2400" dirty="0" err="1">
-                <a:latin typeface="배달의민족 한나체 Air" panose="020B0600000101010101" pitchFamily="50" charset="-127"/>
-                <a:ea typeface="배달의민족 한나체 Air" panose="020B0600000101010101" pitchFamily="50" charset="-127"/>
-              </a:rPr>
-              <a:t>브랜치</a:t>
-            </a:r>
-            <a:r>
-              <a:rPr lang="ko-KR" altLang="en-US" sz="2400" dirty="0">
-                <a:latin typeface="배달의민족 한나체 Air" panose="020B0600000101010101" pitchFamily="50" charset="-127"/>
-                <a:ea typeface="배달의민족 한나체 Air" panose="020B0600000101010101" pitchFamily="50" charset="-127"/>
-              </a:rPr>
-              <a:t> 정보 확인</a:t>
-            </a:r>
-            <a:endParaRPr lang="en-US" altLang="ko-KR" sz="2400" dirty="0">
-              <a:latin typeface="배달의민족 한나체 Air" panose="020B0600000101010101" pitchFamily="50" charset="-127"/>
-              <a:ea typeface="배달의민족 한나체 Air" panose="020B0600000101010101" pitchFamily="50" charset="-127"/>
-            </a:endParaRPr>
-          </a:p>
-          <a:p>
-            <a:r>
-              <a:rPr lang="en-US" altLang="ko-KR" sz="2400" dirty="0">
-                <a:latin typeface="배달의민족 한나체 Air" panose="020B0600000101010101" pitchFamily="50" charset="-127"/>
-                <a:ea typeface="배달의민족 한나체 Air" panose="020B0600000101010101" pitchFamily="50" charset="-127"/>
-              </a:rPr>
-              <a:t>$ git</a:t>
-            </a:r>
-            <a:r>
-              <a:rPr lang="ko-KR" altLang="en-US" sz="2400" dirty="0">
-                <a:latin typeface="배달의민족 한나체 Air" panose="020B0600000101010101" pitchFamily="50" charset="-127"/>
-                <a:ea typeface="배달의민족 한나체 Air" panose="020B0600000101010101" pitchFamily="50" charset="-127"/>
-              </a:rPr>
-              <a:t> </a:t>
-            </a:r>
-            <a:r>
-              <a:rPr lang="en-US" altLang="ko-KR" sz="2400" dirty="0">
-                <a:latin typeface="배달의민족 한나체 Air" panose="020B0600000101010101" pitchFamily="50" charset="-127"/>
-                <a:ea typeface="배달의민족 한나체 Air" panose="020B0600000101010101" pitchFamily="50" charset="-127"/>
-              </a:rPr>
-              <a:t>branch -a</a:t>
-            </a:r>
-            <a:r>
-              <a:rPr lang="ko-KR" altLang="en-US" sz="2400" dirty="0">
-                <a:latin typeface="배달의민족 한나체 Air" panose="020B0600000101010101" pitchFamily="50" charset="-127"/>
-                <a:ea typeface="배달의민족 한나체 Air" panose="020B0600000101010101" pitchFamily="50" charset="-127"/>
-              </a:rPr>
-              <a:t> </a:t>
-            </a:r>
-          </a:p>
-        </p:txBody>
-      </p:sp>
+        </p:spPr>
+      </p:pic>
     </p:spTree>
     <p:extLst>
       <p:ext uri="{BB962C8B-B14F-4D97-AF65-F5344CB8AC3E}">
-        <p14:creationId xmlns:p14="http://schemas.microsoft.com/office/powerpoint/2010/main" val="1869494277"/>
+        <p14:creationId xmlns:p14="http://schemas.microsoft.com/office/powerpoint/2010/main" val="3476225679"/>
       </p:ext>
     </p:extLst>
   </p:cSld>
@@ -31707,24 +31129,111 @@
               </a:rPr>
               <a:t>브랜치</a:t>
             </a:r>
-            <a:r>
-              <a:rPr lang="ko-KR" altLang="en-US" sz="4000" dirty="0">
-                <a:latin typeface="배달의민족 한나체 Air" panose="020B0600000101010101" pitchFamily="50" charset="-127"/>
-                <a:ea typeface="배달의민족 한나체 Air" panose="020B0600000101010101" pitchFamily="50" charset="-127"/>
-              </a:rPr>
-              <a:t> 왜 만드나요</a:t>
-            </a:r>
-            <a:r>
-              <a:rPr lang="en-US" altLang="ko-KR" sz="4000" dirty="0">
-                <a:latin typeface="배달의민족 한나체 Air" panose="020B0600000101010101" pitchFamily="50" charset="-127"/>
-                <a:ea typeface="배달의민족 한나체 Air" panose="020B0600000101010101" pitchFamily="50" charset="-127"/>
-              </a:rPr>
-              <a:t>?</a:t>
-            </a:r>
             <a:endParaRPr lang="ko-KR" altLang="en-US" sz="4000" dirty="0">
               <a:latin typeface="배달의민족 한나체 Air" panose="020B0600000101010101" pitchFamily="50" charset="-127"/>
               <a:ea typeface="배달의민족 한나체 Air" panose="020B0600000101010101" pitchFamily="50" charset="-127"/>
             </a:endParaRPr>
+          </a:p>
+        </p:txBody>
+      </p:sp>
+      <p:sp>
+        <p:nvSpPr>
+          <p:cNvPr id="15" name="TextBox 14">
+            <a:extLst>
+              <a:ext uri="{FF2B5EF4-FFF2-40B4-BE49-F238E27FC236}">
+                <a16:creationId xmlns:a16="http://schemas.microsoft.com/office/drawing/2014/main" id="{04C38CD1-53F4-490D-917F-1D4A5A4E7B9F}"/>
+              </a:ext>
+            </a:extLst>
+          </p:cNvPr>
+          <p:cNvSpPr txBox="1"/>
+          <p:nvPr/>
+        </p:nvSpPr>
+        <p:spPr>
+          <a:xfrm>
+            <a:off x="1220663" y="2313604"/>
+            <a:ext cx="9750669" cy="830997"/>
+          </a:xfrm>
+          <a:prstGeom prst="rect">
+            <a:avLst/>
+          </a:prstGeom>
+          <a:noFill/>
+        </p:spPr>
+        <p:txBody>
+          <a:bodyPr wrap="square" rtlCol="0">
+            <a:spAutoFit/>
+          </a:bodyPr>
+          <a:lstStyle/>
+          <a:p>
+            <a:r>
+              <a:rPr lang="ko-KR" altLang="en-US" sz="2400" dirty="0" err="1">
+                <a:latin typeface="배달의민족 한나체 Air" panose="020B0600000101010101" pitchFamily="50" charset="-127"/>
+                <a:ea typeface="배달의민족 한나체 Air" panose="020B0600000101010101" pitchFamily="50" charset="-127"/>
+              </a:rPr>
+              <a:t>브랜치는</a:t>
+            </a:r>
+            <a:r>
+              <a:rPr lang="ko-KR" altLang="en-US" sz="2400" dirty="0">
+                <a:latin typeface="배달의민족 한나체 Air" panose="020B0600000101010101" pitchFamily="50" charset="-127"/>
+                <a:ea typeface="배달의민족 한나체 Air" panose="020B0600000101010101" pitchFamily="50" charset="-127"/>
+              </a:rPr>
+              <a:t> 특정 </a:t>
+            </a:r>
+            <a:r>
+              <a:rPr lang="ko-KR" altLang="en-US" sz="2400" dirty="0" err="1">
+                <a:latin typeface="배달의민족 한나체 Air" panose="020B0600000101010101" pitchFamily="50" charset="-127"/>
+                <a:ea typeface="배달의민족 한나체 Air" panose="020B0600000101010101" pitchFamily="50" charset="-127"/>
+              </a:rPr>
+              <a:t>커밋을</a:t>
+            </a:r>
+            <a:r>
+              <a:rPr lang="ko-KR" altLang="en-US" sz="2400" dirty="0">
+                <a:latin typeface="배달의민족 한나체 Air" panose="020B0600000101010101" pitchFamily="50" charset="-127"/>
+                <a:ea typeface="배달의민족 한나체 Air" panose="020B0600000101010101" pitchFamily="50" charset="-127"/>
+              </a:rPr>
+              <a:t> 기준으로 줄기를 나누어 작업할 수 있는 기능을 일컫는다</a:t>
+            </a:r>
+            <a:r>
+              <a:rPr lang="en-US" altLang="ko-KR" sz="2400" dirty="0">
+                <a:latin typeface="배달의민족 한나체 Air" panose="020B0600000101010101" pitchFamily="50" charset="-127"/>
+                <a:ea typeface="배달의민족 한나체 Air" panose="020B0600000101010101" pitchFamily="50" charset="-127"/>
+              </a:rPr>
+              <a:t>. </a:t>
+            </a:r>
+            <a:r>
+              <a:rPr lang="ko-KR" altLang="en-US" sz="2400" dirty="0">
+                <a:latin typeface="배달의민족 한나체 Air" panose="020B0600000101010101" pitchFamily="50" charset="-127"/>
+                <a:ea typeface="배달의민족 한나체 Air" panose="020B0600000101010101" pitchFamily="50" charset="-127"/>
+              </a:rPr>
+              <a:t>아래 명령을 통해 현재 </a:t>
+            </a:r>
+            <a:r>
+              <a:rPr lang="ko-KR" altLang="en-US" sz="2400" dirty="0" err="1">
+                <a:latin typeface="배달의민족 한나체 Air" panose="020B0600000101010101" pitchFamily="50" charset="-127"/>
+                <a:ea typeface="배달의민족 한나체 Air" panose="020B0600000101010101" pitchFamily="50" charset="-127"/>
+              </a:rPr>
+              <a:t>커밋에서</a:t>
+            </a:r>
+            <a:r>
+              <a:rPr lang="ko-KR" altLang="en-US" sz="2400" dirty="0">
+                <a:latin typeface="배달의민족 한나체 Air" panose="020B0600000101010101" pitchFamily="50" charset="-127"/>
+                <a:ea typeface="배달의민족 한나체 Air" panose="020B0600000101010101" pitchFamily="50" charset="-127"/>
+              </a:rPr>
+              <a:t> </a:t>
+            </a:r>
+            <a:r>
+              <a:rPr lang="ko-KR" altLang="en-US" sz="2400" dirty="0" err="1">
+                <a:latin typeface="배달의민족 한나체 Air" panose="020B0600000101010101" pitchFamily="50" charset="-127"/>
+                <a:ea typeface="배달의민족 한나체 Air" panose="020B0600000101010101" pitchFamily="50" charset="-127"/>
+              </a:rPr>
+              <a:t>브랜치를</a:t>
+            </a:r>
+            <a:r>
+              <a:rPr lang="ko-KR" altLang="en-US" sz="2400" dirty="0">
+                <a:latin typeface="배달의민족 한나체 Air" panose="020B0600000101010101" pitchFamily="50" charset="-127"/>
+                <a:ea typeface="배달의민족 한나체 Air" panose="020B0600000101010101" pitchFamily="50" charset="-127"/>
+              </a:rPr>
+              <a:t> 생성해보도록 하자</a:t>
+            </a:r>
           </a:p>
         </p:txBody>
       </p:sp>
@@ -31742,8 +31251,8 @@
         </p:nvSpPr>
         <p:spPr>
           <a:xfrm>
-            <a:off x="1153988" y="2957018"/>
-            <a:ext cx="9884022" cy="1569660"/>
+            <a:off x="1220663" y="3395023"/>
+            <a:ext cx="9884022" cy="2308324"/>
           </a:xfrm>
           <a:prstGeom prst="rect">
             <a:avLst/>
@@ -31756,48 +31265,26 @@
           </a:bodyPr>
           <a:lstStyle/>
           <a:p>
-            <a:pPr marL="457200" indent="-457200">
-              <a:buAutoNum type="arabicPeriod"/>
-            </a:pPr>
+            <a:r>
+              <a:rPr lang="en-US" altLang="ko-KR" sz="2400" dirty="0">
+                <a:latin typeface="배달의민족 한나체 Air" panose="020B0600000101010101" pitchFamily="50" charset="-127"/>
+                <a:ea typeface="배달의민족 한나체 Air" panose="020B0600000101010101" pitchFamily="50" charset="-127"/>
+              </a:rPr>
+              <a:t>1. </a:t>
+            </a:r>
+            <a:r>
+              <a:rPr lang="ko-KR" altLang="en-US" sz="2400" dirty="0" err="1">
+                <a:latin typeface="배달의민족 한나체 Air" panose="020B0600000101010101" pitchFamily="50" charset="-127"/>
+                <a:ea typeface="배달의민족 한나체 Air" panose="020B0600000101010101" pitchFamily="50" charset="-127"/>
+              </a:rPr>
+              <a:t>브랜치</a:t>
+            </a:r>
             <a:r>
               <a:rPr lang="ko-KR" altLang="en-US" sz="2400" dirty="0">
                 <a:latin typeface="배달의민족 한나체 Air" panose="020B0600000101010101" pitchFamily="50" charset="-127"/>
                 <a:ea typeface="배달의민족 한나체 Air" panose="020B0600000101010101" pitchFamily="50" charset="-127"/>
               </a:rPr>
-              <a:t>새로운 기능 추가 </a:t>
-            </a:r>
-            <a:r>
-              <a:rPr lang="en-US" altLang="ko-KR" sz="2400" dirty="0">
-                <a:latin typeface="배달의민족 한나체 Air" panose="020B0600000101010101" pitchFamily="50" charset="-127"/>
-                <a:ea typeface="배달의민족 한나체 Air" panose="020B0600000101010101" pitchFamily="50" charset="-127"/>
-              </a:rPr>
-              <a:t>(</a:t>
-            </a:r>
-            <a:r>
-              <a:rPr lang="ko-KR" altLang="en-US" sz="2400" dirty="0">
-                <a:latin typeface="배달의민족 한나체 Air" panose="020B0600000101010101" pitchFamily="50" charset="-127"/>
-                <a:ea typeface="배달의민족 한나체 Air" panose="020B0600000101010101" pitchFamily="50" charset="-127"/>
-              </a:rPr>
-              <a:t>가장 흔한 이유</a:t>
-            </a:r>
-            <a:r>
-              <a:rPr lang="en-US" altLang="ko-KR" sz="2400" dirty="0">
-                <a:latin typeface="배달의민족 한나체 Air" panose="020B0600000101010101" pitchFamily="50" charset="-127"/>
-                <a:ea typeface="배달의민족 한나체 Air" panose="020B0600000101010101" pitchFamily="50" charset="-127"/>
-              </a:rPr>
-              <a:t>)</a:t>
-            </a:r>
-          </a:p>
-          <a:p>
-            <a:pPr marL="457200" indent="-457200">
-              <a:buAutoNum type="arabicPeriod"/>
-            </a:pPr>
-            <a:r>
-              <a:rPr lang="ko-KR" altLang="en-US" sz="2400" dirty="0">
-                <a:latin typeface="배달의민족 한나체 Air" panose="020B0600000101010101" pitchFamily="50" charset="-127"/>
-                <a:ea typeface="배달의민족 한나체 Air" panose="020B0600000101010101" pitchFamily="50" charset="-127"/>
-              </a:rPr>
-              <a:t>버그 수정</a:t>
+              <a:t> 생성</a:t>
             </a:r>
             <a:endParaRPr lang="en-US" altLang="ko-KR" sz="2400" dirty="0">
               <a:latin typeface="배달의민족 한나체 Air" panose="020B0600000101010101" pitchFamily="50" charset="-127"/>
@@ -31805,95 +31292,123 @@
             </a:endParaRPr>
           </a:p>
           <a:p>
-            <a:pPr marL="457200" indent="-457200">
-              <a:buAutoNum type="arabicPeriod"/>
-            </a:pPr>
+            <a:r>
+              <a:rPr lang="en-US" altLang="ko-KR" sz="2400" dirty="0">
+                <a:latin typeface="배달의민족 한나체 Air" panose="020B0600000101010101" pitchFamily="50" charset="-127"/>
+                <a:ea typeface="배달의민족 한나체 Air" panose="020B0600000101010101" pitchFamily="50" charset="-127"/>
+              </a:rPr>
+              <a:t>$ git branch &lt;branch name&gt;</a:t>
+            </a:r>
+          </a:p>
+          <a:p>
+            <a:r>
+              <a:rPr lang="en-US" altLang="ko-KR" sz="2400" dirty="0">
+                <a:latin typeface="배달의민족 한나체 Air" panose="020B0600000101010101" pitchFamily="50" charset="-127"/>
+                <a:ea typeface="배달의민족 한나체 Air" panose="020B0600000101010101" pitchFamily="50" charset="-127"/>
+              </a:rPr>
+              <a:t>2. </a:t>
+            </a:r>
+            <a:r>
+              <a:rPr lang="ko-KR" altLang="en-US" sz="2400" dirty="0" err="1">
+                <a:latin typeface="배달의민족 한나체 Air" panose="020B0600000101010101" pitchFamily="50" charset="-127"/>
+                <a:ea typeface="배달의민족 한나체 Air" panose="020B0600000101010101" pitchFamily="50" charset="-127"/>
+              </a:rPr>
+              <a:t>브랜치</a:t>
+            </a:r>
             <a:r>
               <a:rPr lang="ko-KR" altLang="en-US" sz="2400" dirty="0">
                 <a:latin typeface="배달의민족 한나체 Air" panose="020B0600000101010101" pitchFamily="50" charset="-127"/>
                 <a:ea typeface="배달의민족 한나체 Air" panose="020B0600000101010101" pitchFamily="50" charset="-127"/>
               </a:rPr>
-              <a:t>기존 코드 개선 </a:t>
+              <a:t> 생성 후 바로 </a:t>
             </a:r>
             <a:r>
               <a:rPr lang="en-US" altLang="ko-KR" sz="2400" dirty="0">
                 <a:latin typeface="배달의민족 한나체 Air" panose="020B0600000101010101" pitchFamily="50" charset="-127"/>
                 <a:ea typeface="배달의민족 한나체 Air" panose="020B0600000101010101" pitchFamily="50" charset="-127"/>
               </a:rPr>
-              <a:t>(</a:t>
+              <a:t>checkout</a:t>
+            </a:r>
+          </a:p>
+          <a:p>
+            <a:r>
+              <a:rPr lang="en-US" altLang="ko-KR" sz="2400" dirty="0">
+                <a:latin typeface="배달의민족 한나체 Air" panose="020B0600000101010101" pitchFamily="50" charset="-127"/>
+                <a:ea typeface="배달의민족 한나체 Air" panose="020B0600000101010101" pitchFamily="50" charset="-127"/>
+              </a:rPr>
+              <a:t>$ git checkout -b &lt;branch name&gt;</a:t>
+            </a:r>
+          </a:p>
+          <a:p>
+            <a:r>
+              <a:rPr lang="en-US" altLang="ko-KR" sz="2400" dirty="0">
+                <a:latin typeface="배달의민족 한나체 Air" panose="020B0600000101010101" pitchFamily="50" charset="-127"/>
+                <a:ea typeface="배달의민족 한나체 Air" panose="020B0600000101010101" pitchFamily="50" charset="-127"/>
+              </a:rPr>
+              <a:t>3. </a:t>
             </a:r>
             <a:r>
               <a:rPr lang="ko-KR" altLang="en-US" sz="2400" dirty="0">
                 <a:latin typeface="배달의민족 한나체 Air" panose="020B0600000101010101" pitchFamily="50" charset="-127"/>
                 <a:ea typeface="배달의민족 한나체 Air" panose="020B0600000101010101" pitchFamily="50" charset="-127"/>
               </a:rPr>
-              <a:t>이전 </a:t>
+              <a:t>모든 </a:t>
             </a:r>
             <a:r>
               <a:rPr lang="ko-KR" altLang="en-US" sz="2400" dirty="0" err="1">
                 <a:latin typeface="배달의민족 한나체 Air" panose="020B0600000101010101" pitchFamily="50" charset="-127"/>
                 <a:ea typeface="배달의민족 한나체 Air" panose="020B0600000101010101" pitchFamily="50" charset="-127"/>
               </a:rPr>
-              <a:t>커밋으로</a:t>
+              <a:t>브랜치</a:t>
             </a:r>
             <a:r>
               <a:rPr lang="ko-KR" altLang="en-US" sz="2400" dirty="0">
                 <a:latin typeface="배달의민족 한나체 Air" panose="020B0600000101010101" pitchFamily="50" charset="-127"/>
                 <a:ea typeface="배달의민족 한나체 Air" panose="020B0600000101010101" pitchFamily="50" charset="-127"/>
               </a:rPr>
-              <a:t> 돌아가서</a:t>
-            </a:r>
-            <a:r>
-              <a:rPr lang="en-US" altLang="ko-KR" sz="2400" dirty="0">
-                <a:latin typeface="배달의민족 한나체 Air" panose="020B0600000101010101" pitchFamily="50" charset="-127"/>
-                <a:ea typeface="배달의민족 한나체 Air" panose="020B0600000101010101" pitchFamily="50" charset="-127"/>
-              </a:rPr>
-              <a:t> </a:t>
-            </a:r>
-            <a:r>
-              <a:rPr lang="ko-KR" altLang="en-US" sz="2400" dirty="0" err="1">
-                <a:latin typeface="배달의민족 한나체 Air" panose="020B0600000101010101" pitchFamily="50" charset="-127"/>
-                <a:ea typeface="배달의민족 한나체 Air" panose="020B0600000101010101" pitchFamily="50" charset="-127"/>
-              </a:rPr>
-              <a:t>브랜치</a:t>
-            </a:r>
-            <a:r>
-              <a:rPr lang="ko-KR" altLang="en-US" sz="2400" dirty="0">
-                <a:latin typeface="배달의민족 한나체 Air" panose="020B0600000101010101" pitchFamily="50" charset="-127"/>
-                <a:ea typeface="배달의민족 한나체 Air" panose="020B0600000101010101" pitchFamily="50" charset="-127"/>
-              </a:rPr>
-              <a:t> 생성하는 경우</a:t>
-            </a:r>
-            <a:r>
-              <a:rPr lang="en-US" altLang="ko-KR" sz="2400" dirty="0">
-                <a:latin typeface="배달의민족 한나체 Air" panose="020B0600000101010101" pitchFamily="50" charset="-127"/>
-                <a:ea typeface="배달의민족 한나체 Air" panose="020B0600000101010101" pitchFamily="50" charset="-127"/>
-              </a:rPr>
-              <a:t>)</a:t>
-            </a:r>
-          </a:p>
-          <a:p>
-            <a:pPr marL="457200" indent="-457200">
-              <a:buAutoNum type="arabicPeriod"/>
-            </a:pPr>
-            <a:r>
-              <a:rPr lang="ko-KR" altLang="en-US" sz="2400" dirty="0">
-                <a:latin typeface="배달의민족 한나체 Air" panose="020B0600000101010101" pitchFamily="50" charset="-127"/>
-                <a:ea typeface="배달의민족 한나체 Air" panose="020B0600000101010101" pitchFamily="50" charset="-127"/>
-              </a:rPr>
-              <a:t>병합과 리베이스 테스트</a:t>
+              <a:t> 정보 확인</a:t>
             </a:r>
             <a:endParaRPr lang="en-US" altLang="ko-KR" sz="2400" dirty="0">
               <a:latin typeface="배달의민족 한나체 Air" panose="020B0600000101010101" pitchFamily="50" charset="-127"/>
               <a:ea typeface="배달의민족 한나체 Air" panose="020B0600000101010101" pitchFamily="50" charset="-127"/>
             </a:endParaRPr>
           </a:p>
+          <a:p>
+            <a:r>
+              <a:rPr lang="en-US" altLang="ko-KR" sz="2400" dirty="0">
+                <a:latin typeface="배달의민족 한나체 Air" panose="020B0600000101010101" pitchFamily="50" charset="-127"/>
+                <a:ea typeface="배달의민족 한나체 Air" panose="020B0600000101010101" pitchFamily="50" charset="-127"/>
+              </a:rPr>
+              <a:t>$ git</a:t>
+            </a:r>
+            <a:r>
+              <a:rPr lang="ko-KR" altLang="en-US" sz="2400" dirty="0">
+                <a:latin typeface="배달의민족 한나체 Air" panose="020B0600000101010101" pitchFamily="50" charset="-127"/>
+                <a:ea typeface="배달의민족 한나체 Air" panose="020B0600000101010101" pitchFamily="50" charset="-127"/>
+              </a:rPr>
+              <a:t> </a:t>
+            </a:r>
+            <a:r>
+              <a:rPr lang="en-US" altLang="ko-KR" sz="2400" dirty="0">
+                <a:latin typeface="배달의민족 한나체 Air" panose="020B0600000101010101" pitchFamily="50" charset="-127"/>
+                <a:ea typeface="배달의민족 한나체 Air" panose="020B0600000101010101" pitchFamily="50" charset="-127"/>
+              </a:rPr>
+              <a:t>branch -a</a:t>
+            </a:r>
+            <a:r>
+              <a:rPr lang="ko-KR" altLang="en-US" sz="2400" dirty="0">
+                <a:latin typeface="배달의민족 한나체 Air" panose="020B0600000101010101" pitchFamily="50" charset="-127"/>
+                <a:ea typeface="배달의민족 한나체 Air" panose="020B0600000101010101" pitchFamily="50" charset="-127"/>
+              </a:rPr>
+              <a:t> </a:t>
+            </a:r>
+          </a:p>
         </p:txBody>
       </p:sp>
     </p:spTree>
     <p:extLst>
       <p:ext uri="{BB962C8B-B14F-4D97-AF65-F5344CB8AC3E}">
-        <p14:creationId xmlns:p14="http://schemas.microsoft.com/office/powerpoint/2010/main" val="2665000358"/>
+        <p14:creationId xmlns:p14="http://schemas.microsoft.com/office/powerpoint/2010/main" val="1869494277"/>
       </p:ext>
     </p:extLst>
   </p:cSld>
@@ -32391,49 +31906,39 @@
           <a:lstStyle/>
           <a:p>
             <a:r>
+              <a:rPr lang="ko-KR" altLang="en-US" sz="4000" dirty="0" err="1">
+                <a:latin typeface="배달의민족 한나체 Air" panose="020B0600000101010101" pitchFamily="50" charset="-127"/>
+                <a:ea typeface="배달의민족 한나체 Air" panose="020B0600000101010101" pitchFamily="50" charset="-127"/>
+              </a:rPr>
+              <a:t>브랜치</a:t>
+            </a:r>
+            <a:r>
               <a:rPr lang="ko-KR" altLang="en-US" sz="4000" dirty="0">
                 <a:latin typeface="배달의민족 한나체 Air" panose="020B0600000101010101" pitchFamily="50" charset="-127"/>
                 <a:ea typeface="배달의민족 한나체 Air" panose="020B0600000101010101" pitchFamily="50" charset="-127"/>
               </a:rPr>
-              <a:t>현재 </a:t>
-            </a:r>
-            <a:r>
-              <a:rPr lang="ko-KR" altLang="en-US" sz="4000" dirty="0" err="1">
-                <a:latin typeface="배달의민족 한나체 Air" panose="020B0600000101010101" pitchFamily="50" charset="-127"/>
-                <a:ea typeface="배달의민족 한나체 Air" panose="020B0600000101010101" pitchFamily="50" charset="-127"/>
-              </a:rPr>
-              <a:t>브랜치에서</a:t>
-            </a:r>
-            <a:r>
-              <a:rPr lang="ko-KR" altLang="en-US" sz="4000" dirty="0">
-                <a:latin typeface="배달의민족 한나체 Air" panose="020B0600000101010101" pitchFamily="50" charset="-127"/>
-                <a:ea typeface="배달의민족 한나체 Air" panose="020B0600000101010101" pitchFamily="50" charset="-127"/>
-              </a:rPr>
-              <a:t> </a:t>
-            </a:r>
-            <a:r>
-              <a:rPr lang="ko-KR" altLang="en-US" sz="4000" dirty="0" err="1">
-                <a:latin typeface="배달의민족 한나체 Air" panose="020B0600000101010101" pitchFamily="50" charset="-127"/>
-                <a:ea typeface="배달의민족 한나체 Air" panose="020B0600000101010101" pitchFamily="50" charset="-127"/>
-              </a:rPr>
-              <a:t>커밋</a:t>
-            </a:r>
-            <a:r>
-              <a:rPr lang="ko-KR" altLang="en-US" sz="4000" dirty="0">
-                <a:latin typeface="배달의민족 한나체 Air" panose="020B0600000101010101" pitchFamily="50" charset="-127"/>
-                <a:ea typeface="배달의민족 한나체 Air" panose="020B0600000101010101" pitchFamily="50" charset="-127"/>
-              </a:rPr>
-              <a:t> 생성</a:t>
-            </a:r>
-          </a:p>
-        </p:txBody>
-      </p:sp>
-      <p:sp>
-        <p:nvSpPr>
-          <p:cNvPr id="17" name="TextBox 16">
+              <a:t> 왜 만드나요</a:t>
+            </a:r>
+            <a:r>
+              <a:rPr lang="en-US" altLang="ko-KR" sz="4000" dirty="0">
+                <a:latin typeface="배달의민족 한나체 Air" panose="020B0600000101010101" pitchFamily="50" charset="-127"/>
+                <a:ea typeface="배달의민족 한나체 Air" panose="020B0600000101010101" pitchFamily="50" charset="-127"/>
+              </a:rPr>
+              <a:t>?</a:t>
+            </a:r>
+            <a:endParaRPr lang="ko-KR" altLang="en-US" sz="4000" dirty="0">
+              <a:latin typeface="배달의민족 한나체 Air" panose="020B0600000101010101" pitchFamily="50" charset="-127"/>
+              <a:ea typeface="배달의민족 한나체 Air" panose="020B0600000101010101" pitchFamily="50" charset="-127"/>
+            </a:endParaRPr>
+          </a:p>
+        </p:txBody>
+      </p:sp>
+      <p:sp>
+        <p:nvSpPr>
+          <p:cNvPr id="16" name="TextBox 15">
             <a:extLst>
               <a:ext uri="{FF2B5EF4-FFF2-40B4-BE49-F238E27FC236}">
-                <a16:creationId xmlns:a16="http://schemas.microsoft.com/office/drawing/2014/main" id="{87622B15-0837-4D6D-A8DD-113015F6C076}"/>
+                <a16:creationId xmlns:a16="http://schemas.microsoft.com/office/drawing/2014/main" id="{535BDF0B-2B0A-4ACC-9370-B54B61042C62}"/>
               </a:ext>
             </a:extLst>
           </p:cNvPr>
@@ -32442,8 +31947,8 @@
         </p:nvSpPr>
         <p:spPr>
           <a:xfrm>
-            <a:off x="1153988" y="3256012"/>
-            <a:ext cx="9884022" cy="1200329"/>
+            <a:off x="1153988" y="2957018"/>
+            <a:ext cx="9884022" cy="1569660"/>
           </a:xfrm>
           <a:prstGeom prst="rect">
             <a:avLst/>
@@ -32456,19 +31961,48 @@
           </a:bodyPr>
           <a:lstStyle/>
           <a:p>
+            <a:pPr marL="457200" indent="-457200">
+              <a:buAutoNum type="arabicPeriod"/>
+            </a:pPr>
+            <a:r>
+              <a:rPr lang="ko-KR" altLang="en-US" sz="2400" dirty="0">
+                <a:latin typeface="배달의민족 한나체 Air" panose="020B0600000101010101" pitchFamily="50" charset="-127"/>
+                <a:ea typeface="배달의민족 한나체 Air" panose="020B0600000101010101" pitchFamily="50" charset="-127"/>
+              </a:rPr>
+              <a:t>새로운 기능 추가 </a:t>
+            </a:r>
             <a:r>
               <a:rPr lang="en-US" altLang="ko-KR" sz="2400" dirty="0">
                 <a:latin typeface="배달의민족 한나체 Air" panose="020B0600000101010101" pitchFamily="50" charset="-127"/>
                 <a:ea typeface="배달의민족 한나체 Air" panose="020B0600000101010101" pitchFamily="50" charset="-127"/>
               </a:rPr>
-              <a:t>$ vim </a:t>
-            </a:r>
-            <a:r>
-              <a:rPr lang="en-US" altLang="ko-KR" sz="2400" dirty="0" err="1">
-                <a:latin typeface="배달의민족 한나체 Air" panose="020B0600000101010101" pitchFamily="50" charset="-127"/>
-                <a:ea typeface="배달의민족 한나체 Air" panose="020B0600000101010101" pitchFamily="50" charset="-127"/>
-              </a:rPr>
-              <a:t>main.c</a:t>
+              <a:t>(</a:t>
+            </a:r>
+            <a:r>
+              <a:rPr lang="ko-KR" altLang="en-US" sz="2400" dirty="0">
+                <a:latin typeface="배달의민족 한나체 Air" panose="020B0600000101010101" pitchFamily="50" charset="-127"/>
+                <a:ea typeface="배달의민족 한나체 Air" panose="020B0600000101010101" pitchFamily="50" charset="-127"/>
+              </a:rPr>
+              <a:t>가장 흔한 이유</a:t>
+            </a:r>
+            <a:r>
+              <a:rPr lang="en-US" altLang="ko-KR" sz="2400" dirty="0">
+                <a:latin typeface="배달의민족 한나체 Air" panose="020B0600000101010101" pitchFamily="50" charset="-127"/>
+                <a:ea typeface="배달의민족 한나체 Air" panose="020B0600000101010101" pitchFamily="50" charset="-127"/>
+              </a:rPr>
+              <a:t>)</a:t>
+            </a:r>
+          </a:p>
+          <a:p>
+            <a:pPr marL="457200" indent="-457200">
+              <a:buAutoNum type="arabicPeriod"/>
+            </a:pPr>
+            <a:r>
+              <a:rPr lang="ko-KR" altLang="en-US" sz="2400" dirty="0">
+                <a:latin typeface="배달의민족 한나체 Air" panose="020B0600000101010101" pitchFamily="50" charset="-127"/>
+                <a:ea typeface="배달의민족 한나체 Air" panose="020B0600000101010101" pitchFamily="50" charset="-127"/>
+              </a:rPr>
+              <a:t>버그 수정</a:t>
             </a:r>
             <a:endParaRPr lang="en-US" altLang="ko-KR" sz="2400" dirty="0">
               <a:latin typeface="배달의민족 한나체 Air" panose="020B0600000101010101" pitchFamily="50" charset="-127"/>
@@ -32476,37 +32010,85 @@
             </a:endParaRPr>
           </a:p>
           <a:p>
+            <a:pPr marL="457200" indent="-457200">
+              <a:buAutoNum type="arabicPeriod"/>
+            </a:pPr>
+            <a:r>
+              <a:rPr lang="ko-KR" altLang="en-US" sz="2400" dirty="0">
+                <a:latin typeface="배달의민족 한나체 Air" panose="020B0600000101010101" pitchFamily="50" charset="-127"/>
+                <a:ea typeface="배달의민족 한나체 Air" panose="020B0600000101010101" pitchFamily="50" charset="-127"/>
+              </a:rPr>
+              <a:t>기존 코드 개선 </a:t>
+            </a:r>
             <a:r>
               <a:rPr lang="en-US" altLang="ko-KR" sz="2400" dirty="0">
                 <a:latin typeface="배달의민족 한나체 Air" panose="020B0600000101010101" pitchFamily="50" charset="-127"/>
                 <a:ea typeface="배달의민족 한나체 Air" panose="020B0600000101010101" pitchFamily="50" charset="-127"/>
               </a:rPr>
-              <a:t>$ git commit -am “edit </a:t>
-            </a:r>
-            <a:r>
-              <a:rPr lang="en-US" altLang="ko-KR" sz="2400" dirty="0" err="1">
-                <a:latin typeface="배달의민족 한나체 Air" panose="020B0600000101010101" pitchFamily="50" charset="-127"/>
-                <a:ea typeface="배달의민족 한나체 Air" panose="020B0600000101010101" pitchFamily="50" charset="-127"/>
-              </a:rPr>
-              <a:t>main.c</a:t>
+              <a:t>(</a:t>
+            </a:r>
+            <a:r>
+              <a:rPr lang="ko-KR" altLang="en-US" sz="2400" dirty="0">
+                <a:latin typeface="배달의민족 한나체 Air" panose="020B0600000101010101" pitchFamily="50" charset="-127"/>
+                <a:ea typeface="배달의민족 한나체 Air" panose="020B0600000101010101" pitchFamily="50" charset="-127"/>
+              </a:rPr>
+              <a:t>이전 </a:t>
+            </a:r>
+            <a:r>
+              <a:rPr lang="ko-KR" altLang="en-US" sz="2400" dirty="0" err="1">
+                <a:latin typeface="배달의민족 한나체 Air" panose="020B0600000101010101" pitchFamily="50" charset="-127"/>
+                <a:ea typeface="배달의민족 한나체 Air" panose="020B0600000101010101" pitchFamily="50" charset="-127"/>
+              </a:rPr>
+              <a:t>커밋으로</a:t>
+            </a:r>
+            <a:r>
+              <a:rPr lang="ko-KR" altLang="en-US" sz="2400" dirty="0">
+                <a:latin typeface="배달의민족 한나체 Air" panose="020B0600000101010101" pitchFamily="50" charset="-127"/>
+                <a:ea typeface="배달의민족 한나체 Air" panose="020B0600000101010101" pitchFamily="50" charset="-127"/>
+              </a:rPr>
+              <a:t> 돌아가서</a:t>
             </a:r>
             <a:r>
               <a:rPr lang="en-US" altLang="ko-KR" sz="2400" dirty="0">
                 <a:latin typeface="배달의민족 한나체 Air" panose="020B0600000101010101" pitchFamily="50" charset="-127"/>
                 <a:ea typeface="배달의민족 한나체 Air" panose="020B0600000101010101" pitchFamily="50" charset="-127"/>
               </a:rPr>
-              <a:t> | branch feature”</a:t>
-            </a:r>
-          </a:p>
-          <a:p>
+              <a:t> </a:t>
+            </a:r>
+            <a:r>
+              <a:rPr lang="ko-KR" altLang="en-US" sz="2400" dirty="0" err="1">
+                <a:latin typeface="배달의민족 한나체 Air" panose="020B0600000101010101" pitchFamily="50" charset="-127"/>
+                <a:ea typeface="배달의민족 한나체 Air" panose="020B0600000101010101" pitchFamily="50" charset="-127"/>
+              </a:rPr>
+              <a:t>브랜치</a:t>
+            </a:r>
+            <a:r>
+              <a:rPr lang="ko-KR" altLang="en-US" sz="2400" dirty="0">
+                <a:latin typeface="배달의민족 한나체 Air" panose="020B0600000101010101" pitchFamily="50" charset="-127"/>
+                <a:ea typeface="배달의민족 한나체 Air" panose="020B0600000101010101" pitchFamily="50" charset="-127"/>
+              </a:rPr>
+              <a:t> 생성하는 경우</a:t>
+            </a:r>
             <a:r>
               <a:rPr lang="en-US" altLang="ko-KR" sz="2400" dirty="0">
                 <a:latin typeface="배달의민족 한나체 Air" panose="020B0600000101010101" pitchFamily="50" charset="-127"/>
                 <a:ea typeface="배달의민족 한나체 Air" panose="020B0600000101010101" pitchFamily="50" charset="-127"/>
               </a:rPr>
-              <a:t>$ git log --all --graph</a:t>
-            </a:r>
-            <a:endParaRPr lang="ko-KR" altLang="en-US" sz="2400" dirty="0">
+              <a:t>)</a:t>
+            </a:r>
+          </a:p>
+          <a:p>
+            <a:pPr marL="457200" indent="-457200">
+              <a:buAutoNum type="arabicPeriod"/>
+            </a:pPr>
+            <a:r>
+              <a:rPr lang="ko-KR" altLang="en-US" sz="2400" dirty="0">
+                <a:latin typeface="배달의민족 한나체 Air" panose="020B0600000101010101" pitchFamily="50" charset="-127"/>
+                <a:ea typeface="배달의민족 한나체 Air" panose="020B0600000101010101" pitchFamily="50" charset="-127"/>
+              </a:rPr>
+              <a:t>병합과 리베이스 테스트</a:t>
+            </a:r>
+            <a:endParaRPr lang="en-US" altLang="ko-KR" sz="2400" dirty="0">
               <a:latin typeface="배달의민족 한나체 Air" panose="020B0600000101010101" pitchFamily="50" charset="-127"/>
               <a:ea typeface="배달의민족 한나체 Air" panose="020B0600000101010101" pitchFamily="50" charset="-127"/>
             </a:endParaRPr>
@@ -32516,7 +32098,7 @@
     </p:spTree>
     <p:extLst>
       <p:ext uri="{BB962C8B-B14F-4D97-AF65-F5344CB8AC3E}">
-        <p14:creationId xmlns:p14="http://schemas.microsoft.com/office/powerpoint/2010/main" val="69392412"/>
+        <p14:creationId xmlns:p14="http://schemas.microsoft.com/office/powerpoint/2010/main" val="2665000358"/>
       </p:ext>
     </p:extLst>
   </p:cSld>
@@ -33018,14 +32600,14 @@
                 <a:latin typeface="배달의민족 한나체 Air" panose="020B0600000101010101" pitchFamily="50" charset="-127"/>
                 <a:ea typeface="배달의민족 한나체 Air" panose="020B0600000101010101" pitchFamily="50" charset="-127"/>
               </a:rPr>
-              <a:t>다른 </a:t>
+              <a:t>현재 </a:t>
             </a:r>
             <a:r>
               <a:rPr lang="ko-KR" altLang="en-US" sz="4000" dirty="0" err="1">
                 <a:latin typeface="배달의민족 한나체 Air" panose="020B0600000101010101" pitchFamily="50" charset="-127"/>
                 <a:ea typeface="배달의민족 한나체 Air" panose="020B0600000101010101" pitchFamily="50" charset="-127"/>
               </a:rPr>
-              <a:t>커밋에서</a:t>
+              <a:t>브랜치에서</a:t>
             </a:r>
             <a:r>
               <a:rPr lang="ko-KR" altLang="en-US" sz="4000" dirty="0">
@@ -33039,7 +32621,7 @@
                 <a:latin typeface="배달의민족 한나체 Air" panose="020B0600000101010101" pitchFamily="50" charset="-127"/>
                 <a:ea typeface="배달의민족 한나체 Air" panose="020B0600000101010101" pitchFamily="50" charset="-127"/>
               </a:rPr>
-              <a:t>브랜치</a:t>
+              <a:t>커밋</a:t>
             </a:r>
             <a:r>
               <a:rPr lang="ko-KR" altLang="en-US" sz="4000" dirty="0">
@@ -33053,10 +32635,10 @@
       </p:sp>
       <p:sp>
         <p:nvSpPr>
-          <p:cNvPr id="15" name="TextBox 14">
+          <p:cNvPr id="17" name="TextBox 16">
             <a:extLst>
               <a:ext uri="{FF2B5EF4-FFF2-40B4-BE49-F238E27FC236}">
-                <a16:creationId xmlns:a16="http://schemas.microsoft.com/office/drawing/2014/main" id="{04C38CD1-53F4-490D-917F-1D4A5A4E7B9F}"/>
+                <a16:creationId xmlns:a16="http://schemas.microsoft.com/office/drawing/2014/main" id="{87622B15-0837-4D6D-A8DD-113015F6C076}"/>
               </a:ext>
             </a:extLst>
           </p:cNvPr>
@@ -33065,8 +32647,8 @@
         </p:nvSpPr>
         <p:spPr>
           <a:xfrm>
-            <a:off x="1220663" y="2313604"/>
-            <a:ext cx="9750669" cy="461665"/>
+            <a:off x="1153988" y="3256012"/>
+            <a:ext cx="9884022" cy="1200329"/>
           </a:xfrm>
           <a:prstGeom prst="rect">
             <a:avLst/>
@@ -33078,125 +32660,6 @@
             <a:spAutoFit/>
           </a:bodyPr>
           <a:lstStyle/>
-          <a:p>
-            <a:r>
-              <a:rPr lang="en-US" altLang="ko-KR" sz="2400" dirty="0">
-                <a:latin typeface="배달의민족 한나체 Air" panose="020B0600000101010101" pitchFamily="50" charset="-127"/>
-                <a:ea typeface="배달의민족 한나체 Air" panose="020B0600000101010101" pitchFamily="50" charset="-127"/>
-              </a:rPr>
-              <a:t>HEAD </a:t>
-            </a:r>
-            <a:r>
-              <a:rPr lang="ko-KR" altLang="en-US" sz="2400" dirty="0">
-                <a:latin typeface="배달의민족 한나체 Air" panose="020B0600000101010101" pitchFamily="50" charset="-127"/>
-                <a:ea typeface="배달의민족 한나체 Air" panose="020B0600000101010101" pitchFamily="50" charset="-127"/>
-              </a:rPr>
-              <a:t>포인터를 움직여 </a:t>
-            </a:r>
-            <a:r>
-              <a:rPr lang="ko-KR" altLang="en-US" sz="2400" dirty="0" err="1">
-                <a:latin typeface="배달의민족 한나체 Air" panose="020B0600000101010101" pitchFamily="50" charset="-127"/>
-                <a:ea typeface="배달의민족 한나체 Air" panose="020B0600000101010101" pitchFamily="50" charset="-127"/>
-              </a:rPr>
-              <a:t>브랜치를</a:t>
-            </a:r>
-            <a:r>
-              <a:rPr lang="ko-KR" altLang="en-US" sz="2400" dirty="0">
-                <a:latin typeface="배달의민족 한나체 Air" panose="020B0600000101010101" pitchFamily="50" charset="-127"/>
-                <a:ea typeface="배달의민족 한나체 Air" panose="020B0600000101010101" pitchFamily="50" charset="-127"/>
-              </a:rPr>
-              <a:t> 생성할 수 있다</a:t>
-            </a:r>
-          </a:p>
-        </p:txBody>
-      </p:sp>
-      <p:sp>
-        <p:nvSpPr>
-          <p:cNvPr id="17" name="TextBox 16">
-            <a:extLst>
-              <a:ext uri="{FF2B5EF4-FFF2-40B4-BE49-F238E27FC236}">
-                <a16:creationId xmlns:a16="http://schemas.microsoft.com/office/drawing/2014/main" id="{FD189DA1-E7AC-4F21-9E1B-A3AAE66EB181}"/>
-              </a:ext>
-            </a:extLst>
-          </p:cNvPr>
-          <p:cNvSpPr txBox="1"/>
-          <p:nvPr/>
-        </p:nvSpPr>
-        <p:spPr>
-          <a:xfrm>
-            <a:off x="1220663" y="3429000"/>
-            <a:ext cx="9884022" cy="1938992"/>
-          </a:xfrm>
-          <a:prstGeom prst="rect">
-            <a:avLst/>
-          </a:prstGeom>
-          <a:noFill/>
-        </p:spPr>
-        <p:txBody>
-          <a:bodyPr wrap="square" rtlCol="0">
-            <a:spAutoFit/>
-          </a:bodyPr>
-          <a:lstStyle/>
-          <a:p>
-            <a:r>
-              <a:rPr lang="en-US" altLang="ko-KR" sz="2400" dirty="0">
-                <a:latin typeface="배달의민족 한나체 Air" panose="020B0600000101010101" pitchFamily="50" charset="-127"/>
-                <a:ea typeface="배달의민족 한나체 Air" panose="020B0600000101010101" pitchFamily="50" charset="-127"/>
-              </a:rPr>
-              <a:t>$ git checkout &lt;</a:t>
-            </a:r>
-            <a:r>
-              <a:rPr lang="ko-KR" altLang="en-US" sz="2400" dirty="0" err="1">
-                <a:latin typeface="배달의민족 한나체 Air" panose="020B0600000101010101" pitchFamily="50" charset="-127"/>
-                <a:ea typeface="배달의민족 한나체 Air" panose="020B0600000101010101" pitchFamily="50" charset="-127"/>
-              </a:rPr>
-              <a:t>커밋</a:t>
-            </a:r>
-            <a:r>
-              <a:rPr lang="ko-KR" altLang="en-US" sz="2400" dirty="0">
-                <a:latin typeface="배달의민족 한나체 Air" panose="020B0600000101010101" pitchFamily="50" charset="-127"/>
-                <a:ea typeface="배달의민족 한나체 Air" panose="020B0600000101010101" pitchFamily="50" charset="-127"/>
-              </a:rPr>
-              <a:t> </a:t>
-            </a:r>
-            <a:r>
-              <a:rPr lang="en-US" altLang="ko-KR" sz="2400" dirty="0">
-                <a:latin typeface="배달의민족 한나체 Air" panose="020B0600000101010101" pitchFamily="50" charset="-127"/>
-                <a:ea typeface="배달의민족 한나체 Air" panose="020B0600000101010101" pitchFamily="50" charset="-127"/>
-              </a:rPr>
-              <a:t>Hash&gt;</a:t>
-            </a:r>
-          </a:p>
-          <a:p>
-            <a:r>
-              <a:rPr lang="en-US" altLang="ko-KR" sz="2400" dirty="0">
-                <a:latin typeface="배달의민족 한나체 Air" panose="020B0600000101010101" pitchFamily="50" charset="-127"/>
-                <a:ea typeface="배달의민족 한나체 Air" panose="020B0600000101010101" pitchFamily="50" charset="-127"/>
-              </a:rPr>
-              <a:t>$ git switch -c &lt;</a:t>
-            </a:r>
-            <a:r>
-              <a:rPr lang="ko-KR" altLang="en-US" sz="2400" dirty="0" err="1">
-                <a:latin typeface="배달의민족 한나체 Air" panose="020B0600000101010101" pitchFamily="50" charset="-127"/>
-                <a:ea typeface="배달의민족 한나체 Air" panose="020B0600000101010101" pitchFamily="50" charset="-127"/>
-              </a:rPr>
-              <a:t>브랜치</a:t>
-            </a:r>
-            <a:r>
-              <a:rPr lang="ko-KR" altLang="en-US" sz="2400" dirty="0">
-                <a:latin typeface="배달의민족 한나체 Air" panose="020B0600000101010101" pitchFamily="50" charset="-127"/>
-                <a:ea typeface="배달의민족 한나체 Air" panose="020B0600000101010101" pitchFamily="50" charset="-127"/>
-              </a:rPr>
-              <a:t> 이름</a:t>
-            </a:r>
-            <a:r>
-              <a:rPr lang="en-US" altLang="ko-KR" sz="2400" dirty="0">
-                <a:latin typeface="배달의민족 한나체 Air" panose="020B0600000101010101" pitchFamily="50" charset="-127"/>
-                <a:ea typeface="배달의민족 한나체 Air" panose="020B0600000101010101" pitchFamily="50" charset="-127"/>
-              </a:rPr>
-              <a:t>&gt;</a:t>
-            </a:r>
-          </a:p>
           <a:p>
             <a:r>
               <a:rPr lang="en-US" altLang="ko-KR" sz="2400" dirty="0">
@@ -33258,7 +32721,7 @@
     </p:spTree>
     <p:extLst>
       <p:ext uri="{BB962C8B-B14F-4D97-AF65-F5344CB8AC3E}">
-        <p14:creationId xmlns:p14="http://schemas.microsoft.com/office/powerpoint/2010/main" val="377612929"/>
+        <p14:creationId xmlns:p14="http://schemas.microsoft.com/office/powerpoint/2010/main" val="69392412"/>
       </p:ext>
     </p:extLst>
   </p:cSld>
@@ -33760,19 +33223,36 @@
                 <a:latin typeface="배달의민족 한나체 Air" panose="020B0600000101010101" pitchFamily="50" charset="-127"/>
                 <a:ea typeface="배달의민족 한나체 Air" panose="020B0600000101010101" pitchFamily="50" charset="-127"/>
               </a:rPr>
-              <a:t>체크아웃 시 주의사항 </a:t>
-            </a:r>
-            <a:r>
-              <a:rPr lang="en-US" altLang="ko-KR" sz="4000" dirty="0">
-                <a:latin typeface="배달의민족 한나체 Air" panose="020B0600000101010101" pitchFamily="50" charset="-127"/>
-                <a:ea typeface="배달의민족 한나체 Air" panose="020B0600000101010101" pitchFamily="50" charset="-127"/>
-              </a:rPr>
-              <a:t>stash</a:t>
-            </a:r>
-            <a:endParaRPr lang="ko-KR" altLang="en-US" sz="4000" dirty="0">
-              <a:latin typeface="배달의민족 한나체 Air" panose="020B0600000101010101" pitchFamily="50" charset="-127"/>
-              <a:ea typeface="배달의민족 한나체 Air" panose="020B0600000101010101" pitchFamily="50" charset="-127"/>
-            </a:endParaRPr>
+              <a:t>다른 </a:t>
+            </a:r>
+            <a:r>
+              <a:rPr lang="ko-KR" altLang="en-US" sz="4000" dirty="0" err="1">
+                <a:latin typeface="배달의민족 한나체 Air" panose="020B0600000101010101" pitchFamily="50" charset="-127"/>
+                <a:ea typeface="배달의민족 한나체 Air" panose="020B0600000101010101" pitchFamily="50" charset="-127"/>
+              </a:rPr>
+              <a:t>커밋에서</a:t>
+            </a:r>
+            <a:r>
+              <a:rPr lang="ko-KR" altLang="en-US" sz="4000" dirty="0">
+                <a:latin typeface="배달의민족 한나체 Air" panose="020B0600000101010101" pitchFamily="50" charset="-127"/>
+                <a:ea typeface="배달의민족 한나체 Air" panose="020B0600000101010101" pitchFamily="50" charset="-127"/>
+              </a:rPr>
+              <a:t> </a:t>
+            </a:r>
+            <a:r>
+              <a:rPr lang="ko-KR" altLang="en-US" sz="4000" dirty="0" err="1">
+                <a:latin typeface="배달의민족 한나체 Air" panose="020B0600000101010101" pitchFamily="50" charset="-127"/>
+                <a:ea typeface="배달의민족 한나체 Air" panose="020B0600000101010101" pitchFamily="50" charset="-127"/>
+              </a:rPr>
+              <a:t>브랜치</a:t>
+            </a:r>
+            <a:r>
+              <a:rPr lang="ko-KR" altLang="en-US" sz="4000" dirty="0">
+                <a:latin typeface="배달의민족 한나체 Air" panose="020B0600000101010101" pitchFamily="50" charset="-127"/>
+                <a:ea typeface="배달의민족 한나체 Air" panose="020B0600000101010101" pitchFamily="50" charset="-127"/>
+              </a:rPr>
+              <a:t> 생성</a:t>
+            </a:r>
           </a:p>
         </p:txBody>
       </p:sp>
@@ -33791,7 +33271,7 @@
         <p:spPr>
           <a:xfrm>
             <a:off x="1220663" y="2313604"/>
-            <a:ext cx="9750669" cy="1200329"/>
+            <a:ext cx="9750669" cy="461665"/>
           </a:xfrm>
           <a:prstGeom prst="rect">
             <a:avLst/>
@@ -33805,165 +33285,32 @@
           <a:lstStyle/>
           <a:p>
             <a:r>
+              <a:rPr lang="en-US" altLang="ko-KR" sz="2400" dirty="0">
+                <a:latin typeface="배달의민족 한나체 Air" panose="020B0600000101010101" pitchFamily="50" charset="-127"/>
+                <a:ea typeface="배달의민족 한나체 Air" panose="020B0600000101010101" pitchFamily="50" charset="-127"/>
+              </a:rPr>
+              <a:t>HEAD </a:t>
+            </a:r>
+            <a:r>
               <a:rPr lang="ko-KR" altLang="en-US" sz="2400" dirty="0">
                 <a:latin typeface="배달의민족 한나체 Air" panose="020B0600000101010101" pitchFamily="50" charset="-127"/>
                 <a:ea typeface="배달의민족 한나체 Air" panose="020B0600000101010101" pitchFamily="50" charset="-127"/>
               </a:rPr>
-              <a:t>체크아웃 할 때는 반드시 </a:t>
-            </a:r>
-            <a:r>
-              <a:rPr lang="en-US" altLang="ko-KR" sz="2400" dirty="0">
-                <a:latin typeface="배달의민족 한나체 Air" panose="020B0600000101010101" pitchFamily="50" charset="-127"/>
-                <a:ea typeface="배달의민족 한나체 Air" panose="020B0600000101010101" pitchFamily="50" charset="-127"/>
-              </a:rPr>
-              <a:t>stage</a:t>
+              <a:t>포인터를 움직여 </a:t>
+            </a:r>
+            <a:r>
+              <a:rPr lang="ko-KR" altLang="en-US" sz="2400" dirty="0" err="1">
+                <a:latin typeface="배달의민족 한나체 Air" panose="020B0600000101010101" pitchFamily="50" charset="-127"/>
+                <a:ea typeface="배달의민족 한나체 Air" panose="020B0600000101010101" pitchFamily="50" charset="-127"/>
+              </a:rPr>
+              <a:t>브랜치를</a:t>
             </a:r>
             <a:r>
               <a:rPr lang="ko-KR" altLang="en-US" sz="2400" dirty="0">
                 <a:latin typeface="배달의민족 한나체 Air" panose="020B0600000101010101" pitchFamily="50" charset="-127"/>
                 <a:ea typeface="배달의민족 한나체 Air" panose="020B0600000101010101" pitchFamily="50" charset="-127"/>
               </a:rPr>
-              <a:t>의 내용이 </a:t>
-            </a:r>
-            <a:r>
-              <a:rPr lang="ko-KR" altLang="en-US" sz="2400" dirty="0" err="1">
-                <a:latin typeface="배달의민족 한나체 Air" panose="020B0600000101010101" pitchFamily="50" charset="-127"/>
-                <a:ea typeface="배달의민족 한나체 Air" panose="020B0600000101010101" pitchFamily="50" charset="-127"/>
-              </a:rPr>
-              <a:t>커밋이</a:t>
-            </a:r>
-            <a:r>
-              <a:rPr lang="ko-KR" altLang="en-US" sz="2400" dirty="0">
-                <a:latin typeface="배달의민족 한나체 Air" panose="020B0600000101010101" pitchFamily="50" charset="-127"/>
-                <a:ea typeface="배달의민족 한나체 Air" panose="020B0600000101010101" pitchFamily="50" charset="-127"/>
-              </a:rPr>
-              <a:t> </a:t>
-            </a:r>
-            <a:r>
-              <a:rPr lang="ko-KR" altLang="en-US" sz="2400" dirty="0" err="1">
-                <a:latin typeface="배달의민족 한나체 Air" panose="020B0600000101010101" pitchFamily="50" charset="-127"/>
-                <a:ea typeface="배달의민족 한나체 Air" panose="020B0600000101010101" pitchFamily="50" charset="-127"/>
-              </a:rPr>
-              <a:t>되어야만</a:t>
-            </a:r>
-            <a:r>
-              <a:rPr lang="ko-KR" altLang="en-US" sz="2400" dirty="0">
-                <a:latin typeface="배달의민족 한나체 Air" panose="020B0600000101010101" pitchFamily="50" charset="-127"/>
-                <a:ea typeface="배달의민족 한나체 Air" panose="020B0600000101010101" pitchFamily="50" charset="-127"/>
-              </a:rPr>
-              <a:t> 한다</a:t>
-            </a:r>
-            <a:r>
-              <a:rPr lang="en-US" altLang="ko-KR" sz="2400" dirty="0">
-                <a:latin typeface="배달의민족 한나체 Air" panose="020B0600000101010101" pitchFamily="50" charset="-127"/>
-                <a:ea typeface="배달의민족 한나체 Air" panose="020B0600000101010101" pitchFamily="50" charset="-127"/>
-              </a:rPr>
-              <a:t>. </a:t>
-            </a:r>
-            <a:r>
-              <a:rPr lang="ko-KR" altLang="en-US" sz="2400" dirty="0">
-                <a:latin typeface="배달의민족 한나체 Air" panose="020B0600000101010101" pitchFamily="50" charset="-127"/>
-                <a:ea typeface="배달의민족 한나체 Air" panose="020B0600000101010101" pitchFamily="50" charset="-127"/>
-              </a:rPr>
-              <a:t>그래야만 체크아웃이 가능하다</a:t>
-            </a:r>
-            <a:r>
-              <a:rPr lang="en-US" altLang="ko-KR" sz="2400" dirty="0">
-                <a:latin typeface="배달의민족 한나체 Air" panose="020B0600000101010101" pitchFamily="50" charset="-127"/>
-                <a:ea typeface="배달의민족 한나체 Air" panose="020B0600000101010101" pitchFamily="50" charset="-127"/>
-              </a:rPr>
-              <a:t>. </a:t>
-            </a:r>
-            <a:r>
-              <a:rPr lang="ko-KR" altLang="en-US" sz="2400" dirty="0">
-                <a:latin typeface="배달의민족 한나체 Air" panose="020B0600000101010101" pitchFamily="50" charset="-127"/>
-                <a:ea typeface="배달의민족 한나체 Air" panose="020B0600000101010101" pitchFamily="50" charset="-127"/>
-              </a:rPr>
-              <a:t>그리고 </a:t>
-            </a:r>
-            <a:r>
-              <a:rPr lang="en-US" altLang="ko-KR" sz="2400" dirty="0" err="1">
-                <a:latin typeface="배달의민족 한나체 Air" panose="020B0600000101010101" pitchFamily="50" charset="-127"/>
-                <a:ea typeface="배달의민족 한나체 Air" panose="020B0600000101010101" pitchFamily="50" charset="-127"/>
-              </a:rPr>
-              <a:t>unstage</a:t>
-            </a:r>
-            <a:r>
-              <a:rPr lang="ko-KR" altLang="en-US" sz="2400" dirty="0">
-                <a:latin typeface="배달의민족 한나체 Air" panose="020B0600000101010101" pitchFamily="50" charset="-127"/>
-                <a:ea typeface="배달의민족 한나체 Air" panose="020B0600000101010101" pitchFamily="50" charset="-127"/>
-              </a:rPr>
-              <a:t>의 내용은 </a:t>
-            </a:r>
-            <a:r>
-              <a:rPr lang="en-US" altLang="ko-KR" sz="2400" dirty="0">
-                <a:latin typeface="배달의민족 한나체 Air" panose="020B0600000101010101" pitchFamily="50" charset="-127"/>
-                <a:ea typeface="배달의민족 한나체 Air" panose="020B0600000101010101" pitchFamily="50" charset="-127"/>
-              </a:rPr>
-              <a:t>checkout </a:t>
-            </a:r>
-            <a:r>
-              <a:rPr lang="ko-KR" altLang="en-US" sz="2400" dirty="0">
-                <a:latin typeface="배달의민족 한나체 Air" panose="020B0600000101010101" pitchFamily="50" charset="-127"/>
-                <a:ea typeface="배달의민족 한나체 Air" panose="020B0600000101010101" pitchFamily="50" charset="-127"/>
-              </a:rPr>
-              <a:t>때 사라진다</a:t>
-            </a:r>
-            <a:r>
-              <a:rPr lang="en-US" altLang="ko-KR" sz="2400" dirty="0">
-                <a:latin typeface="배달의민족 한나체 Air" panose="020B0600000101010101" pitchFamily="50" charset="-127"/>
-                <a:ea typeface="배달의민족 한나체 Air" panose="020B0600000101010101" pitchFamily="50" charset="-127"/>
-              </a:rPr>
-              <a:t>. </a:t>
-            </a:r>
-            <a:r>
-              <a:rPr lang="ko-KR" altLang="en-US" sz="2400" dirty="0">
-                <a:latin typeface="배달의민족 한나체 Air" panose="020B0600000101010101" pitchFamily="50" charset="-127"/>
-                <a:ea typeface="배달의민족 한나체 Air" panose="020B0600000101010101" pitchFamily="50" charset="-127"/>
-              </a:rPr>
-              <a:t>따라서 </a:t>
-            </a:r>
-            <a:r>
-              <a:rPr lang="en-US" altLang="ko-KR" sz="2400" dirty="0">
-                <a:latin typeface="배달의민족 한나체 Air" panose="020B0600000101010101" pitchFamily="50" charset="-127"/>
-                <a:ea typeface="배달의민족 한나체 Air" panose="020B0600000101010101" pitchFamily="50" charset="-127"/>
-              </a:rPr>
-              <a:t>Git</a:t>
-            </a:r>
-            <a:r>
-              <a:rPr lang="ko-KR" altLang="en-US" sz="2400" dirty="0">
-                <a:latin typeface="배달의민족 한나체 Air" panose="020B0600000101010101" pitchFamily="50" charset="-127"/>
-                <a:ea typeface="배달의민족 한나체 Air" panose="020B0600000101010101" pitchFamily="50" charset="-127"/>
-              </a:rPr>
-              <a:t>에서는 </a:t>
-            </a:r>
-            <a:r>
-              <a:rPr lang="en-US" altLang="ko-KR" sz="2400" dirty="0">
-                <a:latin typeface="배달의민족 한나체 Air" panose="020B0600000101010101" pitchFamily="50" charset="-127"/>
-                <a:ea typeface="배달의민족 한나체 Air" panose="020B0600000101010101" pitchFamily="50" charset="-127"/>
-              </a:rPr>
-              <a:t>stash</a:t>
-            </a:r>
-            <a:r>
-              <a:rPr lang="ko-KR" altLang="en-US" sz="2400" dirty="0">
-                <a:latin typeface="배달의민족 한나체 Air" panose="020B0600000101010101" pitchFamily="50" charset="-127"/>
-                <a:ea typeface="배달의민족 한나체 Air" panose="020B0600000101010101" pitchFamily="50" charset="-127"/>
-              </a:rPr>
-              <a:t>라는 명령을 통해 </a:t>
-            </a:r>
-            <a:r>
-              <a:rPr lang="en-US" altLang="ko-KR" sz="2400" dirty="0">
-                <a:latin typeface="배달의민족 한나체 Air" panose="020B0600000101010101" pitchFamily="50" charset="-127"/>
-                <a:ea typeface="배달의민족 한나체 Air" panose="020B0600000101010101" pitchFamily="50" charset="-127"/>
-              </a:rPr>
-              <a:t>staged</a:t>
-            </a:r>
-            <a:r>
-              <a:rPr lang="ko-KR" altLang="en-US" sz="2400" dirty="0">
-                <a:latin typeface="배달의민족 한나체 Air" panose="020B0600000101010101" pitchFamily="50" charset="-127"/>
-                <a:ea typeface="배달의민족 한나체 Air" panose="020B0600000101010101" pitchFamily="50" charset="-127"/>
-              </a:rPr>
-              <a:t> 내용을 임시로 보관하게 해준다</a:t>
+              <a:t> 생성할 수 있다</a:t>
             </a:r>
           </a:p>
         </p:txBody>
@@ -33982,8 +33329,8 @@
         </p:nvSpPr>
         <p:spPr>
           <a:xfrm>
-            <a:off x="1220663" y="3828967"/>
-            <a:ext cx="9884022" cy="2554545"/>
+            <a:off x="1220663" y="3429000"/>
+            <a:ext cx="9884022" cy="1938992"/>
           </a:xfrm>
           <a:prstGeom prst="rect">
             <a:avLst/>
@@ -33997,102 +33344,126 @@
           <a:lstStyle/>
           <a:p>
             <a:r>
-              <a:rPr lang="ko-KR" altLang="en-US" sz="2000" dirty="0">
-                <a:latin typeface="배달의민족 한나체 Air" panose="020B0600000101010101" pitchFamily="50" charset="-127"/>
-                <a:ea typeface="배달의민족 한나체 Air" panose="020B0600000101010101" pitchFamily="50" charset="-127"/>
-              </a:rPr>
-              <a:t>임시저장소 만들기</a:t>
-            </a:r>
-            <a:endParaRPr lang="en-US" altLang="ko-KR" sz="2000" dirty="0">
+              <a:rPr lang="en-US" altLang="ko-KR" sz="2400" dirty="0">
+                <a:latin typeface="배달의민족 한나체 Air" panose="020B0600000101010101" pitchFamily="50" charset="-127"/>
+                <a:ea typeface="배달의민족 한나체 Air" panose="020B0600000101010101" pitchFamily="50" charset="-127"/>
+              </a:rPr>
+              <a:t>$ git checkout &lt;</a:t>
+            </a:r>
+            <a:r>
+              <a:rPr lang="ko-KR" altLang="en-US" sz="2400" dirty="0" err="1">
+                <a:latin typeface="배달의민족 한나체 Air" panose="020B0600000101010101" pitchFamily="50" charset="-127"/>
+                <a:ea typeface="배달의민족 한나체 Air" panose="020B0600000101010101" pitchFamily="50" charset="-127"/>
+              </a:rPr>
+              <a:t>커밋</a:t>
+            </a:r>
+            <a:r>
+              <a:rPr lang="ko-KR" altLang="en-US" sz="2400" dirty="0">
+                <a:latin typeface="배달의민족 한나체 Air" panose="020B0600000101010101" pitchFamily="50" charset="-127"/>
+                <a:ea typeface="배달의민족 한나체 Air" panose="020B0600000101010101" pitchFamily="50" charset="-127"/>
+              </a:rPr>
+              <a:t> </a:t>
+            </a:r>
+            <a:r>
+              <a:rPr lang="en-US" altLang="ko-KR" sz="2400" dirty="0">
+                <a:latin typeface="배달의민족 한나체 Air" panose="020B0600000101010101" pitchFamily="50" charset="-127"/>
+                <a:ea typeface="배달의민족 한나체 Air" panose="020B0600000101010101" pitchFamily="50" charset="-127"/>
+              </a:rPr>
+              <a:t>Hash&gt;</a:t>
+            </a:r>
+          </a:p>
+          <a:p>
+            <a:r>
+              <a:rPr lang="en-US" altLang="ko-KR" sz="2400" dirty="0">
+                <a:latin typeface="배달의민족 한나체 Air" panose="020B0600000101010101" pitchFamily="50" charset="-127"/>
+                <a:ea typeface="배달의민족 한나체 Air" panose="020B0600000101010101" pitchFamily="50" charset="-127"/>
+              </a:rPr>
+              <a:t>$ git switch -c &lt;</a:t>
+            </a:r>
+            <a:r>
+              <a:rPr lang="ko-KR" altLang="en-US" sz="2400" dirty="0" err="1">
+                <a:latin typeface="배달의민족 한나체 Air" panose="020B0600000101010101" pitchFamily="50" charset="-127"/>
+                <a:ea typeface="배달의민족 한나체 Air" panose="020B0600000101010101" pitchFamily="50" charset="-127"/>
+              </a:rPr>
+              <a:t>브랜치</a:t>
+            </a:r>
+            <a:r>
+              <a:rPr lang="ko-KR" altLang="en-US" sz="2400" dirty="0">
+                <a:latin typeface="배달의민족 한나체 Air" panose="020B0600000101010101" pitchFamily="50" charset="-127"/>
+                <a:ea typeface="배달의민족 한나체 Air" panose="020B0600000101010101" pitchFamily="50" charset="-127"/>
+              </a:rPr>
+              <a:t> 이름</a:t>
+            </a:r>
+            <a:r>
+              <a:rPr lang="en-US" altLang="ko-KR" sz="2400" dirty="0">
+                <a:latin typeface="배달의민족 한나체 Air" panose="020B0600000101010101" pitchFamily="50" charset="-127"/>
+                <a:ea typeface="배달의민족 한나체 Air" panose="020B0600000101010101" pitchFamily="50" charset="-127"/>
+              </a:rPr>
+              <a:t>&gt;</a:t>
+            </a:r>
+          </a:p>
+          <a:p>
+            <a:r>
+              <a:rPr lang="en-US" altLang="ko-KR" sz="2400" dirty="0">
+                <a:latin typeface="배달의민족 한나체 Air" panose="020B0600000101010101" pitchFamily="50" charset="-127"/>
+                <a:ea typeface="배달의민족 한나체 Air" panose="020B0600000101010101" pitchFamily="50" charset="-127"/>
+              </a:rPr>
+              <a:t>$ vim </a:t>
+            </a:r>
+            <a:r>
+              <a:rPr lang="en-US" altLang="ko-KR" sz="2400" dirty="0" err="1">
+                <a:latin typeface="배달의민족 한나체 Air" panose="020B0600000101010101" pitchFamily="50" charset="-127"/>
+                <a:ea typeface="배달의민족 한나체 Air" panose="020B0600000101010101" pitchFamily="50" charset="-127"/>
+              </a:rPr>
+              <a:t>main.c</a:t>
+            </a:r>
+            <a:endParaRPr lang="en-US" altLang="ko-KR" sz="2400" dirty="0">
               <a:latin typeface="배달의민족 한나체 Air" panose="020B0600000101010101" pitchFamily="50" charset="-127"/>
               <a:ea typeface="배달의민족 한나체 Air" panose="020B0600000101010101" pitchFamily="50" charset="-127"/>
             </a:endParaRPr>
           </a:p>
           <a:p>
             <a:r>
-              <a:rPr lang="en-US" altLang="ko-KR" sz="2000" dirty="0">
-                <a:latin typeface="배달의민족 한나체 Air" panose="020B0600000101010101" pitchFamily="50" charset="-127"/>
-                <a:ea typeface="배달의민족 한나체 Air" panose="020B0600000101010101" pitchFamily="50" charset="-127"/>
-              </a:rPr>
-              <a:t>$ git stash save</a:t>
-            </a:r>
-          </a:p>
-          <a:p>
-            <a:r>
-              <a:rPr lang="ko-KR" altLang="en-US" sz="2000" dirty="0">
-                <a:latin typeface="배달의민족 한나체 Air" panose="020B0600000101010101" pitchFamily="50" charset="-127"/>
-                <a:ea typeface="배달의민족 한나체 Air" panose="020B0600000101010101" pitchFamily="50" charset="-127"/>
-              </a:rPr>
-              <a:t>임시저장소 리스트 확인</a:t>
-            </a:r>
-            <a:endParaRPr lang="en-US" altLang="ko-KR" sz="2000" dirty="0">
+              <a:rPr lang="en-US" altLang="ko-KR" sz="2400" dirty="0">
+                <a:latin typeface="배달의민족 한나체 Air" panose="020B0600000101010101" pitchFamily="50" charset="-127"/>
+                <a:ea typeface="배달의민족 한나체 Air" panose="020B0600000101010101" pitchFamily="50" charset="-127"/>
+              </a:rPr>
+              <a:t>$ git commit -am “edit </a:t>
+            </a:r>
+            <a:r>
+              <a:rPr lang="en-US" altLang="ko-KR" sz="2400" dirty="0" err="1">
+                <a:latin typeface="배달의민족 한나체 Air" panose="020B0600000101010101" pitchFamily="50" charset="-127"/>
+                <a:ea typeface="배달의민족 한나체 Air" panose="020B0600000101010101" pitchFamily="50" charset="-127"/>
+              </a:rPr>
+              <a:t>main.c</a:t>
+            </a:r>
+            <a:r>
+              <a:rPr lang="en-US" altLang="ko-KR" sz="2400" dirty="0">
+                <a:latin typeface="배달의민족 한나체 Air" panose="020B0600000101010101" pitchFamily="50" charset="-127"/>
+                <a:ea typeface="배달의민족 한나체 Air" panose="020B0600000101010101" pitchFamily="50" charset="-127"/>
+              </a:rPr>
+              <a:t> | branch feature”</a:t>
+            </a:r>
+          </a:p>
+          <a:p>
+            <a:r>
+              <a:rPr lang="en-US" altLang="ko-KR" sz="2400" dirty="0">
+                <a:latin typeface="배달의민족 한나체 Air" panose="020B0600000101010101" pitchFamily="50" charset="-127"/>
+                <a:ea typeface="배달의민족 한나체 Air" panose="020B0600000101010101" pitchFamily="50" charset="-127"/>
+              </a:rPr>
+              <a:t>$ git log --all --graph</a:t>
+            </a:r>
+            <a:endParaRPr lang="ko-KR" altLang="en-US" sz="2400" dirty="0">
               <a:latin typeface="배달의민족 한나체 Air" panose="020B0600000101010101" pitchFamily="50" charset="-127"/>
               <a:ea typeface="배달의민족 한나체 Air" panose="020B0600000101010101" pitchFamily="50" charset="-127"/>
             </a:endParaRPr>
           </a:p>
-          <a:p>
-            <a:r>
-              <a:rPr lang="en-US" altLang="ko-KR" sz="2000" dirty="0">
-                <a:latin typeface="배달의민족 한나체 Air" panose="020B0600000101010101" pitchFamily="50" charset="-127"/>
-                <a:ea typeface="배달의민족 한나체 Air" panose="020B0600000101010101" pitchFamily="50" charset="-127"/>
-              </a:rPr>
-              <a:t>$ git stash list</a:t>
-            </a:r>
-          </a:p>
-          <a:p>
-            <a:r>
-              <a:rPr lang="ko-KR" altLang="en-US" sz="2000" dirty="0">
-                <a:latin typeface="배달의민족 한나체 Air" panose="020B0600000101010101" pitchFamily="50" charset="-127"/>
-                <a:ea typeface="배달의민족 한나체 Air" panose="020B0600000101010101" pitchFamily="50" charset="-127"/>
-              </a:rPr>
-              <a:t>임시저장소 내용 꺼내기</a:t>
-            </a:r>
-            <a:endParaRPr lang="en-US" altLang="ko-KR" sz="2000" dirty="0">
-              <a:latin typeface="배달의민족 한나체 Air" panose="020B0600000101010101" pitchFamily="50" charset="-127"/>
-              <a:ea typeface="배달의민족 한나체 Air" panose="020B0600000101010101" pitchFamily="50" charset="-127"/>
-            </a:endParaRPr>
-          </a:p>
-          <a:p>
-            <a:r>
-              <a:rPr lang="en-US" altLang="ko-KR" sz="2000" dirty="0">
-                <a:latin typeface="배달의민족 한나체 Air" panose="020B0600000101010101" pitchFamily="50" charset="-127"/>
-                <a:ea typeface="배달의민족 한나체 Air" panose="020B0600000101010101" pitchFamily="50" charset="-127"/>
-              </a:rPr>
-              <a:t>$ git stash apply</a:t>
-            </a:r>
-          </a:p>
-          <a:p>
-            <a:r>
-              <a:rPr lang="ko-KR" altLang="en-US" sz="2000" dirty="0">
-                <a:latin typeface="배달의민족 한나체 Air" panose="020B0600000101010101" pitchFamily="50" charset="-127"/>
-                <a:ea typeface="배달의민족 한나체 Air" panose="020B0600000101010101" pitchFamily="50" charset="-127"/>
-              </a:rPr>
-              <a:t>임시저장소 내용 지우기</a:t>
-            </a:r>
-            <a:endParaRPr lang="en-US" altLang="ko-KR" sz="2000" dirty="0">
-              <a:latin typeface="배달의민족 한나체 Air" panose="020B0600000101010101" pitchFamily="50" charset="-127"/>
-              <a:ea typeface="배달의민족 한나체 Air" panose="020B0600000101010101" pitchFamily="50" charset="-127"/>
-            </a:endParaRPr>
-          </a:p>
-          <a:p>
-            <a:r>
-              <a:rPr lang="en-US" altLang="ko-KR" sz="2000" dirty="0">
-                <a:latin typeface="배달의민족 한나체 Air" panose="020B0600000101010101" pitchFamily="50" charset="-127"/>
-                <a:ea typeface="배달의민족 한나체 Air" panose="020B0600000101010101" pitchFamily="50" charset="-127"/>
-              </a:rPr>
-              <a:t>$ git stash drop</a:t>
-            </a:r>
-            <a:endParaRPr lang="ko-KR" altLang="en-US" sz="2000" dirty="0">
-              <a:latin typeface="배달의민족 한나체 Air" panose="020B0600000101010101" pitchFamily="50" charset="-127"/>
-              <a:ea typeface="배달의민족 한나체 Air" panose="020B0600000101010101" pitchFamily="50" charset="-127"/>
-            </a:endParaRPr>
-          </a:p>
         </p:txBody>
       </p:sp>
     </p:spTree>
     <p:extLst>
       <p:ext uri="{BB962C8B-B14F-4D97-AF65-F5344CB8AC3E}">
-        <p14:creationId xmlns:p14="http://schemas.microsoft.com/office/powerpoint/2010/main" val="3987044560"/>
+        <p14:creationId xmlns:p14="http://schemas.microsoft.com/office/powerpoint/2010/main" val="377612929"/>
       </p:ext>
     </p:extLst>
   </p:cSld>
@@ -34594,6 +33965,840 @@
                 <a:latin typeface="배달의민족 한나체 Air" panose="020B0600000101010101" pitchFamily="50" charset="-127"/>
                 <a:ea typeface="배달의민족 한나체 Air" panose="020B0600000101010101" pitchFamily="50" charset="-127"/>
               </a:rPr>
+              <a:t>체크아웃 시 주의사항 </a:t>
+            </a:r>
+            <a:r>
+              <a:rPr lang="en-US" altLang="ko-KR" sz="4000" dirty="0">
+                <a:latin typeface="배달의민족 한나체 Air" panose="020B0600000101010101" pitchFamily="50" charset="-127"/>
+                <a:ea typeface="배달의민족 한나체 Air" panose="020B0600000101010101" pitchFamily="50" charset="-127"/>
+              </a:rPr>
+              <a:t>stash</a:t>
+            </a:r>
+            <a:endParaRPr lang="ko-KR" altLang="en-US" sz="4000" dirty="0">
+              <a:latin typeface="배달의민족 한나체 Air" panose="020B0600000101010101" pitchFamily="50" charset="-127"/>
+              <a:ea typeface="배달의민족 한나체 Air" panose="020B0600000101010101" pitchFamily="50" charset="-127"/>
+            </a:endParaRPr>
+          </a:p>
+        </p:txBody>
+      </p:sp>
+      <p:sp>
+        <p:nvSpPr>
+          <p:cNvPr id="15" name="TextBox 14">
+            <a:extLst>
+              <a:ext uri="{FF2B5EF4-FFF2-40B4-BE49-F238E27FC236}">
+                <a16:creationId xmlns:a16="http://schemas.microsoft.com/office/drawing/2014/main" id="{04C38CD1-53F4-490D-917F-1D4A5A4E7B9F}"/>
+              </a:ext>
+            </a:extLst>
+          </p:cNvPr>
+          <p:cNvSpPr txBox="1"/>
+          <p:nvPr/>
+        </p:nvSpPr>
+        <p:spPr>
+          <a:xfrm>
+            <a:off x="1220663" y="2313604"/>
+            <a:ext cx="9750669" cy="1200329"/>
+          </a:xfrm>
+          <a:prstGeom prst="rect">
+            <a:avLst/>
+          </a:prstGeom>
+          <a:noFill/>
+        </p:spPr>
+        <p:txBody>
+          <a:bodyPr wrap="square" rtlCol="0">
+            <a:spAutoFit/>
+          </a:bodyPr>
+          <a:lstStyle/>
+          <a:p>
+            <a:r>
+              <a:rPr lang="ko-KR" altLang="en-US" sz="2400" dirty="0">
+                <a:latin typeface="배달의민족 한나체 Air" panose="020B0600000101010101" pitchFamily="50" charset="-127"/>
+                <a:ea typeface="배달의민족 한나체 Air" panose="020B0600000101010101" pitchFamily="50" charset="-127"/>
+              </a:rPr>
+              <a:t>체크아웃 할 때는 반드시 </a:t>
+            </a:r>
+            <a:r>
+              <a:rPr lang="en-US" altLang="ko-KR" sz="2400" dirty="0">
+                <a:latin typeface="배달의민족 한나체 Air" panose="020B0600000101010101" pitchFamily="50" charset="-127"/>
+                <a:ea typeface="배달의민족 한나체 Air" panose="020B0600000101010101" pitchFamily="50" charset="-127"/>
+              </a:rPr>
+              <a:t>stage</a:t>
+            </a:r>
+            <a:r>
+              <a:rPr lang="ko-KR" altLang="en-US" sz="2400" dirty="0">
+                <a:latin typeface="배달의민족 한나체 Air" panose="020B0600000101010101" pitchFamily="50" charset="-127"/>
+                <a:ea typeface="배달의민족 한나체 Air" panose="020B0600000101010101" pitchFamily="50" charset="-127"/>
+              </a:rPr>
+              <a:t>의 내용이 </a:t>
+            </a:r>
+            <a:r>
+              <a:rPr lang="ko-KR" altLang="en-US" sz="2400" dirty="0" err="1">
+                <a:latin typeface="배달의민족 한나체 Air" panose="020B0600000101010101" pitchFamily="50" charset="-127"/>
+                <a:ea typeface="배달의민족 한나체 Air" panose="020B0600000101010101" pitchFamily="50" charset="-127"/>
+              </a:rPr>
+              <a:t>커밋이</a:t>
+            </a:r>
+            <a:r>
+              <a:rPr lang="ko-KR" altLang="en-US" sz="2400" dirty="0">
+                <a:latin typeface="배달의민족 한나체 Air" panose="020B0600000101010101" pitchFamily="50" charset="-127"/>
+                <a:ea typeface="배달의민족 한나체 Air" panose="020B0600000101010101" pitchFamily="50" charset="-127"/>
+              </a:rPr>
+              <a:t> </a:t>
+            </a:r>
+            <a:r>
+              <a:rPr lang="ko-KR" altLang="en-US" sz="2400" dirty="0" err="1">
+                <a:latin typeface="배달의민족 한나체 Air" panose="020B0600000101010101" pitchFamily="50" charset="-127"/>
+                <a:ea typeface="배달의민족 한나체 Air" panose="020B0600000101010101" pitchFamily="50" charset="-127"/>
+              </a:rPr>
+              <a:t>되어야만</a:t>
+            </a:r>
+            <a:r>
+              <a:rPr lang="ko-KR" altLang="en-US" sz="2400" dirty="0">
+                <a:latin typeface="배달의민족 한나체 Air" panose="020B0600000101010101" pitchFamily="50" charset="-127"/>
+                <a:ea typeface="배달의민족 한나체 Air" panose="020B0600000101010101" pitchFamily="50" charset="-127"/>
+              </a:rPr>
+              <a:t> 한다</a:t>
+            </a:r>
+            <a:r>
+              <a:rPr lang="en-US" altLang="ko-KR" sz="2400" dirty="0">
+                <a:latin typeface="배달의민족 한나체 Air" panose="020B0600000101010101" pitchFamily="50" charset="-127"/>
+                <a:ea typeface="배달의민족 한나체 Air" panose="020B0600000101010101" pitchFamily="50" charset="-127"/>
+              </a:rPr>
+              <a:t>. </a:t>
+            </a:r>
+            <a:r>
+              <a:rPr lang="ko-KR" altLang="en-US" sz="2400" dirty="0">
+                <a:latin typeface="배달의민족 한나체 Air" panose="020B0600000101010101" pitchFamily="50" charset="-127"/>
+                <a:ea typeface="배달의민족 한나체 Air" panose="020B0600000101010101" pitchFamily="50" charset="-127"/>
+              </a:rPr>
+              <a:t>그래야만 체크아웃이 가능하다</a:t>
+            </a:r>
+            <a:r>
+              <a:rPr lang="en-US" altLang="ko-KR" sz="2400" dirty="0">
+                <a:latin typeface="배달의민족 한나체 Air" panose="020B0600000101010101" pitchFamily="50" charset="-127"/>
+                <a:ea typeface="배달의민족 한나체 Air" panose="020B0600000101010101" pitchFamily="50" charset="-127"/>
+              </a:rPr>
+              <a:t>. </a:t>
+            </a:r>
+            <a:r>
+              <a:rPr lang="ko-KR" altLang="en-US" sz="2400" dirty="0">
+                <a:latin typeface="배달의민족 한나체 Air" panose="020B0600000101010101" pitchFamily="50" charset="-127"/>
+                <a:ea typeface="배달의민족 한나체 Air" panose="020B0600000101010101" pitchFamily="50" charset="-127"/>
+              </a:rPr>
+              <a:t>그리고 </a:t>
+            </a:r>
+            <a:r>
+              <a:rPr lang="en-US" altLang="ko-KR" sz="2400" dirty="0" err="1">
+                <a:latin typeface="배달의민족 한나체 Air" panose="020B0600000101010101" pitchFamily="50" charset="-127"/>
+                <a:ea typeface="배달의민족 한나체 Air" panose="020B0600000101010101" pitchFamily="50" charset="-127"/>
+              </a:rPr>
+              <a:t>unstage</a:t>
+            </a:r>
+            <a:r>
+              <a:rPr lang="ko-KR" altLang="en-US" sz="2400" dirty="0">
+                <a:latin typeface="배달의민족 한나체 Air" panose="020B0600000101010101" pitchFamily="50" charset="-127"/>
+                <a:ea typeface="배달의민족 한나체 Air" panose="020B0600000101010101" pitchFamily="50" charset="-127"/>
+              </a:rPr>
+              <a:t>의 내용은 </a:t>
+            </a:r>
+            <a:r>
+              <a:rPr lang="en-US" altLang="ko-KR" sz="2400" dirty="0">
+                <a:latin typeface="배달의민족 한나체 Air" panose="020B0600000101010101" pitchFamily="50" charset="-127"/>
+                <a:ea typeface="배달의민족 한나체 Air" panose="020B0600000101010101" pitchFamily="50" charset="-127"/>
+              </a:rPr>
+              <a:t>checkout </a:t>
+            </a:r>
+            <a:r>
+              <a:rPr lang="ko-KR" altLang="en-US" sz="2400" dirty="0">
+                <a:latin typeface="배달의민족 한나체 Air" panose="020B0600000101010101" pitchFamily="50" charset="-127"/>
+                <a:ea typeface="배달의민족 한나체 Air" panose="020B0600000101010101" pitchFamily="50" charset="-127"/>
+              </a:rPr>
+              <a:t>때 사라진다</a:t>
+            </a:r>
+            <a:r>
+              <a:rPr lang="en-US" altLang="ko-KR" sz="2400" dirty="0">
+                <a:latin typeface="배달의민족 한나체 Air" panose="020B0600000101010101" pitchFamily="50" charset="-127"/>
+                <a:ea typeface="배달의민족 한나체 Air" panose="020B0600000101010101" pitchFamily="50" charset="-127"/>
+              </a:rPr>
+              <a:t>. </a:t>
+            </a:r>
+            <a:r>
+              <a:rPr lang="ko-KR" altLang="en-US" sz="2400" dirty="0">
+                <a:latin typeface="배달의민족 한나체 Air" panose="020B0600000101010101" pitchFamily="50" charset="-127"/>
+                <a:ea typeface="배달의민족 한나체 Air" panose="020B0600000101010101" pitchFamily="50" charset="-127"/>
+              </a:rPr>
+              <a:t>따라서 </a:t>
+            </a:r>
+            <a:r>
+              <a:rPr lang="en-US" altLang="ko-KR" sz="2400" dirty="0">
+                <a:latin typeface="배달의민족 한나체 Air" panose="020B0600000101010101" pitchFamily="50" charset="-127"/>
+                <a:ea typeface="배달의민족 한나체 Air" panose="020B0600000101010101" pitchFamily="50" charset="-127"/>
+              </a:rPr>
+              <a:t>Git</a:t>
+            </a:r>
+            <a:r>
+              <a:rPr lang="ko-KR" altLang="en-US" sz="2400" dirty="0">
+                <a:latin typeface="배달의민족 한나체 Air" panose="020B0600000101010101" pitchFamily="50" charset="-127"/>
+                <a:ea typeface="배달의민족 한나체 Air" panose="020B0600000101010101" pitchFamily="50" charset="-127"/>
+              </a:rPr>
+              <a:t>에서는 </a:t>
+            </a:r>
+            <a:r>
+              <a:rPr lang="en-US" altLang="ko-KR" sz="2400" dirty="0">
+                <a:latin typeface="배달의민족 한나체 Air" panose="020B0600000101010101" pitchFamily="50" charset="-127"/>
+                <a:ea typeface="배달의민족 한나체 Air" panose="020B0600000101010101" pitchFamily="50" charset="-127"/>
+              </a:rPr>
+              <a:t>stash</a:t>
+            </a:r>
+            <a:r>
+              <a:rPr lang="ko-KR" altLang="en-US" sz="2400" dirty="0">
+                <a:latin typeface="배달의민족 한나체 Air" panose="020B0600000101010101" pitchFamily="50" charset="-127"/>
+                <a:ea typeface="배달의민족 한나체 Air" panose="020B0600000101010101" pitchFamily="50" charset="-127"/>
+              </a:rPr>
+              <a:t>라는 명령을 통해 </a:t>
+            </a:r>
+            <a:r>
+              <a:rPr lang="en-US" altLang="ko-KR" sz="2400" dirty="0">
+                <a:latin typeface="배달의민족 한나체 Air" panose="020B0600000101010101" pitchFamily="50" charset="-127"/>
+                <a:ea typeface="배달의민족 한나체 Air" panose="020B0600000101010101" pitchFamily="50" charset="-127"/>
+              </a:rPr>
+              <a:t>staged</a:t>
+            </a:r>
+            <a:r>
+              <a:rPr lang="ko-KR" altLang="en-US" sz="2400" dirty="0">
+                <a:latin typeface="배달의민족 한나체 Air" panose="020B0600000101010101" pitchFamily="50" charset="-127"/>
+                <a:ea typeface="배달의민족 한나체 Air" panose="020B0600000101010101" pitchFamily="50" charset="-127"/>
+              </a:rPr>
+              <a:t> 내용을 임시로 보관하게 해준다</a:t>
+            </a:r>
+          </a:p>
+        </p:txBody>
+      </p:sp>
+      <p:sp>
+        <p:nvSpPr>
+          <p:cNvPr id="17" name="TextBox 16">
+            <a:extLst>
+              <a:ext uri="{FF2B5EF4-FFF2-40B4-BE49-F238E27FC236}">
+                <a16:creationId xmlns:a16="http://schemas.microsoft.com/office/drawing/2014/main" id="{FD189DA1-E7AC-4F21-9E1B-A3AAE66EB181}"/>
+              </a:ext>
+            </a:extLst>
+          </p:cNvPr>
+          <p:cNvSpPr txBox="1"/>
+          <p:nvPr/>
+        </p:nvSpPr>
+        <p:spPr>
+          <a:xfrm>
+            <a:off x="1220663" y="3828967"/>
+            <a:ext cx="9884022" cy="2554545"/>
+          </a:xfrm>
+          <a:prstGeom prst="rect">
+            <a:avLst/>
+          </a:prstGeom>
+          <a:noFill/>
+        </p:spPr>
+        <p:txBody>
+          <a:bodyPr wrap="square" rtlCol="0">
+            <a:spAutoFit/>
+          </a:bodyPr>
+          <a:lstStyle/>
+          <a:p>
+            <a:r>
+              <a:rPr lang="ko-KR" altLang="en-US" sz="2000" dirty="0">
+                <a:latin typeface="배달의민족 한나체 Air" panose="020B0600000101010101" pitchFamily="50" charset="-127"/>
+                <a:ea typeface="배달의민족 한나체 Air" panose="020B0600000101010101" pitchFamily="50" charset="-127"/>
+              </a:rPr>
+              <a:t>임시저장소 만들기</a:t>
+            </a:r>
+            <a:endParaRPr lang="en-US" altLang="ko-KR" sz="2000" dirty="0">
+              <a:latin typeface="배달의민족 한나체 Air" panose="020B0600000101010101" pitchFamily="50" charset="-127"/>
+              <a:ea typeface="배달의민족 한나체 Air" panose="020B0600000101010101" pitchFamily="50" charset="-127"/>
+            </a:endParaRPr>
+          </a:p>
+          <a:p>
+            <a:r>
+              <a:rPr lang="en-US" altLang="ko-KR" sz="2000" dirty="0">
+                <a:latin typeface="배달의민족 한나체 Air" panose="020B0600000101010101" pitchFamily="50" charset="-127"/>
+                <a:ea typeface="배달의민족 한나체 Air" panose="020B0600000101010101" pitchFamily="50" charset="-127"/>
+              </a:rPr>
+              <a:t>$ git stash save</a:t>
+            </a:r>
+          </a:p>
+          <a:p>
+            <a:r>
+              <a:rPr lang="ko-KR" altLang="en-US" sz="2000" dirty="0">
+                <a:latin typeface="배달의민족 한나체 Air" panose="020B0600000101010101" pitchFamily="50" charset="-127"/>
+                <a:ea typeface="배달의민족 한나체 Air" panose="020B0600000101010101" pitchFamily="50" charset="-127"/>
+              </a:rPr>
+              <a:t>임시저장소 리스트 확인</a:t>
+            </a:r>
+            <a:endParaRPr lang="en-US" altLang="ko-KR" sz="2000" dirty="0">
+              <a:latin typeface="배달의민족 한나체 Air" panose="020B0600000101010101" pitchFamily="50" charset="-127"/>
+              <a:ea typeface="배달의민족 한나체 Air" panose="020B0600000101010101" pitchFamily="50" charset="-127"/>
+            </a:endParaRPr>
+          </a:p>
+          <a:p>
+            <a:r>
+              <a:rPr lang="en-US" altLang="ko-KR" sz="2000" dirty="0">
+                <a:latin typeface="배달의민족 한나체 Air" panose="020B0600000101010101" pitchFamily="50" charset="-127"/>
+                <a:ea typeface="배달의민족 한나체 Air" panose="020B0600000101010101" pitchFamily="50" charset="-127"/>
+              </a:rPr>
+              <a:t>$ git stash list</a:t>
+            </a:r>
+          </a:p>
+          <a:p>
+            <a:r>
+              <a:rPr lang="ko-KR" altLang="en-US" sz="2000" dirty="0">
+                <a:latin typeface="배달의민족 한나체 Air" panose="020B0600000101010101" pitchFamily="50" charset="-127"/>
+                <a:ea typeface="배달의민족 한나체 Air" panose="020B0600000101010101" pitchFamily="50" charset="-127"/>
+              </a:rPr>
+              <a:t>임시저장소 내용 꺼내기</a:t>
+            </a:r>
+            <a:endParaRPr lang="en-US" altLang="ko-KR" sz="2000" dirty="0">
+              <a:latin typeface="배달의민족 한나체 Air" panose="020B0600000101010101" pitchFamily="50" charset="-127"/>
+              <a:ea typeface="배달의민족 한나체 Air" panose="020B0600000101010101" pitchFamily="50" charset="-127"/>
+            </a:endParaRPr>
+          </a:p>
+          <a:p>
+            <a:r>
+              <a:rPr lang="en-US" altLang="ko-KR" sz="2000" dirty="0">
+                <a:latin typeface="배달의민족 한나체 Air" panose="020B0600000101010101" pitchFamily="50" charset="-127"/>
+                <a:ea typeface="배달의민족 한나체 Air" panose="020B0600000101010101" pitchFamily="50" charset="-127"/>
+              </a:rPr>
+              <a:t>$ git stash apply</a:t>
+            </a:r>
+          </a:p>
+          <a:p>
+            <a:r>
+              <a:rPr lang="ko-KR" altLang="en-US" sz="2000" dirty="0">
+                <a:latin typeface="배달의민족 한나체 Air" panose="020B0600000101010101" pitchFamily="50" charset="-127"/>
+                <a:ea typeface="배달의민족 한나체 Air" panose="020B0600000101010101" pitchFamily="50" charset="-127"/>
+              </a:rPr>
+              <a:t>임시저장소 내용 지우기</a:t>
+            </a:r>
+            <a:endParaRPr lang="en-US" altLang="ko-KR" sz="2000" dirty="0">
+              <a:latin typeface="배달의민족 한나체 Air" panose="020B0600000101010101" pitchFamily="50" charset="-127"/>
+              <a:ea typeface="배달의민족 한나체 Air" panose="020B0600000101010101" pitchFamily="50" charset="-127"/>
+            </a:endParaRPr>
+          </a:p>
+          <a:p>
+            <a:r>
+              <a:rPr lang="en-US" altLang="ko-KR" sz="2000" dirty="0">
+                <a:latin typeface="배달의민족 한나체 Air" panose="020B0600000101010101" pitchFamily="50" charset="-127"/>
+                <a:ea typeface="배달의민족 한나체 Air" panose="020B0600000101010101" pitchFamily="50" charset="-127"/>
+              </a:rPr>
+              <a:t>$ git stash drop</a:t>
+            </a:r>
+            <a:endParaRPr lang="ko-KR" altLang="en-US" sz="2000" dirty="0">
+              <a:latin typeface="배달의민족 한나체 Air" panose="020B0600000101010101" pitchFamily="50" charset="-127"/>
+              <a:ea typeface="배달의민족 한나체 Air" panose="020B0600000101010101" pitchFamily="50" charset="-127"/>
+            </a:endParaRPr>
+          </a:p>
+        </p:txBody>
+      </p:sp>
+    </p:spTree>
+    <p:extLst>
+      <p:ext uri="{BB962C8B-B14F-4D97-AF65-F5344CB8AC3E}">
+        <p14:creationId xmlns:p14="http://schemas.microsoft.com/office/powerpoint/2010/main" val="3987044560"/>
+      </p:ext>
+    </p:extLst>
+  </p:cSld>
+  <p:clrMapOvr>
+    <a:masterClrMapping/>
+  </p:clrMapOvr>
+</p:sld>
+</file>
+
+<file path=ppt/slides/slide38.xml><?xml version="1.0" encoding="utf-8"?>
+<p:sld xmlns:a="http://schemas.openxmlformats.org/drawingml/2006/main" xmlns:r="http://schemas.openxmlformats.org/officeDocument/2006/relationships" xmlns:p="http://schemas.openxmlformats.org/presentationml/2006/main">
+  <p:cSld>
+    <p:spTree>
+      <p:nvGrpSpPr>
+        <p:cNvPr id="1" name=""/>
+        <p:cNvGrpSpPr/>
+        <p:nvPr/>
+      </p:nvGrpSpPr>
+      <p:grpSpPr>
+        <a:xfrm>
+          <a:off x="0" y="0"/>
+          <a:ext cx="0" cy="0"/>
+          <a:chOff x="0" y="0"/>
+          <a:chExt cx="0" cy="0"/>
+        </a:xfrm>
+      </p:grpSpPr>
+      <p:sp>
+        <p:nvSpPr>
+          <p:cNvPr id="5" name="직사각형 4"/>
+          <p:cNvSpPr/>
+          <p:nvPr/>
+        </p:nvSpPr>
+        <p:spPr>
+          <a:xfrm>
+            <a:off x="0" y="-1"/>
+            <a:ext cx="12192000" cy="6830555"/>
+          </a:xfrm>
+          <a:prstGeom prst="rect">
+            <a:avLst/>
+          </a:prstGeom>
+          <a:noFill/>
+          <a:ln w="95250">
+            <a:solidFill>
+              <a:srgbClr val="01C73C"/>
+            </a:solidFill>
+          </a:ln>
+        </p:spPr>
+        <p:style>
+          <a:lnRef idx="2">
+            <a:schemeClr val="accent1">
+              <a:shade val="50000"/>
+            </a:schemeClr>
+          </a:lnRef>
+          <a:fillRef idx="1">
+            <a:schemeClr val="accent1"/>
+          </a:fillRef>
+          <a:effectRef idx="0">
+            <a:schemeClr val="accent1"/>
+          </a:effectRef>
+          <a:fontRef idx="minor">
+            <a:schemeClr val="lt1"/>
+          </a:fontRef>
+        </p:style>
+        <p:txBody>
+          <a:bodyPr rtlCol="0" anchor="ctr"/>
+          <a:lstStyle/>
+          <a:p>
+            <a:pPr algn="ctr"/>
+            <a:endParaRPr lang="ko-KR" altLang="en-US">
+              <a:solidFill>
+                <a:prstClr val="white"/>
+              </a:solidFill>
+              <a:latin typeface="배달의민족 한나체 Air" panose="020B0600000101010101" pitchFamily="50" charset="-127"/>
+              <a:ea typeface="배달의민족 한나체 Air" panose="020B0600000101010101" pitchFamily="50" charset="-127"/>
+            </a:endParaRPr>
+          </a:p>
+        </p:txBody>
+      </p:sp>
+      <p:sp>
+        <p:nvSpPr>
+          <p:cNvPr id="6" name="직사각형 5"/>
+          <p:cNvSpPr/>
+          <p:nvPr/>
+        </p:nvSpPr>
+        <p:spPr>
+          <a:xfrm>
+            <a:off x="-1" y="0"/>
+            <a:ext cx="12192000" cy="653143"/>
+          </a:xfrm>
+          <a:prstGeom prst="rect">
+            <a:avLst/>
+          </a:prstGeom>
+          <a:solidFill>
+            <a:srgbClr val="01C73C"/>
+          </a:solidFill>
+          <a:ln w="95250">
+            <a:noFill/>
+          </a:ln>
+        </p:spPr>
+        <p:style>
+          <a:lnRef idx="2">
+            <a:schemeClr val="accent1">
+              <a:shade val="50000"/>
+            </a:schemeClr>
+          </a:lnRef>
+          <a:fillRef idx="1">
+            <a:schemeClr val="accent1"/>
+          </a:fillRef>
+          <a:effectRef idx="0">
+            <a:schemeClr val="accent1"/>
+          </a:effectRef>
+          <a:fontRef idx="minor">
+            <a:schemeClr val="lt1"/>
+          </a:fontRef>
+        </p:style>
+        <p:txBody>
+          <a:bodyPr rtlCol="0" anchor="ctr"/>
+          <a:lstStyle/>
+          <a:p>
+            <a:pPr lvl="3" latinLnBrk="0">
+              <a:defRPr/>
+            </a:pPr>
+            <a:endParaRPr lang="ko-KR" altLang="en-US" sz="1400" kern="0" dirty="0">
+              <a:solidFill>
+                <a:prstClr val="white"/>
+              </a:solidFill>
+              <a:latin typeface="배달의민족 한나체 Air" panose="020B0600000101010101" pitchFamily="50" charset="-127"/>
+              <a:ea typeface="배달의민족 한나체 Air" panose="020B0600000101010101" pitchFamily="50" charset="-127"/>
+            </a:endParaRPr>
+          </a:p>
+        </p:txBody>
+      </p:sp>
+      <p:sp>
+        <p:nvSpPr>
+          <p:cNvPr id="7" name="직사각형 6"/>
+          <p:cNvSpPr/>
+          <p:nvPr/>
+        </p:nvSpPr>
+        <p:spPr>
+          <a:xfrm>
+            <a:off x="3430786" y="146178"/>
+            <a:ext cx="3896674" cy="352425"/>
+          </a:xfrm>
+          <a:prstGeom prst="rect">
+            <a:avLst/>
+          </a:prstGeom>
+          <a:solidFill>
+            <a:schemeClr val="bg1"/>
+          </a:solidFill>
+          <a:ln w="95250">
+            <a:noFill/>
+          </a:ln>
+        </p:spPr>
+        <p:style>
+          <a:lnRef idx="2">
+            <a:schemeClr val="accent1">
+              <a:shade val="50000"/>
+            </a:schemeClr>
+          </a:lnRef>
+          <a:fillRef idx="1">
+            <a:schemeClr val="accent1"/>
+          </a:fillRef>
+          <a:effectRef idx="0">
+            <a:schemeClr val="accent1"/>
+          </a:effectRef>
+          <a:fontRef idx="minor">
+            <a:schemeClr val="lt1"/>
+          </a:fontRef>
+        </p:style>
+        <p:txBody>
+          <a:bodyPr rtlCol="0" anchor="ctr"/>
+          <a:lstStyle/>
+          <a:p>
+            <a:pPr algn="ctr"/>
+            <a:r>
+              <a:rPr lang="en-US" altLang="ko-KR" dirty="0">
+                <a:solidFill>
+                  <a:schemeClr val="tx1"/>
+                </a:solidFill>
+                <a:latin typeface="배달의민족 한나체 Air" panose="020B0600000101010101" pitchFamily="50" charset="-127"/>
+                <a:ea typeface="배달의민족 한나체 Air" panose="020B0600000101010101" pitchFamily="50" charset="-127"/>
+              </a:rPr>
+              <a:t>Git </a:t>
+            </a:r>
+            <a:r>
+              <a:rPr lang="ko-KR" altLang="en-US" dirty="0">
+                <a:solidFill>
+                  <a:schemeClr val="tx1"/>
+                </a:solidFill>
+                <a:latin typeface="배달의민족 한나체 Air" panose="020B0600000101010101" pitchFamily="50" charset="-127"/>
+                <a:ea typeface="배달의민족 한나체 Air" panose="020B0600000101010101" pitchFamily="50" charset="-127"/>
+              </a:rPr>
+              <a:t>더 알아보기</a:t>
+            </a:r>
+          </a:p>
+        </p:txBody>
+      </p:sp>
+      <p:sp>
+        <p:nvSpPr>
+          <p:cNvPr id="8" name="직사각형 7"/>
+          <p:cNvSpPr/>
+          <p:nvPr/>
+        </p:nvSpPr>
+        <p:spPr>
+          <a:xfrm>
+            <a:off x="7639050" y="150358"/>
+            <a:ext cx="352800" cy="352425"/>
+          </a:xfrm>
+          <a:prstGeom prst="rect">
+            <a:avLst/>
+          </a:prstGeom>
+          <a:solidFill>
+            <a:srgbClr val="29A93A"/>
+          </a:solidFill>
+          <a:ln w="12700">
+            <a:solidFill>
+              <a:srgbClr val="01A333"/>
+            </a:solidFill>
+          </a:ln>
+        </p:spPr>
+        <p:style>
+          <a:lnRef idx="2">
+            <a:schemeClr val="accent1">
+              <a:shade val="50000"/>
+            </a:schemeClr>
+          </a:lnRef>
+          <a:fillRef idx="1">
+            <a:schemeClr val="accent1"/>
+          </a:fillRef>
+          <a:effectRef idx="0">
+            <a:schemeClr val="accent1"/>
+          </a:effectRef>
+          <a:fontRef idx="minor">
+            <a:schemeClr val="lt1"/>
+          </a:fontRef>
+        </p:style>
+        <p:txBody>
+          <a:bodyPr rtlCol="0" anchor="ctr"/>
+          <a:lstStyle/>
+          <a:p>
+            <a:pPr algn="ctr"/>
+            <a:endParaRPr lang="ko-KR" altLang="en-US">
+              <a:solidFill>
+                <a:prstClr val="white"/>
+              </a:solidFill>
+              <a:latin typeface="배달의민족 한나체 Air" panose="020B0600000101010101" pitchFamily="50" charset="-127"/>
+              <a:ea typeface="배달의민족 한나체 Air" panose="020B0600000101010101" pitchFamily="50" charset="-127"/>
+            </a:endParaRPr>
+          </a:p>
+        </p:txBody>
+      </p:sp>
+      <p:sp>
+        <p:nvSpPr>
+          <p:cNvPr id="9" name="직사각형 8"/>
+          <p:cNvSpPr/>
+          <p:nvPr/>
+        </p:nvSpPr>
+        <p:spPr>
+          <a:xfrm>
+            <a:off x="8270231" y="147128"/>
+            <a:ext cx="876301" cy="352425"/>
+          </a:xfrm>
+          <a:prstGeom prst="rect">
+            <a:avLst/>
+          </a:prstGeom>
+          <a:solidFill>
+            <a:srgbClr val="29A93A"/>
+          </a:solidFill>
+          <a:ln w="12700">
+            <a:solidFill>
+              <a:srgbClr val="01A333"/>
+            </a:solidFill>
+          </a:ln>
+        </p:spPr>
+        <p:style>
+          <a:lnRef idx="2">
+            <a:schemeClr val="accent1">
+              <a:shade val="50000"/>
+            </a:schemeClr>
+          </a:lnRef>
+          <a:fillRef idx="1">
+            <a:schemeClr val="accent1"/>
+          </a:fillRef>
+          <a:effectRef idx="0">
+            <a:schemeClr val="accent1"/>
+          </a:effectRef>
+          <a:fontRef idx="minor">
+            <a:schemeClr val="lt1"/>
+          </a:fontRef>
+        </p:style>
+        <p:txBody>
+          <a:bodyPr rtlCol="0" anchor="ctr"/>
+          <a:lstStyle/>
+          <a:p>
+            <a:pPr algn="ctr"/>
+            <a:r>
+              <a:rPr lang="ko-KR" altLang="en-US" sz="1050" b="1" dirty="0">
+                <a:solidFill>
+                  <a:prstClr val="white"/>
+                </a:solidFill>
+                <a:latin typeface="배달의민족 한나체 Air" panose="020B0600000101010101" pitchFamily="50" charset="-127"/>
+                <a:ea typeface="배달의민족 한나체 Air" panose="020B0600000101010101" pitchFamily="50" charset="-127"/>
+              </a:rPr>
+              <a:t>통합검색</a:t>
+            </a:r>
+          </a:p>
+        </p:txBody>
+      </p:sp>
+      <p:sp>
+        <p:nvSpPr>
+          <p:cNvPr id="10" name="도넛 9"/>
+          <p:cNvSpPr/>
+          <p:nvPr/>
+        </p:nvSpPr>
+        <p:spPr>
+          <a:xfrm>
+            <a:off x="7717629" y="224520"/>
+            <a:ext cx="157164" cy="156482"/>
+          </a:xfrm>
+          <a:prstGeom prst="donut">
+            <a:avLst>
+              <a:gd name="adj" fmla="val 6590"/>
+            </a:avLst>
+          </a:prstGeom>
+          <a:solidFill>
+            <a:schemeClr val="bg1"/>
+          </a:solidFill>
+          <a:ln w="95250">
+            <a:noFill/>
+          </a:ln>
+        </p:spPr>
+        <p:style>
+          <a:lnRef idx="2">
+            <a:schemeClr val="accent1">
+              <a:shade val="50000"/>
+            </a:schemeClr>
+          </a:lnRef>
+          <a:fillRef idx="1">
+            <a:schemeClr val="accent1"/>
+          </a:fillRef>
+          <a:effectRef idx="0">
+            <a:schemeClr val="accent1"/>
+          </a:effectRef>
+          <a:fontRef idx="minor">
+            <a:schemeClr val="lt1"/>
+          </a:fontRef>
+        </p:style>
+        <p:txBody>
+          <a:bodyPr rtlCol="0" anchor="ctr"/>
+          <a:lstStyle/>
+          <a:p>
+            <a:pPr algn="ctr"/>
+            <a:endParaRPr lang="ko-KR" altLang="en-US">
+              <a:solidFill>
+                <a:prstClr val="white"/>
+              </a:solidFill>
+              <a:latin typeface="배달의민족 한나체 Air" panose="020B0600000101010101" pitchFamily="50" charset="-127"/>
+              <a:ea typeface="배달의민족 한나체 Air" panose="020B0600000101010101" pitchFamily="50" charset="-127"/>
+            </a:endParaRPr>
+          </a:p>
+        </p:txBody>
+      </p:sp>
+      <p:sp>
+        <p:nvSpPr>
+          <p:cNvPr id="11" name="모서리가 둥근 직사각형 10"/>
+          <p:cNvSpPr/>
+          <p:nvPr/>
+        </p:nvSpPr>
+        <p:spPr>
+          <a:xfrm rot="18900000">
+            <a:off x="7876538" y="338908"/>
+            <a:ext cx="10800" cy="108000"/>
+          </a:xfrm>
+          <a:prstGeom prst="roundRect">
+            <a:avLst>
+              <a:gd name="adj" fmla="val 50000"/>
+            </a:avLst>
+          </a:prstGeom>
+          <a:solidFill>
+            <a:schemeClr val="bg1"/>
+          </a:solidFill>
+          <a:ln>
+            <a:noFill/>
+          </a:ln>
+        </p:spPr>
+        <p:style>
+          <a:lnRef idx="2">
+            <a:schemeClr val="accent1">
+              <a:shade val="50000"/>
+            </a:schemeClr>
+          </a:lnRef>
+          <a:fillRef idx="1">
+            <a:schemeClr val="accent1"/>
+          </a:fillRef>
+          <a:effectRef idx="0">
+            <a:schemeClr val="accent1"/>
+          </a:effectRef>
+          <a:fontRef idx="minor">
+            <a:schemeClr val="lt1"/>
+          </a:fontRef>
+        </p:style>
+        <p:txBody>
+          <a:bodyPr rtlCol="0" anchor="ctr"/>
+          <a:lstStyle/>
+          <a:p>
+            <a:pPr algn="ctr"/>
+            <a:endParaRPr lang="ko-KR" altLang="en-US">
+              <a:solidFill>
+                <a:prstClr val="white"/>
+              </a:solidFill>
+              <a:latin typeface="배달의민족 한나체 Air" panose="020B0600000101010101" pitchFamily="50" charset="-127"/>
+              <a:ea typeface="배달의민족 한나체 Air" panose="020B0600000101010101" pitchFamily="50" charset="-127"/>
+            </a:endParaRPr>
+          </a:p>
+        </p:txBody>
+      </p:sp>
+      <p:sp>
+        <p:nvSpPr>
+          <p:cNvPr id="13" name="이등변 삼각형 12"/>
+          <p:cNvSpPr/>
+          <p:nvPr/>
+        </p:nvSpPr>
+        <p:spPr>
+          <a:xfrm flipV="1">
+            <a:off x="7376608" y="286391"/>
+            <a:ext cx="108000" cy="72000"/>
+          </a:xfrm>
+          <a:prstGeom prst="triangle">
+            <a:avLst/>
+          </a:prstGeom>
+          <a:solidFill>
+            <a:srgbClr val="01C73C"/>
+          </a:solidFill>
+          <a:ln w="95250">
+            <a:noFill/>
+          </a:ln>
+        </p:spPr>
+        <p:style>
+          <a:lnRef idx="2">
+            <a:schemeClr val="accent1">
+              <a:shade val="50000"/>
+            </a:schemeClr>
+          </a:lnRef>
+          <a:fillRef idx="1">
+            <a:schemeClr val="accent1"/>
+          </a:fillRef>
+          <a:effectRef idx="0">
+            <a:schemeClr val="accent1"/>
+          </a:effectRef>
+          <a:fontRef idx="minor">
+            <a:schemeClr val="lt1"/>
+          </a:fontRef>
+        </p:style>
+        <p:txBody>
+          <a:bodyPr rtlCol="0" anchor="ctr"/>
+          <a:lstStyle/>
+          <a:p>
+            <a:pPr algn="ctr"/>
+            <a:endParaRPr lang="ko-KR" altLang="en-US">
+              <a:solidFill>
+                <a:prstClr val="white"/>
+              </a:solidFill>
+              <a:latin typeface="배달의민족 한나체 Air" panose="020B0600000101010101" pitchFamily="50" charset="-127"/>
+              <a:ea typeface="배달의민족 한나체 Air" panose="020B0600000101010101" pitchFamily="50" charset="-127"/>
+            </a:endParaRPr>
+          </a:p>
+        </p:txBody>
+      </p:sp>
+      <p:sp>
+        <p:nvSpPr>
+          <p:cNvPr id="14" name="TextBox 13">
+            <a:extLst>
+              <a:ext uri="{FF2B5EF4-FFF2-40B4-BE49-F238E27FC236}">
+                <a16:creationId xmlns:a16="http://schemas.microsoft.com/office/drawing/2014/main" id="{BADB64DF-3733-4C49-9402-11B683ABC482}"/>
+              </a:ext>
+            </a:extLst>
+          </p:cNvPr>
+          <p:cNvSpPr txBox="1"/>
+          <p:nvPr/>
+        </p:nvSpPr>
+        <p:spPr>
+          <a:xfrm>
+            <a:off x="448409" y="1027130"/>
+            <a:ext cx="7190641" cy="707886"/>
+          </a:xfrm>
+          <a:prstGeom prst="rect">
+            <a:avLst/>
+          </a:prstGeom>
+          <a:noFill/>
+        </p:spPr>
+        <p:txBody>
+          <a:bodyPr wrap="square" rtlCol="0">
+            <a:spAutoFit/>
+          </a:bodyPr>
+          <a:lstStyle/>
+          <a:p>
+            <a:r>
+              <a:rPr lang="ko-KR" altLang="en-US" sz="4000" dirty="0">
+                <a:latin typeface="배달의민족 한나체 Air" panose="020B0600000101010101" pitchFamily="50" charset="-127"/>
+                <a:ea typeface="배달의민족 한나체 Air" panose="020B0600000101010101" pitchFamily="50" charset="-127"/>
+              </a:rPr>
               <a:t>병합 </a:t>
             </a:r>
             <a:r>
@@ -34804,7 +35009,7 @@
 </p:sld>
 </file>
 
-<file path=ppt/slides/slide38.xml><?xml version="1.0" encoding="utf-8"?>
+<file path=ppt/slides/slide39.xml><?xml version="1.0" encoding="utf-8"?>
 <p:sld xmlns:a="http://schemas.openxmlformats.org/drawingml/2006/main" xmlns:r="http://schemas.openxmlformats.org/officeDocument/2006/relationships" xmlns:p="http://schemas.openxmlformats.org/presentationml/2006/main">
   <p:cSld>
     <p:spTree>
@@ -36277,7 +36482,683 @@
 </p:sld>
 </file>
 
-<file path=ppt/slides/slide39.xml><?xml version="1.0" encoding="utf-8"?>
+<file path=ppt/slides/slide4.xml><?xml version="1.0" encoding="utf-8"?>
+<p:sld xmlns:a="http://schemas.openxmlformats.org/drawingml/2006/main" xmlns:r="http://schemas.openxmlformats.org/officeDocument/2006/relationships" xmlns:p="http://schemas.openxmlformats.org/presentationml/2006/main">
+  <p:cSld>
+    <p:spTree>
+      <p:nvGrpSpPr>
+        <p:cNvPr id="1" name=""/>
+        <p:cNvGrpSpPr/>
+        <p:nvPr/>
+      </p:nvGrpSpPr>
+      <p:grpSpPr>
+        <a:xfrm>
+          <a:off x="0" y="0"/>
+          <a:ext cx="0" cy="0"/>
+          <a:chOff x="0" y="0"/>
+          <a:chExt cx="0" cy="0"/>
+        </a:xfrm>
+      </p:grpSpPr>
+      <p:sp>
+        <p:nvSpPr>
+          <p:cNvPr id="5" name="직사각형 4"/>
+          <p:cNvSpPr/>
+          <p:nvPr/>
+        </p:nvSpPr>
+        <p:spPr>
+          <a:xfrm>
+            <a:off x="0" y="-1"/>
+            <a:ext cx="12192000" cy="6830555"/>
+          </a:xfrm>
+          <a:prstGeom prst="rect">
+            <a:avLst/>
+          </a:prstGeom>
+          <a:noFill/>
+          <a:ln w="95250">
+            <a:solidFill>
+              <a:srgbClr val="01C73C"/>
+            </a:solidFill>
+          </a:ln>
+        </p:spPr>
+        <p:style>
+          <a:lnRef idx="2">
+            <a:schemeClr val="accent1">
+              <a:shade val="50000"/>
+            </a:schemeClr>
+          </a:lnRef>
+          <a:fillRef idx="1">
+            <a:schemeClr val="accent1"/>
+          </a:fillRef>
+          <a:effectRef idx="0">
+            <a:schemeClr val="accent1"/>
+          </a:effectRef>
+          <a:fontRef idx="minor">
+            <a:schemeClr val="lt1"/>
+          </a:fontRef>
+        </p:style>
+        <p:txBody>
+          <a:bodyPr rtlCol="0" anchor="ctr"/>
+          <a:lstStyle/>
+          <a:p>
+            <a:pPr algn="ctr"/>
+            <a:endParaRPr lang="ko-KR" altLang="en-US">
+              <a:solidFill>
+                <a:prstClr val="white"/>
+              </a:solidFill>
+              <a:latin typeface="배달의민족 한나체 Air" panose="020B0600000101010101" pitchFamily="50" charset="-127"/>
+              <a:ea typeface="배달의민족 한나체 Air" panose="020B0600000101010101" pitchFamily="50" charset="-127"/>
+            </a:endParaRPr>
+          </a:p>
+        </p:txBody>
+      </p:sp>
+      <p:sp>
+        <p:nvSpPr>
+          <p:cNvPr id="6" name="직사각형 5"/>
+          <p:cNvSpPr/>
+          <p:nvPr/>
+        </p:nvSpPr>
+        <p:spPr>
+          <a:xfrm>
+            <a:off x="-1" y="0"/>
+            <a:ext cx="12192000" cy="653143"/>
+          </a:xfrm>
+          <a:prstGeom prst="rect">
+            <a:avLst/>
+          </a:prstGeom>
+          <a:solidFill>
+            <a:srgbClr val="01C73C"/>
+          </a:solidFill>
+          <a:ln w="95250">
+            <a:noFill/>
+          </a:ln>
+        </p:spPr>
+        <p:style>
+          <a:lnRef idx="2">
+            <a:schemeClr val="accent1">
+              <a:shade val="50000"/>
+            </a:schemeClr>
+          </a:lnRef>
+          <a:fillRef idx="1">
+            <a:schemeClr val="accent1"/>
+          </a:fillRef>
+          <a:effectRef idx="0">
+            <a:schemeClr val="accent1"/>
+          </a:effectRef>
+          <a:fontRef idx="minor">
+            <a:schemeClr val="lt1"/>
+          </a:fontRef>
+        </p:style>
+        <p:txBody>
+          <a:bodyPr rtlCol="0" anchor="ctr"/>
+          <a:lstStyle/>
+          <a:p>
+            <a:pPr lvl="3" latinLnBrk="0">
+              <a:defRPr/>
+            </a:pPr>
+            <a:endParaRPr lang="ko-KR" altLang="en-US" sz="1400" kern="0" dirty="0">
+              <a:solidFill>
+                <a:prstClr val="white"/>
+              </a:solidFill>
+              <a:latin typeface="배달의민족 한나체 Air" panose="020B0600000101010101" pitchFamily="50" charset="-127"/>
+              <a:ea typeface="배달의민족 한나체 Air" panose="020B0600000101010101" pitchFamily="50" charset="-127"/>
+            </a:endParaRPr>
+          </a:p>
+        </p:txBody>
+      </p:sp>
+      <p:sp>
+        <p:nvSpPr>
+          <p:cNvPr id="7" name="직사각형 6"/>
+          <p:cNvSpPr/>
+          <p:nvPr/>
+        </p:nvSpPr>
+        <p:spPr>
+          <a:xfrm>
+            <a:off x="3430786" y="146178"/>
+            <a:ext cx="3896674" cy="352425"/>
+          </a:xfrm>
+          <a:prstGeom prst="rect">
+            <a:avLst/>
+          </a:prstGeom>
+          <a:solidFill>
+            <a:schemeClr val="bg1"/>
+          </a:solidFill>
+          <a:ln w="95250">
+            <a:noFill/>
+          </a:ln>
+        </p:spPr>
+        <p:style>
+          <a:lnRef idx="2">
+            <a:schemeClr val="accent1">
+              <a:shade val="50000"/>
+            </a:schemeClr>
+          </a:lnRef>
+          <a:fillRef idx="1">
+            <a:schemeClr val="accent1"/>
+          </a:fillRef>
+          <a:effectRef idx="0">
+            <a:schemeClr val="accent1"/>
+          </a:effectRef>
+          <a:fontRef idx="minor">
+            <a:schemeClr val="lt1"/>
+          </a:fontRef>
+        </p:style>
+        <p:txBody>
+          <a:bodyPr rtlCol="0" anchor="ctr"/>
+          <a:lstStyle/>
+          <a:p>
+            <a:pPr algn="ctr"/>
+            <a:r>
+              <a:rPr lang="en-US" altLang="ko-KR" dirty="0">
+                <a:solidFill>
+                  <a:schemeClr val="tx1"/>
+                </a:solidFill>
+                <a:latin typeface="배달의민족 한나체 Air" panose="020B0600000101010101" pitchFamily="50" charset="-127"/>
+                <a:ea typeface="배달의민족 한나체 Air" panose="020B0600000101010101" pitchFamily="50" charset="-127"/>
+              </a:rPr>
+              <a:t>Git </a:t>
+            </a:r>
+            <a:r>
+              <a:rPr lang="ko-KR" altLang="en-US" dirty="0">
+                <a:solidFill>
+                  <a:schemeClr val="tx1"/>
+                </a:solidFill>
+                <a:latin typeface="배달의민족 한나체 Air" panose="020B0600000101010101" pitchFamily="50" charset="-127"/>
+                <a:ea typeface="배달의민족 한나체 Air" panose="020B0600000101010101" pitchFamily="50" charset="-127"/>
+              </a:rPr>
+              <a:t>소개</a:t>
+            </a:r>
+          </a:p>
+        </p:txBody>
+      </p:sp>
+      <p:sp>
+        <p:nvSpPr>
+          <p:cNvPr id="8" name="직사각형 7"/>
+          <p:cNvSpPr/>
+          <p:nvPr/>
+        </p:nvSpPr>
+        <p:spPr>
+          <a:xfrm>
+            <a:off x="7639050" y="150358"/>
+            <a:ext cx="352800" cy="352425"/>
+          </a:xfrm>
+          <a:prstGeom prst="rect">
+            <a:avLst/>
+          </a:prstGeom>
+          <a:solidFill>
+            <a:srgbClr val="29A93A"/>
+          </a:solidFill>
+          <a:ln w="12700">
+            <a:solidFill>
+              <a:srgbClr val="01A333"/>
+            </a:solidFill>
+          </a:ln>
+        </p:spPr>
+        <p:style>
+          <a:lnRef idx="2">
+            <a:schemeClr val="accent1">
+              <a:shade val="50000"/>
+            </a:schemeClr>
+          </a:lnRef>
+          <a:fillRef idx="1">
+            <a:schemeClr val="accent1"/>
+          </a:fillRef>
+          <a:effectRef idx="0">
+            <a:schemeClr val="accent1"/>
+          </a:effectRef>
+          <a:fontRef idx="minor">
+            <a:schemeClr val="lt1"/>
+          </a:fontRef>
+        </p:style>
+        <p:txBody>
+          <a:bodyPr rtlCol="0" anchor="ctr"/>
+          <a:lstStyle/>
+          <a:p>
+            <a:pPr algn="ctr"/>
+            <a:endParaRPr lang="ko-KR" altLang="en-US">
+              <a:solidFill>
+                <a:prstClr val="white"/>
+              </a:solidFill>
+              <a:latin typeface="배달의민족 한나체 Air" panose="020B0600000101010101" pitchFamily="50" charset="-127"/>
+              <a:ea typeface="배달의민족 한나체 Air" panose="020B0600000101010101" pitchFamily="50" charset="-127"/>
+            </a:endParaRPr>
+          </a:p>
+        </p:txBody>
+      </p:sp>
+      <p:sp>
+        <p:nvSpPr>
+          <p:cNvPr id="9" name="직사각형 8"/>
+          <p:cNvSpPr/>
+          <p:nvPr/>
+        </p:nvSpPr>
+        <p:spPr>
+          <a:xfrm>
+            <a:off x="8270231" y="147128"/>
+            <a:ext cx="876301" cy="352425"/>
+          </a:xfrm>
+          <a:prstGeom prst="rect">
+            <a:avLst/>
+          </a:prstGeom>
+          <a:solidFill>
+            <a:srgbClr val="29A93A"/>
+          </a:solidFill>
+          <a:ln w="12700">
+            <a:solidFill>
+              <a:srgbClr val="01A333"/>
+            </a:solidFill>
+          </a:ln>
+        </p:spPr>
+        <p:style>
+          <a:lnRef idx="2">
+            <a:schemeClr val="accent1">
+              <a:shade val="50000"/>
+            </a:schemeClr>
+          </a:lnRef>
+          <a:fillRef idx="1">
+            <a:schemeClr val="accent1"/>
+          </a:fillRef>
+          <a:effectRef idx="0">
+            <a:schemeClr val="accent1"/>
+          </a:effectRef>
+          <a:fontRef idx="minor">
+            <a:schemeClr val="lt1"/>
+          </a:fontRef>
+        </p:style>
+        <p:txBody>
+          <a:bodyPr rtlCol="0" anchor="ctr"/>
+          <a:lstStyle/>
+          <a:p>
+            <a:pPr algn="ctr"/>
+            <a:r>
+              <a:rPr lang="ko-KR" altLang="en-US" sz="1050" b="1" dirty="0">
+                <a:solidFill>
+                  <a:prstClr val="white"/>
+                </a:solidFill>
+                <a:latin typeface="배달의민족 한나체 Air" panose="020B0600000101010101" pitchFamily="50" charset="-127"/>
+                <a:ea typeface="배달의민족 한나체 Air" panose="020B0600000101010101" pitchFamily="50" charset="-127"/>
+              </a:rPr>
+              <a:t>통합검색</a:t>
+            </a:r>
+          </a:p>
+        </p:txBody>
+      </p:sp>
+      <p:sp>
+        <p:nvSpPr>
+          <p:cNvPr id="10" name="도넛 9"/>
+          <p:cNvSpPr/>
+          <p:nvPr/>
+        </p:nvSpPr>
+        <p:spPr>
+          <a:xfrm>
+            <a:off x="7717629" y="224520"/>
+            <a:ext cx="157164" cy="156482"/>
+          </a:xfrm>
+          <a:prstGeom prst="donut">
+            <a:avLst>
+              <a:gd name="adj" fmla="val 6590"/>
+            </a:avLst>
+          </a:prstGeom>
+          <a:solidFill>
+            <a:schemeClr val="bg1"/>
+          </a:solidFill>
+          <a:ln w="95250">
+            <a:noFill/>
+          </a:ln>
+        </p:spPr>
+        <p:style>
+          <a:lnRef idx="2">
+            <a:schemeClr val="accent1">
+              <a:shade val="50000"/>
+            </a:schemeClr>
+          </a:lnRef>
+          <a:fillRef idx="1">
+            <a:schemeClr val="accent1"/>
+          </a:fillRef>
+          <a:effectRef idx="0">
+            <a:schemeClr val="accent1"/>
+          </a:effectRef>
+          <a:fontRef idx="minor">
+            <a:schemeClr val="lt1"/>
+          </a:fontRef>
+        </p:style>
+        <p:txBody>
+          <a:bodyPr rtlCol="0" anchor="ctr"/>
+          <a:lstStyle/>
+          <a:p>
+            <a:pPr algn="ctr"/>
+            <a:endParaRPr lang="ko-KR" altLang="en-US">
+              <a:solidFill>
+                <a:prstClr val="white"/>
+              </a:solidFill>
+              <a:latin typeface="배달의민족 한나체 Air" panose="020B0600000101010101" pitchFamily="50" charset="-127"/>
+              <a:ea typeface="배달의민족 한나체 Air" panose="020B0600000101010101" pitchFamily="50" charset="-127"/>
+            </a:endParaRPr>
+          </a:p>
+        </p:txBody>
+      </p:sp>
+      <p:sp>
+        <p:nvSpPr>
+          <p:cNvPr id="11" name="모서리가 둥근 직사각형 10"/>
+          <p:cNvSpPr/>
+          <p:nvPr/>
+        </p:nvSpPr>
+        <p:spPr>
+          <a:xfrm rot="18900000">
+            <a:off x="7876538" y="338908"/>
+            <a:ext cx="10800" cy="108000"/>
+          </a:xfrm>
+          <a:prstGeom prst="roundRect">
+            <a:avLst>
+              <a:gd name="adj" fmla="val 50000"/>
+            </a:avLst>
+          </a:prstGeom>
+          <a:solidFill>
+            <a:schemeClr val="bg1"/>
+          </a:solidFill>
+          <a:ln>
+            <a:noFill/>
+          </a:ln>
+        </p:spPr>
+        <p:style>
+          <a:lnRef idx="2">
+            <a:schemeClr val="accent1">
+              <a:shade val="50000"/>
+            </a:schemeClr>
+          </a:lnRef>
+          <a:fillRef idx="1">
+            <a:schemeClr val="accent1"/>
+          </a:fillRef>
+          <a:effectRef idx="0">
+            <a:schemeClr val="accent1"/>
+          </a:effectRef>
+          <a:fontRef idx="minor">
+            <a:schemeClr val="lt1"/>
+          </a:fontRef>
+        </p:style>
+        <p:txBody>
+          <a:bodyPr rtlCol="0" anchor="ctr"/>
+          <a:lstStyle/>
+          <a:p>
+            <a:pPr algn="ctr"/>
+            <a:endParaRPr lang="ko-KR" altLang="en-US">
+              <a:solidFill>
+                <a:prstClr val="white"/>
+              </a:solidFill>
+              <a:latin typeface="배달의민족 한나체 Air" panose="020B0600000101010101" pitchFamily="50" charset="-127"/>
+              <a:ea typeface="배달의민족 한나체 Air" panose="020B0600000101010101" pitchFamily="50" charset="-127"/>
+            </a:endParaRPr>
+          </a:p>
+        </p:txBody>
+      </p:sp>
+      <p:sp>
+        <p:nvSpPr>
+          <p:cNvPr id="13" name="이등변 삼각형 12"/>
+          <p:cNvSpPr/>
+          <p:nvPr/>
+        </p:nvSpPr>
+        <p:spPr>
+          <a:xfrm flipV="1">
+            <a:off x="7376608" y="286391"/>
+            <a:ext cx="108000" cy="72000"/>
+          </a:xfrm>
+          <a:prstGeom prst="triangle">
+            <a:avLst/>
+          </a:prstGeom>
+          <a:solidFill>
+            <a:srgbClr val="01C73C"/>
+          </a:solidFill>
+          <a:ln w="95250">
+            <a:noFill/>
+          </a:ln>
+        </p:spPr>
+        <p:style>
+          <a:lnRef idx="2">
+            <a:schemeClr val="accent1">
+              <a:shade val="50000"/>
+            </a:schemeClr>
+          </a:lnRef>
+          <a:fillRef idx="1">
+            <a:schemeClr val="accent1"/>
+          </a:fillRef>
+          <a:effectRef idx="0">
+            <a:schemeClr val="accent1"/>
+          </a:effectRef>
+          <a:fontRef idx="minor">
+            <a:schemeClr val="lt1"/>
+          </a:fontRef>
+        </p:style>
+        <p:txBody>
+          <a:bodyPr rtlCol="0" anchor="ctr"/>
+          <a:lstStyle/>
+          <a:p>
+            <a:pPr algn="ctr"/>
+            <a:endParaRPr lang="ko-KR" altLang="en-US">
+              <a:solidFill>
+                <a:prstClr val="white"/>
+              </a:solidFill>
+              <a:latin typeface="배달의민족 한나체 Air" panose="020B0600000101010101" pitchFamily="50" charset="-127"/>
+              <a:ea typeface="배달의민족 한나체 Air" panose="020B0600000101010101" pitchFamily="50" charset="-127"/>
+            </a:endParaRPr>
+          </a:p>
+        </p:txBody>
+      </p:sp>
+      <p:sp>
+        <p:nvSpPr>
+          <p:cNvPr id="14" name="TextBox 13">
+            <a:extLst>
+              <a:ext uri="{FF2B5EF4-FFF2-40B4-BE49-F238E27FC236}">
+                <a16:creationId xmlns:a16="http://schemas.microsoft.com/office/drawing/2014/main" id="{B1EFD90A-3989-4190-8094-48064F630703}"/>
+              </a:ext>
+            </a:extLst>
+          </p:cNvPr>
+          <p:cNvSpPr txBox="1"/>
+          <p:nvPr/>
+        </p:nvSpPr>
+        <p:spPr>
+          <a:xfrm>
+            <a:off x="501162" y="897106"/>
+            <a:ext cx="8932984" cy="830997"/>
+          </a:xfrm>
+          <a:prstGeom prst="rect">
+            <a:avLst/>
+          </a:prstGeom>
+          <a:noFill/>
+        </p:spPr>
+        <p:txBody>
+          <a:bodyPr wrap="square" rtlCol="0">
+            <a:spAutoFit/>
+          </a:bodyPr>
+          <a:lstStyle/>
+          <a:p>
+            <a:r>
+              <a:rPr lang="en-US" altLang="ko-KR" sz="4800" dirty="0">
+                <a:latin typeface="배달의민족 한나체 Air" panose="020B0600000101010101" pitchFamily="50" charset="-127"/>
+                <a:ea typeface="배달의민족 한나체 Air" panose="020B0600000101010101" pitchFamily="50" charset="-127"/>
+              </a:rPr>
+              <a:t>Q.</a:t>
+            </a:r>
+            <a:r>
+              <a:rPr lang="ko-KR" altLang="en-US" sz="4800" dirty="0">
+                <a:latin typeface="배달의민족 한나체 Air" panose="020B0600000101010101" pitchFamily="50" charset="-127"/>
+                <a:ea typeface="배달의민족 한나체 Air" panose="020B0600000101010101" pitchFamily="50" charset="-127"/>
+              </a:rPr>
+              <a:t> </a:t>
+            </a:r>
+            <a:r>
+              <a:rPr lang="en-US" altLang="ko-KR" sz="4800" dirty="0">
+                <a:latin typeface="배달의민족 한나체 Air" panose="020B0600000101010101" pitchFamily="50" charset="-127"/>
+                <a:ea typeface="배달의민족 한나체 Air" panose="020B0600000101010101" pitchFamily="50" charset="-127"/>
+              </a:rPr>
+              <a:t>Git </a:t>
+            </a:r>
+            <a:r>
+              <a:rPr lang="ko-KR" altLang="en-US" sz="4800" dirty="0">
+                <a:latin typeface="배달의민족 한나체 Air" panose="020B0600000101010101" pitchFamily="50" charset="-127"/>
+                <a:ea typeface="배달의민족 한나체 Air" panose="020B0600000101010101" pitchFamily="50" charset="-127"/>
+              </a:rPr>
+              <a:t>꼭 사용해야 하나</a:t>
+            </a:r>
+            <a:r>
+              <a:rPr lang="en-US" altLang="ko-KR" sz="4800" dirty="0">
+                <a:latin typeface="배달의민족 한나체 Air" panose="020B0600000101010101" pitchFamily="50" charset="-127"/>
+                <a:ea typeface="배달의민족 한나체 Air" panose="020B0600000101010101" pitchFamily="50" charset="-127"/>
+              </a:rPr>
+              <a:t>?</a:t>
+            </a:r>
+            <a:endParaRPr lang="ko-KR" altLang="en-US" sz="4800" dirty="0">
+              <a:latin typeface="배달의민족 한나체 Air" panose="020B0600000101010101" pitchFamily="50" charset="-127"/>
+              <a:ea typeface="배달의민족 한나체 Air" panose="020B0600000101010101" pitchFamily="50" charset="-127"/>
+            </a:endParaRPr>
+          </a:p>
+        </p:txBody>
+      </p:sp>
+      <p:sp>
+        <p:nvSpPr>
+          <p:cNvPr id="22" name="TextBox 21">
+            <a:extLst>
+              <a:ext uri="{FF2B5EF4-FFF2-40B4-BE49-F238E27FC236}">
+                <a16:creationId xmlns:a16="http://schemas.microsoft.com/office/drawing/2014/main" id="{F8D8F523-2362-403F-BDA4-DC09E62E90CB}"/>
+              </a:ext>
+            </a:extLst>
+          </p:cNvPr>
+          <p:cNvSpPr txBox="1"/>
+          <p:nvPr/>
+        </p:nvSpPr>
+        <p:spPr>
+          <a:xfrm>
+            <a:off x="10275277" y="4334313"/>
+            <a:ext cx="3024554" cy="369332"/>
+          </a:xfrm>
+          <a:prstGeom prst="rect">
+            <a:avLst/>
+          </a:prstGeom>
+          <a:noFill/>
+        </p:spPr>
+        <p:txBody>
+          <a:bodyPr wrap="square" rtlCol="0">
+            <a:spAutoFit/>
+          </a:bodyPr>
+          <a:lstStyle/>
+          <a:p>
+            <a:r>
+              <a:rPr lang="en-US" altLang="ko-KR" dirty="0">
+                <a:latin typeface="배달의민족 한나체 Air" panose="020B0600000101010101" pitchFamily="50" charset="-127"/>
+                <a:ea typeface="배달의민족 한나체 Air" panose="020B0600000101010101" pitchFamily="50" charset="-127"/>
+              </a:rPr>
+              <a:t>………….</a:t>
+            </a:r>
+            <a:endParaRPr lang="ko-KR" altLang="en-US" dirty="0">
+              <a:latin typeface="배달의민족 한나체 Air" panose="020B0600000101010101" pitchFamily="50" charset="-127"/>
+              <a:ea typeface="배달의민족 한나체 Air" panose="020B0600000101010101" pitchFamily="50" charset="-127"/>
+            </a:endParaRPr>
+          </a:p>
+        </p:txBody>
+      </p:sp>
+      <p:pic>
+        <p:nvPicPr>
+          <p:cNvPr id="2" name="그림 1">
+            <a:extLst>
+              <a:ext uri="{FF2B5EF4-FFF2-40B4-BE49-F238E27FC236}">
+                <a16:creationId xmlns:a16="http://schemas.microsoft.com/office/drawing/2014/main" id="{05D267F8-40A4-4221-B431-DCCD624368A8}"/>
+              </a:ext>
+            </a:extLst>
+          </p:cNvPr>
+          <p:cNvPicPr>
+            <a:picLocks noChangeAspect="1"/>
+          </p:cNvPicPr>
+          <p:nvPr/>
+        </p:nvPicPr>
+        <p:blipFill>
+          <a:blip r:embed="rId2"/>
+          <a:stretch>
+            <a:fillRect/>
+          </a:stretch>
+        </p:blipFill>
+        <p:spPr>
+          <a:xfrm>
+            <a:off x="815787" y="1887479"/>
+            <a:ext cx="10560424" cy="4073415"/>
+          </a:xfrm>
+          <a:prstGeom prst="rect">
+            <a:avLst/>
+          </a:prstGeom>
+        </p:spPr>
+      </p:pic>
+      <p:sp>
+        <p:nvSpPr>
+          <p:cNvPr id="19" name="TextBox 18">
+            <a:extLst>
+              <a:ext uri="{FF2B5EF4-FFF2-40B4-BE49-F238E27FC236}">
+                <a16:creationId xmlns:a16="http://schemas.microsoft.com/office/drawing/2014/main" id="{4571A37D-2CA3-463D-8D4D-950A3381ED35}"/>
+              </a:ext>
+            </a:extLst>
+          </p:cNvPr>
+          <p:cNvSpPr txBox="1"/>
+          <p:nvPr/>
+        </p:nvSpPr>
+        <p:spPr>
+          <a:xfrm>
+            <a:off x="5700864" y="6199318"/>
+            <a:ext cx="5741376" cy="307777"/>
+          </a:xfrm>
+          <a:prstGeom prst="rect">
+            <a:avLst/>
+          </a:prstGeom>
+          <a:noFill/>
+        </p:spPr>
+        <p:txBody>
+          <a:bodyPr wrap="square" rtlCol="0">
+            <a:spAutoFit/>
+          </a:bodyPr>
+          <a:lstStyle/>
+          <a:p>
+            <a:r>
+              <a:rPr lang="ko-KR" altLang="en-US" sz="1400" dirty="0">
+                <a:latin typeface="배달의민족 한나체 Air" panose="020B0600000101010101" pitchFamily="50" charset="-127"/>
+                <a:ea typeface="배달의민족 한나체 Air" panose="020B0600000101010101" pitchFamily="50" charset="-127"/>
+              </a:rPr>
+              <a:t>출처</a:t>
+            </a:r>
+            <a:r>
+              <a:rPr lang="en-US" altLang="ko-KR" sz="1400" dirty="0">
+                <a:latin typeface="배달의민족 한나체 Air" panose="020B0600000101010101" pitchFamily="50" charset="-127"/>
+                <a:ea typeface="배달의민족 한나체 Air" panose="020B0600000101010101" pitchFamily="50" charset="-127"/>
+              </a:rPr>
+              <a:t> : </a:t>
+            </a:r>
+            <a:r>
+              <a:rPr lang="en-US" altLang="ko-KR" sz="1400" dirty="0">
+                <a:hlinkClick r:id="rId3"/>
+              </a:rPr>
+              <a:t>https://programmers.co.kr/pages/dev-survey-2019#hiring-time</a:t>
+            </a:r>
+            <a:r>
+              <a:rPr lang="en-US" altLang="ko-KR" sz="1400" dirty="0">
+                <a:latin typeface="배달의민족 한나체 Air" panose="020B0600000101010101" pitchFamily="50" charset="-127"/>
+                <a:ea typeface="배달의민족 한나체 Air" panose="020B0600000101010101" pitchFamily="50" charset="-127"/>
+              </a:rPr>
+              <a:t> </a:t>
+            </a:r>
+            <a:endParaRPr lang="ko-KR" altLang="en-US" sz="1400" dirty="0">
+              <a:latin typeface="배달의민족 한나체 Air" panose="020B0600000101010101" pitchFamily="50" charset="-127"/>
+              <a:ea typeface="배달의민족 한나체 Air" panose="020B0600000101010101" pitchFamily="50" charset="-127"/>
+            </a:endParaRPr>
+          </a:p>
+        </p:txBody>
+      </p:sp>
+    </p:spTree>
+    <p:extLst>
+      <p:ext uri="{BB962C8B-B14F-4D97-AF65-F5344CB8AC3E}">
+        <p14:creationId xmlns:p14="http://schemas.microsoft.com/office/powerpoint/2010/main" val="2602747492"/>
+      </p:ext>
+    </p:extLst>
+  </p:cSld>
+  <p:clrMapOvr>
+    <a:masterClrMapping/>
+  </p:clrMapOvr>
+</p:sld>
+</file>
+
+<file path=ppt/slides/slide40.xml><?xml version="1.0" encoding="utf-8"?>
 <p:sld xmlns:a="http://schemas.openxmlformats.org/drawingml/2006/main" xmlns:r="http://schemas.openxmlformats.org/officeDocument/2006/relationships" xmlns:p="http://schemas.openxmlformats.org/presentationml/2006/main">
   <p:cSld>
     <p:spTree>
@@ -38151,683 +39032,7 @@
 </p:sld>
 </file>
 
-<file path=ppt/slides/slide4.xml><?xml version="1.0" encoding="utf-8"?>
-<p:sld xmlns:a="http://schemas.openxmlformats.org/drawingml/2006/main" xmlns:r="http://schemas.openxmlformats.org/officeDocument/2006/relationships" xmlns:p="http://schemas.openxmlformats.org/presentationml/2006/main">
-  <p:cSld>
-    <p:spTree>
-      <p:nvGrpSpPr>
-        <p:cNvPr id="1" name=""/>
-        <p:cNvGrpSpPr/>
-        <p:nvPr/>
-      </p:nvGrpSpPr>
-      <p:grpSpPr>
-        <a:xfrm>
-          <a:off x="0" y="0"/>
-          <a:ext cx="0" cy="0"/>
-          <a:chOff x="0" y="0"/>
-          <a:chExt cx="0" cy="0"/>
-        </a:xfrm>
-      </p:grpSpPr>
-      <p:sp>
-        <p:nvSpPr>
-          <p:cNvPr id="5" name="직사각형 4"/>
-          <p:cNvSpPr/>
-          <p:nvPr/>
-        </p:nvSpPr>
-        <p:spPr>
-          <a:xfrm>
-            <a:off x="0" y="-1"/>
-            <a:ext cx="12192000" cy="6830555"/>
-          </a:xfrm>
-          <a:prstGeom prst="rect">
-            <a:avLst/>
-          </a:prstGeom>
-          <a:noFill/>
-          <a:ln w="95250">
-            <a:solidFill>
-              <a:srgbClr val="01C73C"/>
-            </a:solidFill>
-          </a:ln>
-        </p:spPr>
-        <p:style>
-          <a:lnRef idx="2">
-            <a:schemeClr val="accent1">
-              <a:shade val="50000"/>
-            </a:schemeClr>
-          </a:lnRef>
-          <a:fillRef idx="1">
-            <a:schemeClr val="accent1"/>
-          </a:fillRef>
-          <a:effectRef idx="0">
-            <a:schemeClr val="accent1"/>
-          </a:effectRef>
-          <a:fontRef idx="minor">
-            <a:schemeClr val="lt1"/>
-          </a:fontRef>
-        </p:style>
-        <p:txBody>
-          <a:bodyPr rtlCol="0" anchor="ctr"/>
-          <a:lstStyle/>
-          <a:p>
-            <a:pPr algn="ctr"/>
-            <a:endParaRPr lang="ko-KR" altLang="en-US">
-              <a:solidFill>
-                <a:prstClr val="white"/>
-              </a:solidFill>
-              <a:latin typeface="배달의민족 한나체 Air" panose="020B0600000101010101" pitchFamily="50" charset="-127"/>
-              <a:ea typeface="배달의민족 한나체 Air" panose="020B0600000101010101" pitchFamily="50" charset="-127"/>
-            </a:endParaRPr>
-          </a:p>
-        </p:txBody>
-      </p:sp>
-      <p:sp>
-        <p:nvSpPr>
-          <p:cNvPr id="6" name="직사각형 5"/>
-          <p:cNvSpPr/>
-          <p:nvPr/>
-        </p:nvSpPr>
-        <p:spPr>
-          <a:xfrm>
-            <a:off x="-1" y="0"/>
-            <a:ext cx="12192000" cy="653143"/>
-          </a:xfrm>
-          <a:prstGeom prst="rect">
-            <a:avLst/>
-          </a:prstGeom>
-          <a:solidFill>
-            <a:srgbClr val="01C73C"/>
-          </a:solidFill>
-          <a:ln w="95250">
-            <a:noFill/>
-          </a:ln>
-        </p:spPr>
-        <p:style>
-          <a:lnRef idx="2">
-            <a:schemeClr val="accent1">
-              <a:shade val="50000"/>
-            </a:schemeClr>
-          </a:lnRef>
-          <a:fillRef idx="1">
-            <a:schemeClr val="accent1"/>
-          </a:fillRef>
-          <a:effectRef idx="0">
-            <a:schemeClr val="accent1"/>
-          </a:effectRef>
-          <a:fontRef idx="minor">
-            <a:schemeClr val="lt1"/>
-          </a:fontRef>
-        </p:style>
-        <p:txBody>
-          <a:bodyPr rtlCol="0" anchor="ctr"/>
-          <a:lstStyle/>
-          <a:p>
-            <a:pPr lvl="3" latinLnBrk="0">
-              <a:defRPr/>
-            </a:pPr>
-            <a:endParaRPr lang="ko-KR" altLang="en-US" sz="1400" kern="0" dirty="0">
-              <a:solidFill>
-                <a:prstClr val="white"/>
-              </a:solidFill>
-              <a:latin typeface="배달의민족 한나체 Air" panose="020B0600000101010101" pitchFamily="50" charset="-127"/>
-              <a:ea typeface="배달의민족 한나체 Air" panose="020B0600000101010101" pitchFamily="50" charset="-127"/>
-            </a:endParaRPr>
-          </a:p>
-        </p:txBody>
-      </p:sp>
-      <p:sp>
-        <p:nvSpPr>
-          <p:cNvPr id="7" name="직사각형 6"/>
-          <p:cNvSpPr/>
-          <p:nvPr/>
-        </p:nvSpPr>
-        <p:spPr>
-          <a:xfrm>
-            <a:off x="3430786" y="146178"/>
-            <a:ext cx="3896674" cy="352425"/>
-          </a:xfrm>
-          <a:prstGeom prst="rect">
-            <a:avLst/>
-          </a:prstGeom>
-          <a:solidFill>
-            <a:schemeClr val="bg1"/>
-          </a:solidFill>
-          <a:ln w="95250">
-            <a:noFill/>
-          </a:ln>
-        </p:spPr>
-        <p:style>
-          <a:lnRef idx="2">
-            <a:schemeClr val="accent1">
-              <a:shade val="50000"/>
-            </a:schemeClr>
-          </a:lnRef>
-          <a:fillRef idx="1">
-            <a:schemeClr val="accent1"/>
-          </a:fillRef>
-          <a:effectRef idx="0">
-            <a:schemeClr val="accent1"/>
-          </a:effectRef>
-          <a:fontRef idx="minor">
-            <a:schemeClr val="lt1"/>
-          </a:fontRef>
-        </p:style>
-        <p:txBody>
-          <a:bodyPr rtlCol="0" anchor="ctr"/>
-          <a:lstStyle/>
-          <a:p>
-            <a:pPr algn="ctr"/>
-            <a:r>
-              <a:rPr lang="en-US" altLang="ko-KR" dirty="0">
-                <a:solidFill>
-                  <a:schemeClr val="tx1"/>
-                </a:solidFill>
-                <a:latin typeface="배달의민족 한나체 Air" panose="020B0600000101010101" pitchFamily="50" charset="-127"/>
-                <a:ea typeface="배달의민족 한나체 Air" panose="020B0600000101010101" pitchFamily="50" charset="-127"/>
-              </a:rPr>
-              <a:t>Git </a:t>
-            </a:r>
-            <a:r>
-              <a:rPr lang="ko-KR" altLang="en-US" dirty="0">
-                <a:solidFill>
-                  <a:schemeClr val="tx1"/>
-                </a:solidFill>
-                <a:latin typeface="배달의민족 한나체 Air" panose="020B0600000101010101" pitchFamily="50" charset="-127"/>
-                <a:ea typeface="배달의민족 한나체 Air" panose="020B0600000101010101" pitchFamily="50" charset="-127"/>
-              </a:rPr>
-              <a:t>소개</a:t>
-            </a:r>
-          </a:p>
-        </p:txBody>
-      </p:sp>
-      <p:sp>
-        <p:nvSpPr>
-          <p:cNvPr id="8" name="직사각형 7"/>
-          <p:cNvSpPr/>
-          <p:nvPr/>
-        </p:nvSpPr>
-        <p:spPr>
-          <a:xfrm>
-            <a:off x="7639050" y="150358"/>
-            <a:ext cx="352800" cy="352425"/>
-          </a:xfrm>
-          <a:prstGeom prst="rect">
-            <a:avLst/>
-          </a:prstGeom>
-          <a:solidFill>
-            <a:srgbClr val="29A93A"/>
-          </a:solidFill>
-          <a:ln w="12700">
-            <a:solidFill>
-              <a:srgbClr val="01A333"/>
-            </a:solidFill>
-          </a:ln>
-        </p:spPr>
-        <p:style>
-          <a:lnRef idx="2">
-            <a:schemeClr val="accent1">
-              <a:shade val="50000"/>
-            </a:schemeClr>
-          </a:lnRef>
-          <a:fillRef idx="1">
-            <a:schemeClr val="accent1"/>
-          </a:fillRef>
-          <a:effectRef idx="0">
-            <a:schemeClr val="accent1"/>
-          </a:effectRef>
-          <a:fontRef idx="minor">
-            <a:schemeClr val="lt1"/>
-          </a:fontRef>
-        </p:style>
-        <p:txBody>
-          <a:bodyPr rtlCol="0" anchor="ctr"/>
-          <a:lstStyle/>
-          <a:p>
-            <a:pPr algn="ctr"/>
-            <a:endParaRPr lang="ko-KR" altLang="en-US">
-              <a:solidFill>
-                <a:prstClr val="white"/>
-              </a:solidFill>
-              <a:latin typeface="배달의민족 한나체 Air" panose="020B0600000101010101" pitchFamily="50" charset="-127"/>
-              <a:ea typeface="배달의민족 한나체 Air" panose="020B0600000101010101" pitchFamily="50" charset="-127"/>
-            </a:endParaRPr>
-          </a:p>
-        </p:txBody>
-      </p:sp>
-      <p:sp>
-        <p:nvSpPr>
-          <p:cNvPr id="9" name="직사각형 8"/>
-          <p:cNvSpPr/>
-          <p:nvPr/>
-        </p:nvSpPr>
-        <p:spPr>
-          <a:xfrm>
-            <a:off x="8270231" y="147128"/>
-            <a:ext cx="876301" cy="352425"/>
-          </a:xfrm>
-          <a:prstGeom prst="rect">
-            <a:avLst/>
-          </a:prstGeom>
-          <a:solidFill>
-            <a:srgbClr val="29A93A"/>
-          </a:solidFill>
-          <a:ln w="12700">
-            <a:solidFill>
-              <a:srgbClr val="01A333"/>
-            </a:solidFill>
-          </a:ln>
-        </p:spPr>
-        <p:style>
-          <a:lnRef idx="2">
-            <a:schemeClr val="accent1">
-              <a:shade val="50000"/>
-            </a:schemeClr>
-          </a:lnRef>
-          <a:fillRef idx="1">
-            <a:schemeClr val="accent1"/>
-          </a:fillRef>
-          <a:effectRef idx="0">
-            <a:schemeClr val="accent1"/>
-          </a:effectRef>
-          <a:fontRef idx="minor">
-            <a:schemeClr val="lt1"/>
-          </a:fontRef>
-        </p:style>
-        <p:txBody>
-          <a:bodyPr rtlCol="0" anchor="ctr"/>
-          <a:lstStyle/>
-          <a:p>
-            <a:pPr algn="ctr"/>
-            <a:r>
-              <a:rPr lang="ko-KR" altLang="en-US" sz="1050" b="1" dirty="0">
-                <a:solidFill>
-                  <a:prstClr val="white"/>
-                </a:solidFill>
-                <a:latin typeface="배달의민족 한나체 Air" panose="020B0600000101010101" pitchFamily="50" charset="-127"/>
-                <a:ea typeface="배달의민족 한나체 Air" panose="020B0600000101010101" pitchFamily="50" charset="-127"/>
-              </a:rPr>
-              <a:t>통합검색</a:t>
-            </a:r>
-          </a:p>
-        </p:txBody>
-      </p:sp>
-      <p:sp>
-        <p:nvSpPr>
-          <p:cNvPr id="10" name="도넛 9"/>
-          <p:cNvSpPr/>
-          <p:nvPr/>
-        </p:nvSpPr>
-        <p:spPr>
-          <a:xfrm>
-            <a:off x="7717629" y="224520"/>
-            <a:ext cx="157164" cy="156482"/>
-          </a:xfrm>
-          <a:prstGeom prst="donut">
-            <a:avLst>
-              <a:gd name="adj" fmla="val 6590"/>
-            </a:avLst>
-          </a:prstGeom>
-          <a:solidFill>
-            <a:schemeClr val="bg1"/>
-          </a:solidFill>
-          <a:ln w="95250">
-            <a:noFill/>
-          </a:ln>
-        </p:spPr>
-        <p:style>
-          <a:lnRef idx="2">
-            <a:schemeClr val="accent1">
-              <a:shade val="50000"/>
-            </a:schemeClr>
-          </a:lnRef>
-          <a:fillRef idx="1">
-            <a:schemeClr val="accent1"/>
-          </a:fillRef>
-          <a:effectRef idx="0">
-            <a:schemeClr val="accent1"/>
-          </a:effectRef>
-          <a:fontRef idx="minor">
-            <a:schemeClr val="lt1"/>
-          </a:fontRef>
-        </p:style>
-        <p:txBody>
-          <a:bodyPr rtlCol="0" anchor="ctr"/>
-          <a:lstStyle/>
-          <a:p>
-            <a:pPr algn="ctr"/>
-            <a:endParaRPr lang="ko-KR" altLang="en-US">
-              <a:solidFill>
-                <a:prstClr val="white"/>
-              </a:solidFill>
-              <a:latin typeface="배달의민족 한나체 Air" panose="020B0600000101010101" pitchFamily="50" charset="-127"/>
-              <a:ea typeface="배달의민족 한나체 Air" panose="020B0600000101010101" pitchFamily="50" charset="-127"/>
-            </a:endParaRPr>
-          </a:p>
-        </p:txBody>
-      </p:sp>
-      <p:sp>
-        <p:nvSpPr>
-          <p:cNvPr id="11" name="모서리가 둥근 직사각형 10"/>
-          <p:cNvSpPr/>
-          <p:nvPr/>
-        </p:nvSpPr>
-        <p:spPr>
-          <a:xfrm rot="18900000">
-            <a:off x="7876538" y="338908"/>
-            <a:ext cx="10800" cy="108000"/>
-          </a:xfrm>
-          <a:prstGeom prst="roundRect">
-            <a:avLst>
-              <a:gd name="adj" fmla="val 50000"/>
-            </a:avLst>
-          </a:prstGeom>
-          <a:solidFill>
-            <a:schemeClr val="bg1"/>
-          </a:solidFill>
-          <a:ln>
-            <a:noFill/>
-          </a:ln>
-        </p:spPr>
-        <p:style>
-          <a:lnRef idx="2">
-            <a:schemeClr val="accent1">
-              <a:shade val="50000"/>
-            </a:schemeClr>
-          </a:lnRef>
-          <a:fillRef idx="1">
-            <a:schemeClr val="accent1"/>
-          </a:fillRef>
-          <a:effectRef idx="0">
-            <a:schemeClr val="accent1"/>
-          </a:effectRef>
-          <a:fontRef idx="minor">
-            <a:schemeClr val="lt1"/>
-          </a:fontRef>
-        </p:style>
-        <p:txBody>
-          <a:bodyPr rtlCol="0" anchor="ctr"/>
-          <a:lstStyle/>
-          <a:p>
-            <a:pPr algn="ctr"/>
-            <a:endParaRPr lang="ko-KR" altLang="en-US">
-              <a:solidFill>
-                <a:prstClr val="white"/>
-              </a:solidFill>
-              <a:latin typeface="배달의민족 한나체 Air" panose="020B0600000101010101" pitchFamily="50" charset="-127"/>
-              <a:ea typeface="배달의민족 한나체 Air" panose="020B0600000101010101" pitchFamily="50" charset="-127"/>
-            </a:endParaRPr>
-          </a:p>
-        </p:txBody>
-      </p:sp>
-      <p:sp>
-        <p:nvSpPr>
-          <p:cNvPr id="13" name="이등변 삼각형 12"/>
-          <p:cNvSpPr/>
-          <p:nvPr/>
-        </p:nvSpPr>
-        <p:spPr>
-          <a:xfrm flipV="1">
-            <a:off x="7376608" y="286391"/>
-            <a:ext cx="108000" cy="72000"/>
-          </a:xfrm>
-          <a:prstGeom prst="triangle">
-            <a:avLst/>
-          </a:prstGeom>
-          <a:solidFill>
-            <a:srgbClr val="01C73C"/>
-          </a:solidFill>
-          <a:ln w="95250">
-            <a:noFill/>
-          </a:ln>
-        </p:spPr>
-        <p:style>
-          <a:lnRef idx="2">
-            <a:schemeClr val="accent1">
-              <a:shade val="50000"/>
-            </a:schemeClr>
-          </a:lnRef>
-          <a:fillRef idx="1">
-            <a:schemeClr val="accent1"/>
-          </a:fillRef>
-          <a:effectRef idx="0">
-            <a:schemeClr val="accent1"/>
-          </a:effectRef>
-          <a:fontRef idx="minor">
-            <a:schemeClr val="lt1"/>
-          </a:fontRef>
-        </p:style>
-        <p:txBody>
-          <a:bodyPr rtlCol="0" anchor="ctr"/>
-          <a:lstStyle/>
-          <a:p>
-            <a:pPr algn="ctr"/>
-            <a:endParaRPr lang="ko-KR" altLang="en-US">
-              <a:solidFill>
-                <a:prstClr val="white"/>
-              </a:solidFill>
-              <a:latin typeface="배달의민족 한나체 Air" panose="020B0600000101010101" pitchFamily="50" charset="-127"/>
-              <a:ea typeface="배달의민족 한나체 Air" panose="020B0600000101010101" pitchFamily="50" charset="-127"/>
-            </a:endParaRPr>
-          </a:p>
-        </p:txBody>
-      </p:sp>
-      <p:sp>
-        <p:nvSpPr>
-          <p:cNvPr id="14" name="TextBox 13">
-            <a:extLst>
-              <a:ext uri="{FF2B5EF4-FFF2-40B4-BE49-F238E27FC236}">
-                <a16:creationId xmlns:a16="http://schemas.microsoft.com/office/drawing/2014/main" id="{B1EFD90A-3989-4190-8094-48064F630703}"/>
-              </a:ext>
-            </a:extLst>
-          </p:cNvPr>
-          <p:cNvSpPr txBox="1"/>
-          <p:nvPr/>
-        </p:nvSpPr>
-        <p:spPr>
-          <a:xfrm>
-            <a:off x="501162" y="897106"/>
-            <a:ext cx="8932984" cy="830997"/>
-          </a:xfrm>
-          <a:prstGeom prst="rect">
-            <a:avLst/>
-          </a:prstGeom>
-          <a:noFill/>
-        </p:spPr>
-        <p:txBody>
-          <a:bodyPr wrap="square" rtlCol="0">
-            <a:spAutoFit/>
-          </a:bodyPr>
-          <a:lstStyle/>
-          <a:p>
-            <a:r>
-              <a:rPr lang="en-US" altLang="ko-KR" sz="4800" dirty="0">
-                <a:latin typeface="배달의민족 한나체 Air" panose="020B0600000101010101" pitchFamily="50" charset="-127"/>
-                <a:ea typeface="배달의민족 한나체 Air" panose="020B0600000101010101" pitchFamily="50" charset="-127"/>
-              </a:rPr>
-              <a:t>Q.</a:t>
-            </a:r>
-            <a:r>
-              <a:rPr lang="ko-KR" altLang="en-US" sz="4800" dirty="0">
-                <a:latin typeface="배달의민족 한나체 Air" panose="020B0600000101010101" pitchFamily="50" charset="-127"/>
-                <a:ea typeface="배달의민족 한나체 Air" panose="020B0600000101010101" pitchFamily="50" charset="-127"/>
-              </a:rPr>
-              <a:t> </a:t>
-            </a:r>
-            <a:r>
-              <a:rPr lang="en-US" altLang="ko-KR" sz="4800" dirty="0">
-                <a:latin typeface="배달의민족 한나체 Air" panose="020B0600000101010101" pitchFamily="50" charset="-127"/>
-                <a:ea typeface="배달의민족 한나체 Air" panose="020B0600000101010101" pitchFamily="50" charset="-127"/>
-              </a:rPr>
-              <a:t>Git </a:t>
-            </a:r>
-            <a:r>
-              <a:rPr lang="ko-KR" altLang="en-US" sz="4800" dirty="0">
-                <a:latin typeface="배달의민족 한나체 Air" panose="020B0600000101010101" pitchFamily="50" charset="-127"/>
-                <a:ea typeface="배달의민족 한나체 Air" panose="020B0600000101010101" pitchFamily="50" charset="-127"/>
-              </a:rPr>
-              <a:t>꼭 사용해야 하나</a:t>
-            </a:r>
-            <a:r>
-              <a:rPr lang="en-US" altLang="ko-KR" sz="4800" dirty="0">
-                <a:latin typeface="배달의민족 한나체 Air" panose="020B0600000101010101" pitchFamily="50" charset="-127"/>
-                <a:ea typeface="배달의민족 한나체 Air" panose="020B0600000101010101" pitchFamily="50" charset="-127"/>
-              </a:rPr>
-              <a:t>?</a:t>
-            </a:r>
-            <a:endParaRPr lang="ko-KR" altLang="en-US" sz="4800" dirty="0">
-              <a:latin typeface="배달의민족 한나체 Air" panose="020B0600000101010101" pitchFamily="50" charset="-127"/>
-              <a:ea typeface="배달의민족 한나체 Air" panose="020B0600000101010101" pitchFamily="50" charset="-127"/>
-            </a:endParaRPr>
-          </a:p>
-        </p:txBody>
-      </p:sp>
-      <p:sp>
-        <p:nvSpPr>
-          <p:cNvPr id="22" name="TextBox 21">
-            <a:extLst>
-              <a:ext uri="{FF2B5EF4-FFF2-40B4-BE49-F238E27FC236}">
-                <a16:creationId xmlns:a16="http://schemas.microsoft.com/office/drawing/2014/main" id="{F8D8F523-2362-403F-BDA4-DC09E62E90CB}"/>
-              </a:ext>
-            </a:extLst>
-          </p:cNvPr>
-          <p:cNvSpPr txBox="1"/>
-          <p:nvPr/>
-        </p:nvSpPr>
-        <p:spPr>
-          <a:xfrm>
-            <a:off x="10275277" y="4334313"/>
-            <a:ext cx="3024554" cy="369332"/>
-          </a:xfrm>
-          <a:prstGeom prst="rect">
-            <a:avLst/>
-          </a:prstGeom>
-          <a:noFill/>
-        </p:spPr>
-        <p:txBody>
-          <a:bodyPr wrap="square" rtlCol="0">
-            <a:spAutoFit/>
-          </a:bodyPr>
-          <a:lstStyle/>
-          <a:p>
-            <a:r>
-              <a:rPr lang="en-US" altLang="ko-KR" dirty="0">
-                <a:latin typeface="배달의민족 한나체 Air" panose="020B0600000101010101" pitchFamily="50" charset="-127"/>
-                <a:ea typeface="배달의민족 한나체 Air" panose="020B0600000101010101" pitchFamily="50" charset="-127"/>
-              </a:rPr>
-              <a:t>………….</a:t>
-            </a:r>
-            <a:endParaRPr lang="ko-KR" altLang="en-US" dirty="0">
-              <a:latin typeface="배달의민족 한나체 Air" panose="020B0600000101010101" pitchFamily="50" charset="-127"/>
-              <a:ea typeface="배달의민족 한나체 Air" panose="020B0600000101010101" pitchFamily="50" charset="-127"/>
-            </a:endParaRPr>
-          </a:p>
-        </p:txBody>
-      </p:sp>
-      <p:pic>
-        <p:nvPicPr>
-          <p:cNvPr id="2" name="그림 1">
-            <a:extLst>
-              <a:ext uri="{FF2B5EF4-FFF2-40B4-BE49-F238E27FC236}">
-                <a16:creationId xmlns:a16="http://schemas.microsoft.com/office/drawing/2014/main" id="{05D267F8-40A4-4221-B431-DCCD624368A8}"/>
-              </a:ext>
-            </a:extLst>
-          </p:cNvPr>
-          <p:cNvPicPr>
-            <a:picLocks noChangeAspect="1"/>
-          </p:cNvPicPr>
-          <p:nvPr/>
-        </p:nvPicPr>
-        <p:blipFill>
-          <a:blip r:embed="rId2"/>
-          <a:stretch>
-            <a:fillRect/>
-          </a:stretch>
-        </p:blipFill>
-        <p:spPr>
-          <a:xfrm>
-            <a:off x="815787" y="1887479"/>
-            <a:ext cx="10560424" cy="4073415"/>
-          </a:xfrm>
-          <a:prstGeom prst="rect">
-            <a:avLst/>
-          </a:prstGeom>
-        </p:spPr>
-      </p:pic>
-      <p:sp>
-        <p:nvSpPr>
-          <p:cNvPr id="19" name="TextBox 18">
-            <a:extLst>
-              <a:ext uri="{FF2B5EF4-FFF2-40B4-BE49-F238E27FC236}">
-                <a16:creationId xmlns:a16="http://schemas.microsoft.com/office/drawing/2014/main" id="{4571A37D-2CA3-463D-8D4D-950A3381ED35}"/>
-              </a:ext>
-            </a:extLst>
-          </p:cNvPr>
-          <p:cNvSpPr txBox="1"/>
-          <p:nvPr/>
-        </p:nvSpPr>
-        <p:spPr>
-          <a:xfrm>
-            <a:off x="5700864" y="6199318"/>
-            <a:ext cx="5741376" cy="307777"/>
-          </a:xfrm>
-          <a:prstGeom prst="rect">
-            <a:avLst/>
-          </a:prstGeom>
-          <a:noFill/>
-        </p:spPr>
-        <p:txBody>
-          <a:bodyPr wrap="square" rtlCol="0">
-            <a:spAutoFit/>
-          </a:bodyPr>
-          <a:lstStyle/>
-          <a:p>
-            <a:r>
-              <a:rPr lang="ko-KR" altLang="en-US" sz="1400" dirty="0">
-                <a:latin typeface="배달의민족 한나체 Air" panose="020B0600000101010101" pitchFamily="50" charset="-127"/>
-                <a:ea typeface="배달의민족 한나체 Air" panose="020B0600000101010101" pitchFamily="50" charset="-127"/>
-              </a:rPr>
-              <a:t>출처</a:t>
-            </a:r>
-            <a:r>
-              <a:rPr lang="en-US" altLang="ko-KR" sz="1400" dirty="0">
-                <a:latin typeface="배달의민족 한나체 Air" panose="020B0600000101010101" pitchFamily="50" charset="-127"/>
-                <a:ea typeface="배달의민족 한나체 Air" panose="020B0600000101010101" pitchFamily="50" charset="-127"/>
-              </a:rPr>
-              <a:t> : </a:t>
-            </a:r>
-            <a:r>
-              <a:rPr lang="en-US" altLang="ko-KR" sz="1400" dirty="0">
-                <a:hlinkClick r:id="rId3"/>
-              </a:rPr>
-              <a:t>https://programmers.co.kr/pages/dev-survey-2019#hiring-time</a:t>
-            </a:r>
-            <a:r>
-              <a:rPr lang="en-US" altLang="ko-KR" sz="1400" dirty="0">
-                <a:latin typeface="배달의민족 한나체 Air" panose="020B0600000101010101" pitchFamily="50" charset="-127"/>
-                <a:ea typeface="배달의민족 한나체 Air" panose="020B0600000101010101" pitchFamily="50" charset="-127"/>
-              </a:rPr>
-              <a:t> </a:t>
-            </a:r>
-            <a:endParaRPr lang="ko-KR" altLang="en-US" sz="1400" dirty="0">
-              <a:latin typeface="배달의민족 한나체 Air" panose="020B0600000101010101" pitchFamily="50" charset="-127"/>
-              <a:ea typeface="배달의민족 한나체 Air" panose="020B0600000101010101" pitchFamily="50" charset="-127"/>
-            </a:endParaRPr>
-          </a:p>
-        </p:txBody>
-      </p:sp>
-    </p:spTree>
-    <p:extLst>
-      <p:ext uri="{BB962C8B-B14F-4D97-AF65-F5344CB8AC3E}">
-        <p14:creationId xmlns:p14="http://schemas.microsoft.com/office/powerpoint/2010/main" val="2602747492"/>
-      </p:ext>
-    </p:extLst>
-  </p:cSld>
-  <p:clrMapOvr>
-    <a:masterClrMapping/>
-  </p:clrMapOvr>
-</p:sld>
-</file>
-
-<file path=ppt/slides/slide40.xml><?xml version="1.0" encoding="utf-8"?>
+<file path=ppt/slides/slide41.xml><?xml version="1.0" encoding="utf-8"?>
 <p:sld xmlns:a="http://schemas.openxmlformats.org/drawingml/2006/main" xmlns:r="http://schemas.openxmlformats.org/officeDocument/2006/relationships" xmlns:p="http://schemas.openxmlformats.org/presentationml/2006/main">
   <p:cSld>
     <p:spTree>
@@ -40530,7 +40735,7 @@
 </p:sld>
 </file>
 
-<file path=ppt/slides/slide41.xml><?xml version="1.0" encoding="utf-8"?>
+<file path=ppt/slides/slide42.xml><?xml version="1.0" encoding="utf-8"?>
 <p:sld xmlns:a="http://schemas.openxmlformats.org/drawingml/2006/main" xmlns:r="http://schemas.openxmlformats.org/officeDocument/2006/relationships" xmlns:p="http://schemas.openxmlformats.org/presentationml/2006/main">
   <p:cSld>
     <p:spTree>
@@ -42215,801 +42420,6 @@
 </p:sld>
 </file>
 
-<file path=ppt/slides/slide42.xml><?xml version="1.0" encoding="utf-8"?>
-<p:sld xmlns:a="http://schemas.openxmlformats.org/drawingml/2006/main" xmlns:r="http://schemas.openxmlformats.org/officeDocument/2006/relationships" xmlns:p="http://schemas.openxmlformats.org/presentationml/2006/main">
-  <p:cSld>
-    <p:spTree>
-      <p:nvGrpSpPr>
-        <p:cNvPr id="1" name=""/>
-        <p:cNvGrpSpPr/>
-        <p:nvPr/>
-      </p:nvGrpSpPr>
-      <p:grpSpPr>
-        <a:xfrm>
-          <a:off x="0" y="0"/>
-          <a:ext cx="0" cy="0"/>
-          <a:chOff x="0" y="0"/>
-          <a:chExt cx="0" cy="0"/>
-        </a:xfrm>
-      </p:grpSpPr>
-      <p:sp>
-        <p:nvSpPr>
-          <p:cNvPr id="5" name="직사각형 4"/>
-          <p:cNvSpPr/>
-          <p:nvPr/>
-        </p:nvSpPr>
-        <p:spPr>
-          <a:xfrm>
-            <a:off x="0" y="-1"/>
-            <a:ext cx="12192000" cy="6830555"/>
-          </a:xfrm>
-          <a:prstGeom prst="rect">
-            <a:avLst/>
-          </a:prstGeom>
-          <a:noFill/>
-          <a:ln w="95250">
-            <a:solidFill>
-              <a:srgbClr val="01C73C"/>
-            </a:solidFill>
-          </a:ln>
-        </p:spPr>
-        <p:style>
-          <a:lnRef idx="2">
-            <a:schemeClr val="accent1">
-              <a:shade val="50000"/>
-            </a:schemeClr>
-          </a:lnRef>
-          <a:fillRef idx="1">
-            <a:schemeClr val="accent1"/>
-          </a:fillRef>
-          <a:effectRef idx="0">
-            <a:schemeClr val="accent1"/>
-          </a:effectRef>
-          <a:fontRef idx="minor">
-            <a:schemeClr val="lt1"/>
-          </a:fontRef>
-        </p:style>
-        <p:txBody>
-          <a:bodyPr rtlCol="0" anchor="ctr"/>
-          <a:lstStyle/>
-          <a:p>
-            <a:pPr algn="ctr"/>
-            <a:endParaRPr lang="ko-KR" altLang="en-US">
-              <a:solidFill>
-                <a:prstClr val="white"/>
-              </a:solidFill>
-              <a:latin typeface="배달의민족 한나체 Air" panose="020B0600000101010101" pitchFamily="50" charset="-127"/>
-              <a:ea typeface="배달의민족 한나체 Air" panose="020B0600000101010101" pitchFamily="50" charset="-127"/>
-            </a:endParaRPr>
-          </a:p>
-        </p:txBody>
-      </p:sp>
-      <p:sp>
-        <p:nvSpPr>
-          <p:cNvPr id="6" name="직사각형 5"/>
-          <p:cNvSpPr/>
-          <p:nvPr/>
-        </p:nvSpPr>
-        <p:spPr>
-          <a:xfrm>
-            <a:off x="-1" y="0"/>
-            <a:ext cx="12192000" cy="653143"/>
-          </a:xfrm>
-          <a:prstGeom prst="rect">
-            <a:avLst/>
-          </a:prstGeom>
-          <a:solidFill>
-            <a:srgbClr val="01C73C"/>
-          </a:solidFill>
-          <a:ln w="95250">
-            <a:noFill/>
-          </a:ln>
-        </p:spPr>
-        <p:style>
-          <a:lnRef idx="2">
-            <a:schemeClr val="accent1">
-              <a:shade val="50000"/>
-            </a:schemeClr>
-          </a:lnRef>
-          <a:fillRef idx="1">
-            <a:schemeClr val="accent1"/>
-          </a:fillRef>
-          <a:effectRef idx="0">
-            <a:schemeClr val="accent1"/>
-          </a:effectRef>
-          <a:fontRef idx="minor">
-            <a:schemeClr val="lt1"/>
-          </a:fontRef>
-        </p:style>
-        <p:txBody>
-          <a:bodyPr rtlCol="0" anchor="ctr"/>
-          <a:lstStyle/>
-          <a:p>
-            <a:pPr lvl="3" latinLnBrk="0">
-              <a:defRPr/>
-            </a:pPr>
-            <a:endParaRPr lang="ko-KR" altLang="en-US" sz="1400" kern="0" dirty="0">
-              <a:solidFill>
-                <a:prstClr val="white"/>
-              </a:solidFill>
-              <a:latin typeface="배달의민족 한나체 Air" panose="020B0600000101010101" pitchFamily="50" charset="-127"/>
-              <a:ea typeface="배달의민족 한나체 Air" panose="020B0600000101010101" pitchFamily="50" charset="-127"/>
-            </a:endParaRPr>
-          </a:p>
-        </p:txBody>
-      </p:sp>
-      <p:sp>
-        <p:nvSpPr>
-          <p:cNvPr id="7" name="직사각형 6"/>
-          <p:cNvSpPr/>
-          <p:nvPr/>
-        </p:nvSpPr>
-        <p:spPr>
-          <a:xfrm>
-            <a:off x="3430786" y="146178"/>
-            <a:ext cx="3896674" cy="352425"/>
-          </a:xfrm>
-          <a:prstGeom prst="rect">
-            <a:avLst/>
-          </a:prstGeom>
-          <a:solidFill>
-            <a:schemeClr val="bg1"/>
-          </a:solidFill>
-          <a:ln w="95250">
-            <a:noFill/>
-          </a:ln>
-        </p:spPr>
-        <p:style>
-          <a:lnRef idx="2">
-            <a:schemeClr val="accent1">
-              <a:shade val="50000"/>
-            </a:schemeClr>
-          </a:lnRef>
-          <a:fillRef idx="1">
-            <a:schemeClr val="accent1"/>
-          </a:fillRef>
-          <a:effectRef idx="0">
-            <a:schemeClr val="accent1"/>
-          </a:effectRef>
-          <a:fontRef idx="minor">
-            <a:schemeClr val="lt1"/>
-          </a:fontRef>
-        </p:style>
-        <p:txBody>
-          <a:bodyPr rtlCol="0" anchor="ctr"/>
-          <a:lstStyle/>
-          <a:p>
-            <a:pPr algn="ctr"/>
-            <a:r>
-              <a:rPr lang="en-US" altLang="ko-KR" dirty="0">
-                <a:solidFill>
-                  <a:schemeClr val="tx1"/>
-                </a:solidFill>
-                <a:latin typeface="배달의민족 한나체 Air" panose="020B0600000101010101" pitchFamily="50" charset="-127"/>
-                <a:ea typeface="배달의민족 한나체 Air" panose="020B0600000101010101" pitchFamily="50" charset="-127"/>
-              </a:rPr>
-              <a:t>Git </a:t>
-            </a:r>
-            <a:r>
-              <a:rPr lang="ko-KR" altLang="en-US" dirty="0">
-                <a:solidFill>
-                  <a:schemeClr val="tx1"/>
-                </a:solidFill>
-                <a:latin typeface="배달의민족 한나체 Air" panose="020B0600000101010101" pitchFamily="50" charset="-127"/>
-                <a:ea typeface="배달의민족 한나체 Air" panose="020B0600000101010101" pitchFamily="50" charset="-127"/>
-              </a:rPr>
-              <a:t>더 알아보기</a:t>
-            </a:r>
-          </a:p>
-        </p:txBody>
-      </p:sp>
-      <p:sp>
-        <p:nvSpPr>
-          <p:cNvPr id="8" name="직사각형 7"/>
-          <p:cNvSpPr/>
-          <p:nvPr/>
-        </p:nvSpPr>
-        <p:spPr>
-          <a:xfrm>
-            <a:off x="7639050" y="150358"/>
-            <a:ext cx="352800" cy="352425"/>
-          </a:xfrm>
-          <a:prstGeom prst="rect">
-            <a:avLst/>
-          </a:prstGeom>
-          <a:solidFill>
-            <a:srgbClr val="29A93A"/>
-          </a:solidFill>
-          <a:ln w="12700">
-            <a:solidFill>
-              <a:srgbClr val="01A333"/>
-            </a:solidFill>
-          </a:ln>
-        </p:spPr>
-        <p:style>
-          <a:lnRef idx="2">
-            <a:schemeClr val="accent1">
-              <a:shade val="50000"/>
-            </a:schemeClr>
-          </a:lnRef>
-          <a:fillRef idx="1">
-            <a:schemeClr val="accent1"/>
-          </a:fillRef>
-          <a:effectRef idx="0">
-            <a:schemeClr val="accent1"/>
-          </a:effectRef>
-          <a:fontRef idx="minor">
-            <a:schemeClr val="lt1"/>
-          </a:fontRef>
-        </p:style>
-        <p:txBody>
-          <a:bodyPr rtlCol="0" anchor="ctr"/>
-          <a:lstStyle/>
-          <a:p>
-            <a:pPr algn="ctr"/>
-            <a:endParaRPr lang="ko-KR" altLang="en-US">
-              <a:solidFill>
-                <a:prstClr val="white"/>
-              </a:solidFill>
-              <a:latin typeface="배달의민족 한나체 Air" panose="020B0600000101010101" pitchFamily="50" charset="-127"/>
-              <a:ea typeface="배달의민족 한나체 Air" panose="020B0600000101010101" pitchFamily="50" charset="-127"/>
-            </a:endParaRPr>
-          </a:p>
-        </p:txBody>
-      </p:sp>
-      <p:sp>
-        <p:nvSpPr>
-          <p:cNvPr id="9" name="직사각형 8"/>
-          <p:cNvSpPr/>
-          <p:nvPr/>
-        </p:nvSpPr>
-        <p:spPr>
-          <a:xfrm>
-            <a:off x="8270231" y="147128"/>
-            <a:ext cx="876301" cy="352425"/>
-          </a:xfrm>
-          <a:prstGeom prst="rect">
-            <a:avLst/>
-          </a:prstGeom>
-          <a:solidFill>
-            <a:srgbClr val="29A93A"/>
-          </a:solidFill>
-          <a:ln w="12700">
-            <a:solidFill>
-              <a:srgbClr val="01A333"/>
-            </a:solidFill>
-          </a:ln>
-        </p:spPr>
-        <p:style>
-          <a:lnRef idx="2">
-            <a:schemeClr val="accent1">
-              <a:shade val="50000"/>
-            </a:schemeClr>
-          </a:lnRef>
-          <a:fillRef idx="1">
-            <a:schemeClr val="accent1"/>
-          </a:fillRef>
-          <a:effectRef idx="0">
-            <a:schemeClr val="accent1"/>
-          </a:effectRef>
-          <a:fontRef idx="minor">
-            <a:schemeClr val="lt1"/>
-          </a:fontRef>
-        </p:style>
-        <p:txBody>
-          <a:bodyPr rtlCol="0" anchor="ctr"/>
-          <a:lstStyle/>
-          <a:p>
-            <a:pPr algn="ctr"/>
-            <a:r>
-              <a:rPr lang="ko-KR" altLang="en-US" sz="1050" b="1" dirty="0">
-                <a:solidFill>
-                  <a:prstClr val="white"/>
-                </a:solidFill>
-                <a:latin typeface="배달의민족 한나체 Air" panose="020B0600000101010101" pitchFamily="50" charset="-127"/>
-                <a:ea typeface="배달의민족 한나체 Air" panose="020B0600000101010101" pitchFamily="50" charset="-127"/>
-              </a:rPr>
-              <a:t>통합검색</a:t>
-            </a:r>
-          </a:p>
-        </p:txBody>
-      </p:sp>
-      <p:sp>
-        <p:nvSpPr>
-          <p:cNvPr id="10" name="도넛 9"/>
-          <p:cNvSpPr/>
-          <p:nvPr/>
-        </p:nvSpPr>
-        <p:spPr>
-          <a:xfrm>
-            <a:off x="7717629" y="224520"/>
-            <a:ext cx="157164" cy="156482"/>
-          </a:xfrm>
-          <a:prstGeom prst="donut">
-            <a:avLst>
-              <a:gd name="adj" fmla="val 6590"/>
-            </a:avLst>
-          </a:prstGeom>
-          <a:solidFill>
-            <a:schemeClr val="bg1"/>
-          </a:solidFill>
-          <a:ln w="95250">
-            <a:noFill/>
-          </a:ln>
-        </p:spPr>
-        <p:style>
-          <a:lnRef idx="2">
-            <a:schemeClr val="accent1">
-              <a:shade val="50000"/>
-            </a:schemeClr>
-          </a:lnRef>
-          <a:fillRef idx="1">
-            <a:schemeClr val="accent1"/>
-          </a:fillRef>
-          <a:effectRef idx="0">
-            <a:schemeClr val="accent1"/>
-          </a:effectRef>
-          <a:fontRef idx="minor">
-            <a:schemeClr val="lt1"/>
-          </a:fontRef>
-        </p:style>
-        <p:txBody>
-          <a:bodyPr rtlCol="0" anchor="ctr"/>
-          <a:lstStyle/>
-          <a:p>
-            <a:pPr algn="ctr"/>
-            <a:endParaRPr lang="ko-KR" altLang="en-US">
-              <a:solidFill>
-                <a:prstClr val="white"/>
-              </a:solidFill>
-              <a:latin typeface="배달의민족 한나체 Air" panose="020B0600000101010101" pitchFamily="50" charset="-127"/>
-              <a:ea typeface="배달의민족 한나체 Air" panose="020B0600000101010101" pitchFamily="50" charset="-127"/>
-            </a:endParaRPr>
-          </a:p>
-        </p:txBody>
-      </p:sp>
-      <p:sp>
-        <p:nvSpPr>
-          <p:cNvPr id="11" name="모서리가 둥근 직사각형 10"/>
-          <p:cNvSpPr/>
-          <p:nvPr/>
-        </p:nvSpPr>
-        <p:spPr>
-          <a:xfrm rot="18900000">
-            <a:off x="7876538" y="338908"/>
-            <a:ext cx="10800" cy="108000"/>
-          </a:xfrm>
-          <a:prstGeom prst="roundRect">
-            <a:avLst>
-              <a:gd name="adj" fmla="val 50000"/>
-            </a:avLst>
-          </a:prstGeom>
-          <a:solidFill>
-            <a:schemeClr val="bg1"/>
-          </a:solidFill>
-          <a:ln>
-            <a:noFill/>
-          </a:ln>
-        </p:spPr>
-        <p:style>
-          <a:lnRef idx="2">
-            <a:schemeClr val="accent1">
-              <a:shade val="50000"/>
-            </a:schemeClr>
-          </a:lnRef>
-          <a:fillRef idx="1">
-            <a:schemeClr val="accent1"/>
-          </a:fillRef>
-          <a:effectRef idx="0">
-            <a:schemeClr val="accent1"/>
-          </a:effectRef>
-          <a:fontRef idx="minor">
-            <a:schemeClr val="lt1"/>
-          </a:fontRef>
-        </p:style>
-        <p:txBody>
-          <a:bodyPr rtlCol="0" anchor="ctr"/>
-          <a:lstStyle/>
-          <a:p>
-            <a:pPr algn="ctr"/>
-            <a:endParaRPr lang="ko-KR" altLang="en-US">
-              <a:solidFill>
-                <a:prstClr val="white"/>
-              </a:solidFill>
-              <a:latin typeface="배달의민족 한나체 Air" panose="020B0600000101010101" pitchFamily="50" charset="-127"/>
-              <a:ea typeface="배달의민족 한나체 Air" panose="020B0600000101010101" pitchFamily="50" charset="-127"/>
-            </a:endParaRPr>
-          </a:p>
-        </p:txBody>
-      </p:sp>
-      <p:sp>
-        <p:nvSpPr>
-          <p:cNvPr id="13" name="이등변 삼각형 12"/>
-          <p:cNvSpPr/>
-          <p:nvPr/>
-        </p:nvSpPr>
-        <p:spPr>
-          <a:xfrm flipV="1">
-            <a:off x="7376608" y="286391"/>
-            <a:ext cx="108000" cy="72000"/>
-          </a:xfrm>
-          <a:prstGeom prst="triangle">
-            <a:avLst/>
-          </a:prstGeom>
-          <a:solidFill>
-            <a:srgbClr val="01C73C"/>
-          </a:solidFill>
-          <a:ln w="95250">
-            <a:noFill/>
-          </a:ln>
-        </p:spPr>
-        <p:style>
-          <a:lnRef idx="2">
-            <a:schemeClr val="accent1">
-              <a:shade val="50000"/>
-            </a:schemeClr>
-          </a:lnRef>
-          <a:fillRef idx="1">
-            <a:schemeClr val="accent1"/>
-          </a:fillRef>
-          <a:effectRef idx="0">
-            <a:schemeClr val="accent1"/>
-          </a:effectRef>
-          <a:fontRef idx="minor">
-            <a:schemeClr val="lt1"/>
-          </a:fontRef>
-        </p:style>
-        <p:txBody>
-          <a:bodyPr rtlCol="0" anchor="ctr"/>
-          <a:lstStyle/>
-          <a:p>
-            <a:pPr algn="ctr"/>
-            <a:endParaRPr lang="ko-KR" altLang="en-US">
-              <a:solidFill>
-                <a:prstClr val="white"/>
-              </a:solidFill>
-              <a:latin typeface="배달의민족 한나체 Air" panose="020B0600000101010101" pitchFamily="50" charset="-127"/>
-              <a:ea typeface="배달의민족 한나체 Air" panose="020B0600000101010101" pitchFamily="50" charset="-127"/>
-            </a:endParaRPr>
-          </a:p>
-        </p:txBody>
-      </p:sp>
-      <p:sp>
-        <p:nvSpPr>
-          <p:cNvPr id="14" name="TextBox 13">
-            <a:extLst>
-              <a:ext uri="{FF2B5EF4-FFF2-40B4-BE49-F238E27FC236}">
-                <a16:creationId xmlns:a16="http://schemas.microsoft.com/office/drawing/2014/main" id="{BADB64DF-3733-4C49-9402-11B683ABC482}"/>
-              </a:ext>
-            </a:extLst>
-          </p:cNvPr>
-          <p:cNvSpPr txBox="1"/>
-          <p:nvPr/>
-        </p:nvSpPr>
-        <p:spPr>
-          <a:xfrm>
-            <a:off x="448409" y="1027130"/>
-            <a:ext cx="5714999" cy="707886"/>
-          </a:xfrm>
-          <a:prstGeom prst="rect">
-            <a:avLst/>
-          </a:prstGeom>
-          <a:noFill/>
-        </p:spPr>
-        <p:txBody>
-          <a:bodyPr wrap="square" rtlCol="0">
-            <a:spAutoFit/>
-          </a:bodyPr>
-          <a:lstStyle/>
-          <a:p>
-            <a:r>
-              <a:rPr lang="en-US" altLang="ko-KR" sz="4000" dirty="0" err="1">
-                <a:latin typeface="배달의민족 한나체 Air" panose="020B0600000101010101" pitchFamily="50" charset="-127"/>
-                <a:ea typeface="배달의민족 한나체 Air" panose="020B0600000101010101" pitchFamily="50" charset="-127"/>
-              </a:rPr>
-              <a:t>mergetool</a:t>
-            </a:r>
-            <a:r>
-              <a:rPr lang="en-US" altLang="ko-KR" sz="4000" dirty="0">
-                <a:latin typeface="배달의민족 한나체 Air" panose="020B0600000101010101" pitchFamily="50" charset="-127"/>
-                <a:ea typeface="배달의민족 한나체 Air" panose="020B0600000101010101" pitchFamily="50" charset="-127"/>
-              </a:rPr>
-              <a:t> p4merge </a:t>
-            </a:r>
-            <a:r>
-              <a:rPr lang="ko-KR" altLang="en-US" sz="4000" dirty="0">
-                <a:latin typeface="배달의민족 한나체 Air" panose="020B0600000101010101" pitchFamily="50" charset="-127"/>
-                <a:ea typeface="배달의민족 한나체 Air" panose="020B0600000101010101" pitchFamily="50" charset="-127"/>
-              </a:rPr>
-              <a:t>설정</a:t>
-            </a:r>
-          </a:p>
-        </p:txBody>
-      </p:sp>
-      <p:sp>
-        <p:nvSpPr>
-          <p:cNvPr id="16" name="TextBox 15">
-            <a:extLst>
-              <a:ext uri="{FF2B5EF4-FFF2-40B4-BE49-F238E27FC236}">
-                <a16:creationId xmlns:a16="http://schemas.microsoft.com/office/drawing/2014/main" id="{4A3692D0-646F-44B6-968C-C7CBE5E60005}"/>
-              </a:ext>
-            </a:extLst>
-          </p:cNvPr>
-          <p:cNvSpPr txBox="1"/>
-          <p:nvPr/>
-        </p:nvSpPr>
-        <p:spPr>
-          <a:xfrm>
-            <a:off x="1765296" y="5460833"/>
-            <a:ext cx="8163178" cy="461665"/>
-          </a:xfrm>
-          <a:prstGeom prst="rect">
-            <a:avLst/>
-          </a:prstGeom>
-          <a:noFill/>
-        </p:spPr>
-        <p:txBody>
-          <a:bodyPr wrap="square" rtlCol="0">
-            <a:spAutoFit/>
-          </a:bodyPr>
-          <a:lstStyle/>
-          <a:p>
-            <a:r>
-              <a:rPr lang="ko-KR" altLang="en-US" sz="2400" dirty="0">
-                <a:latin typeface="배달의민족 한나체 Air" panose="020B0600000101010101" pitchFamily="50" charset="-127"/>
-                <a:ea typeface="배달의민족 한나체 Air" panose="020B0600000101010101" pitchFamily="50" charset="-127"/>
-              </a:rPr>
-              <a:t>설치 </a:t>
-            </a:r>
-            <a:r>
-              <a:rPr lang="en-US" altLang="ko-KR" sz="2400" dirty="0">
-                <a:latin typeface="배달의민족 한나체 Air" panose="020B0600000101010101" pitchFamily="50" charset="-127"/>
-                <a:ea typeface="배달의민족 한나체 Air" panose="020B0600000101010101" pitchFamily="50" charset="-127"/>
-                <a:hlinkClick r:id="rId2"/>
-              </a:rPr>
-              <a:t>https://www.perforce.com/downloads/visual-merge-tool</a:t>
-            </a:r>
-            <a:endParaRPr lang="en-US" altLang="ko-KR" sz="2400" dirty="0">
-              <a:latin typeface="배달의민족 한나체 Air" panose="020B0600000101010101" pitchFamily="50" charset="-127"/>
-              <a:ea typeface="배달의민족 한나체 Air" panose="020B0600000101010101" pitchFamily="50" charset="-127"/>
-            </a:endParaRPr>
-          </a:p>
-        </p:txBody>
-      </p:sp>
-      <p:sp>
-        <p:nvSpPr>
-          <p:cNvPr id="12" name="TextBox 11">
-            <a:extLst>
-              <a:ext uri="{FF2B5EF4-FFF2-40B4-BE49-F238E27FC236}">
-                <a16:creationId xmlns:a16="http://schemas.microsoft.com/office/drawing/2014/main" id="{B2CFCC92-2FC2-40F1-9755-6C7A4E6CBEEF}"/>
-              </a:ext>
-            </a:extLst>
-          </p:cNvPr>
-          <p:cNvSpPr txBox="1"/>
-          <p:nvPr/>
-        </p:nvSpPr>
-        <p:spPr>
-          <a:xfrm>
-            <a:off x="969348" y="2445780"/>
-            <a:ext cx="10117751" cy="2308324"/>
-          </a:xfrm>
-          <a:prstGeom prst="rect">
-            <a:avLst/>
-          </a:prstGeom>
-          <a:noFill/>
-        </p:spPr>
-        <p:txBody>
-          <a:bodyPr wrap="square" rtlCol="0">
-            <a:spAutoFit/>
-          </a:bodyPr>
-          <a:lstStyle/>
-          <a:p>
-            <a:r>
-              <a:rPr lang="ko-KR" altLang="en-US" sz="2400" dirty="0">
-                <a:latin typeface="배달의민족 한나체 Air" panose="020B0600000101010101" pitchFamily="50" charset="-127"/>
-                <a:ea typeface="배달의민족 한나체 Air" panose="020B0600000101010101" pitchFamily="50" charset="-127"/>
-              </a:rPr>
-              <a:t>충돌이 났을 경우에는</a:t>
-            </a:r>
-            <a:r>
-              <a:rPr lang="en-US" altLang="ko-KR" sz="2400" dirty="0">
-                <a:latin typeface="배달의민족 한나체 Air" panose="020B0600000101010101" pitchFamily="50" charset="-127"/>
-                <a:ea typeface="배달의민족 한나체 Air" panose="020B0600000101010101" pitchFamily="50" charset="-127"/>
-              </a:rPr>
-              <a:t> Git</a:t>
-            </a:r>
-            <a:r>
-              <a:rPr lang="ko-KR" altLang="en-US" sz="2400" dirty="0">
-                <a:latin typeface="배달의민족 한나체 Air" panose="020B0600000101010101" pitchFamily="50" charset="-127"/>
-                <a:ea typeface="배달의민족 한나체 Air" panose="020B0600000101010101" pitchFamily="50" charset="-127"/>
-              </a:rPr>
-              <a:t>이 직접 해결하지 않고</a:t>
-            </a:r>
-            <a:r>
-              <a:rPr lang="en-US" altLang="ko-KR" sz="2400" dirty="0">
-                <a:latin typeface="배달의민족 한나체 Air" panose="020B0600000101010101" pitchFamily="50" charset="-127"/>
-                <a:ea typeface="배달의민족 한나체 Air" panose="020B0600000101010101" pitchFamily="50" charset="-127"/>
-              </a:rPr>
-              <a:t>, </a:t>
-            </a:r>
-            <a:r>
-              <a:rPr lang="ko-KR" altLang="en-US" sz="2400" dirty="0">
-                <a:latin typeface="배달의민족 한나체 Air" panose="020B0600000101010101" pitchFamily="50" charset="-127"/>
-                <a:ea typeface="배달의민족 한나체 Air" panose="020B0600000101010101" pitchFamily="50" charset="-127"/>
-              </a:rPr>
-              <a:t>사용자에게 충돌사항만 알려준다</a:t>
-            </a:r>
-            <a:r>
-              <a:rPr lang="en-US" altLang="ko-KR" sz="2400" dirty="0">
-                <a:latin typeface="배달의민족 한나체 Air" panose="020B0600000101010101" pitchFamily="50" charset="-127"/>
-                <a:ea typeface="배달의민족 한나체 Air" panose="020B0600000101010101" pitchFamily="50" charset="-127"/>
-              </a:rPr>
-              <a:t>. </a:t>
-            </a:r>
-            <a:r>
-              <a:rPr lang="ko-KR" altLang="en-US" sz="2400" dirty="0">
-                <a:latin typeface="배달의민족 한나체 Air" panose="020B0600000101010101" pitchFamily="50" charset="-127"/>
-                <a:ea typeface="배달의민족 한나체 Air" panose="020B0600000101010101" pitchFamily="50" charset="-127"/>
-              </a:rPr>
-              <a:t>따라서 사용자는 충돌사항을 보고 직접 해결해야만 한다</a:t>
-            </a:r>
-            <a:r>
-              <a:rPr lang="en-US" altLang="ko-KR" sz="2400" dirty="0">
-                <a:latin typeface="배달의민족 한나체 Air" panose="020B0600000101010101" pitchFamily="50" charset="-127"/>
-                <a:ea typeface="배달의민족 한나체 Air" panose="020B0600000101010101" pitchFamily="50" charset="-127"/>
-              </a:rPr>
-              <a:t>. </a:t>
-            </a:r>
-            <a:r>
-              <a:rPr lang="ko-KR" altLang="en-US" sz="2400" dirty="0">
-                <a:latin typeface="배달의민족 한나체 Air" panose="020B0600000101010101" pitchFamily="50" charset="-127"/>
-                <a:ea typeface="배달의민족 한나체 Air" panose="020B0600000101010101" pitchFamily="50" charset="-127"/>
-              </a:rPr>
-              <a:t>하지만 프로젝트가 방대해질 때는 </a:t>
-            </a:r>
-            <a:r>
-              <a:rPr lang="en-US" altLang="ko-KR" sz="2400" dirty="0">
-                <a:latin typeface="배달의민족 한나체 Air" panose="020B0600000101010101" pitchFamily="50" charset="-127"/>
-                <a:ea typeface="배달의민족 한나체 Air" panose="020B0600000101010101" pitchFamily="50" charset="-127"/>
-              </a:rPr>
-              <a:t>Git</a:t>
-            </a:r>
-            <a:r>
-              <a:rPr lang="ko-KR" altLang="en-US" sz="2400" dirty="0">
-                <a:latin typeface="배달의민족 한나체 Air" panose="020B0600000101010101" pitchFamily="50" charset="-127"/>
-                <a:ea typeface="배달의민족 한나체 Air" panose="020B0600000101010101" pitchFamily="50" charset="-127"/>
-              </a:rPr>
-              <a:t>에서 기본적으로 제공되는 에디터로는 충돌사항을 쉽게 확인하기가 어렵다</a:t>
-            </a:r>
-            <a:r>
-              <a:rPr lang="en-US" altLang="ko-KR" sz="2400" dirty="0">
-                <a:latin typeface="배달의민족 한나체 Air" panose="020B0600000101010101" pitchFamily="50" charset="-127"/>
-                <a:ea typeface="배달의민족 한나체 Air" panose="020B0600000101010101" pitchFamily="50" charset="-127"/>
-              </a:rPr>
-              <a:t>. </a:t>
-            </a:r>
-          </a:p>
-          <a:p>
-            <a:endParaRPr lang="en-US" altLang="ko-KR" sz="2400" dirty="0">
-              <a:latin typeface="배달의민족 한나체 Air" panose="020B0600000101010101" pitchFamily="50" charset="-127"/>
-              <a:ea typeface="배달의민족 한나체 Air" panose="020B0600000101010101" pitchFamily="50" charset="-127"/>
-            </a:endParaRPr>
-          </a:p>
-          <a:p>
-            <a:r>
-              <a:rPr lang="ko-KR" altLang="en-US" sz="2400" dirty="0">
-                <a:latin typeface="배달의민족 한나체 Air" panose="020B0600000101010101" pitchFamily="50" charset="-127"/>
-                <a:ea typeface="배달의민족 한나체 Air" panose="020B0600000101010101" pitchFamily="50" charset="-127"/>
-              </a:rPr>
-              <a:t>따라서 </a:t>
-            </a:r>
-            <a:r>
-              <a:rPr lang="ko-KR" altLang="en-US" sz="2400" dirty="0" err="1">
-                <a:latin typeface="배달의민족 한나체 Air" panose="020B0600000101010101" pitchFamily="50" charset="-127"/>
-                <a:ea typeface="배달의민족 한나체 Air" panose="020B0600000101010101" pitchFamily="50" charset="-127"/>
-              </a:rPr>
-              <a:t>서드파티</a:t>
-            </a:r>
-            <a:r>
-              <a:rPr lang="ko-KR" altLang="en-US" sz="2400" dirty="0">
-                <a:latin typeface="배달의민족 한나체 Air" panose="020B0600000101010101" pitchFamily="50" charset="-127"/>
-                <a:ea typeface="배달의민족 한나체 Air" panose="020B0600000101010101" pitchFamily="50" charset="-127"/>
-              </a:rPr>
-              <a:t> </a:t>
-            </a:r>
-            <a:r>
-              <a:rPr lang="en-US" altLang="ko-KR" sz="2400" dirty="0" err="1">
-                <a:latin typeface="배달의민족 한나체 Air" panose="020B0600000101010101" pitchFamily="50" charset="-127"/>
-                <a:ea typeface="배달의민족 한나체 Air" panose="020B0600000101010101" pitchFamily="50" charset="-127"/>
-              </a:rPr>
-              <a:t>mergetool</a:t>
-            </a:r>
-            <a:r>
-              <a:rPr lang="en-US" altLang="ko-KR" sz="2400" dirty="0">
-                <a:latin typeface="배달의민족 한나체 Air" panose="020B0600000101010101" pitchFamily="50" charset="-127"/>
-                <a:ea typeface="배달의민족 한나체 Air" panose="020B0600000101010101" pitchFamily="50" charset="-127"/>
-              </a:rPr>
-              <a:t> </a:t>
-            </a:r>
-            <a:r>
-              <a:rPr lang="ko-KR" altLang="en-US" sz="2400" dirty="0">
-                <a:latin typeface="배달의민족 한나체 Air" panose="020B0600000101010101" pitchFamily="50" charset="-127"/>
-                <a:ea typeface="배달의민족 한나체 Air" panose="020B0600000101010101" pitchFamily="50" charset="-127"/>
-              </a:rPr>
-              <a:t>중 하나인 </a:t>
-            </a:r>
-            <a:r>
-              <a:rPr lang="en-US" altLang="ko-KR" sz="2400" dirty="0">
-                <a:latin typeface="배달의민족 한나체 Air" panose="020B0600000101010101" pitchFamily="50" charset="-127"/>
-                <a:ea typeface="배달의민족 한나체 Air" panose="020B0600000101010101" pitchFamily="50" charset="-127"/>
-              </a:rPr>
-              <a:t>p4merge</a:t>
-            </a:r>
-            <a:r>
-              <a:rPr lang="ko-KR" altLang="en-US" sz="2400" dirty="0">
-                <a:latin typeface="배달의민족 한나체 Air" panose="020B0600000101010101" pitchFamily="50" charset="-127"/>
-                <a:ea typeface="배달의민족 한나체 Air" panose="020B0600000101010101" pitchFamily="50" charset="-127"/>
-              </a:rPr>
-              <a:t>를 사용하려고 한다</a:t>
-            </a:r>
-            <a:r>
-              <a:rPr lang="en-US" altLang="ko-KR" sz="2400" dirty="0">
-                <a:latin typeface="배달의민족 한나체 Air" panose="020B0600000101010101" pitchFamily="50" charset="-127"/>
-                <a:ea typeface="배달의민족 한나체 Air" panose="020B0600000101010101" pitchFamily="50" charset="-127"/>
-              </a:rPr>
-              <a:t>. </a:t>
-            </a:r>
-            <a:r>
-              <a:rPr lang="ko-KR" altLang="en-US" sz="2400" dirty="0">
-                <a:latin typeface="배달의민족 한나체 Air" panose="020B0600000101010101" pitchFamily="50" charset="-127"/>
-                <a:ea typeface="배달의민족 한나체 Air" panose="020B0600000101010101" pitchFamily="50" charset="-127"/>
-              </a:rPr>
-              <a:t>모든 플랫폼에서 사용할 수 있다는 장점이 있고 기본적으로 </a:t>
-            </a:r>
-            <a:r>
-              <a:rPr lang="en-US" altLang="ko-KR" sz="2400" dirty="0">
-                <a:latin typeface="배달의민족 한나체 Air" panose="020B0600000101010101" pitchFamily="50" charset="-127"/>
-                <a:ea typeface="배달의민족 한나체 Air" panose="020B0600000101010101" pitchFamily="50" charset="-127"/>
-              </a:rPr>
-              <a:t>3-way-merge </a:t>
-            </a:r>
-            <a:r>
-              <a:rPr lang="ko-KR" altLang="en-US" sz="2400" dirty="0">
-                <a:latin typeface="배달의민족 한나체 Air" panose="020B0600000101010101" pitchFamily="50" charset="-127"/>
-                <a:ea typeface="배달의민족 한나체 Air" panose="020B0600000101010101" pitchFamily="50" charset="-127"/>
-              </a:rPr>
-              <a:t>기법으로 </a:t>
-            </a:r>
-            <a:r>
-              <a:rPr lang="en-US" altLang="ko-KR" sz="2400" dirty="0">
-                <a:latin typeface="배달의민족 한나체 Air" panose="020B0600000101010101" pitchFamily="50" charset="-127"/>
-                <a:ea typeface="배달의민족 한나체 Air" panose="020B0600000101010101" pitchFamily="50" charset="-127"/>
-              </a:rPr>
-              <a:t>merge</a:t>
-            </a:r>
-            <a:r>
-              <a:rPr lang="ko-KR" altLang="en-US" sz="2400" dirty="0">
-                <a:latin typeface="배달의민족 한나체 Air" panose="020B0600000101010101" pitchFamily="50" charset="-127"/>
-                <a:ea typeface="배달의민족 한나체 Air" panose="020B0600000101010101" pitchFamily="50" charset="-127"/>
-              </a:rPr>
-              <a:t>를 한다</a:t>
-            </a:r>
-          </a:p>
-        </p:txBody>
-      </p:sp>
-    </p:spTree>
-    <p:extLst>
-      <p:ext uri="{BB962C8B-B14F-4D97-AF65-F5344CB8AC3E}">
-        <p14:creationId xmlns:p14="http://schemas.microsoft.com/office/powerpoint/2010/main" val="2134855275"/>
-      </p:ext>
-    </p:extLst>
-  </p:cSld>
-  <p:clrMapOvr>
-    <a:masterClrMapping/>
-  </p:clrMapOvr>
-</p:sld>
-</file>
-
 <file path=ppt/slides/slide43.xml><?xml version="1.0" encoding="utf-8"?>
 <p:sld xmlns:a="http://schemas.openxmlformats.org/drawingml/2006/main" xmlns:r="http://schemas.openxmlformats.org/officeDocument/2006/relationships" xmlns:p="http://schemas.openxmlformats.org/presentationml/2006/main">
   <p:cSld>
@@ -43183,7 +42593,7 @@
                 <a:latin typeface="배달의민족 한나체 Air" panose="020B0600000101010101" pitchFamily="50" charset="-127"/>
                 <a:ea typeface="배달의민족 한나체 Air" panose="020B0600000101010101" pitchFamily="50" charset="-127"/>
               </a:rPr>
-              <a:t>Git</a:t>
+              <a:t>Git </a:t>
             </a:r>
             <a:r>
               <a:rPr lang="ko-KR" altLang="en-US" dirty="0">
@@ -43193,7 +42603,7 @@
                 <a:latin typeface="배달의민족 한나체 Air" panose="020B0600000101010101" pitchFamily="50" charset="-127"/>
                 <a:ea typeface="배달의민족 한나체 Air" panose="020B0600000101010101" pitchFamily="50" charset="-127"/>
               </a:rPr>
-              <a:t> 고급 기술</a:t>
+              <a:t>더 알아보기</a:t>
             </a:r>
           </a:p>
         </p:txBody>
@@ -43483,8 +42893,8 @@
         </p:nvSpPr>
         <p:spPr>
           <a:xfrm>
-            <a:off x="1400432" y="2921168"/>
-            <a:ext cx="9201665" cy="1015663"/>
+            <a:off x="448409" y="1027130"/>
+            <a:ext cx="5714999" cy="707886"/>
           </a:xfrm>
           <a:prstGeom prst="rect">
             <a:avLst/>
@@ -43498,32 +42908,296 @@
           <a:lstStyle/>
           <a:p>
             <a:r>
-              <a:rPr lang="en-US" altLang="ko-KR" sz="6000" dirty="0">
-                <a:latin typeface="배달의민족 한나체 Air" panose="020B0600000101010101" pitchFamily="50" charset="-127"/>
-                <a:ea typeface="배달의민족 한나체 Air" panose="020B0600000101010101" pitchFamily="50" charset="-127"/>
-              </a:rPr>
-              <a:t>rebase, cherry</a:t>
-            </a:r>
-            <a:r>
-              <a:rPr lang="ko-KR" altLang="en-US" sz="6000" dirty="0">
+              <a:rPr lang="en-US" altLang="ko-KR" sz="4000" dirty="0" err="1">
+                <a:latin typeface="배달의민족 한나체 Air" panose="020B0600000101010101" pitchFamily="50" charset="-127"/>
+                <a:ea typeface="배달의민족 한나체 Air" panose="020B0600000101010101" pitchFamily="50" charset="-127"/>
+              </a:rPr>
+              <a:t>mergetool</a:t>
+            </a:r>
+            <a:r>
+              <a:rPr lang="en-US" altLang="ko-KR" sz="4000" dirty="0">
+                <a:latin typeface="배달의민족 한나체 Air" panose="020B0600000101010101" pitchFamily="50" charset="-127"/>
+                <a:ea typeface="배달의민족 한나체 Air" panose="020B0600000101010101" pitchFamily="50" charset="-127"/>
+              </a:rPr>
+              <a:t> p4merge </a:t>
+            </a:r>
+            <a:r>
+              <a:rPr lang="ko-KR" altLang="en-US" sz="4000" dirty="0">
+                <a:latin typeface="배달의민족 한나체 Air" panose="020B0600000101010101" pitchFamily="50" charset="-127"/>
+                <a:ea typeface="배달의민족 한나체 Air" panose="020B0600000101010101" pitchFamily="50" charset="-127"/>
+              </a:rPr>
+              <a:t>설정</a:t>
+            </a:r>
+          </a:p>
+        </p:txBody>
+      </p:sp>
+      <p:sp>
+        <p:nvSpPr>
+          <p:cNvPr id="16" name="TextBox 15">
+            <a:extLst>
+              <a:ext uri="{FF2B5EF4-FFF2-40B4-BE49-F238E27FC236}">
+                <a16:creationId xmlns:a16="http://schemas.microsoft.com/office/drawing/2014/main" id="{4A3692D0-646F-44B6-968C-C7CBE5E60005}"/>
+              </a:ext>
+            </a:extLst>
+          </p:cNvPr>
+          <p:cNvSpPr txBox="1"/>
+          <p:nvPr/>
+        </p:nvSpPr>
+        <p:spPr>
+          <a:xfrm>
+            <a:off x="1765296" y="5460833"/>
+            <a:ext cx="8163178" cy="461665"/>
+          </a:xfrm>
+          <a:prstGeom prst="rect">
+            <a:avLst/>
+          </a:prstGeom>
+          <a:noFill/>
+        </p:spPr>
+        <p:txBody>
+          <a:bodyPr wrap="square" rtlCol="0">
+            <a:spAutoFit/>
+          </a:bodyPr>
+          <a:lstStyle/>
+          <a:p>
+            <a:r>
+              <a:rPr lang="ko-KR" altLang="en-US" sz="2400" dirty="0">
+                <a:latin typeface="배달의민족 한나체 Air" panose="020B0600000101010101" pitchFamily="50" charset="-127"/>
+                <a:ea typeface="배달의민족 한나체 Air" panose="020B0600000101010101" pitchFamily="50" charset="-127"/>
+              </a:rPr>
+              <a:t>설치 </a:t>
+            </a:r>
+            <a:r>
+              <a:rPr lang="en-US" altLang="ko-KR" sz="2400" dirty="0">
+                <a:latin typeface="배달의민족 한나체 Air" panose="020B0600000101010101" pitchFamily="50" charset="-127"/>
+                <a:ea typeface="배달의민족 한나체 Air" panose="020B0600000101010101" pitchFamily="50" charset="-127"/>
+                <a:hlinkClick r:id="rId2"/>
+              </a:rPr>
+              <a:t>https://www.perforce.com/downloads/visual-merge-tool</a:t>
+            </a:r>
+            <a:endParaRPr lang="en-US" altLang="ko-KR" sz="2400" dirty="0">
+              <a:latin typeface="배달의민족 한나체 Air" panose="020B0600000101010101" pitchFamily="50" charset="-127"/>
+              <a:ea typeface="배달의민족 한나체 Air" panose="020B0600000101010101" pitchFamily="50" charset="-127"/>
+            </a:endParaRPr>
+          </a:p>
+        </p:txBody>
+      </p:sp>
+      <p:sp>
+        <p:nvSpPr>
+          <p:cNvPr id="12" name="TextBox 11">
+            <a:extLst>
+              <a:ext uri="{FF2B5EF4-FFF2-40B4-BE49-F238E27FC236}">
+                <a16:creationId xmlns:a16="http://schemas.microsoft.com/office/drawing/2014/main" id="{B2CFCC92-2FC2-40F1-9755-6C7A4E6CBEEF}"/>
+              </a:ext>
+            </a:extLst>
+          </p:cNvPr>
+          <p:cNvSpPr txBox="1"/>
+          <p:nvPr/>
+        </p:nvSpPr>
+        <p:spPr>
+          <a:xfrm>
+            <a:off x="969348" y="2445780"/>
+            <a:ext cx="10117751" cy="2308324"/>
+          </a:xfrm>
+          <a:prstGeom prst="rect">
+            <a:avLst/>
+          </a:prstGeom>
+          <a:noFill/>
+        </p:spPr>
+        <p:txBody>
+          <a:bodyPr wrap="square" rtlCol="0">
+            <a:spAutoFit/>
+          </a:bodyPr>
+          <a:lstStyle/>
+          <a:p>
+            <a:r>
+              <a:rPr lang="ko-KR" altLang="en-US" sz="2400" dirty="0">
+                <a:latin typeface="배달의민족 한나체 Air" panose="020B0600000101010101" pitchFamily="50" charset="-127"/>
+                <a:ea typeface="배달의민족 한나체 Air" panose="020B0600000101010101" pitchFamily="50" charset="-127"/>
+              </a:rPr>
+              <a:t>충돌이 났을 경우에는</a:t>
+            </a:r>
+            <a:r>
+              <a:rPr lang="en-US" altLang="ko-KR" sz="2400" dirty="0">
+                <a:latin typeface="배달의민족 한나체 Air" panose="020B0600000101010101" pitchFamily="50" charset="-127"/>
+                <a:ea typeface="배달의민족 한나체 Air" panose="020B0600000101010101" pitchFamily="50" charset="-127"/>
+              </a:rPr>
+              <a:t> Git</a:t>
+            </a:r>
+            <a:r>
+              <a:rPr lang="ko-KR" altLang="en-US" sz="2400" dirty="0">
+                <a:latin typeface="배달의민족 한나체 Air" panose="020B0600000101010101" pitchFamily="50" charset="-127"/>
+                <a:ea typeface="배달의민족 한나체 Air" panose="020B0600000101010101" pitchFamily="50" charset="-127"/>
+              </a:rPr>
+              <a:t>이 직접 해결하지 않고</a:t>
+            </a:r>
+            <a:r>
+              <a:rPr lang="en-US" altLang="ko-KR" sz="2400" dirty="0">
+                <a:latin typeface="배달의민족 한나체 Air" panose="020B0600000101010101" pitchFamily="50" charset="-127"/>
+                <a:ea typeface="배달의민족 한나체 Air" panose="020B0600000101010101" pitchFamily="50" charset="-127"/>
+              </a:rPr>
+              <a:t>, </a:t>
+            </a:r>
+            <a:r>
+              <a:rPr lang="ko-KR" altLang="en-US" sz="2400" dirty="0">
+                <a:latin typeface="배달의민족 한나체 Air" panose="020B0600000101010101" pitchFamily="50" charset="-127"/>
+                <a:ea typeface="배달의민족 한나체 Air" panose="020B0600000101010101" pitchFamily="50" charset="-127"/>
+              </a:rPr>
+              <a:t>사용자에게 충돌사항만 알려준다</a:t>
+            </a:r>
+            <a:r>
+              <a:rPr lang="en-US" altLang="ko-KR" sz="2400" dirty="0">
+                <a:latin typeface="배달의민족 한나체 Air" panose="020B0600000101010101" pitchFamily="50" charset="-127"/>
+                <a:ea typeface="배달의민족 한나체 Air" panose="020B0600000101010101" pitchFamily="50" charset="-127"/>
+              </a:rPr>
+              <a:t>. </a:t>
+            </a:r>
+            <a:r>
+              <a:rPr lang="ko-KR" altLang="en-US" sz="2400" dirty="0">
+                <a:latin typeface="배달의민족 한나체 Air" panose="020B0600000101010101" pitchFamily="50" charset="-127"/>
+                <a:ea typeface="배달의민족 한나체 Air" panose="020B0600000101010101" pitchFamily="50" charset="-127"/>
+              </a:rPr>
+              <a:t>따라서 사용자는 충돌사항을 보고 직접 해결해야만 한다</a:t>
+            </a:r>
+            <a:r>
+              <a:rPr lang="en-US" altLang="ko-KR" sz="2400" dirty="0">
+                <a:latin typeface="배달의민족 한나체 Air" panose="020B0600000101010101" pitchFamily="50" charset="-127"/>
+                <a:ea typeface="배달의민족 한나체 Air" panose="020B0600000101010101" pitchFamily="50" charset="-127"/>
+              </a:rPr>
+              <a:t>. </a:t>
+            </a:r>
+            <a:r>
+              <a:rPr lang="ko-KR" altLang="en-US" sz="2400" dirty="0">
+                <a:latin typeface="배달의민족 한나체 Air" panose="020B0600000101010101" pitchFamily="50" charset="-127"/>
+                <a:ea typeface="배달의민족 한나체 Air" panose="020B0600000101010101" pitchFamily="50" charset="-127"/>
+              </a:rPr>
+              <a:t>하지만 프로젝트가 방대해질 때는 </a:t>
+            </a:r>
+            <a:r>
+              <a:rPr lang="en-US" altLang="ko-KR" sz="2400" dirty="0">
+                <a:latin typeface="배달의민족 한나체 Air" panose="020B0600000101010101" pitchFamily="50" charset="-127"/>
+                <a:ea typeface="배달의민족 한나체 Air" panose="020B0600000101010101" pitchFamily="50" charset="-127"/>
+              </a:rPr>
+              <a:t>Git</a:t>
+            </a:r>
+            <a:r>
+              <a:rPr lang="ko-KR" altLang="en-US" sz="2400" dirty="0">
+                <a:latin typeface="배달의민족 한나체 Air" panose="020B0600000101010101" pitchFamily="50" charset="-127"/>
+                <a:ea typeface="배달의민족 한나체 Air" panose="020B0600000101010101" pitchFamily="50" charset="-127"/>
+              </a:rPr>
+              <a:t>에서 기본적으로 제공되는 에디터로는 충돌사항을 쉽게 확인하기가 어렵다</a:t>
+            </a:r>
+            <a:r>
+              <a:rPr lang="en-US" altLang="ko-KR" sz="2400" dirty="0">
+                <a:latin typeface="배달의민족 한나체 Air" panose="020B0600000101010101" pitchFamily="50" charset="-127"/>
+                <a:ea typeface="배달의민족 한나체 Air" panose="020B0600000101010101" pitchFamily="50" charset="-127"/>
+              </a:rPr>
+              <a:t>. </a:t>
+            </a:r>
+          </a:p>
+          <a:p>
+            <a:endParaRPr lang="en-US" altLang="ko-KR" sz="2400" dirty="0">
+              <a:latin typeface="배달의민족 한나체 Air" panose="020B0600000101010101" pitchFamily="50" charset="-127"/>
+              <a:ea typeface="배달의민족 한나체 Air" panose="020B0600000101010101" pitchFamily="50" charset="-127"/>
+            </a:endParaRPr>
+          </a:p>
+          <a:p>
+            <a:r>
+              <a:rPr lang="ko-KR" altLang="en-US" sz="2400" dirty="0">
+                <a:latin typeface="배달의민족 한나체 Air" panose="020B0600000101010101" pitchFamily="50" charset="-127"/>
+                <a:ea typeface="배달의민족 한나체 Air" panose="020B0600000101010101" pitchFamily="50" charset="-127"/>
+              </a:rPr>
+              <a:t>따라서 </a:t>
+            </a:r>
+            <a:r>
+              <a:rPr lang="ko-KR" altLang="en-US" sz="2400" dirty="0" err="1">
+                <a:latin typeface="배달의민족 한나체 Air" panose="020B0600000101010101" pitchFamily="50" charset="-127"/>
+                <a:ea typeface="배달의민족 한나체 Air" panose="020B0600000101010101" pitchFamily="50" charset="-127"/>
+              </a:rPr>
+              <a:t>서드파티</a:t>
+            </a:r>
+            <a:r>
+              <a:rPr lang="ko-KR" altLang="en-US" sz="2400" dirty="0">
                 <a:latin typeface="배달의민족 한나체 Air" panose="020B0600000101010101" pitchFamily="50" charset="-127"/>
                 <a:ea typeface="배달의민족 한나체 Air" panose="020B0600000101010101" pitchFamily="50" charset="-127"/>
               </a:rPr>
               <a:t> </a:t>
             </a:r>
             <a:r>
-              <a:rPr lang="en-US" altLang="ko-KR" sz="6000" dirty="0">
-                <a:latin typeface="배달의민족 한나체 Air" panose="020B0600000101010101" pitchFamily="50" charset="-127"/>
-                <a:ea typeface="배달의민족 한나체 Air" panose="020B0600000101010101" pitchFamily="50" charset="-127"/>
-              </a:rPr>
-              <a:t>- pick</a:t>
-            </a:r>
-            <a:r>
-              <a:rPr lang="ko-KR" altLang="en-US" sz="6000" dirty="0">
-                <a:latin typeface="배달의민족 한나체 Air" panose="020B0600000101010101" pitchFamily="50" charset="-127"/>
-                <a:ea typeface="배달의민족 한나체 Air" panose="020B0600000101010101" pitchFamily="50" charset="-127"/>
-              </a:rPr>
-              <a:t> 맛보기</a:t>
+              <a:rPr lang="en-US" altLang="ko-KR" sz="2400" dirty="0" err="1">
+                <a:latin typeface="배달의민족 한나체 Air" panose="020B0600000101010101" pitchFamily="50" charset="-127"/>
+                <a:ea typeface="배달의민족 한나체 Air" panose="020B0600000101010101" pitchFamily="50" charset="-127"/>
+              </a:rPr>
+              <a:t>mergetool</a:t>
+            </a:r>
+            <a:r>
+              <a:rPr lang="en-US" altLang="ko-KR" sz="2400" dirty="0">
+                <a:latin typeface="배달의민족 한나체 Air" panose="020B0600000101010101" pitchFamily="50" charset="-127"/>
+                <a:ea typeface="배달의민족 한나체 Air" panose="020B0600000101010101" pitchFamily="50" charset="-127"/>
+              </a:rPr>
+              <a:t> </a:t>
+            </a:r>
+            <a:r>
+              <a:rPr lang="ko-KR" altLang="en-US" sz="2400" dirty="0">
+                <a:latin typeface="배달의민족 한나체 Air" panose="020B0600000101010101" pitchFamily="50" charset="-127"/>
+                <a:ea typeface="배달의민족 한나체 Air" panose="020B0600000101010101" pitchFamily="50" charset="-127"/>
+              </a:rPr>
+              <a:t>중 하나인 </a:t>
+            </a:r>
+            <a:r>
+              <a:rPr lang="en-US" altLang="ko-KR" sz="2400" dirty="0">
+                <a:latin typeface="배달의민족 한나체 Air" panose="020B0600000101010101" pitchFamily="50" charset="-127"/>
+                <a:ea typeface="배달의민족 한나체 Air" panose="020B0600000101010101" pitchFamily="50" charset="-127"/>
+              </a:rPr>
+              <a:t>p4merge</a:t>
+            </a:r>
+            <a:r>
+              <a:rPr lang="ko-KR" altLang="en-US" sz="2400" dirty="0">
+                <a:latin typeface="배달의민족 한나체 Air" panose="020B0600000101010101" pitchFamily="50" charset="-127"/>
+                <a:ea typeface="배달의민족 한나체 Air" panose="020B0600000101010101" pitchFamily="50" charset="-127"/>
+              </a:rPr>
+              <a:t>를 사용하려고 한다</a:t>
+            </a:r>
+            <a:r>
+              <a:rPr lang="en-US" altLang="ko-KR" sz="2400" dirty="0">
+                <a:latin typeface="배달의민족 한나체 Air" panose="020B0600000101010101" pitchFamily="50" charset="-127"/>
+                <a:ea typeface="배달의민족 한나체 Air" panose="020B0600000101010101" pitchFamily="50" charset="-127"/>
+              </a:rPr>
+              <a:t>. </a:t>
+            </a:r>
+            <a:r>
+              <a:rPr lang="ko-KR" altLang="en-US" sz="2400" dirty="0">
+                <a:latin typeface="배달의민족 한나체 Air" panose="020B0600000101010101" pitchFamily="50" charset="-127"/>
+                <a:ea typeface="배달의민족 한나체 Air" panose="020B0600000101010101" pitchFamily="50" charset="-127"/>
+              </a:rPr>
+              <a:t>모든 플랫폼에서 사용할 수 있다는 장점이 있고 기본적으로 </a:t>
+            </a:r>
+            <a:r>
+              <a:rPr lang="en-US" altLang="ko-KR" sz="2400" dirty="0">
+                <a:latin typeface="배달의민족 한나체 Air" panose="020B0600000101010101" pitchFamily="50" charset="-127"/>
+                <a:ea typeface="배달의민족 한나체 Air" panose="020B0600000101010101" pitchFamily="50" charset="-127"/>
+              </a:rPr>
+              <a:t>3-way-merge </a:t>
+            </a:r>
+            <a:r>
+              <a:rPr lang="ko-KR" altLang="en-US" sz="2400" dirty="0">
+                <a:latin typeface="배달의민족 한나체 Air" panose="020B0600000101010101" pitchFamily="50" charset="-127"/>
+                <a:ea typeface="배달의민족 한나체 Air" panose="020B0600000101010101" pitchFamily="50" charset="-127"/>
+              </a:rPr>
+              <a:t>기법으로 </a:t>
+            </a:r>
+            <a:r>
+              <a:rPr lang="en-US" altLang="ko-KR" sz="2400" dirty="0">
+                <a:latin typeface="배달의민족 한나체 Air" panose="020B0600000101010101" pitchFamily="50" charset="-127"/>
+                <a:ea typeface="배달의민족 한나체 Air" panose="020B0600000101010101" pitchFamily="50" charset="-127"/>
+              </a:rPr>
+              <a:t>merge</a:t>
+            </a:r>
+            <a:r>
+              <a:rPr lang="ko-KR" altLang="en-US" sz="2400" dirty="0">
+                <a:latin typeface="배달의민족 한나체 Air" panose="020B0600000101010101" pitchFamily="50" charset="-127"/>
+                <a:ea typeface="배달의민족 한나체 Air" panose="020B0600000101010101" pitchFamily="50" charset="-127"/>
+              </a:rPr>
+              <a:t>를 한다</a:t>
             </a:r>
           </a:p>
         </p:txBody>
@@ -43531,7 +43205,7 @@
     </p:spTree>
     <p:extLst>
       <p:ext uri="{BB962C8B-B14F-4D97-AF65-F5344CB8AC3E}">
-        <p14:creationId xmlns:p14="http://schemas.microsoft.com/office/powerpoint/2010/main" val="1300004853"/>
+        <p14:creationId xmlns:p14="http://schemas.microsoft.com/office/powerpoint/2010/main" val="2134855275"/>
       </p:ext>
     </p:extLst>
   </p:cSld>
@@ -43707,6 +43381,537 @@
           <a:p>
             <a:pPr algn="ctr"/>
             <a:r>
+              <a:rPr lang="en-US" altLang="ko-KR" dirty="0">
+                <a:solidFill>
+                  <a:schemeClr val="tx1"/>
+                </a:solidFill>
+                <a:latin typeface="배달의민족 한나체 Air" panose="020B0600000101010101" pitchFamily="50" charset="-127"/>
+                <a:ea typeface="배달의민족 한나체 Air" panose="020B0600000101010101" pitchFamily="50" charset="-127"/>
+              </a:rPr>
+              <a:t>Git</a:t>
+            </a:r>
+            <a:r>
+              <a:rPr lang="ko-KR" altLang="en-US" dirty="0">
+                <a:solidFill>
+                  <a:schemeClr val="tx1"/>
+                </a:solidFill>
+                <a:latin typeface="배달의민족 한나체 Air" panose="020B0600000101010101" pitchFamily="50" charset="-127"/>
+                <a:ea typeface="배달의민족 한나체 Air" panose="020B0600000101010101" pitchFamily="50" charset="-127"/>
+              </a:rPr>
+              <a:t> 고급 기술</a:t>
+            </a:r>
+          </a:p>
+        </p:txBody>
+      </p:sp>
+      <p:sp>
+        <p:nvSpPr>
+          <p:cNvPr id="8" name="직사각형 7"/>
+          <p:cNvSpPr/>
+          <p:nvPr/>
+        </p:nvSpPr>
+        <p:spPr>
+          <a:xfrm>
+            <a:off x="7639050" y="150358"/>
+            <a:ext cx="352800" cy="352425"/>
+          </a:xfrm>
+          <a:prstGeom prst="rect">
+            <a:avLst/>
+          </a:prstGeom>
+          <a:solidFill>
+            <a:srgbClr val="29A93A"/>
+          </a:solidFill>
+          <a:ln w="12700">
+            <a:solidFill>
+              <a:srgbClr val="01A333"/>
+            </a:solidFill>
+          </a:ln>
+        </p:spPr>
+        <p:style>
+          <a:lnRef idx="2">
+            <a:schemeClr val="accent1">
+              <a:shade val="50000"/>
+            </a:schemeClr>
+          </a:lnRef>
+          <a:fillRef idx="1">
+            <a:schemeClr val="accent1"/>
+          </a:fillRef>
+          <a:effectRef idx="0">
+            <a:schemeClr val="accent1"/>
+          </a:effectRef>
+          <a:fontRef idx="minor">
+            <a:schemeClr val="lt1"/>
+          </a:fontRef>
+        </p:style>
+        <p:txBody>
+          <a:bodyPr rtlCol="0" anchor="ctr"/>
+          <a:lstStyle/>
+          <a:p>
+            <a:pPr algn="ctr"/>
+            <a:endParaRPr lang="ko-KR" altLang="en-US">
+              <a:solidFill>
+                <a:prstClr val="white"/>
+              </a:solidFill>
+              <a:latin typeface="배달의민족 한나체 Air" panose="020B0600000101010101" pitchFamily="50" charset="-127"/>
+              <a:ea typeface="배달의민족 한나체 Air" panose="020B0600000101010101" pitchFamily="50" charset="-127"/>
+            </a:endParaRPr>
+          </a:p>
+        </p:txBody>
+      </p:sp>
+      <p:sp>
+        <p:nvSpPr>
+          <p:cNvPr id="9" name="직사각형 8"/>
+          <p:cNvSpPr/>
+          <p:nvPr/>
+        </p:nvSpPr>
+        <p:spPr>
+          <a:xfrm>
+            <a:off x="8270231" y="147128"/>
+            <a:ext cx="876301" cy="352425"/>
+          </a:xfrm>
+          <a:prstGeom prst="rect">
+            <a:avLst/>
+          </a:prstGeom>
+          <a:solidFill>
+            <a:srgbClr val="29A93A"/>
+          </a:solidFill>
+          <a:ln w="12700">
+            <a:solidFill>
+              <a:srgbClr val="01A333"/>
+            </a:solidFill>
+          </a:ln>
+        </p:spPr>
+        <p:style>
+          <a:lnRef idx="2">
+            <a:schemeClr val="accent1">
+              <a:shade val="50000"/>
+            </a:schemeClr>
+          </a:lnRef>
+          <a:fillRef idx="1">
+            <a:schemeClr val="accent1"/>
+          </a:fillRef>
+          <a:effectRef idx="0">
+            <a:schemeClr val="accent1"/>
+          </a:effectRef>
+          <a:fontRef idx="minor">
+            <a:schemeClr val="lt1"/>
+          </a:fontRef>
+        </p:style>
+        <p:txBody>
+          <a:bodyPr rtlCol="0" anchor="ctr"/>
+          <a:lstStyle/>
+          <a:p>
+            <a:pPr algn="ctr"/>
+            <a:r>
+              <a:rPr lang="ko-KR" altLang="en-US" sz="1050" b="1" dirty="0">
+                <a:solidFill>
+                  <a:prstClr val="white"/>
+                </a:solidFill>
+                <a:latin typeface="배달의민족 한나체 Air" panose="020B0600000101010101" pitchFamily="50" charset="-127"/>
+                <a:ea typeface="배달의민족 한나체 Air" panose="020B0600000101010101" pitchFamily="50" charset="-127"/>
+              </a:rPr>
+              <a:t>통합검색</a:t>
+            </a:r>
+          </a:p>
+        </p:txBody>
+      </p:sp>
+      <p:sp>
+        <p:nvSpPr>
+          <p:cNvPr id="10" name="도넛 9"/>
+          <p:cNvSpPr/>
+          <p:nvPr/>
+        </p:nvSpPr>
+        <p:spPr>
+          <a:xfrm>
+            <a:off x="7717629" y="224520"/>
+            <a:ext cx="157164" cy="156482"/>
+          </a:xfrm>
+          <a:prstGeom prst="donut">
+            <a:avLst>
+              <a:gd name="adj" fmla="val 6590"/>
+            </a:avLst>
+          </a:prstGeom>
+          <a:solidFill>
+            <a:schemeClr val="bg1"/>
+          </a:solidFill>
+          <a:ln w="95250">
+            <a:noFill/>
+          </a:ln>
+        </p:spPr>
+        <p:style>
+          <a:lnRef idx="2">
+            <a:schemeClr val="accent1">
+              <a:shade val="50000"/>
+            </a:schemeClr>
+          </a:lnRef>
+          <a:fillRef idx="1">
+            <a:schemeClr val="accent1"/>
+          </a:fillRef>
+          <a:effectRef idx="0">
+            <a:schemeClr val="accent1"/>
+          </a:effectRef>
+          <a:fontRef idx="minor">
+            <a:schemeClr val="lt1"/>
+          </a:fontRef>
+        </p:style>
+        <p:txBody>
+          <a:bodyPr rtlCol="0" anchor="ctr"/>
+          <a:lstStyle/>
+          <a:p>
+            <a:pPr algn="ctr"/>
+            <a:endParaRPr lang="ko-KR" altLang="en-US">
+              <a:solidFill>
+                <a:prstClr val="white"/>
+              </a:solidFill>
+              <a:latin typeface="배달의민족 한나체 Air" panose="020B0600000101010101" pitchFamily="50" charset="-127"/>
+              <a:ea typeface="배달의민족 한나체 Air" panose="020B0600000101010101" pitchFamily="50" charset="-127"/>
+            </a:endParaRPr>
+          </a:p>
+        </p:txBody>
+      </p:sp>
+      <p:sp>
+        <p:nvSpPr>
+          <p:cNvPr id="11" name="모서리가 둥근 직사각형 10"/>
+          <p:cNvSpPr/>
+          <p:nvPr/>
+        </p:nvSpPr>
+        <p:spPr>
+          <a:xfrm rot="18900000">
+            <a:off x="7876538" y="338908"/>
+            <a:ext cx="10800" cy="108000"/>
+          </a:xfrm>
+          <a:prstGeom prst="roundRect">
+            <a:avLst>
+              <a:gd name="adj" fmla="val 50000"/>
+            </a:avLst>
+          </a:prstGeom>
+          <a:solidFill>
+            <a:schemeClr val="bg1"/>
+          </a:solidFill>
+          <a:ln>
+            <a:noFill/>
+          </a:ln>
+        </p:spPr>
+        <p:style>
+          <a:lnRef idx="2">
+            <a:schemeClr val="accent1">
+              <a:shade val="50000"/>
+            </a:schemeClr>
+          </a:lnRef>
+          <a:fillRef idx="1">
+            <a:schemeClr val="accent1"/>
+          </a:fillRef>
+          <a:effectRef idx="0">
+            <a:schemeClr val="accent1"/>
+          </a:effectRef>
+          <a:fontRef idx="minor">
+            <a:schemeClr val="lt1"/>
+          </a:fontRef>
+        </p:style>
+        <p:txBody>
+          <a:bodyPr rtlCol="0" anchor="ctr"/>
+          <a:lstStyle/>
+          <a:p>
+            <a:pPr algn="ctr"/>
+            <a:endParaRPr lang="ko-KR" altLang="en-US">
+              <a:solidFill>
+                <a:prstClr val="white"/>
+              </a:solidFill>
+              <a:latin typeface="배달의민족 한나체 Air" panose="020B0600000101010101" pitchFamily="50" charset="-127"/>
+              <a:ea typeface="배달의민족 한나체 Air" panose="020B0600000101010101" pitchFamily="50" charset="-127"/>
+            </a:endParaRPr>
+          </a:p>
+        </p:txBody>
+      </p:sp>
+      <p:sp>
+        <p:nvSpPr>
+          <p:cNvPr id="13" name="이등변 삼각형 12"/>
+          <p:cNvSpPr/>
+          <p:nvPr/>
+        </p:nvSpPr>
+        <p:spPr>
+          <a:xfrm flipV="1">
+            <a:off x="7376608" y="286391"/>
+            <a:ext cx="108000" cy="72000"/>
+          </a:xfrm>
+          <a:prstGeom prst="triangle">
+            <a:avLst/>
+          </a:prstGeom>
+          <a:solidFill>
+            <a:srgbClr val="01C73C"/>
+          </a:solidFill>
+          <a:ln w="95250">
+            <a:noFill/>
+          </a:ln>
+        </p:spPr>
+        <p:style>
+          <a:lnRef idx="2">
+            <a:schemeClr val="accent1">
+              <a:shade val="50000"/>
+            </a:schemeClr>
+          </a:lnRef>
+          <a:fillRef idx="1">
+            <a:schemeClr val="accent1"/>
+          </a:fillRef>
+          <a:effectRef idx="0">
+            <a:schemeClr val="accent1"/>
+          </a:effectRef>
+          <a:fontRef idx="minor">
+            <a:schemeClr val="lt1"/>
+          </a:fontRef>
+        </p:style>
+        <p:txBody>
+          <a:bodyPr rtlCol="0" anchor="ctr"/>
+          <a:lstStyle/>
+          <a:p>
+            <a:pPr algn="ctr"/>
+            <a:endParaRPr lang="ko-KR" altLang="en-US">
+              <a:solidFill>
+                <a:prstClr val="white"/>
+              </a:solidFill>
+              <a:latin typeface="배달의민족 한나체 Air" panose="020B0600000101010101" pitchFamily="50" charset="-127"/>
+              <a:ea typeface="배달의민족 한나체 Air" panose="020B0600000101010101" pitchFamily="50" charset="-127"/>
+            </a:endParaRPr>
+          </a:p>
+        </p:txBody>
+      </p:sp>
+      <p:sp>
+        <p:nvSpPr>
+          <p:cNvPr id="14" name="TextBox 13">
+            <a:extLst>
+              <a:ext uri="{FF2B5EF4-FFF2-40B4-BE49-F238E27FC236}">
+                <a16:creationId xmlns:a16="http://schemas.microsoft.com/office/drawing/2014/main" id="{BADB64DF-3733-4C49-9402-11B683ABC482}"/>
+              </a:ext>
+            </a:extLst>
+          </p:cNvPr>
+          <p:cNvSpPr txBox="1"/>
+          <p:nvPr/>
+        </p:nvSpPr>
+        <p:spPr>
+          <a:xfrm>
+            <a:off x="1400432" y="2921168"/>
+            <a:ext cx="9201665" cy="1015663"/>
+          </a:xfrm>
+          <a:prstGeom prst="rect">
+            <a:avLst/>
+          </a:prstGeom>
+          <a:noFill/>
+        </p:spPr>
+        <p:txBody>
+          <a:bodyPr wrap="square" rtlCol="0">
+            <a:spAutoFit/>
+          </a:bodyPr>
+          <a:lstStyle/>
+          <a:p>
+            <a:r>
+              <a:rPr lang="en-US" altLang="ko-KR" sz="6000" dirty="0">
+                <a:latin typeface="배달의민족 한나체 Air" panose="020B0600000101010101" pitchFamily="50" charset="-127"/>
+                <a:ea typeface="배달의민족 한나체 Air" panose="020B0600000101010101" pitchFamily="50" charset="-127"/>
+              </a:rPr>
+              <a:t>rebase, cherry</a:t>
+            </a:r>
+            <a:r>
+              <a:rPr lang="ko-KR" altLang="en-US" sz="6000" dirty="0">
+                <a:latin typeface="배달의민족 한나체 Air" panose="020B0600000101010101" pitchFamily="50" charset="-127"/>
+                <a:ea typeface="배달의민족 한나체 Air" panose="020B0600000101010101" pitchFamily="50" charset="-127"/>
+              </a:rPr>
+              <a:t> </a:t>
+            </a:r>
+            <a:r>
+              <a:rPr lang="en-US" altLang="ko-KR" sz="6000" dirty="0">
+                <a:latin typeface="배달의민족 한나체 Air" panose="020B0600000101010101" pitchFamily="50" charset="-127"/>
+                <a:ea typeface="배달의민족 한나체 Air" panose="020B0600000101010101" pitchFamily="50" charset="-127"/>
+              </a:rPr>
+              <a:t>- pick</a:t>
+            </a:r>
+            <a:r>
+              <a:rPr lang="ko-KR" altLang="en-US" sz="6000" dirty="0">
+                <a:latin typeface="배달의민족 한나체 Air" panose="020B0600000101010101" pitchFamily="50" charset="-127"/>
+                <a:ea typeface="배달의민족 한나체 Air" panose="020B0600000101010101" pitchFamily="50" charset="-127"/>
+              </a:rPr>
+              <a:t> 맛보기</a:t>
+            </a:r>
+          </a:p>
+        </p:txBody>
+      </p:sp>
+    </p:spTree>
+    <p:extLst>
+      <p:ext uri="{BB962C8B-B14F-4D97-AF65-F5344CB8AC3E}">
+        <p14:creationId xmlns:p14="http://schemas.microsoft.com/office/powerpoint/2010/main" val="1300004853"/>
+      </p:ext>
+    </p:extLst>
+  </p:cSld>
+  <p:clrMapOvr>
+    <a:masterClrMapping/>
+  </p:clrMapOvr>
+</p:sld>
+</file>
+
+<file path=ppt/slides/slide45.xml><?xml version="1.0" encoding="utf-8"?>
+<p:sld xmlns:a="http://schemas.openxmlformats.org/drawingml/2006/main" xmlns:r="http://schemas.openxmlformats.org/officeDocument/2006/relationships" xmlns:p="http://schemas.openxmlformats.org/presentationml/2006/main">
+  <p:cSld>
+    <p:spTree>
+      <p:nvGrpSpPr>
+        <p:cNvPr id="1" name=""/>
+        <p:cNvGrpSpPr/>
+        <p:nvPr/>
+      </p:nvGrpSpPr>
+      <p:grpSpPr>
+        <a:xfrm>
+          <a:off x="0" y="0"/>
+          <a:ext cx="0" cy="0"/>
+          <a:chOff x="0" y="0"/>
+          <a:chExt cx="0" cy="0"/>
+        </a:xfrm>
+      </p:grpSpPr>
+      <p:sp>
+        <p:nvSpPr>
+          <p:cNvPr id="5" name="직사각형 4"/>
+          <p:cNvSpPr/>
+          <p:nvPr/>
+        </p:nvSpPr>
+        <p:spPr>
+          <a:xfrm>
+            <a:off x="0" y="-1"/>
+            <a:ext cx="12192000" cy="6830555"/>
+          </a:xfrm>
+          <a:prstGeom prst="rect">
+            <a:avLst/>
+          </a:prstGeom>
+          <a:noFill/>
+          <a:ln w="95250">
+            <a:solidFill>
+              <a:srgbClr val="01C73C"/>
+            </a:solidFill>
+          </a:ln>
+        </p:spPr>
+        <p:style>
+          <a:lnRef idx="2">
+            <a:schemeClr val="accent1">
+              <a:shade val="50000"/>
+            </a:schemeClr>
+          </a:lnRef>
+          <a:fillRef idx="1">
+            <a:schemeClr val="accent1"/>
+          </a:fillRef>
+          <a:effectRef idx="0">
+            <a:schemeClr val="accent1"/>
+          </a:effectRef>
+          <a:fontRef idx="minor">
+            <a:schemeClr val="lt1"/>
+          </a:fontRef>
+        </p:style>
+        <p:txBody>
+          <a:bodyPr rtlCol="0" anchor="ctr"/>
+          <a:lstStyle/>
+          <a:p>
+            <a:pPr algn="ctr"/>
+            <a:endParaRPr lang="ko-KR" altLang="en-US">
+              <a:solidFill>
+                <a:prstClr val="white"/>
+              </a:solidFill>
+              <a:latin typeface="배달의민족 한나체 Air" panose="020B0600000101010101" pitchFamily="50" charset="-127"/>
+              <a:ea typeface="배달의민족 한나체 Air" panose="020B0600000101010101" pitchFamily="50" charset="-127"/>
+            </a:endParaRPr>
+          </a:p>
+        </p:txBody>
+      </p:sp>
+      <p:sp>
+        <p:nvSpPr>
+          <p:cNvPr id="6" name="직사각형 5"/>
+          <p:cNvSpPr/>
+          <p:nvPr/>
+        </p:nvSpPr>
+        <p:spPr>
+          <a:xfrm>
+            <a:off x="-1" y="0"/>
+            <a:ext cx="12192000" cy="653143"/>
+          </a:xfrm>
+          <a:prstGeom prst="rect">
+            <a:avLst/>
+          </a:prstGeom>
+          <a:solidFill>
+            <a:srgbClr val="01C73C"/>
+          </a:solidFill>
+          <a:ln w="95250">
+            <a:noFill/>
+          </a:ln>
+        </p:spPr>
+        <p:style>
+          <a:lnRef idx="2">
+            <a:schemeClr val="accent1">
+              <a:shade val="50000"/>
+            </a:schemeClr>
+          </a:lnRef>
+          <a:fillRef idx="1">
+            <a:schemeClr val="accent1"/>
+          </a:fillRef>
+          <a:effectRef idx="0">
+            <a:schemeClr val="accent1"/>
+          </a:effectRef>
+          <a:fontRef idx="minor">
+            <a:schemeClr val="lt1"/>
+          </a:fontRef>
+        </p:style>
+        <p:txBody>
+          <a:bodyPr rtlCol="0" anchor="ctr"/>
+          <a:lstStyle/>
+          <a:p>
+            <a:pPr lvl="3" latinLnBrk="0">
+              <a:defRPr/>
+            </a:pPr>
+            <a:endParaRPr lang="ko-KR" altLang="en-US" sz="1400" kern="0" dirty="0">
+              <a:solidFill>
+                <a:prstClr val="white"/>
+              </a:solidFill>
+              <a:latin typeface="배달의민족 한나체 Air" panose="020B0600000101010101" pitchFamily="50" charset="-127"/>
+              <a:ea typeface="배달의민족 한나체 Air" panose="020B0600000101010101" pitchFamily="50" charset="-127"/>
+            </a:endParaRPr>
+          </a:p>
+        </p:txBody>
+      </p:sp>
+      <p:sp>
+        <p:nvSpPr>
+          <p:cNvPr id="7" name="직사각형 6"/>
+          <p:cNvSpPr/>
+          <p:nvPr/>
+        </p:nvSpPr>
+        <p:spPr>
+          <a:xfrm>
+            <a:off x="3430786" y="146178"/>
+            <a:ext cx="3896674" cy="352425"/>
+          </a:xfrm>
+          <a:prstGeom prst="rect">
+            <a:avLst/>
+          </a:prstGeom>
+          <a:solidFill>
+            <a:schemeClr val="bg1"/>
+          </a:solidFill>
+          <a:ln w="95250">
+            <a:noFill/>
+          </a:ln>
+        </p:spPr>
+        <p:style>
+          <a:lnRef idx="2">
+            <a:schemeClr val="accent1">
+              <a:shade val="50000"/>
+            </a:schemeClr>
+          </a:lnRef>
+          <a:fillRef idx="1">
+            <a:schemeClr val="accent1"/>
+          </a:fillRef>
+          <a:effectRef idx="0">
+            <a:schemeClr val="accent1"/>
+          </a:effectRef>
+          <a:fontRef idx="minor">
+            <a:schemeClr val="lt1"/>
+          </a:fontRef>
+        </p:style>
+        <p:txBody>
+          <a:bodyPr rtlCol="0" anchor="ctr"/>
+          <a:lstStyle/>
+          <a:p>
+            <a:pPr algn="ctr"/>
+            <a:r>
               <a:rPr lang="ko-KR" altLang="en-US" dirty="0">
                 <a:solidFill>
                   <a:schemeClr val="tx1"/>
@@ -44183,7 +44388,7 @@
 </p:sld>
 </file>
 
-<file path=ppt/slides/slide45.xml><?xml version="1.0" encoding="utf-8"?>
+<file path=ppt/slides/slide46.xml><?xml version="1.0" encoding="utf-8"?>
 <p:sld xmlns:a="http://schemas.openxmlformats.org/drawingml/2006/main" xmlns:r="http://schemas.openxmlformats.org/officeDocument/2006/relationships" xmlns:p="http://schemas.openxmlformats.org/presentationml/2006/main">
   <p:cSld>
     <p:spTree>
